--- a/Poster.pptx
+++ b/Poster.pptx
@@ -107,6 +107,22 @@
 </p:presentation>
 </file>
 
+<file path=ppt/commentAuthors.xml><?xml version="1.0" encoding="utf-8"?>
+<p:cmAuthorLst xmlns:a="http://schemas.openxmlformats.org/drawingml/2006/main" xmlns:r="http://schemas.openxmlformats.org/officeDocument/2006/relationships" xmlns:p="http://schemas.openxmlformats.org/presentationml/2006/main">
+  <p:cmAuthor id="0" name="Gabrielle" initials="" lastIdx="1" clrIdx="0"/>
+</p:cmAuthorLst>
+</file>
+
+<file path=ppt/comments/comment1.xml><?xml version="1.0" encoding="utf-8"?>
+<p:cmLst xmlns:a="http://schemas.openxmlformats.org/drawingml/2006/main" xmlns:r="http://schemas.openxmlformats.org/officeDocument/2006/relationships" xmlns:p="http://schemas.openxmlformats.org/presentationml/2006/main">
+  <p:cm authorId="0" dt="2016-07-14T21:08:21.880" idx="1">
+    <p:pos x="8178" y="889"/>
+    <p:text>EBOH and Lady Davis good for you?
+And which institute funds your PhD? For the logo.</p:text>
+  </p:cm>
+</p:cmLst>
+</file>
+
 <file path=ppt/slideLayouts/slideLayout1.xml><?xml version="1.0" encoding="utf-8"?>
 <p:sldLayout xmlns:a="http://schemas.openxmlformats.org/drawingml/2006/main" xmlns:r="http://schemas.openxmlformats.org/officeDocument/2006/relationships" xmlns:p="http://schemas.openxmlformats.org/presentationml/2006/main" type="title" preserve="1">
   <p:cSld name="Title Slide">
@@ -288,7 +304,7 @@
           <a:p>
             <a:fld id="{BA3D2166-DA3A-7E42-B5FA-B8909614B8FF}" type="datetimeFigureOut">
               <a:rPr lang="en-US" smtClean="0"/>
-              <a:t>2016-07-08</a:t>
+              <a:t>2016-07-14</a:t>
             </a:fld>
             <a:endParaRPr lang="en-US"/>
           </a:p>
@@ -458,7 +474,7 @@
           <a:p>
             <a:fld id="{BA3D2166-DA3A-7E42-B5FA-B8909614B8FF}" type="datetimeFigureOut">
               <a:rPr lang="en-US" smtClean="0"/>
-              <a:t>2016-07-08</a:t>
+              <a:t>2016-07-14</a:t>
             </a:fld>
             <a:endParaRPr lang="en-US"/>
           </a:p>
@@ -638,7 +654,7 @@
           <a:p>
             <a:fld id="{BA3D2166-DA3A-7E42-B5FA-B8909614B8FF}" type="datetimeFigureOut">
               <a:rPr lang="en-US" smtClean="0"/>
-              <a:t>2016-07-08</a:t>
+              <a:t>2016-07-14</a:t>
             </a:fld>
             <a:endParaRPr lang="en-US"/>
           </a:p>
@@ -808,7 +824,7 @@
           <a:p>
             <a:fld id="{BA3D2166-DA3A-7E42-B5FA-B8909614B8FF}" type="datetimeFigureOut">
               <a:rPr lang="en-US" smtClean="0"/>
-              <a:t>2016-07-08</a:t>
+              <a:t>2016-07-14</a:t>
             </a:fld>
             <a:endParaRPr lang="en-US"/>
           </a:p>
@@ -1054,7 +1070,7 @@
           <a:p>
             <a:fld id="{BA3D2166-DA3A-7E42-B5FA-B8909614B8FF}" type="datetimeFigureOut">
               <a:rPr lang="en-US" smtClean="0"/>
-              <a:t>2016-07-08</a:t>
+              <a:t>2016-07-14</a:t>
             </a:fld>
             <a:endParaRPr lang="en-US"/>
           </a:p>
@@ -1342,7 +1358,7 @@
           <a:p>
             <a:fld id="{BA3D2166-DA3A-7E42-B5FA-B8909614B8FF}" type="datetimeFigureOut">
               <a:rPr lang="en-US" smtClean="0"/>
-              <a:t>2016-07-08</a:t>
+              <a:t>2016-07-14</a:t>
             </a:fld>
             <a:endParaRPr lang="en-US"/>
           </a:p>
@@ -1769,7 +1785,7 @@
           <a:p>
             <a:fld id="{BA3D2166-DA3A-7E42-B5FA-B8909614B8FF}" type="datetimeFigureOut">
               <a:rPr lang="en-US" smtClean="0"/>
-              <a:t>2016-07-08</a:t>
+              <a:t>2016-07-14</a:t>
             </a:fld>
             <a:endParaRPr lang="en-US"/>
           </a:p>
@@ -1887,7 +1903,7 @@
           <a:p>
             <a:fld id="{BA3D2166-DA3A-7E42-B5FA-B8909614B8FF}" type="datetimeFigureOut">
               <a:rPr lang="en-US" smtClean="0"/>
-              <a:t>2016-07-08</a:t>
+              <a:t>2016-07-14</a:t>
             </a:fld>
             <a:endParaRPr lang="en-US"/>
           </a:p>
@@ -1982,7 +1998,7 @@
           <a:p>
             <a:fld id="{BA3D2166-DA3A-7E42-B5FA-B8909614B8FF}" type="datetimeFigureOut">
               <a:rPr lang="en-US" smtClean="0"/>
-              <a:t>2016-07-08</a:t>
+              <a:t>2016-07-14</a:t>
             </a:fld>
             <a:endParaRPr lang="en-US"/>
           </a:p>
@@ -2259,7 +2275,7 @@
           <a:p>
             <a:fld id="{BA3D2166-DA3A-7E42-B5FA-B8909614B8FF}" type="datetimeFigureOut">
               <a:rPr lang="en-US" smtClean="0"/>
-              <a:t>2016-07-08</a:t>
+              <a:t>2016-07-14</a:t>
             </a:fld>
             <a:endParaRPr lang="en-US"/>
           </a:p>
@@ -2512,7 +2528,7 @@
           <a:p>
             <a:fld id="{BA3D2166-DA3A-7E42-B5FA-B8909614B8FF}" type="datetimeFigureOut">
               <a:rPr lang="en-US" smtClean="0"/>
-              <a:t>2016-07-08</a:t>
+              <a:t>2016-07-14</a:t>
             </a:fld>
             <a:endParaRPr lang="en-US"/>
           </a:p>
@@ -2725,7 +2741,7 @@
           <a:p>
             <a:fld id="{BA3D2166-DA3A-7E42-B5FA-B8909614B8FF}" type="datetimeFigureOut">
               <a:rPr lang="en-US" smtClean="0"/>
-              <a:t>2016-07-08</a:t>
+              <a:t>2016-07-14</a:t>
             </a:fld>
             <a:endParaRPr lang="en-US"/>
           </a:p>
@@ -3120,8 +3136,8 @@
         </p:nvSpPr>
         <p:spPr bwMode="auto">
           <a:xfrm>
-            <a:off x="6182801" y="11955635"/>
-            <a:ext cx="15072665" cy="4356000"/>
+            <a:off x="6182801" y="10088940"/>
+            <a:ext cx="15072665" cy="6222695"/>
           </a:xfrm>
           <a:prstGeom prst="roundRect">
             <a:avLst>
@@ -3196,7 +3212,7 @@
           </a:xfrm>
           <a:prstGeom prst="roundRect">
             <a:avLst>
-              <a:gd name="adj" fmla="val 22352"/>
+              <a:gd name="adj" fmla="val 0"/>
             </a:avLst>
           </a:prstGeom>
           <a:ln w="28575" cmpd="sng">
@@ -3274,8 +3290,8 @@
         </p:blipFill>
         <p:spPr>
           <a:xfrm>
-            <a:off x="23692041" y="440212"/>
-            <a:ext cx="3057577" cy="1908000"/>
+            <a:off x="24820954" y="1368406"/>
+            <a:ext cx="2272960" cy="1418381"/>
           </a:xfrm>
           <a:prstGeom prst="rect">
             <a:avLst/>
@@ -3345,7 +3361,7 @@
         <p:spPr>
           <a:xfrm>
             <a:off x="258399" y="83239"/>
-            <a:ext cx="26852612" cy="1569660"/>
+            <a:ext cx="26852612" cy="830997"/>
           </a:xfrm>
           <a:prstGeom prst="rect">
             <a:avLst/>
@@ -3364,40 +3380,17 @@
                 <a:solidFill>
                   <a:srgbClr val="DA0000"/>
                 </a:solidFill>
+                <a:latin typeface="Times New Roman"/>
+                <a:cs typeface="Times New Roman"/>
               </a:rPr>
-              <a:t>An Empirical Comparison of Methods to Meta-Analyze Individual Patient </a:t>
-            </a:r>
-            <a:r>
-              <a:rPr lang="en-US" sz="4800" b="1" dirty="0">
-                <a:solidFill>
-                  <a:srgbClr val="DA0000"/>
-                </a:solidFill>
-              </a:rPr>
-              <a:t>D</a:t>
-            </a:r>
-            <a:r>
-              <a:rPr lang="en-US" sz="4800" b="1" dirty="0" smtClean="0">
-                <a:solidFill>
-                  <a:srgbClr val="DA0000"/>
-                </a:solidFill>
-              </a:rPr>
-              <a:t>ata of </a:t>
-            </a:r>
-          </a:p>
-          <a:p>
-            <a:pPr algn="ctr"/>
-            <a:r>
-              <a:rPr lang="en-US" sz="4800" b="1" dirty="0" smtClean="0">
-                <a:solidFill>
-                  <a:srgbClr val="DA0000"/>
-                </a:solidFill>
-              </a:rPr>
-              <a:t>Diagnostic Accuracy </a:t>
+              <a:t>TITLE</a:t>
             </a:r>
             <a:endParaRPr lang="en-US" sz="4800" b="1" dirty="0">
               <a:solidFill>
                 <a:srgbClr val="DA0000"/>
               </a:solidFill>
+              <a:latin typeface="Times New Roman"/>
+              <a:cs typeface="Times New Roman"/>
             </a:endParaRPr>
           </a:p>
         </p:txBody>
@@ -3426,50 +3419,51 @@
           <a:p>
             <a:pPr algn="ctr"/>
             <a:r>
-              <a:rPr lang="en-US" sz="3600" dirty="0" smtClean="0"/>
-              <a:t>G.Simoneau</a:t>
-            </a:r>
-            <a:r>
-              <a:rPr lang="en-US" sz="3600" baseline="30000" dirty="0" smtClean="0"/>
+              <a:rPr lang="en-US" sz="3600" dirty="0" smtClean="0">
+                <a:latin typeface="Times New Roman"/>
+                <a:cs typeface="Times New Roman"/>
+              </a:rPr>
+              <a:t>K.McGregor</a:t>
+            </a:r>
+            <a:r>
+              <a:rPr lang="en-US" sz="3600" baseline="30000" dirty="0" smtClean="0">
+                <a:latin typeface="Times New Roman"/>
+                <a:cs typeface="Times New Roman"/>
+              </a:rPr>
+              <a:t>1,2</a:t>
+            </a:r>
+            <a:r>
+              <a:rPr lang="en-US" sz="3600" dirty="0" smtClean="0">
+                <a:latin typeface="Times New Roman"/>
+                <a:cs typeface="Times New Roman"/>
+              </a:rPr>
+              <a:t> </a:t>
+            </a:r>
+            <a:r>
+              <a:rPr lang="en-US" sz="3000" dirty="0" smtClean="0">
+                <a:latin typeface="Times New Roman"/>
+                <a:cs typeface="Times New Roman"/>
+              </a:rPr>
+              <a:t>and</a:t>
+            </a:r>
+            <a:r>
+              <a:rPr lang="en-US" sz="3600" dirty="0" smtClean="0">
+                <a:latin typeface="Times New Roman"/>
+                <a:cs typeface="Times New Roman"/>
+              </a:rPr>
+              <a:t> G.Simoneau</a:t>
+            </a:r>
+            <a:r>
+              <a:rPr lang="en-US" sz="3600" baseline="30000" dirty="0" smtClean="0">
+                <a:latin typeface="Times New Roman"/>
+                <a:cs typeface="Times New Roman"/>
+              </a:rPr>
               <a:t>1</a:t>
             </a:r>
-            <a:r>
-              <a:rPr lang="en-US" sz="3600" dirty="0" smtClean="0"/>
-              <a:t> MSc, B.Levis</a:t>
-            </a:r>
-            <a:r>
-              <a:rPr lang="en-US" sz="3600" baseline="30000" dirty="0" smtClean="0"/>
-              <a:t>1</a:t>
-            </a:r>
-            <a:r>
-              <a:rPr lang="en-US" sz="3600" dirty="0" smtClean="0"/>
-              <a:t> MSc, </a:t>
-            </a:r>
-            <a:r>
-              <a:rPr lang="en-US" sz="3600" dirty="0"/>
-              <a:t>B.Thombs</a:t>
-            </a:r>
-            <a:r>
-              <a:rPr lang="en-US" sz="3600" baseline="30000" dirty="0"/>
-              <a:t>2</a:t>
-            </a:r>
-            <a:r>
-              <a:rPr lang="en-US" sz="3600" dirty="0"/>
-              <a:t> </a:t>
-            </a:r>
-            <a:r>
-              <a:rPr lang="en-US" sz="3600" dirty="0" smtClean="0"/>
-              <a:t>PhD, A.Benedetti</a:t>
-            </a:r>
-            <a:r>
-              <a:rPr lang="en-US" sz="3600" baseline="30000" dirty="0" smtClean="0"/>
-              <a:t>1</a:t>
-            </a:r>
-            <a:r>
-              <a:rPr lang="en-US" sz="3600" dirty="0" smtClean="0"/>
-              <a:t> PhD </a:t>
-            </a:r>
-            <a:endParaRPr lang="en-US" sz="3600" dirty="0"/>
+            <a:endParaRPr lang="en-US" sz="3600" dirty="0">
+              <a:latin typeface="Times New Roman"/>
+              <a:cs typeface="Times New Roman"/>
+            </a:endParaRPr>
           </a:p>
         </p:txBody>
       </p:sp>
@@ -3481,7 +3475,7 @@
         </p:nvSpPr>
         <p:spPr>
           <a:xfrm>
-            <a:off x="258398" y="2195204"/>
+            <a:off x="0" y="2218721"/>
             <a:ext cx="26852613" cy="523220"/>
           </a:xfrm>
           <a:prstGeom prst="rect">
@@ -3497,22 +3491,44 @@
           <a:p>
             <a:pPr algn="ctr"/>
             <a:r>
-              <a:rPr lang="en-US" sz="2800" baseline="30000" dirty="0" smtClean="0"/>
+              <a:rPr lang="en-US" sz="2800" baseline="30000" dirty="0" smtClean="0">
+                <a:latin typeface="Times New Roman"/>
+                <a:cs typeface="Times New Roman"/>
+              </a:rPr>
               <a:t>1 </a:t>
             </a:r>
             <a:r>
-              <a:rPr lang="en-US" sz="2800" dirty="0" smtClean="0"/>
+              <a:rPr lang="en-US" sz="2800" dirty="0" smtClean="0">
+                <a:latin typeface="Times New Roman"/>
+                <a:cs typeface="Times New Roman"/>
+              </a:rPr>
               <a:t>Department of Epidemiology, Biostatistics and Occupational Health, McGill University </a:t>
             </a:r>
             <a:r>
-              <a:rPr lang="en-US" sz="2800" baseline="30000" dirty="0" smtClean="0"/>
-              <a:t>2</a:t>
-            </a:r>
-            <a:r>
-              <a:rPr lang="en-US" sz="2800" dirty="0" smtClean="0"/>
-              <a:t> Department of Psychiatry, McGill University</a:t>
-            </a:r>
-            <a:endParaRPr lang="en-US" sz="2800" dirty="0"/>
+              <a:rPr lang="en-US" sz="2800" baseline="30000" dirty="0" smtClean="0">
+                <a:latin typeface="Times New Roman"/>
+                <a:cs typeface="Times New Roman"/>
+              </a:rPr>
+              <a:t>2 </a:t>
+            </a:r>
+            <a:r>
+              <a:rPr lang="en-US" sz="2800" dirty="0">
+                <a:latin typeface="Times New Roman"/>
+                <a:cs typeface="Times New Roman"/>
+              </a:rPr>
+              <a:t>Lady Davis Institute for Medical Research, Jewish General </a:t>
+            </a:r>
+            <a:r>
+              <a:rPr lang="en-US" sz="2800" dirty="0" smtClean="0">
+                <a:latin typeface="Times New Roman"/>
+                <a:cs typeface="Times New Roman"/>
+              </a:rPr>
+              <a:t>Hospital</a:t>
+            </a:r>
+            <a:endParaRPr lang="en-US" sz="2800" dirty="0">
+              <a:latin typeface="Times New Roman"/>
+              <a:cs typeface="Times New Roman"/>
+            </a:endParaRPr>
           </a:p>
         </p:txBody>
       </p:sp>
@@ -3526,8 +3542,8 @@
         </p:nvSpPr>
         <p:spPr bwMode="auto">
           <a:xfrm>
-            <a:off x="6182801" y="7506746"/>
-            <a:ext cx="15072665" cy="4356000"/>
+            <a:off x="6182801" y="3743884"/>
+            <a:ext cx="15072665" cy="6061877"/>
           </a:xfrm>
           <a:prstGeom prst="roundRect">
             <a:avLst>
@@ -3753,10 +3769,16 @@
           <a:p>
             <a:pPr algn="ctr"/>
             <a:r>
-              <a:rPr lang="en-US" sz="2800" b="1" dirty="0" smtClean="0"/>
+              <a:rPr lang="en-US" sz="2800" b="1" dirty="0" smtClean="0">
+                <a:latin typeface="Times New Roman"/>
+                <a:cs typeface="Times New Roman"/>
+              </a:rPr>
               <a:t>Background</a:t>
             </a:r>
-            <a:endParaRPr lang="en-US" sz="2800" b="1" dirty="0"/>
+            <a:endParaRPr lang="en-US" sz="2800" b="1" dirty="0">
+              <a:latin typeface="Times New Roman"/>
+              <a:cs typeface="Times New Roman"/>
+            </a:endParaRPr>
           </a:p>
         </p:txBody>
       </p:sp>
@@ -3768,7 +3790,7 @@
         </p:nvSpPr>
         <p:spPr>
           <a:xfrm>
-            <a:off x="270941" y="8471591"/>
+            <a:off x="270941" y="8636210"/>
             <a:ext cx="5662995" cy="523220"/>
           </a:xfrm>
           <a:prstGeom prst="rect">
@@ -3788,6 +3810,8 @@
                 <a:solidFill>
                   <a:srgbClr val="000000"/>
                 </a:solidFill>
+                <a:latin typeface="Times New Roman"/>
+                <a:cs typeface="Times New Roman"/>
               </a:rPr>
               <a:t>Objective</a:t>
             </a:r>
@@ -3795,6 +3819,8 @@
               <a:solidFill>
                 <a:srgbClr val="000000"/>
               </a:solidFill>
+              <a:latin typeface="Times New Roman"/>
+              <a:cs typeface="Times New Roman"/>
             </a:endParaRPr>
           </a:p>
         </p:txBody>
@@ -3807,7 +3833,7 @@
         </p:nvSpPr>
         <p:spPr>
           <a:xfrm>
-            <a:off x="6981031" y="6937406"/>
+            <a:off x="6981031" y="3178026"/>
             <a:ext cx="13481553" cy="523220"/>
           </a:xfrm>
           <a:prstGeom prst="rect">
@@ -3827,6 +3853,8 @@
                 <a:solidFill>
                   <a:srgbClr val="FFFFFF"/>
                 </a:solidFill>
+                <a:latin typeface="Times New Roman"/>
+                <a:cs typeface="Times New Roman"/>
               </a:rPr>
               <a:t>Results</a:t>
             </a:r>
@@ -3834,6 +3862,8 @@
               <a:solidFill>
                 <a:srgbClr val="FFFFFF"/>
               </a:solidFill>
+              <a:latin typeface="Times New Roman"/>
+              <a:cs typeface="Times New Roman"/>
             </a:endParaRPr>
           </a:p>
         </p:txBody>
@@ -3862,10 +3892,16 @@
           <a:p>
             <a:pPr algn="ctr"/>
             <a:r>
-              <a:rPr lang="en-US" sz="2800" b="1" dirty="0" smtClean="0"/>
+              <a:rPr lang="en-US" sz="2800" b="1" dirty="0" smtClean="0">
+                <a:latin typeface="Times New Roman"/>
+                <a:cs typeface="Times New Roman"/>
+              </a:rPr>
               <a:t>Conclusion</a:t>
             </a:r>
-            <a:endParaRPr lang="en-US" sz="2800" b="1" dirty="0"/>
+            <a:endParaRPr lang="en-US" sz="2800" b="1" dirty="0">
+              <a:latin typeface="Times New Roman"/>
+              <a:cs typeface="Times New Roman"/>
+            </a:endParaRPr>
           </a:p>
         </p:txBody>
       </p:sp>
@@ -3893,349 +3929,15 @@
           <a:p>
             <a:pPr algn="ctr"/>
             <a:r>
-              <a:rPr lang="en-US" sz="2800" b="1" dirty="0" smtClean="0"/>
+              <a:rPr lang="en-US" sz="2800" b="1" dirty="0" smtClean="0">
+                <a:latin typeface="Times New Roman"/>
+                <a:cs typeface="Times New Roman"/>
+              </a:rPr>
               <a:t>References</a:t>
             </a:r>
-            <a:endParaRPr lang="en-US" sz="2800" b="1" dirty="0"/>
-          </a:p>
-        </p:txBody>
-      </p:sp>
-      <p:sp>
-        <p:nvSpPr>
-          <p:cNvPr id="31" name="Rounded Rectangle 6"/>
-          <p:cNvSpPr>
-            <a:spLocks noChangeArrowheads="1"/>
-          </p:cNvSpPr>
-          <p:nvPr/>
-        </p:nvSpPr>
-        <p:spPr bwMode="auto">
-          <a:xfrm>
-            <a:off x="6170891" y="3434928"/>
-            <a:ext cx="4968000" cy="3564088"/>
-          </a:xfrm>
-          <a:prstGeom prst="roundRect">
-            <a:avLst>
-              <a:gd name="adj" fmla="val 12865"/>
-            </a:avLst>
-          </a:prstGeom>
-          <a:ln w="28575" cmpd="sng">
-            <a:solidFill>
-              <a:schemeClr val="accent1">
-                <a:lumMod val="75000"/>
-              </a:schemeClr>
-            </a:solidFill>
-            <a:headEnd/>
-            <a:tailEnd/>
-          </a:ln>
-        </p:spPr>
-        <p:style>
-          <a:lnRef idx="2">
-            <a:schemeClr val="accent1"/>
-          </a:lnRef>
-          <a:fillRef idx="1">
-            <a:schemeClr val="lt1"/>
-          </a:fillRef>
-          <a:effectRef idx="0">
-            <a:schemeClr val="accent1"/>
-          </a:effectRef>
-          <a:fontRef idx="minor">
-            <a:schemeClr val="dk1"/>
-          </a:fontRef>
-        </p:style>
-        <p:txBody>
-          <a:bodyPr anchor="ctr"/>
-          <a:lstStyle/>
-          <a:p>
-            <a:pPr algn="ctr" defTabSz="2875129" fontAlgn="auto">
-              <a:spcBef>
-                <a:spcPts val="0"/>
-              </a:spcBef>
-              <a:spcAft>
-                <a:spcPts val="0"/>
-              </a:spcAft>
-              <a:defRPr/>
-            </a:pPr>
-            <a:endParaRPr lang="en-US" dirty="0">
-              <a:ln w="12700" cmpd="sng">
-                <a:solidFill>
-                  <a:schemeClr val="tx1"/>
-                </a:solidFill>
-              </a:ln>
-              <a:solidFill>
-                <a:schemeClr val="lt1"/>
-              </a:solidFill>
-              <a:latin typeface="+mn-lt"/>
-              <a:ea typeface="+mn-ea"/>
-              <a:cs typeface="+mn-cs"/>
-            </a:endParaRPr>
-          </a:p>
-        </p:txBody>
-      </p:sp>
-      <p:sp>
-        <p:nvSpPr>
-          <p:cNvPr id="32" name="Rounded Rectangle 6"/>
-          <p:cNvSpPr>
-            <a:spLocks noChangeArrowheads="1"/>
-          </p:cNvSpPr>
-          <p:nvPr/>
-        </p:nvSpPr>
-        <p:spPr bwMode="auto">
-          <a:xfrm>
-            <a:off x="11216495" y="3448828"/>
-            <a:ext cx="4968000" cy="3550188"/>
-          </a:xfrm>
-          <a:prstGeom prst="roundRect">
-            <a:avLst>
-              <a:gd name="adj" fmla="val 12865"/>
-            </a:avLst>
-          </a:prstGeom>
-          <a:ln w="28575" cmpd="sng">
-            <a:solidFill>
-              <a:schemeClr val="accent1">
-                <a:lumMod val="75000"/>
-              </a:schemeClr>
-            </a:solidFill>
-            <a:headEnd/>
-            <a:tailEnd/>
-          </a:ln>
-        </p:spPr>
-        <p:style>
-          <a:lnRef idx="2">
-            <a:schemeClr val="accent1"/>
-          </a:lnRef>
-          <a:fillRef idx="1">
-            <a:schemeClr val="lt1"/>
-          </a:fillRef>
-          <a:effectRef idx="0">
-            <a:schemeClr val="accent1"/>
-          </a:effectRef>
-          <a:fontRef idx="minor">
-            <a:schemeClr val="dk1"/>
-          </a:fontRef>
-        </p:style>
-        <p:txBody>
-          <a:bodyPr anchor="ctr"/>
-          <a:lstStyle/>
-          <a:p>
-            <a:pPr algn="ctr" defTabSz="2875129" fontAlgn="auto">
-              <a:spcBef>
-                <a:spcPts val="0"/>
-              </a:spcBef>
-              <a:spcAft>
-                <a:spcPts val="0"/>
-              </a:spcAft>
-              <a:defRPr/>
-            </a:pPr>
-            <a:endParaRPr lang="en-US" dirty="0">
-              <a:ln w="12700" cmpd="sng">
-                <a:solidFill>
-                  <a:schemeClr val="tx1"/>
-                </a:solidFill>
-              </a:ln>
-              <a:solidFill>
-                <a:schemeClr val="lt1"/>
-              </a:solidFill>
-              <a:latin typeface="+mn-lt"/>
-              <a:ea typeface="+mn-ea"/>
-              <a:cs typeface="+mn-cs"/>
-            </a:endParaRPr>
-          </a:p>
-        </p:txBody>
-      </p:sp>
-      <p:sp>
-        <p:nvSpPr>
-          <p:cNvPr id="33" name="Rounded Rectangle 6"/>
-          <p:cNvSpPr>
-            <a:spLocks noChangeArrowheads="1"/>
-          </p:cNvSpPr>
-          <p:nvPr/>
-        </p:nvSpPr>
-        <p:spPr bwMode="auto">
-          <a:xfrm>
-            <a:off x="16275556" y="3434928"/>
-            <a:ext cx="4968000" cy="3564088"/>
-          </a:xfrm>
-          <a:prstGeom prst="roundRect">
-            <a:avLst>
-              <a:gd name="adj" fmla="val 12865"/>
-            </a:avLst>
-          </a:prstGeom>
-          <a:ln>
-            <a:solidFill>
-              <a:srgbClr val="376092"/>
-            </a:solidFill>
-            <a:headEnd/>
-            <a:tailEnd/>
-          </a:ln>
-        </p:spPr>
-        <p:style>
-          <a:lnRef idx="2">
-            <a:schemeClr val="accent1"/>
-          </a:lnRef>
-          <a:fillRef idx="1">
-            <a:schemeClr val="lt1"/>
-          </a:fillRef>
-          <a:effectRef idx="0">
-            <a:schemeClr val="accent1"/>
-          </a:effectRef>
-          <a:fontRef idx="minor">
-            <a:schemeClr val="dk1"/>
-          </a:fontRef>
-        </p:style>
-        <p:txBody>
-          <a:bodyPr anchor="ctr"/>
-          <a:lstStyle/>
-          <a:p>
-            <a:pPr algn="ctr" defTabSz="2875129" fontAlgn="auto">
-              <a:spcBef>
-                <a:spcPts val="0"/>
-              </a:spcBef>
-              <a:spcAft>
-                <a:spcPts val="0"/>
-              </a:spcAft>
-              <a:defRPr/>
-            </a:pPr>
-            <a:endParaRPr lang="en-US" dirty="0">
-              <a:ln w="12700" cmpd="sng">
-                <a:solidFill>
-                  <a:schemeClr val="tx1"/>
-                </a:solidFill>
-              </a:ln>
-              <a:solidFill>
-                <a:schemeClr val="lt1"/>
-              </a:solidFill>
-              <a:latin typeface="+mn-lt"/>
-              <a:ea typeface="+mn-ea"/>
-              <a:cs typeface="+mn-cs"/>
-            </a:endParaRPr>
-          </a:p>
-        </p:txBody>
-      </p:sp>
-      <p:sp>
-        <p:nvSpPr>
-          <p:cNvPr id="28" name="TextBox 27"/>
-          <p:cNvSpPr txBox="1"/>
-          <p:nvPr/>
-        </p:nvSpPr>
-        <p:spPr>
-          <a:xfrm>
-            <a:off x="6182801" y="3014697"/>
-            <a:ext cx="4967999" cy="646331"/>
-          </a:xfrm>
-          <a:prstGeom prst="rect">
-            <a:avLst/>
-          </a:prstGeom>
-          <a:noFill/>
-        </p:spPr>
-        <p:txBody>
-          <a:bodyPr wrap="square" rtlCol="0">
-            <a:spAutoFit/>
-          </a:bodyPr>
-          <a:lstStyle/>
-          <a:p>
-            <a:pPr algn="ctr"/>
-            <a:r>
-              <a:rPr lang="en-US" sz="2000" b="1" dirty="0" smtClean="0">
-                <a:solidFill>
-                  <a:srgbClr val="FFFFFF"/>
-                </a:solidFill>
-                <a:latin typeface="Trebuchet MS"/>
-                <a:cs typeface="Trebuchet MS"/>
-              </a:rPr>
-              <a:t>Bivariate random-effects model [2]</a:t>
-            </a:r>
-          </a:p>
-          <a:p>
-            <a:endParaRPr lang="en-US" sz="1600" dirty="0">
-              <a:latin typeface="Trebuchet MS"/>
-              <a:cs typeface="Trebuchet MS"/>
-            </a:endParaRPr>
-          </a:p>
-        </p:txBody>
-      </p:sp>
-      <p:sp>
-        <p:nvSpPr>
-          <p:cNvPr id="29" name="TextBox 28"/>
-          <p:cNvSpPr txBox="1"/>
-          <p:nvPr/>
-        </p:nvSpPr>
-        <p:spPr>
-          <a:xfrm>
-            <a:off x="11212613" y="3041655"/>
-            <a:ext cx="4968000" cy="646331"/>
-          </a:xfrm>
-          <a:prstGeom prst="rect">
-            <a:avLst/>
-          </a:prstGeom>
-          <a:noFill/>
-        </p:spPr>
-        <p:txBody>
-          <a:bodyPr wrap="square" rtlCol="0">
-            <a:spAutoFit/>
-          </a:bodyPr>
-          <a:lstStyle/>
-          <a:p>
-            <a:pPr algn="ctr"/>
-            <a:r>
-              <a:rPr lang="en-US" sz="2000" b="1" dirty="0" smtClean="0">
-                <a:solidFill>
-                  <a:schemeClr val="bg1"/>
-                </a:solidFill>
-                <a:latin typeface="Trebuchet MS"/>
-                <a:cs typeface="Trebuchet MS"/>
-              </a:rPr>
-              <a:t>Ordinal multivariate mixed model [3]</a:t>
-            </a:r>
-          </a:p>
-          <a:p>
-            <a:endParaRPr lang="en-US" sz="1600" dirty="0">
-              <a:latin typeface="Trebuchet MS"/>
-              <a:cs typeface="Trebuchet MS"/>
-            </a:endParaRPr>
-          </a:p>
-        </p:txBody>
-      </p:sp>
-      <p:sp>
-        <p:nvSpPr>
-          <p:cNvPr id="30" name="TextBox 29"/>
-          <p:cNvSpPr txBox="1"/>
-          <p:nvPr/>
-        </p:nvSpPr>
-        <p:spPr>
-          <a:xfrm>
-            <a:off x="16288617" y="3035997"/>
-            <a:ext cx="4942968" cy="707886"/>
-          </a:xfrm>
-          <a:prstGeom prst="rect">
-            <a:avLst/>
-          </a:prstGeom>
-          <a:noFill/>
-        </p:spPr>
-        <p:txBody>
-          <a:bodyPr wrap="square" rtlCol="0">
-            <a:spAutoFit/>
-          </a:bodyPr>
-          <a:lstStyle/>
-          <a:p>
-            <a:pPr algn="ctr"/>
-            <a:r>
-              <a:rPr lang="en-US" sz="2000" b="1" dirty="0" smtClean="0">
-                <a:solidFill>
-                  <a:srgbClr val="FFFFFF"/>
-                </a:solidFill>
-                <a:latin typeface="Trebuchet MS"/>
-                <a:cs typeface="Trebuchet MS"/>
-              </a:rPr>
-              <a:t>Normal multivariate mixed model [6]</a:t>
-            </a:r>
-          </a:p>
-          <a:p>
-            <a:endParaRPr lang="en-US" sz="2000" dirty="0">
-              <a:solidFill>
-                <a:srgbClr val="FFFFFF"/>
-              </a:solidFill>
-              <a:latin typeface="Trebuchet MS"/>
-              <a:cs typeface="Trebuchet MS"/>
+            <a:endParaRPr lang="en-US" sz="2800" b="1" dirty="0">
+              <a:latin typeface="Times New Roman"/>
+              <a:cs typeface="Times New Roman"/>
             </a:endParaRPr>
           </a:p>
         </p:txBody>
@@ -4248,7 +3950,7 @@
         </p:nvSpPr>
         <p:spPr>
           <a:xfrm>
-            <a:off x="258398" y="11544602"/>
+            <a:off x="258398" y="9991485"/>
             <a:ext cx="5675538" cy="528617"/>
           </a:xfrm>
           <a:prstGeom prst="rect">
@@ -4268,6 +3970,8 @@
                 <a:solidFill>
                   <a:srgbClr val="000000"/>
                 </a:solidFill>
+                <a:latin typeface="Times New Roman"/>
+                <a:cs typeface="Times New Roman"/>
               </a:rPr>
               <a:t>Methods</a:t>
             </a:r>
@@ -4275,6 +3979,433 @@
               <a:solidFill>
                 <a:srgbClr val="000000"/>
               </a:solidFill>
+              <a:latin typeface="Times New Roman"/>
+              <a:cs typeface="Times New Roman"/>
+            </a:endParaRPr>
+          </a:p>
+        </p:txBody>
+      </p:sp>
+      <p:pic>
+        <p:nvPicPr>
+          <p:cNvPr id="3" name="Picture 2" descr="Logo-FRQNT.png"/>
+          <p:cNvPicPr>
+            <a:picLocks noChangeAspect="1"/>
+          </p:cNvPicPr>
+          <p:nvPr/>
+        </p:nvPicPr>
+        <p:blipFill>
+          <a:blip r:embed="rId4">
+            <a:extLst>
+              <a:ext uri="{28A0092B-C50C-407E-A947-70E740481C1C}">
+                <a14:useLocalDpi xmlns:a14="http://schemas.microsoft.com/office/drawing/2010/main" val="0"/>
+              </a:ext>
+            </a:extLst>
+          </a:blip>
+          <a:stretch>
+            <a:fillRect/>
+          </a:stretch>
+        </p:blipFill>
+        <p:spPr>
+          <a:xfrm>
+            <a:off x="24224593" y="171328"/>
+            <a:ext cx="2869322" cy="1247924"/>
+          </a:xfrm>
+          <a:prstGeom prst="rect">
+            <a:avLst/>
+          </a:prstGeom>
+        </p:spPr>
+      </p:pic>
+      <p:sp>
+        <p:nvSpPr>
+          <p:cNvPr id="4" name="TextBox 3"/>
+          <p:cNvSpPr txBox="1"/>
+          <p:nvPr/>
+        </p:nvSpPr>
+        <p:spPr>
+          <a:xfrm>
+            <a:off x="258399" y="3743884"/>
+            <a:ext cx="5675537" cy="4801315"/>
+          </a:xfrm>
+          <a:prstGeom prst="rect">
+            <a:avLst/>
+          </a:prstGeom>
+          <a:noFill/>
+        </p:spPr>
+        <p:txBody>
+          <a:bodyPr wrap="square" rtlCol="0">
+            <a:spAutoFit/>
+          </a:bodyPr>
+          <a:lstStyle/>
+          <a:p>
+            <a:pPr marL="342900" lvl="0" indent="-342900">
+              <a:buFont typeface="Arial"/>
+              <a:buChar char="•"/>
+            </a:pPr>
+            <a:r>
+              <a:rPr lang="en-US" sz="1800" dirty="0" smtClean="0">
+                <a:latin typeface="Times New Roman"/>
+                <a:cs typeface="Times New Roman"/>
+              </a:rPr>
+              <a:t>The International Mouse Phenotype Consortium (IMPC) is an international collaboration aimed at discovering functional insight for every gene through the systematic </a:t>
+            </a:r>
+            <a:r>
+              <a:rPr lang="en-US" sz="1800" dirty="0" err="1" smtClean="0">
+                <a:latin typeface="Times New Roman"/>
+                <a:cs typeface="Times New Roman"/>
+              </a:rPr>
+              <a:t>phenotyping</a:t>
+            </a:r>
+            <a:r>
+              <a:rPr lang="en-US" sz="1800" dirty="0" smtClean="0">
+                <a:latin typeface="Times New Roman"/>
+                <a:cs typeface="Times New Roman"/>
+              </a:rPr>
+              <a:t> of 20,000 knockout mouse strains.</a:t>
+            </a:r>
+          </a:p>
+          <a:p>
+            <a:pPr marL="342900" lvl="0" indent="-342900">
+              <a:buFont typeface="Arial"/>
+              <a:buChar char="•"/>
+            </a:pPr>
+            <a:r>
+              <a:rPr lang="en-US" sz="1800" dirty="0" smtClean="0">
+                <a:latin typeface="Times New Roman"/>
+                <a:cs typeface="Times New Roman"/>
+              </a:rPr>
+              <a:t>The knockout procedure turns off the activity of a mouse gene in order to assess what biological systems are impacted.</a:t>
+            </a:r>
+          </a:p>
+          <a:p>
+            <a:pPr marL="342900" lvl="0" indent="-342900">
+              <a:buFont typeface="Arial"/>
+              <a:buChar char="•"/>
+            </a:pPr>
+            <a:r>
+              <a:rPr lang="en-US" sz="1800" dirty="0" smtClean="0">
+                <a:latin typeface="Times New Roman"/>
+                <a:cs typeface="Times New Roman"/>
+              </a:rPr>
+              <a:t>Available data: 22 phenotypic measurements on 614 mice from 190 litters, representing 14 genotypes (wild type and 13 different knockout conditions).</a:t>
+            </a:r>
+          </a:p>
+          <a:p>
+            <a:pPr marL="342900" lvl="0" indent="-342900">
+              <a:buFont typeface="Arial"/>
+              <a:buChar char="•"/>
+            </a:pPr>
+            <a:r>
+              <a:rPr lang="en-US" sz="1800" dirty="0" smtClean="0">
+                <a:latin typeface="Times New Roman"/>
+                <a:cs typeface="Times New Roman"/>
+              </a:rPr>
+              <a:t>Phenotypic measurements are likely to vary across litters and genotypes.</a:t>
+            </a:r>
+          </a:p>
+          <a:p>
+            <a:pPr marL="342900" lvl="0" indent="-342900">
+              <a:buFont typeface="Arial"/>
+              <a:buChar char="•"/>
+            </a:pPr>
+            <a:r>
+              <a:rPr lang="en-US" sz="1800" dirty="0" smtClean="0">
+                <a:latin typeface="Times New Roman"/>
+                <a:cs typeface="Times New Roman"/>
+              </a:rPr>
+              <a:t>Missing data: 5 knockout conditions were randomly selected for which all observations from a randomly selected variable (different for each condition) were removed. The dataset comprises 67 missing values.</a:t>
+            </a:r>
+            <a:endParaRPr lang="en-CA" sz="1800" dirty="0">
+              <a:latin typeface="Times New Roman"/>
+              <a:cs typeface="Times New Roman"/>
+            </a:endParaRPr>
+          </a:p>
+        </p:txBody>
+      </p:sp>
+      <p:sp>
+        <p:nvSpPr>
+          <p:cNvPr id="6" name="TextBox 5"/>
+          <p:cNvSpPr txBox="1"/>
+          <p:nvPr/>
+        </p:nvSpPr>
+        <p:spPr>
+          <a:xfrm>
+            <a:off x="258399" y="9159430"/>
+            <a:ext cx="5688750" cy="646331"/>
+          </a:xfrm>
+          <a:prstGeom prst="rect">
+            <a:avLst/>
+          </a:prstGeom>
+          <a:noFill/>
+        </p:spPr>
+        <p:txBody>
+          <a:bodyPr wrap="square" rtlCol="0">
+            <a:spAutoFit/>
+          </a:bodyPr>
+          <a:lstStyle/>
+          <a:p>
+            <a:pPr marL="342900" indent="-342900">
+              <a:buFont typeface="+mj-lt"/>
+              <a:buAutoNum type="arabicPeriod"/>
+            </a:pPr>
+            <a:r>
+              <a:rPr lang="en-US" sz="1800" dirty="0" smtClean="0">
+                <a:latin typeface="Times New Roman"/>
+                <a:cs typeface="Times New Roman"/>
+              </a:rPr>
+              <a:t>To infer missing data.</a:t>
+            </a:r>
+          </a:p>
+          <a:p>
+            <a:pPr marL="342900" indent="-342900">
+              <a:buFont typeface="+mj-lt"/>
+              <a:buAutoNum type="arabicPeriod"/>
+            </a:pPr>
+            <a:r>
+              <a:rPr lang="en-US" sz="1800" dirty="0">
+                <a:latin typeface="Times New Roman"/>
+                <a:cs typeface="Times New Roman"/>
+              </a:rPr>
+              <a:t>To produce a causal interpretation of the available data</a:t>
+            </a:r>
+            <a:r>
+              <a:rPr lang="en-US" sz="1800" dirty="0" smtClean="0">
+                <a:latin typeface="Times New Roman"/>
+                <a:cs typeface="Times New Roman"/>
+              </a:rPr>
+              <a:t>.</a:t>
+            </a:r>
+            <a:endParaRPr lang="en-US" sz="1800" dirty="0">
+              <a:latin typeface="Times New Roman"/>
+              <a:cs typeface="Times New Roman"/>
+            </a:endParaRPr>
+          </a:p>
+        </p:txBody>
+      </p:sp>
+      <p:sp>
+        <p:nvSpPr>
+          <p:cNvPr id="7" name="TextBox 6"/>
+          <p:cNvSpPr txBox="1"/>
+          <p:nvPr/>
+        </p:nvSpPr>
+        <p:spPr>
+          <a:xfrm>
+            <a:off x="258399" y="10629839"/>
+            <a:ext cx="5675537" cy="2862323"/>
+          </a:xfrm>
+          <a:prstGeom prst="rect">
+            <a:avLst/>
+          </a:prstGeom>
+          <a:noFill/>
+        </p:spPr>
+        <p:txBody>
+          <a:bodyPr wrap="square" rtlCol="0">
+            <a:spAutoFit/>
+          </a:bodyPr>
+          <a:lstStyle/>
+          <a:p>
+            <a:r>
+              <a:rPr lang="en-US" sz="1800" dirty="0" smtClean="0">
+                <a:latin typeface="Times New Roman"/>
+                <a:cs typeface="Times New Roman"/>
+              </a:rPr>
+              <a:t>Predictions for the 67 missing values are obtained with </a:t>
+            </a:r>
+            <a:r>
+              <a:rPr lang="en-US" sz="1800" b="1" dirty="0" smtClean="0">
+                <a:latin typeface="Times New Roman"/>
+                <a:cs typeface="Times New Roman"/>
+              </a:rPr>
+              <a:t>Multiple Imputation using Chained Equations</a:t>
+            </a:r>
+            <a:r>
+              <a:rPr lang="en-US" sz="1800" dirty="0" smtClean="0">
+                <a:latin typeface="Times New Roman"/>
+                <a:cs typeface="Times New Roman"/>
+              </a:rPr>
+              <a:t> (MICE):</a:t>
+            </a:r>
+          </a:p>
+          <a:p>
+            <a:pPr marL="285750" indent="-285750">
+              <a:buFont typeface="Arial"/>
+              <a:buChar char="•"/>
+            </a:pPr>
+            <a:r>
+              <a:rPr lang="en-US" sz="1800" dirty="0" smtClean="0">
+                <a:latin typeface="Times New Roman"/>
+                <a:cs typeface="Times New Roman"/>
+              </a:rPr>
+              <a:t> the unknown missing values are replaced by 20 independent simulated sets of values drawn from the posterior predictive distribution of the missing data conditional on the observed data.</a:t>
+            </a:r>
+          </a:p>
+          <a:p>
+            <a:pPr marL="285750" indent="-285750">
+              <a:buFont typeface="Arial"/>
+              <a:buChar char="•"/>
+            </a:pPr>
+            <a:r>
+              <a:rPr lang="en-US" sz="1800" dirty="0" smtClean="0">
+                <a:latin typeface="Times New Roman"/>
+                <a:cs typeface="Times New Roman"/>
+              </a:rPr>
+              <a:t>Predictions are obtained by averaging the imputed values across the 20 simulated dataset.</a:t>
+            </a:r>
+          </a:p>
+          <a:p>
+            <a:pPr marL="285750" indent="-285750">
+              <a:buFont typeface="Arial"/>
+              <a:buChar char="•"/>
+            </a:pPr>
+            <a:r>
+              <a:rPr lang="en-US" sz="1800" dirty="0" smtClean="0">
+                <a:latin typeface="Times New Roman"/>
+                <a:cs typeface="Times New Roman"/>
+              </a:rPr>
+              <a:t>Assumes missing data are missing at random or completely at random</a:t>
+            </a:r>
+            <a:endParaRPr lang="en-US" sz="1800" dirty="0">
+              <a:latin typeface="Times New Roman"/>
+              <a:cs typeface="Times New Roman"/>
+            </a:endParaRPr>
+          </a:p>
+        </p:txBody>
+      </p:sp>
+      <p:sp>
+        <p:nvSpPr>
+          <p:cNvPr id="34" name="TextBox 33"/>
+          <p:cNvSpPr txBox="1"/>
+          <p:nvPr/>
+        </p:nvSpPr>
+        <p:spPr>
+          <a:xfrm>
+            <a:off x="21473796" y="3252775"/>
+            <a:ext cx="5724000" cy="523220"/>
+          </a:xfrm>
+          <a:prstGeom prst="rect">
+            <a:avLst/>
+          </a:prstGeom>
+          <a:noFill/>
+        </p:spPr>
+        <p:txBody>
+          <a:bodyPr wrap="square" rtlCol="0">
+            <a:spAutoFit/>
+          </a:bodyPr>
+          <a:lstStyle/>
+          <a:p>
+            <a:pPr algn="ctr"/>
+            <a:r>
+              <a:rPr lang="en-US" sz="2800" b="1" dirty="0" smtClean="0">
+                <a:latin typeface="Times New Roman"/>
+                <a:cs typeface="Times New Roman"/>
+              </a:rPr>
+              <a:t>Discussion</a:t>
+            </a:r>
+            <a:endParaRPr lang="en-US" sz="2800" b="1" dirty="0">
+              <a:latin typeface="Times New Roman"/>
+              <a:cs typeface="Times New Roman"/>
+            </a:endParaRPr>
+          </a:p>
+        </p:txBody>
+      </p:sp>
+      <p:sp>
+        <p:nvSpPr>
+          <p:cNvPr id="9" name="TextBox 8"/>
+          <p:cNvSpPr txBox="1"/>
+          <p:nvPr/>
+        </p:nvSpPr>
+        <p:spPr>
+          <a:xfrm>
+            <a:off x="258399" y="13428403"/>
+            <a:ext cx="5675537" cy="369332"/>
+          </a:xfrm>
+          <a:prstGeom prst="rect">
+            <a:avLst/>
+          </a:prstGeom>
+          <a:noFill/>
+        </p:spPr>
+        <p:txBody>
+          <a:bodyPr wrap="square" rtlCol="0">
+            <a:spAutoFit/>
+          </a:bodyPr>
+          <a:lstStyle/>
+          <a:p>
+            <a:r>
+              <a:rPr lang="en-US" sz="1800" dirty="0" smtClean="0">
+                <a:latin typeface="Times New Roman"/>
+                <a:cs typeface="Times New Roman"/>
+              </a:rPr>
+              <a:t>Causal interpretation of the data method</a:t>
+            </a:r>
+          </a:p>
+        </p:txBody>
+      </p:sp>
+      <p:sp>
+        <p:nvSpPr>
+          <p:cNvPr id="18" name="TextBox 17"/>
+          <p:cNvSpPr txBox="1"/>
+          <p:nvPr/>
+        </p:nvSpPr>
+        <p:spPr>
+          <a:xfrm>
+            <a:off x="21504772" y="11852741"/>
+            <a:ext cx="5927228" cy="923330"/>
+          </a:xfrm>
+          <a:prstGeom prst="rect">
+            <a:avLst/>
+          </a:prstGeom>
+          <a:noFill/>
+        </p:spPr>
+        <p:txBody>
+          <a:bodyPr wrap="square" rtlCol="0">
+            <a:spAutoFit/>
+          </a:bodyPr>
+          <a:lstStyle/>
+          <a:p>
+            <a:r>
+              <a:rPr lang="en-US" sz="1800" dirty="0" smtClean="0">
+                <a:latin typeface="Times New Roman"/>
+                <a:cs typeface="Times New Roman"/>
+              </a:rPr>
+              <a:t>White</a:t>
+            </a:r>
+            <a:r>
+              <a:rPr lang="en-US" sz="1800" dirty="0">
+                <a:latin typeface="Times New Roman"/>
+                <a:cs typeface="Times New Roman"/>
+              </a:rPr>
+              <a:t>, I. R., Royston, P., &amp; Wood, A. M. (2011). Multiple imputation using chained equations: issues and guidance for practice. </a:t>
+            </a:r>
+            <a:r>
+              <a:rPr lang="en-US" sz="1800" i="1" dirty="0">
+                <a:latin typeface="Times New Roman"/>
+                <a:cs typeface="Times New Roman"/>
+              </a:rPr>
+              <a:t>Statistics in medicine</a:t>
+            </a:r>
+            <a:r>
+              <a:rPr lang="en-US" sz="1800" dirty="0">
+                <a:latin typeface="Times New Roman"/>
+                <a:cs typeface="Times New Roman"/>
+              </a:rPr>
+              <a:t>, </a:t>
+            </a:r>
+            <a:r>
+              <a:rPr lang="en-US" sz="1800" i="1" dirty="0">
+                <a:latin typeface="Times New Roman"/>
+                <a:cs typeface="Times New Roman"/>
+              </a:rPr>
+              <a:t>30</a:t>
+            </a:r>
+            <a:r>
+              <a:rPr lang="en-US" sz="1800" dirty="0">
+                <a:latin typeface="Times New Roman"/>
+                <a:cs typeface="Times New Roman"/>
+              </a:rPr>
+              <a:t>(4), 377-399.</a:t>
+            </a:r>
+            <a:endParaRPr lang="en-US" sz="1800" dirty="0">
+              <a:latin typeface="Times New Roman"/>
+              <a:cs typeface="Times New Roman"/>
             </a:endParaRPr>
           </a:p>
         </p:txBody>

--- a/Poster.pptx
+++ b/Poster.pptx
@@ -113,16 +113,6 @@
 </p:cmAuthorLst>
 </file>
 
-<file path=ppt/comments/comment1.xml><?xml version="1.0" encoding="utf-8"?>
-<p:cmLst xmlns:a="http://schemas.openxmlformats.org/drawingml/2006/main" xmlns:r="http://schemas.openxmlformats.org/officeDocument/2006/relationships" xmlns:p="http://schemas.openxmlformats.org/presentationml/2006/main">
-  <p:cm authorId="0" dt="2016-07-14T21:08:21.880" idx="1">
-    <p:pos x="8178" y="889"/>
-    <p:text>EBOH and Lady Davis good for you?
-And which institute funds your PhD? For the logo.</p:text>
-  </p:cm>
-</p:cmLst>
-</file>
-
 <file path=ppt/slideLayouts/slideLayout1.xml><?xml version="1.0" encoding="utf-8"?>
 <p:sldLayout xmlns:a="http://schemas.openxmlformats.org/drawingml/2006/main" xmlns:r="http://schemas.openxmlformats.org/officeDocument/2006/relationships" xmlns:p="http://schemas.openxmlformats.org/presentationml/2006/main" type="title" preserve="1">
   <p:cSld name="Title Slide">
@@ -304,7 +294,7 @@
           <a:p>
             <a:fld id="{BA3D2166-DA3A-7E42-B5FA-B8909614B8FF}" type="datetimeFigureOut">
               <a:rPr lang="en-US" smtClean="0"/>
-              <a:t>2016-07-14</a:t>
+              <a:t>2016-07-15</a:t>
             </a:fld>
             <a:endParaRPr lang="en-US"/>
           </a:p>
@@ -474,7 +464,7 @@
           <a:p>
             <a:fld id="{BA3D2166-DA3A-7E42-B5FA-B8909614B8FF}" type="datetimeFigureOut">
               <a:rPr lang="en-US" smtClean="0"/>
-              <a:t>2016-07-14</a:t>
+              <a:t>2016-07-15</a:t>
             </a:fld>
             <a:endParaRPr lang="en-US"/>
           </a:p>
@@ -654,7 +644,7 @@
           <a:p>
             <a:fld id="{BA3D2166-DA3A-7E42-B5FA-B8909614B8FF}" type="datetimeFigureOut">
               <a:rPr lang="en-US" smtClean="0"/>
-              <a:t>2016-07-14</a:t>
+              <a:t>2016-07-15</a:t>
             </a:fld>
             <a:endParaRPr lang="en-US"/>
           </a:p>
@@ -824,7 +814,7 @@
           <a:p>
             <a:fld id="{BA3D2166-DA3A-7E42-B5FA-B8909614B8FF}" type="datetimeFigureOut">
               <a:rPr lang="en-US" smtClean="0"/>
-              <a:t>2016-07-14</a:t>
+              <a:t>2016-07-15</a:t>
             </a:fld>
             <a:endParaRPr lang="en-US"/>
           </a:p>
@@ -1070,7 +1060,7 @@
           <a:p>
             <a:fld id="{BA3D2166-DA3A-7E42-B5FA-B8909614B8FF}" type="datetimeFigureOut">
               <a:rPr lang="en-US" smtClean="0"/>
-              <a:t>2016-07-14</a:t>
+              <a:t>2016-07-15</a:t>
             </a:fld>
             <a:endParaRPr lang="en-US"/>
           </a:p>
@@ -1358,7 +1348,7 @@
           <a:p>
             <a:fld id="{BA3D2166-DA3A-7E42-B5FA-B8909614B8FF}" type="datetimeFigureOut">
               <a:rPr lang="en-US" smtClean="0"/>
-              <a:t>2016-07-14</a:t>
+              <a:t>2016-07-15</a:t>
             </a:fld>
             <a:endParaRPr lang="en-US"/>
           </a:p>
@@ -1785,7 +1775,7 @@
           <a:p>
             <a:fld id="{BA3D2166-DA3A-7E42-B5FA-B8909614B8FF}" type="datetimeFigureOut">
               <a:rPr lang="en-US" smtClean="0"/>
-              <a:t>2016-07-14</a:t>
+              <a:t>2016-07-15</a:t>
             </a:fld>
             <a:endParaRPr lang="en-US"/>
           </a:p>
@@ -1903,7 +1893,7 @@
           <a:p>
             <a:fld id="{BA3D2166-DA3A-7E42-B5FA-B8909614B8FF}" type="datetimeFigureOut">
               <a:rPr lang="en-US" smtClean="0"/>
-              <a:t>2016-07-14</a:t>
+              <a:t>2016-07-15</a:t>
             </a:fld>
             <a:endParaRPr lang="en-US"/>
           </a:p>
@@ -1998,7 +1988,7 @@
           <a:p>
             <a:fld id="{BA3D2166-DA3A-7E42-B5FA-B8909614B8FF}" type="datetimeFigureOut">
               <a:rPr lang="en-US" smtClean="0"/>
-              <a:t>2016-07-14</a:t>
+              <a:t>2016-07-15</a:t>
             </a:fld>
             <a:endParaRPr lang="en-US"/>
           </a:p>
@@ -2275,7 +2265,7 @@
           <a:p>
             <a:fld id="{BA3D2166-DA3A-7E42-B5FA-B8909614B8FF}" type="datetimeFigureOut">
               <a:rPr lang="en-US" smtClean="0"/>
-              <a:t>2016-07-14</a:t>
+              <a:t>2016-07-15</a:t>
             </a:fld>
             <a:endParaRPr lang="en-US"/>
           </a:p>
@@ -2528,7 +2518,7 @@
           <a:p>
             <a:fld id="{BA3D2166-DA3A-7E42-B5FA-B8909614B8FF}" type="datetimeFigureOut">
               <a:rPr lang="en-US" smtClean="0"/>
-              <a:t>2016-07-14</a:t>
+              <a:t>2016-07-15</a:t>
             </a:fld>
             <a:endParaRPr lang="en-US"/>
           </a:p>
@@ -2741,7 +2731,7 @@
           <a:p>
             <a:fld id="{BA3D2166-DA3A-7E42-B5FA-B8909614B8FF}" type="datetimeFigureOut">
               <a:rPr lang="en-US" smtClean="0"/>
-              <a:t>2016-07-14</a:t>
+              <a:t>2016-07-15</a:t>
             </a:fld>
             <a:endParaRPr lang="en-US"/>
           </a:p>
@@ -4403,10 +4393,6 @@
               </a:rPr>
               <a:t>(4), 377-399.</a:t>
             </a:r>
-            <a:endParaRPr lang="en-US" sz="1800" dirty="0">
-              <a:latin typeface="Times New Roman"/>
-              <a:cs typeface="Times New Roman"/>
-            </a:endParaRPr>
           </a:p>
         </p:txBody>
       </p:sp>

--- a/Poster.pptx
+++ b/Poster.pptx
@@ -294,7 +294,7 @@
           <a:p>
             <a:fld id="{BA3D2166-DA3A-7E42-B5FA-B8909614B8FF}" type="datetimeFigureOut">
               <a:rPr lang="en-US" smtClean="0"/>
-              <a:t>2016-07-15</a:t>
+              <a:t>2016-07-21</a:t>
             </a:fld>
             <a:endParaRPr lang="en-US"/>
           </a:p>
@@ -464,7 +464,7 @@
           <a:p>
             <a:fld id="{BA3D2166-DA3A-7E42-B5FA-B8909614B8FF}" type="datetimeFigureOut">
               <a:rPr lang="en-US" smtClean="0"/>
-              <a:t>2016-07-15</a:t>
+              <a:t>2016-07-21</a:t>
             </a:fld>
             <a:endParaRPr lang="en-US"/>
           </a:p>
@@ -644,7 +644,7 @@
           <a:p>
             <a:fld id="{BA3D2166-DA3A-7E42-B5FA-B8909614B8FF}" type="datetimeFigureOut">
               <a:rPr lang="en-US" smtClean="0"/>
-              <a:t>2016-07-15</a:t>
+              <a:t>2016-07-21</a:t>
             </a:fld>
             <a:endParaRPr lang="en-US"/>
           </a:p>
@@ -814,7 +814,7 @@
           <a:p>
             <a:fld id="{BA3D2166-DA3A-7E42-B5FA-B8909614B8FF}" type="datetimeFigureOut">
               <a:rPr lang="en-US" smtClean="0"/>
-              <a:t>2016-07-15</a:t>
+              <a:t>2016-07-21</a:t>
             </a:fld>
             <a:endParaRPr lang="en-US"/>
           </a:p>
@@ -1060,7 +1060,7 @@
           <a:p>
             <a:fld id="{BA3D2166-DA3A-7E42-B5FA-B8909614B8FF}" type="datetimeFigureOut">
               <a:rPr lang="en-US" smtClean="0"/>
-              <a:t>2016-07-15</a:t>
+              <a:t>2016-07-21</a:t>
             </a:fld>
             <a:endParaRPr lang="en-US"/>
           </a:p>
@@ -1348,7 +1348,7 @@
           <a:p>
             <a:fld id="{BA3D2166-DA3A-7E42-B5FA-B8909614B8FF}" type="datetimeFigureOut">
               <a:rPr lang="en-US" smtClean="0"/>
-              <a:t>2016-07-15</a:t>
+              <a:t>2016-07-21</a:t>
             </a:fld>
             <a:endParaRPr lang="en-US"/>
           </a:p>
@@ -1775,7 +1775,7 @@
           <a:p>
             <a:fld id="{BA3D2166-DA3A-7E42-B5FA-B8909614B8FF}" type="datetimeFigureOut">
               <a:rPr lang="en-US" smtClean="0"/>
-              <a:t>2016-07-15</a:t>
+              <a:t>2016-07-21</a:t>
             </a:fld>
             <a:endParaRPr lang="en-US"/>
           </a:p>
@@ -1893,7 +1893,7 @@
           <a:p>
             <a:fld id="{BA3D2166-DA3A-7E42-B5FA-B8909614B8FF}" type="datetimeFigureOut">
               <a:rPr lang="en-US" smtClean="0"/>
-              <a:t>2016-07-15</a:t>
+              <a:t>2016-07-21</a:t>
             </a:fld>
             <a:endParaRPr lang="en-US"/>
           </a:p>
@@ -1988,7 +1988,7 @@
           <a:p>
             <a:fld id="{BA3D2166-DA3A-7E42-B5FA-B8909614B8FF}" type="datetimeFigureOut">
               <a:rPr lang="en-US" smtClean="0"/>
-              <a:t>2016-07-15</a:t>
+              <a:t>2016-07-21</a:t>
             </a:fld>
             <a:endParaRPr lang="en-US"/>
           </a:p>
@@ -2265,7 +2265,7 @@
           <a:p>
             <a:fld id="{BA3D2166-DA3A-7E42-B5FA-B8909614B8FF}" type="datetimeFigureOut">
               <a:rPr lang="en-US" smtClean="0"/>
-              <a:t>2016-07-15</a:t>
+              <a:t>2016-07-21</a:t>
             </a:fld>
             <a:endParaRPr lang="en-US"/>
           </a:p>
@@ -2518,7 +2518,7 @@
           <a:p>
             <a:fld id="{BA3D2166-DA3A-7E42-B5FA-B8909614B8FF}" type="datetimeFigureOut">
               <a:rPr lang="en-US" smtClean="0"/>
-              <a:t>2016-07-15</a:t>
+              <a:t>2016-07-21</a:t>
             </a:fld>
             <a:endParaRPr lang="en-US"/>
           </a:p>
@@ -2731,7 +2731,7 @@
           <a:p>
             <a:fld id="{BA3D2166-DA3A-7E42-B5FA-B8909614B8FF}" type="datetimeFigureOut">
               <a:rPr lang="en-US" smtClean="0"/>
-              <a:t>2016-07-15</a:t>
+              <a:t>2016-07-21</a:t>
             </a:fld>
             <a:endParaRPr lang="en-US"/>
           </a:p>
@@ -3126,8 +3126,8 @@
         </p:nvSpPr>
         <p:spPr bwMode="auto">
           <a:xfrm>
-            <a:off x="6182801" y="10088940"/>
-            <a:ext cx="15072665" cy="6222695"/>
+            <a:off x="6182801" y="8886853"/>
+            <a:ext cx="15072665" cy="7424782"/>
           </a:xfrm>
           <a:prstGeom prst="roundRect">
             <a:avLst>
@@ -3280,7 +3280,7 @@
         </p:blipFill>
         <p:spPr>
           <a:xfrm>
-            <a:off x="24820954" y="1368406"/>
+            <a:off x="24820954" y="1344889"/>
             <a:ext cx="2272960" cy="1418381"/>
           </a:xfrm>
           <a:prstGeom prst="rect">
@@ -3532,8 +3532,8 @@
         </p:nvSpPr>
         <p:spPr bwMode="auto">
           <a:xfrm>
-            <a:off x="6182801" y="3743884"/>
-            <a:ext cx="15072665" cy="6061877"/>
+            <a:off x="6182801" y="3743883"/>
+            <a:ext cx="15072665" cy="4892327"/>
           </a:xfrm>
           <a:prstGeom prst="roundRect">
             <a:avLst>
@@ -4027,7 +4027,7 @@
           </a:bodyPr>
           <a:lstStyle/>
           <a:p>
-            <a:pPr marL="342900" lvl="0" indent="-342900">
+            <a:pPr marL="342900" lvl="0" indent="-342900" algn="just">
               <a:buFont typeface="Arial"/>
               <a:buChar char="•"/>
             </a:pPr>
@@ -4054,7 +4054,7 @@
             </a:r>
           </a:p>
           <a:p>
-            <a:pPr marL="342900" lvl="0" indent="-342900">
+            <a:pPr marL="342900" lvl="0" indent="-342900" algn="just">
               <a:buFont typeface="Arial"/>
               <a:buChar char="•"/>
             </a:pPr>
@@ -4067,7 +4067,7 @@
             </a:r>
           </a:p>
           <a:p>
-            <a:pPr marL="342900" lvl="0" indent="-342900">
+            <a:pPr marL="342900" lvl="0" indent="-342900" algn="just">
               <a:buFont typeface="Arial"/>
               <a:buChar char="•"/>
             </a:pPr>
@@ -4080,7 +4080,7 @@
             </a:r>
           </a:p>
           <a:p>
-            <a:pPr marL="342900" lvl="0" indent="-342900">
+            <a:pPr marL="342900" lvl="0" indent="-342900" algn="just">
               <a:buFont typeface="Arial"/>
               <a:buChar char="•"/>
             </a:pPr>
@@ -4093,7 +4093,7 @@
             </a:r>
           </a:p>
           <a:p>
-            <a:pPr marL="342900" lvl="0" indent="-342900">
+            <a:pPr marL="342900" lvl="0" indent="-342900" algn="just">
               <a:buFont typeface="Arial"/>
               <a:buChar char="•"/>
             </a:pPr>
@@ -4221,11 +4221,18 @@
               <a:buChar char="•"/>
             </a:pPr>
             <a:r>
+              <a:rPr lang="en-US" sz="1800" dirty="0">
+                <a:latin typeface="Times New Roman"/>
+                <a:cs typeface="Times New Roman"/>
+              </a:rPr>
+              <a:t>T</a:t>
+            </a:r>
+            <a:r>
               <a:rPr lang="en-US" sz="1800" dirty="0" smtClean="0">
                 <a:latin typeface="Times New Roman"/>
                 <a:cs typeface="Times New Roman"/>
               </a:rPr>
-              <a:t> the unknown missing values are replaced by 20 independent simulated sets of values drawn from the posterior predictive distribution of the missing data conditional on the observed data.</a:t>
+              <a:t>he unknown missing values are replaced by 30 independent simulated sets of values drawn from the posterior predictive distribution of the missing data conditional on the observed data.</a:t>
             </a:r>
           </a:p>
           <a:p>
@@ -4238,7 +4245,7 @@
                 <a:latin typeface="Times New Roman"/>
                 <a:cs typeface="Times New Roman"/>
               </a:rPr>
-              <a:t>Predictions are obtained by averaging the imputed values across the 20 simulated dataset.</a:t>
+              <a:t>Predictions are obtained by averaging the imputed values across the 30 simulated dataset.</a:t>
             </a:r>
           </a:p>
           <a:p>
@@ -4306,7 +4313,7 @@
         <p:spPr>
           <a:xfrm>
             <a:off x="258399" y="13428403"/>
-            <a:ext cx="5675537" cy="369332"/>
+            <a:ext cx="5675537" cy="923330"/>
           </a:xfrm>
           <a:prstGeom prst="rect">
             <a:avLst/>
@@ -4327,6 +4334,18 @@
               <a:t>Causal interpretation of the data method</a:t>
             </a:r>
           </a:p>
+          <a:p>
+            <a:endParaRPr lang="en-US" sz="1800" dirty="0" smtClean="0">
+              <a:latin typeface="Times New Roman"/>
+              <a:cs typeface="Times New Roman"/>
+            </a:endParaRPr>
+          </a:p>
+          <a:p>
+            <a:endParaRPr lang="en-US" sz="1800" dirty="0" smtClean="0">
+              <a:latin typeface="Times New Roman"/>
+              <a:cs typeface="Times New Roman"/>
+            </a:endParaRPr>
+          </a:p>
         </p:txBody>
       </p:sp>
       <p:sp>
@@ -4393,6 +4412,140 @@
               </a:rPr>
               <a:t>(4), 377-399.</a:t>
             </a:r>
+          </a:p>
+        </p:txBody>
+      </p:sp>
+      <p:pic>
+        <p:nvPicPr>
+          <p:cNvPr id="2" name="Picture 1" descr="sim_plot.pdf"/>
+          <p:cNvPicPr>
+            <a:picLocks noChangeAspect="1"/>
+          </p:cNvPicPr>
+          <p:nvPr/>
+        </p:nvPicPr>
+        <p:blipFill>
+          <a:blip r:embed="rId5">
+            <a:extLst>
+              <a:ext uri="{28A0092B-C50C-407E-A947-70E740481C1C}">
+                <a14:useLocalDpi xmlns:a14="http://schemas.microsoft.com/office/drawing/2010/main" val="0"/>
+              </a:ext>
+            </a:extLst>
+          </a:blip>
+          <a:stretch>
+            <a:fillRect/>
+          </a:stretch>
+        </p:blipFill>
+        <p:spPr>
+          <a:xfrm>
+            <a:off x="7122140" y="3938008"/>
+            <a:ext cx="6082336" cy="3801460"/>
+          </a:xfrm>
+          <a:prstGeom prst="rect">
+            <a:avLst/>
+          </a:prstGeom>
+        </p:spPr>
+      </p:pic>
+      <p:pic>
+        <p:nvPicPr>
+          <p:cNvPr id="17" name="Picture 16" descr="var29_plot.pdf"/>
+          <p:cNvPicPr>
+            <a:picLocks noChangeAspect="1"/>
+          </p:cNvPicPr>
+          <p:nvPr/>
+        </p:nvPicPr>
+        <p:blipFill>
+          <a:blip r:embed="rId6">
+            <a:extLst>
+              <a:ext uri="{28A0092B-C50C-407E-A947-70E740481C1C}">
+                <a14:useLocalDpi xmlns:a14="http://schemas.microsoft.com/office/drawing/2010/main" val="0"/>
+              </a:ext>
+            </a:extLst>
+          </a:blip>
+          <a:stretch>
+            <a:fillRect/>
+          </a:stretch>
+        </p:blipFill>
+        <p:spPr>
+          <a:xfrm>
+            <a:off x="13928546" y="3923468"/>
+            <a:ext cx="6868800" cy="3816000"/>
+          </a:xfrm>
+          <a:prstGeom prst="rect">
+            <a:avLst/>
+          </a:prstGeom>
+        </p:spPr>
+      </p:pic>
+      <p:sp>
+        <p:nvSpPr>
+          <p:cNvPr id="21" name="TextBox 20"/>
+          <p:cNvSpPr txBox="1"/>
+          <p:nvPr/>
+        </p:nvSpPr>
+        <p:spPr>
+          <a:xfrm>
+            <a:off x="21537425" y="9622053"/>
+            <a:ext cx="5556490" cy="1477328"/>
+          </a:xfrm>
+          <a:prstGeom prst="rect">
+            <a:avLst/>
+          </a:prstGeom>
+          <a:noFill/>
+        </p:spPr>
+        <p:txBody>
+          <a:bodyPr wrap="square" rtlCol="0">
+            <a:spAutoFit/>
+          </a:bodyPr>
+          <a:lstStyle/>
+          <a:p>
+            <a:pPr algn="just"/>
+            <a:r>
+              <a:rPr lang="en-US" sz="1800" dirty="0" smtClean="0">
+                <a:latin typeface="Times New Roman"/>
+                <a:cs typeface="Times New Roman"/>
+              </a:rPr>
+              <a:t>We inferred causal links between knockout conditions and phenotypic measurements, but relationships between phenotypes require more information or outside knowledge. Consequently, we chose not to infer a global underlying DAG</a:t>
+            </a:r>
+            <a:r>
+              <a:rPr lang="en-US" sz="1800" dirty="0" smtClean="0"/>
+              <a:t>.</a:t>
+            </a:r>
+            <a:endParaRPr lang="en-US" sz="1800" dirty="0"/>
+          </a:p>
+        </p:txBody>
+      </p:sp>
+      <p:sp>
+        <p:nvSpPr>
+          <p:cNvPr id="25" name="TextBox 24"/>
+          <p:cNvSpPr txBox="1"/>
+          <p:nvPr/>
+        </p:nvSpPr>
+        <p:spPr>
+          <a:xfrm>
+            <a:off x="13928546" y="11277328"/>
+            <a:ext cx="7300641" cy="400110"/>
+          </a:xfrm>
+          <a:prstGeom prst="rect">
+            <a:avLst/>
+          </a:prstGeom>
+          <a:noFill/>
+        </p:spPr>
+        <p:txBody>
+          <a:bodyPr wrap="square" rtlCol="0">
+            <a:spAutoFit/>
+          </a:bodyPr>
+          <a:lstStyle/>
+          <a:p>
+            <a:r>
+              <a:rPr lang="en-US" sz="2000" dirty="0" smtClean="0">
+                <a:latin typeface="Times New Roman"/>
+                <a:cs typeface="Times New Roman"/>
+              </a:rPr>
+              <a:t>Possible causal relationships for knockout condition 3803_1</a:t>
+            </a:r>
+            <a:endParaRPr lang="en-US" sz="2000" dirty="0">
+              <a:latin typeface="Times New Roman"/>
+              <a:cs typeface="Times New Roman"/>
+            </a:endParaRPr>
           </a:p>
         </p:txBody>
       </p:sp>

--- a/Poster.pptx
+++ b/Poster.pptx
@@ -4549,6 +4549,753 @@
           </a:p>
         </p:txBody>
       </p:sp>
+      <p:graphicFrame>
+        <p:nvGraphicFramePr>
+          <p:cNvPr id="26" name="Table 25"/>
+          <p:cNvGraphicFramePr>
+            <a:graphicFrameLocks noGrp="1"/>
+          </p:cNvGraphicFramePr>
+          <p:nvPr>
+            <p:extLst>
+              <p:ext uri="{D42A27DB-BD31-4B8C-83A1-F6EECF244321}">
+                <p14:modId xmlns:p14="http://schemas.microsoft.com/office/powerpoint/2010/main" val="527268647"/>
+              </p:ext>
+            </p:extLst>
+          </p:nvPr>
+        </p:nvGraphicFramePr>
+        <p:xfrm>
+          <a:off x="7122140" y="9137904"/>
+          <a:ext cx="4291124" cy="2796925"/>
+        </p:xfrm>
+        <a:graphic>
+          <a:graphicData uri="http://schemas.openxmlformats.org/drawingml/2006/table">
+            <a:tbl>
+              <a:tblPr firstRow="1" bandRow="1">
+                <a:tableStyleId>{F2DE63D5-997A-4646-A377-4702673A728D}</a:tableStyleId>
+              </a:tblPr>
+              <a:tblGrid>
+                <a:gridCol w="844006"/>
+                <a:gridCol w="2137686"/>
+                <a:gridCol w="536394"/>
+                <a:gridCol w="773038"/>
+              </a:tblGrid>
+              <a:tr h="510925">
+                <a:tc>
+                  <a:txBody>
+                    <a:bodyPr/>
+                    <a:lstStyle/>
+                    <a:p>
+                      <a:pPr algn="l"/>
+                      <a:r>
+                        <a:rPr lang="en-US" sz="1200" dirty="0" smtClean="0">
+                          <a:latin typeface="Times New Roman"/>
+                          <a:cs typeface="Times New Roman"/>
+                        </a:rPr>
+                        <a:t>Knockout</a:t>
+                      </a:r>
+                      <a:endParaRPr lang="en-US" sz="1200" dirty="0">
+                        <a:latin typeface="Times New Roman"/>
+                        <a:cs typeface="Times New Roman"/>
+                      </a:endParaRPr>
+                    </a:p>
+                  </a:txBody>
+                  <a:tcPr anchor="b">
+                    <a:solidFill>
+                      <a:srgbClr val="045C0E"/>
+                    </a:solidFill>
+                  </a:tcPr>
+                </a:tc>
+                <a:tc>
+                  <a:txBody>
+                    <a:bodyPr/>
+                    <a:lstStyle/>
+                    <a:p>
+                      <a:pPr algn="l"/>
+                      <a:r>
+                        <a:rPr lang="en-US" sz="1200" dirty="0" smtClean="0">
+                          <a:latin typeface="Times New Roman"/>
+                          <a:cs typeface="Times New Roman"/>
+                        </a:rPr>
+                        <a:t>Phenotypic measurements</a:t>
+                      </a:r>
+                      <a:endParaRPr lang="en-US" sz="1200" dirty="0">
+                        <a:latin typeface="Times New Roman"/>
+                        <a:cs typeface="Times New Roman"/>
+                      </a:endParaRPr>
+                    </a:p>
+                  </a:txBody>
+                  <a:tcPr anchor="b">
+                    <a:solidFill>
+                      <a:srgbClr val="045C0E"/>
+                    </a:solidFill>
+                  </a:tcPr>
+                </a:tc>
+                <a:tc gridSpan="2">
+                  <a:txBody>
+                    <a:bodyPr/>
+                    <a:lstStyle/>
+                    <a:p>
+                      <a:pPr algn="ctr"/>
+                      <a:r>
+                        <a:rPr lang="en-US" sz="1200" dirty="0" smtClean="0">
+                          <a:latin typeface="Times New Roman"/>
+                          <a:cs typeface="Times New Roman"/>
+                        </a:rPr>
+                        <a:t>Effect size</a:t>
+                      </a:r>
+                      <a:r>
+                        <a:rPr lang="en-US" sz="1200" baseline="0" dirty="0" smtClean="0">
+                          <a:latin typeface="Times New Roman"/>
+                          <a:cs typeface="Times New Roman"/>
+                        </a:rPr>
+                        <a:t> </a:t>
+                      </a:r>
+                    </a:p>
+                    <a:p>
+                      <a:pPr algn="ctr"/>
+                      <a:r>
+                        <a:rPr lang="en-US" sz="1200" baseline="0" dirty="0" smtClean="0">
+                          <a:latin typeface="Times New Roman"/>
+                          <a:cs typeface="Times New Roman"/>
+                        </a:rPr>
+                        <a:t>(p-values)</a:t>
+                      </a:r>
+                      <a:endParaRPr lang="en-US" sz="1200" dirty="0">
+                        <a:latin typeface="Times New Roman"/>
+                        <a:cs typeface="Times New Roman"/>
+                      </a:endParaRPr>
+                    </a:p>
+                  </a:txBody>
+                  <a:tcPr anchor="b">
+                    <a:solidFill>
+                      <a:srgbClr val="045C0E"/>
+                    </a:solidFill>
+                  </a:tcPr>
+                </a:tc>
+                <a:tc hMerge="1">
+                  <a:txBody>
+                    <a:bodyPr/>
+                    <a:lstStyle/>
+                    <a:p>
+                      <a:endParaRPr lang="en-US"/>
+                    </a:p>
+                  </a:txBody>
+                  <a:tcPr/>
+                </a:tc>
+              </a:tr>
+              <a:tr h="436688">
+                <a:tc>
+                  <a:txBody>
+                    <a:bodyPr/>
+                    <a:lstStyle/>
+                    <a:p>
+                      <a:r>
+                        <a:rPr lang="en-US" sz="1200" dirty="0" smtClean="0">
+                          <a:latin typeface="Times New Roman"/>
+                          <a:cs typeface="Times New Roman"/>
+                        </a:rPr>
+                        <a:t>3803_1</a:t>
+                      </a:r>
+                      <a:endParaRPr lang="en-US" sz="1200" dirty="0">
+                        <a:latin typeface="Times New Roman"/>
+                        <a:cs typeface="Times New Roman"/>
+                      </a:endParaRPr>
+                    </a:p>
+                  </a:txBody>
+                  <a:tcPr/>
+                </a:tc>
+                <a:tc>
+                  <a:txBody>
+                    <a:bodyPr/>
+                    <a:lstStyle/>
+                    <a:p>
+                      <a:r>
+                        <a:rPr lang="en-US" sz="1200" dirty="0" smtClean="0">
+                          <a:latin typeface="Times New Roman"/>
+                          <a:cs typeface="Times New Roman"/>
+                        </a:rPr>
+                        <a:t>White blood</a:t>
+                      </a:r>
+                      <a:r>
+                        <a:rPr lang="en-US" sz="1200" baseline="0" dirty="0" smtClean="0">
+                          <a:latin typeface="Times New Roman"/>
+                          <a:cs typeface="Times New Roman"/>
+                        </a:rPr>
+                        <a:t> cell count</a:t>
+                      </a:r>
+                    </a:p>
+                    <a:p>
+                      <a:r>
+                        <a:rPr lang="en-US" sz="1200" baseline="0" dirty="0" smtClean="0">
+                          <a:latin typeface="Times New Roman"/>
+                          <a:cs typeface="Times New Roman"/>
+                        </a:rPr>
+                        <a:t>Neutrophil cell count</a:t>
+                      </a:r>
+                    </a:p>
+                    <a:p>
+                      <a:r>
+                        <a:rPr lang="en-US" sz="1200" baseline="0" dirty="0" smtClean="0">
+                          <a:latin typeface="Times New Roman"/>
+                          <a:cs typeface="Times New Roman"/>
+                        </a:rPr>
+                        <a:t>Lymphocyte cell count</a:t>
+                      </a:r>
+                    </a:p>
+                    <a:p>
+                      <a:r>
+                        <a:rPr lang="en-US" sz="1200" baseline="0" dirty="0" smtClean="0">
+                          <a:latin typeface="Times New Roman"/>
+                          <a:cs typeface="Times New Roman"/>
+                        </a:rPr>
+                        <a:t>Eosinophil cell count</a:t>
+                      </a:r>
+                    </a:p>
+                    <a:p>
+                      <a:r>
+                        <a:rPr lang="en-US" sz="1200" baseline="0" dirty="0" smtClean="0">
+                          <a:latin typeface="Times New Roman"/>
+                          <a:cs typeface="Times New Roman"/>
+                        </a:rPr>
+                        <a:t>Basophil cell count</a:t>
+                      </a:r>
+                    </a:p>
+                    <a:p>
+                      <a:r>
+                        <a:rPr lang="en-US" sz="1200" baseline="0" dirty="0" smtClean="0">
+                          <a:latin typeface="Times New Roman"/>
+                          <a:cs typeface="Times New Roman"/>
+                        </a:rPr>
+                        <a:t>Monocyte cell count</a:t>
+                      </a:r>
+                    </a:p>
+                    <a:p>
+                      <a:r>
+                        <a:rPr lang="en-US" sz="1200" baseline="0" dirty="0" smtClean="0">
+                          <a:latin typeface="Times New Roman"/>
+                          <a:cs typeface="Times New Roman"/>
+                        </a:rPr>
+                        <a:t>Neutrophil differential </a:t>
+                      </a:r>
+                      <a:r>
+                        <a:rPr lang="en-US" sz="1200" kern="1200" baseline="0" dirty="0" smtClean="0">
+                          <a:solidFill>
+                            <a:schemeClr val="tx1"/>
+                          </a:solidFill>
+                          <a:latin typeface="Times New Roman"/>
+                          <a:ea typeface="+mn-ea"/>
+                          <a:cs typeface="Times New Roman"/>
+                        </a:rPr>
+                        <a:t>count</a:t>
+                      </a:r>
+                    </a:p>
+                    <a:p>
+                      <a:r>
+                        <a:rPr lang="en-US" sz="1200" baseline="0" dirty="0" smtClean="0">
+                          <a:latin typeface="Times New Roman"/>
+                          <a:cs typeface="Times New Roman"/>
+                        </a:rPr>
+                        <a:t>Lymphocyte differential count</a:t>
+                      </a:r>
+                    </a:p>
+                    <a:p>
+                      <a:r>
+                        <a:rPr lang="en-US" sz="1200" baseline="0" dirty="0" smtClean="0">
+                          <a:latin typeface="Times New Roman"/>
+                          <a:cs typeface="Times New Roman"/>
+                        </a:rPr>
+                        <a:t>Red blood cell count</a:t>
+                      </a:r>
+                    </a:p>
+                    <a:p>
+                      <a:r>
+                        <a:rPr lang="en-US" sz="1200" baseline="0" dirty="0" smtClean="0">
+                          <a:latin typeface="Times New Roman"/>
+                          <a:cs typeface="Times New Roman"/>
+                        </a:rPr>
+                        <a:t>Mean cell volume</a:t>
+                      </a:r>
+                    </a:p>
+                    <a:p>
+                      <a:r>
+                        <a:rPr lang="en-US" sz="1200" baseline="0" dirty="0" smtClean="0">
+                          <a:latin typeface="Times New Roman"/>
+                          <a:cs typeface="Times New Roman"/>
+                        </a:rPr>
+                        <a:t>Mean corpuscular hemoglobin</a:t>
+                      </a:r>
+                    </a:p>
+                    <a:p>
+                      <a:r>
+                        <a:rPr lang="en-US" sz="1200" dirty="0" smtClean="0">
+                          <a:latin typeface="Times New Roman"/>
+                          <a:cs typeface="Times New Roman"/>
+                        </a:rPr>
+                        <a:t>Platelet count</a:t>
+                      </a:r>
+                      <a:endParaRPr lang="en-US" sz="1200" dirty="0">
+                        <a:latin typeface="Times New Roman"/>
+                        <a:cs typeface="Times New Roman"/>
+                      </a:endParaRPr>
+                    </a:p>
+                  </a:txBody>
+                  <a:tcPr/>
+                </a:tc>
+                <a:tc>
+                  <a:txBody>
+                    <a:bodyPr/>
+                    <a:lstStyle/>
+                    <a:p>
+                      <a:pPr algn="r"/>
+                      <a:r>
+                        <a:rPr lang="en-US" sz="1200" dirty="0" smtClean="0">
+                          <a:latin typeface="Times New Roman"/>
+                          <a:cs typeface="Times New Roman"/>
+                        </a:rPr>
+                        <a:t>-2.99</a:t>
+                      </a:r>
+                      <a:r>
+                        <a:rPr lang="en-US" sz="1200" baseline="0" dirty="0" smtClean="0">
+                          <a:latin typeface="Times New Roman"/>
+                          <a:cs typeface="Times New Roman"/>
+                        </a:rPr>
+                        <a:t> </a:t>
+                      </a:r>
+                      <a:r>
+                        <a:rPr lang="en-US" sz="1200" kern="1200" dirty="0" smtClean="0">
+                          <a:solidFill>
+                            <a:schemeClr val="tx1"/>
+                          </a:solidFill>
+                          <a:latin typeface="Times New Roman"/>
+                          <a:ea typeface="+mn-ea"/>
+                          <a:cs typeface="Times New Roman"/>
+                        </a:rPr>
+                        <a:t>-0.19 -2.63 -0.11 -0.02 -0.03 0.39 -0.39 </a:t>
+                      </a:r>
+                      <a:r>
+                        <a:rPr lang="en-US" sz="1200" dirty="0" smtClean="0">
+                          <a:latin typeface="Times New Roman"/>
+                          <a:cs typeface="Times New Roman"/>
+                        </a:rPr>
+                        <a:t>-0.42 </a:t>
+                      </a:r>
+                      <a:r>
+                        <a:rPr lang="en-US" sz="1200" kern="1200" dirty="0" smtClean="0">
+                          <a:solidFill>
+                            <a:schemeClr val="tx1"/>
+                          </a:solidFill>
+                          <a:latin typeface="Times New Roman"/>
+                          <a:ea typeface="+mn-ea"/>
+                          <a:cs typeface="Times New Roman"/>
+                        </a:rPr>
+                        <a:t>2.48 0.55</a:t>
+                      </a:r>
+                    </a:p>
+                    <a:p>
+                      <a:pPr marL="0" marR="0" indent="0" algn="r" defTabSz="1254008" rtl="0" eaLnBrk="1" fontAlgn="auto" latinLnBrk="0" hangingPunct="1">
+                        <a:lnSpc>
+                          <a:spcPct val="100000"/>
+                        </a:lnSpc>
+                        <a:spcBef>
+                          <a:spcPts val="0"/>
+                        </a:spcBef>
+                        <a:spcAft>
+                          <a:spcPts val="0"/>
+                        </a:spcAft>
+                        <a:buClrTx/>
+                        <a:buSzTx/>
+                        <a:buFontTx/>
+                        <a:buNone/>
+                        <a:tabLst/>
+                        <a:defRPr/>
+                      </a:pPr>
+                      <a:r>
+                        <a:rPr lang="en-US" sz="1200" kern="1200" dirty="0" smtClean="0">
+                          <a:solidFill>
+                            <a:schemeClr val="tx1"/>
+                          </a:solidFill>
+                          <a:latin typeface="Times New Roman"/>
+                          <a:ea typeface="+mn-ea"/>
+                          <a:cs typeface="Times New Roman"/>
+                        </a:rPr>
+                        <a:t>-240</a:t>
+                      </a:r>
+                    </a:p>
+                  </a:txBody>
+                  <a:tcPr/>
+                </a:tc>
+                <a:tc>
+                  <a:txBody>
+                    <a:bodyPr/>
+                    <a:lstStyle/>
+                    <a:p>
+                      <a:pPr marL="0" marR="0" indent="0" algn="l" defTabSz="1254008" rtl="0" eaLnBrk="1" fontAlgn="auto" latinLnBrk="0" hangingPunct="1">
+                        <a:lnSpc>
+                          <a:spcPct val="100000"/>
+                        </a:lnSpc>
+                        <a:spcBef>
+                          <a:spcPts val="0"/>
+                        </a:spcBef>
+                        <a:spcAft>
+                          <a:spcPts val="0"/>
+                        </a:spcAft>
+                        <a:buClrTx/>
+                        <a:buSzTx/>
+                        <a:buFontTx/>
+                        <a:buNone/>
+                        <a:tabLst/>
+                        <a:defRPr/>
+                      </a:pPr>
+                      <a:r>
+                        <a:rPr lang="en-US" sz="1200" kern="1200" dirty="0" smtClean="0">
+                          <a:solidFill>
+                            <a:schemeClr val="tx1"/>
+                          </a:solidFill>
+                          <a:latin typeface="Times New Roman"/>
+                          <a:ea typeface="+mn-ea"/>
+                          <a:cs typeface="Times New Roman"/>
+                        </a:rPr>
+                        <a:t>(&lt; 0.0001)</a:t>
+                      </a:r>
+                    </a:p>
+                    <a:p>
+                      <a:pPr marL="0" marR="0" indent="0" algn="l" defTabSz="1254008" rtl="0" eaLnBrk="1" fontAlgn="auto" latinLnBrk="0" hangingPunct="1">
+                        <a:lnSpc>
+                          <a:spcPct val="100000"/>
+                        </a:lnSpc>
+                        <a:spcBef>
+                          <a:spcPts val="0"/>
+                        </a:spcBef>
+                        <a:spcAft>
+                          <a:spcPts val="0"/>
+                        </a:spcAft>
+                        <a:buClrTx/>
+                        <a:buSzTx/>
+                        <a:buFontTx/>
+                        <a:buNone/>
+                        <a:tabLst/>
+                        <a:defRPr/>
+                      </a:pPr>
+                      <a:r>
+                        <a:rPr lang="en-US" sz="1200" kern="1200" dirty="0" smtClean="0">
+                          <a:solidFill>
+                            <a:schemeClr val="tx1"/>
+                          </a:solidFill>
+                          <a:latin typeface="Times New Roman"/>
+                          <a:ea typeface="+mn-ea"/>
+                          <a:cs typeface="Times New Roman"/>
+                        </a:rPr>
+                        <a:t>(&lt; 0.0001)</a:t>
+                      </a:r>
+                    </a:p>
+                    <a:p>
+                      <a:pPr marL="0" marR="0" indent="0" algn="l" defTabSz="1254008" rtl="0" eaLnBrk="1" fontAlgn="auto" latinLnBrk="0" hangingPunct="1">
+                        <a:lnSpc>
+                          <a:spcPct val="100000"/>
+                        </a:lnSpc>
+                        <a:spcBef>
+                          <a:spcPts val="0"/>
+                        </a:spcBef>
+                        <a:spcAft>
+                          <a:spcPts val="0"/>
+                        </a:spcAft>
+                        <a:buClrTx/>
+                        <a:buSzTx/>
+                        <a:buFontTx/>
+                        <a:buNone/>
+                        <a:tabLst/>
+                        <a:defRPr/>
+                      </a:pPr>
+                      <a:r>
+                        <a:rPr lang="en-US" sz="1200" kern="1200" dirty="0" smtClean="0">
+                          <a:solidFill>
+                            <a:schemeClr val="tx1"/>
+                          </a:solidFill>
+                          <a:latin typeface="Times New Roman"/>
+                          <a:ea typeface="+mn-ea"/>
+                          <a:cs typeface="Times New Roman"/>
+                        </a:rPr>
+                        <a:t>(&lt; 0.0001)</a:t>
+                      </a:r>
+                    </a:p>
+                    <a:p>
+                      <a:pPr marL="0" marR="0" indent="0" algn="l" defTabSz="1254008" rtl="0" eaLnBrk="1" fontAlgn="auto" latinLnBrk="0" hangingPunct="1">
+                        <a:lnSpc>
+                          <a:spcPct val="100000"/>
+                        </a:lnSpc>
+                        <a:spcBef>
+                          <a:spcPts val="0"/>
+                        </a:spcBef>
+                        <a:spcAft>
+                          <a:spcPts val="0"/>
+                        </a:spcAft>
+                        <a:buClrTx/>
+                        <a:buSzTx/>
+                        <a:buFontTx/>
+                        <a:buNone/>
+                        <a:tabLst/>
+                        <a:defRPr/>
+                      </a:pPr>
+                      <a:r>
+                        <a:rPr lang="en-US" sz="1200" kern="1200" dirty="0" smtClean="0">
+                          <a:solidFill>
+                            <a:schemeClr val="tx1"/>
+                          </a:solidFill>
+                          <a:latin typeface="Times New Roman"/>
+                          <a:ea typeface="+mn-ea"/>
+                          <a:cs typeface="Times New Roman"/>
+                        </a:rPr>
+                        <a:t>(&lt; 0.0001)</a:t>
+                      </a:r>
+                    </a:p>
+                    <a:p>
+                      <a:pPr marL="0" marR="0" indent="0" algn="l" defTabSz="1254008" rtl="0" eaLnBrk="1" fontAlgn="auto" latinLnBrk="0" hangingPunct="1">
+                        <a:lnSpc>
+                          <a:spcPct val="100000"/>
+                        </a:lnSpc>
+                        <a:spcBef>
+                          <a:spcPts val="0"/>
+                        </a:spcBef>
+                        <a:spcAft>
+                          <a:spcPts val="0"/>
+                        </a:spcAft>
+                        <a:buClrTx/>
+                        <a:buSzTx/>
+                        <a:buFontTx/>
+                        <a:buNone/>
+                        <a:tabLst/>
+                        <a:defRPr/>
+                      </a:pPr>
+                      <a:r>
+                        <a:rPr lang="en-US" sz="1200" kern="1200" dirty="0" smtClean="0">
+                          <a:solidFill>
+                            <a:schemeClr val="tx1"/>
+                          </a:solidFill>
+                          <a:latin typeface="Times New Roman"/>
+                          <a:ea typeface="+mn-ea"/>
+                          <a:cs typeface="Times New Roman"/>
+                        </a:rPr>
+                        <a:t>(&lt; 0.0001)</a:t>
+                      </a:r>
+                    </a:p>
+                    <a:p>
+                      <a:pPr marL="0" marR="0" indent="0" algn="l" defTabSz="1254008" rtl="0" eaLnBrk="1" fontAlgn="auto" latinLnBrk="0" hangingPunct="1">
+                        <a:lnSpc>
+                          <a:spcPct val="100000"/>
+                        </a:lnSpc>
+                        <a:spcBef>
+                          <a:spcPts val="0"/>
+                        </a:spcBef>
+                        <a:spcAft>
+                          <a:spcPts val="0"/>
+                        </a:spcAft>
+                        <a:buClrTx/>
+                        <a:buSzTx/>
+                        <a:buFontTx/>
+                        <a:buNone/>
+                        <a:tabLst/>
+                        <a:defRPr/>
+                      </a:pPr>
+                      <a:r>
+                        <a:rPr lang="en-US" sz="1200" kern="1200" dirty="0" smtClean="0">
+                          <a:solidFill>
+                            <a:schemeClr val="tx1"/>
+                          </a:solidFill>
+                          <a:latin typeface="Times New Roman"/>
+                          <a:ea typeface="+mn-ea"/>
+                          <a:cs typeface="Times New Roman"/>
+                        </a:rPr>
+                        <a:t>(&lt; 0.0001)</a:t>
+                      </a:r>
+                    </a:p>
+                    <a:p>
+                      <a:pPr marL="0" marR="0" indent="0" algn="l" defTabSz="1254008" rtl="0" eaLnBrk="1" fontAlgn="auto" latinLnBrk="0" hangingPunct="1">
+                        <a:lnSpc>
+                          <a:spcPct val="100000"/>
+                        </a:lnSpc>
+                        <a:spcBef>
+                          <a:spcPts val="0"/>
+                        </a:spcBef>
+                        <a:spcAft>
+                          <a:spcPts val="0"/>
+                        </a:spcAft>
+                        <a:buClrTx/>
+                        <a:buSzTx/>
+                        <a:buFontTx/>
+                        <a:buNone/>
+                        <a:tabLst/>
+                        <a:defRPr/>
+                      </a:pPr>
+                      <a:r>
+                        <a:rPr lang="en-US" sz="1200" kern="1200" dirty="0" smtClean="0">
+                          <a:solidFill>
+                            <a:schemeClr val="tx1"/>
+                          </a:solidFill>
+                          <a:latin typeface="Times New Roman"/>
+                          <a:ea typeface="+mn-ea"/>
+                          <a:cs typeface="Times New Roman"/>
+                        </a:rPr>
+                        <a:t>(&lt; 0.0001)</a:t>
+                      </a:r>
+                    </a:p>
+                    <a:p>
+                      <a:pPr marL="0" marR="0" indent="0" algn="l" defTabSz="1254008" rtl="0" eaLnBrk="1" fontAlgn="auto" latinLnBrk="0" hangingPunct="1">
+                        <a:lnSpc>
+                          <a:spcPct val="100000"/>
+                        </a:lnSpc>
+                        <a:spcBef>
+                          <a:spcPts val="0"/>
+                        </a:spcBef>
+                        <a:spcAft>
+                          <a:spcPts val="0"/>
+                        </a:spcAft>
+                        <a:buClrTx/>
+                        <a:buSzTx/>
+                        <a:buFontTx/>
+                        <a:buNone/>
+                        <a:tabLst/>
+                        <a:defRPr/>
+                      </a:pPr>
+                      <a:r>
+                        <a:rPr lang="en-US" sz="1200" kern="1200" dirty="0" smtClean="0">
+                          <a:solidFill>
+                            <a:schemeClr val="tx1"/>
+                          </a:solidFill>
+                          <a:latin typeface="Times New Roman"/>
+                          <a:ea typeface="+mn-ea"/>
+                          <a:cs typeface="Times New Roman"/>
+                        </a:rPr>
+                        <a:t>(&lt; 0.0001)</a:t>
+                      </a:r>
+                    </a:p>
+                    <a:p>
+                      <a:pPr marL="0" marR="0" indent="0" algn="l" defTabSz="1254008" rtl="0" eaLnBrk="1" fontAlgn="auto" latinLnBrk="0" hangingPunct="1">
+                        <a:lnSpc>
+                          <a:spcPct val="100000"/>
+                        </a:lnSpc>
+                        <a:spcBef>
+                          <a:spcPts val="0"/>
+                        </a:spcBef>
+                        <a:spcAft>
+                          <a:spcPts val="0"/>
+                        </a:spcAft>
+                        <a:buClrTx/>
+                        <a:buSzTx/>
+                        <a:buFontTx/>
+                        <a:buNone/>
+                        <a:tabLst/>
+                        <a:defRPr/>
+                      </a:pPr>
+                      <a:r>
+                        <a:rPr lang="en-US" sz="1200" kern="1200" dirty="0" smtClean="0">
+                          <a:solidFill>
+                            <a:schemeClr val="tx1"/>
+                          </a:solidFill>
+                          <a:latin typeface="Times New Roman"/>
+                          <a:ea typeface="+mn-ea"/>
+                          <a:cs typeface="Times New Roman"/>
+                        </a:rPr>
+                        <a:t>(&lt; 0.0001)</a:t>
+                      </a:r>
+                    </a:p>
+                    <a:p>
+                      <a:pPr marL="0" marR="0" indent="0" algn="l" defTabSz="1254008" rtl="0" eaLnBrk="1" fontAlgn="auto" latinLnBrk="0" hangingPunct="1">
+                        <a:lnSpc>
+                          <a:spcPct val="100000"/>
+                        </a:lnSpc>
+                        <a:spcBef>
+                          <a:spcPts val="0"/>
+                        </a:spcBef>
+                        <a:spcAft>
+                          <a:spcPts val="0"/>
+                        </a:spcAft>
+                        <a:buClrTx/>
+                        <a:buSzTx/>
+                        <a:buFontTx/>
+                        <a:buNone/>
+                        <a:tabLst/>
+                        <a:defRPr/>
+                      </a:pPr>
+                      <a:r>
+                        <a:rPr lang="en-US" sz="1200" kern="1200" dirty="0" smtClean="0">
+                          <a:solidFill>
+                            <a:schemeClr val="tx1"/>
+                          </a:solidFill>
+                          <a:latin typeface="Times New Roman"/>
+                          <a:ea typeface="+mn-ea"/>
+                          <a:cs typeface="Times New Roman"/>
+                        </a:rPr>
+                        <a:t>(&lt; 0.0001)</a:t>
+                      </a:r>
+                    </a:p>
+                    <a:p>
+                      <a:pPr marL="0" marR="0" indent="0" algn="l" defTabSz="1254008" rtl="0" eaLnBrk="1" fontAlgn="auto" latinLnBrk="0" hangingPunct="1">
+                        <a:lnSpc>
+                          <a:spcPct val="100000"/>
+                        </a:lnSpc>
+                        <a:spcBef>
+                          <a:spcPts val="0"/>
+                        </a:spcBef>
+                        <a:spcAft>
+                          <a:spcPts val="0"/>
+                        </a:spcAft>
+                        <a:buClrTx/>
+                        <a:buSzTx/>
+                        <a:buFontTx/>
+                        <a:buNone/>
+                        <a:tabLst/>
+                        <a:defRPr/>
+                      </a:pPr>
+                      <a:r>
+                        <a:rPr lang="en-US" sz="1200" kern="1200" dirty="0" smtClean="0">
+                          <a:solidFill>
+                            <a:schemeClr val="tx1"/>
+                          </a:solidFill>
+                          <a:latin typeface="Times New Roman"/>
+                          <a:ea typeface="+mn-ea"/>
+                          <a:cs typeface="Times New Roman"/>
+                        </a:rPr>
+                        <a:t>(&lt; 0.0001)</a:t>
+                      </a:r>
+                    </a:p>
+                    <a:p>
+                      <a:pPr marL="0" marR="0" indent="0" algn="l" defTabSz="1254008" rtl="0" eaLnBrk="1" fontAlgn="auto" latinLnBrk="0" hangingPunct="1">
+                        <a:lnSpc>
+                          <a:spcPct val="100000"/>
+                        </a:lnSpc>
+                        <a:spcBef>
+                          <a:spcPts val="0"/>
+                        </a:spcBef>
+                        <a:spcAft>
+                          <a:spcPts val="0"/>
+                        </a:spcAft>
+                        <a:buClrTx/>
+                        <a:buSzTx/>
+                        <a:buFontTx/>
+                        <a:buNone/>
+                        <a:tabLst/>
+                        <a:defRPr/>
+                      </a:pPr>
+                      <a:r>
+                        <a:rPr lang="en-US" sz="1200" kern="1200" dirty="0" smtClean="0">
+                          <a:solidFill>
+                            <a:schemeClr val="tx1"/>
+                          </a:solidFill>
+                          <a:latin typeface="Times New Roman"/>
+                          <a:ea typeface="+mn-ea"/>
+                          <a:cs typeface="Times New Roman"/>
+                        </a:rPr>
+                        <a:t>(&lt; 0.0001)</a:t>
+                      </a:r>
+                    </a:p>
+                  </a:txBody>
+                  <a:tcPr marL="0"/>
+                </a:tc>
+              </a:tr>
+            </a:tbl>
+          </a:graphicData>
+        </a:graphic>
+      </p:graphicFrame>
     </p:spTree>
     <p:extLst>
       <p:ext uri="{BB962C8B-B14F-4D97-AF65-F5344CB8AC3E}">

--- a/Poster.pptx
+++ b/Poster.pptx
@@ -109,8 +109,17 @@
 
 <file path=ppt/commentAuthors.xml><?xml version="1.0" encoding="utf-8"?>
 <p:cmAuthorLst xmlns:a="http://schemas.openxmlformats.org/drawingml/2006/main" xmlns:r="http://schemas.openxmlformats.org/officeDocument/2006/relationships" xmlns:p="http://schemas.openxmlformats.org/presentationml/2006/main">
-  <p:cmAuthor id="0" name="Gabrielle" initials="" lastIdx="1" clrIdx="0"/>
+  <p:cmAuthor id="0" name="Gabrielle" initials="" lastIdx="2" clrIdx="0"/>
 </p:cmAuthorLst>
+</file>
+
+<file path=ppt/comments/comment1.xml><?xml version="1.0" encoding="utf-8"?>
+<p:cmLst xmlns:a="http://schemas.openxmlformats.org/drawingml/2006/main" xmlns:r="http://schemas.openxmlformats.org/officeDocument/2006/relationships" xmlns:p="http://schemas.openxmlformats.org/presentationml/2006/main">
+  <p:cm authorId="0" dt="2016-07-22T13:48:49.194" idx="2">
+    <p:pos x="6923" y="7684"/>
+    <p:text>We can sort the phenotypes by color to make it more pretty.</p:text>
+  </p:cm>
+</p:cmLst>
 </file>
 
 <file path=ppt/slideLayouts/slideLayout1.xml><?xml version="1.0" encoding="utf-8"?>
@@ -294,7 +303,7 @@
           <a:p>
             <a:fld id="{BA3D2166-DA3A-7E42-B5FA-B8909614B8FF}" type="datetimeFigureOut">
               <a:rPr lang="en-US" smtClean="0"/>
-              <a:t>2016-07-21</a:t>
+              <a:t>2016-07-22</a:t>
             </a:fld>
             <a:endParaRPr lang="en-US"/>
           </a:p>
@@ -464,7 +473,7 @@
           <a:p>
             <a:fld id="{BA3D2166-DA3A-7E42-B5FA-B8909614B8FF}" type="datetimeFigureOut">
               <a:rPr lang="en-US" smtClean="0"/>
-              <a:t>2016-07-21</a:t>
+              <a:t>2016-07-22</a:t>
             </a:fld>
             <a:endParaRPr lang="en-US"/>
           </a:p>
@@ -644,7 +653,7 @@
           <a:p>
             <a:fld id="{BA3D2166-DA3A-7E42-B5FA-B8909614B8FF}" type="datetimeFigureOut">
               <a:rPr lang="en-US" smtClean="0"/>
-              <a:t>2016-07-21</a:t>
+              <a:t>2016-07-22</a:t>
             </a:fld>
             <a:endParaRPr lang="en-US"/>
           </a:p>
@@ -814,7 +823,7 @@
           <a:p>
             <a:fld id="{BA3D2166-DA3A-7E42-B5FA-B8909614B8FF}" type="datetimeFigureOut">
               <a:rPr lang="en-US" smtClean="0"/>
-              <a:t>2016-07-21</a:t>
+              <a:t>2016-07-22</a:t>
             </a:fld>
             <a:endParaRPr lang="en-US"/>
           </a:p>
@@ -1060,7 +1069,7 @@
           <a:p>
             <a:fld id="{BA3D2166-DA3A-7E42-B5FA-B8909614B8FF}" type="datetimeFigureOut">
               <a:rPr lang="en-US" smtClean="0"/>
-              <a:t>2016-07-21</a:t>
+              <a:t>2016-07-22</a:t>
             </a:fld>
             <a:endParaRPr lang="en-US"/>
           </a:p>
@@ -1348,7 +1357,7 @@
           <a:p>
             <a:fld id="{BA3D2166-DA3A-7E42-B5FA-B8909614B8FF}" type="datetimeFigureOut">
               <a:rPr lang="en-US" smtClean="0"/>
-              <a:t>2016-07-21</a:t>
+              <a:t>2016-07-22</a:t>
             </a:fld>
             <a:endParaRPr lang="en-US"/>
           </a:p>
@@ -1775,7 +1784,7 @@
           <a:p>
             <a:fld id="{BA3D2166-DA3A-7E42-B5FA-B8909614B8FF}" type="datetimeFigureOut">
               <a:rPr lang="en-US" smtClean="0"/>
-              <a:t>2016-07-21</a:t>
+              <a:t>2016-07-22</a:t>
             </a:fld>
             <a:endParaRPr lang="en-US"/>
           </a:p>
@@ -1893,7 +1902,7 @@
           <a:p>
             <a:fld id="{BA3D2166-DA3A-7E42-B5FA-B8909614B8FF}" type="datetimeFigureOut">
               <a:rPr lang="en-US" smtClean="0"/>
-              <a:t>2016-07-21</a:t>
+              <a:t>2016-07-22</a:t>
             </a:fld>
             <a:endParaRPr lang="en-US"/>
           </a:p>
@@ -1988,7 +1997,7 @@
           <a:p>
             <a:fld id="{BA3D2166-DA3A-7E42-B5FA-B8909614B8FF}" type="datetimeFigureOut">
               <a:rPr lang="en-US" smtClean="0"/>
-              <a:t>2016-07-21</a:t>
+              <a:t>2016-07-22</a:t>
             </a:fld>
             <a:endParaRPr lang="en-US"/>
           </a:p>
@@ -2265,7 +2274,7 @@
           <a:p>
             <a:fld id="{BA3D2166-DA3A-7E42-B5FA-B8909614B8FF}" type="datetimeFigureOut">
               <a:rPr lang="en-US" smtClean="0"/>
-              <a:t>2016-07-21</a:t>
+              <a:t>2016-07-22</a:t>
             </a:fld>
             <a:endParaRPr lang="en-US"/>
           </a:p>
@@ -2518,7 +2527,7 @@
           <a:p>
             <a:fld id="{BA3D2166-DA3A-7E42-B5FA-B8909614B8FF}" type="datetimeFigureOut">
               <a:rPr lang="en-US" smtClean="0"/>
-              <a:t>2016-07-21</a:t>
+              <a:t>2016-07-22</a:t>
             </a:fld>
             <a:endParaRPr lang="en-US"/>
           </a:p>
@@ -2731,7 +2740,7 @@
           <a:p>
             <a:fld id="{BA3D2166-DA3A-7E42-B5FA-B8909614B8FF}" type="datetimeFigureOut">
               <a:rPr lang="en-US" smtClean="0"/>
-              <a:t>2016-07-21</a:t>
+              <a:t>2016-07-22</a:t>
             </a:fld>
             <a:endParaRPr lang="en-US"/>
           </a:p>
@@ -3126,7 +3135,7 @@
         </p:nvSpPr>
         <p:spPr bwMode="auto">
           <a:xfrm>
-            <a:off x="6182801" y="8886853"/>
+            <a:off x="6182801" y="8890186"/>
             <a:ext cx="15072665" cy="7424782"/>
           </a:xfrm>
           <a:prstGeom prst="roundRect">
@@ -4258,7 +4267,14 @@
                 <a:latin typeface="Times New Roman"/>
                 <a:cs typeface="Times New Roman"/>
               </a:rPr>
-              <a:t>Assumes missing data are missing at random or completely at random</a:t>
+              <a:t>Assumes missing data are missing at random or completely at </a:t>
+            </a:r>
+            <a:r>
+              <a:rPr lang="en-US" sz="1800" dirty="0" smtClean="0">
+                <a:latin typeface="Times New Roman"/>
+                <a:cs typeface="Times New Roman"/>
+              </a:rPr>
+              <a:t>random.</a:t>
             </a:r>
             <a:endParaRPr lang="en-US" sz="1800" dirty="0">
               <a:latin typeface="Times New Roman"/>
@@ -4331,8 +4347,12 @@
                 <a:latin typeface="Times New Roman"/>
                 <a:cs typeface="Times New Roman"/>
               </a:rPr>
-              <a:t>Causal interpretation of the data method</a:t>
-            </a:r>
+              <a:t>Given the availability of experimental data, </a:t>
+            </a:r>
+            <a:endParaRPr lang="en-US" sz="1800" dirty="0" smtClean="0">
+              <a:latin typeface="Times New Roman"/>
+              <a:cs typeface="Times New Roman"/>
+            </a:endParaRPr>
           </a:p>
           <a:p>
             <a:endParaRPr lang="en-US" sz="1800" dirty="0" smtClean="0">
@@ -4513,42 +4533,6 @@
           </a:p>
         </p:txBody>
       </p:sp>
-      <p:sp>
-        <p:nvSpPr>
-          <p:cNvPr id="25" name="TextBox 24"/>
-          <p:cNvSpPr txBox="1"/>
-          <p:nvPr/>
-        </p:nvSpPr>
-        <p:spPr>
-          <a:xfrm>
-            <a:off x="13928546" y="11277328"/>
-            <a:ext cx="7300641" cy="400110"/>
-          </a:xfrm>
-          <a:prstGeom prst="rect">
-            <a:avLst/>
-          </a:prstGeom>
-          <a:noFill/>
-        </p:spPr>
-        <p:txBody>
-          <a:bodyPr wrap="square" rtlCol="0">
-            <a:spAutoFit/>
-          </a:bodyPr>
-          <a:lstStyle/>
-          <a:p>
-            <a:r>
-              <a:rPr lang="en-US" sz="2000" dirty="0" smtClean="0">
-                <a:latin typeface="Times New Roman"/>
-                <a:cs typeface="Times New Roman"/>
-              </a:rPr>
-              <a:t>Possible causal relationships for knockout condition 3803_1</a:t>
-            </a:r>
-            <a:endParaRPr lang="en-US" sz="2000" dirty="0">
-              <a:latin typeface="Times New Roman"/>
-              <a:cs typeface="Times New Roman"/>
-            </a:endParaRPr>
-          </a:p>
-        </p:txBody>
-      </p:sp>
       <p:graphicFrame>
         <p:nvGraphicFramePr>
           <p:cNvPr id="26" name="Table 25"/>
@@ -4558,20 +4542,20 @@
           <p:nvPr>
             <p:extLst>
               <p:ext uri="{D42A27DB-BD31-4B8C-83A1-F6EECF244321}">
-                <p14:modId xmlns:p14="http://schemas.microsoft.com/office/powerpoint/2010/main" val="527268647"/>
+                <p14:modId xmlns:p14="http://schemas.microsoft.com/office/powerpoint/2010/main" val="4176467718"/>
               </p:ext>
             </p:extLst>
           </p:nvPr>
         </p:nvGraphicFramePr>
         <p:xfrm>
-          <a:off x="7122140" y="9137904"/>
+          <a:off x="15337063" y="9306090"/>
           <a:ext cx="4291124" cy="2796925"/>
         </p:xfrm>
         <a:graphic>
           <a:graphicData uri="http://schemas.openxmlformats.org/drawingml/2006/table">
             <a:tbl>
               <a:tblPr firstRow="1" bandRow="1">
-                <a:tableStyleId>{F2DE63D5-997A-4646-A377-4702673A728D}</a:tableStyleId>
+                <a:tableStyleId>{7E9639D4-E3E2-4D34-9284-5A2195B3D0D7}</a:tableStyleId>
               </a:tblPr>
               <a:tblGrid>
                 <a:gridCol w="844006"/>
@@ -4599,11 +4583,7 @@
                       </a:endParaRPr>
                     </a:p>
                   </a:txBody>
-                  <a:tcPr anchor="b">
-                    <a:solidFill>
-                      <a:srgbClr val="045C0E"/>
-                    </a:solidFill>
-                  </a:tcPr>
+                  <a:tcPr anchor="b"/>
                 </a:tc>
                 <a:tc>
                   <a:txBody>
@@ -4624,11 +4604,7 @@
                       </a:endParaRPr>
                     </a:p>
                   </a:txBody>
-                  <a:tcPr anchor="b">
-                    <a:solidFill>
-                      <a:srgbClr val="045C0E"/>
-                    </a:solidFill>
-                  </a:tcPr>
+                  <a:tcPr anchor="b"/>
                 </a:tc>
                 <a:tc gridSpan="2">
                   <a:txBody>
@@ -4666,11 +4642,7 @@
                       </a:endParaRPr>
                     </a:p>
                   </a:txBody>
-                  <a:tcPr anchor="b">
-                    <a:solidFill>
-                      <a:srgbClr val="045C0E"/>
-                    </a:solidFill>
-                  </a:tcPr>
+                  <a:tcPr anchor="b"/>
                 </a:tc>
                 <a:tc hMerge="1">
                   <a:txBody>
@@ -4711,6 +4683,9 @@
                     <a:p>
                       <a:r>
                         <a:rPr lang="en-US" sz="1200" dirty="0" smtClean="0">
+                          <a:solidFill>
+                            <a:srgbClr val="31859C"/>
+                          </a:solidFill>
                           <a:latin typeface="Times New Roman"/>
                           <a:cs typeface="Times New Roman"/>
                         </a:rPr>
@@ -4718,6 +4693,9 @@
                       </a:r>
                       <a:r>
                         <a:rPr lang="en-US" sz="1200" baseline="0" dirty="0" smtClean="0">
+                          <a:solidFill>
+                            <a:srgbClr val="31859C"/>
+                          </a:solidFill>
                           <a:latin typeface="Times New Roman"/>
                           <a:cs typeface="Times New Roman"/>
                         </a:rPr>
@@ -4727,6 +4705,9 @@
                     <a:p>
                       <a:r>
                         <a:rPr lang="en-US" sz="1200" baseline="0" dirty="0" smtClean="0">
+                          <a:solidFill>
+                            <a:srgbClr val="31859C"/>
+                          </a:solidFill>
                           <a:latin typeface="Times New Roman"/>
                           <a:cs typeface="Times New Roman"/>
                         </a:rPr>
@@ -4736,6 +4717,9 @@
                     <a:p>
                       <a:r>
                         <a:rPr lang="en-US" sz="1200" baseline="0" dirty="0" smtClean="0">
+                          <a:solidFill>
+                            <a:srgbClr val="31859C"/>
+                          </a:solidFill>
                           <a:latin typeface="Times New Roman"/>
                           <a:cs typeface="Times New Roman"/>
                         </a:rPr>
@@ -4745,6 +4729,9 @@
                     <a:p>
                       <a:r>
                         <a:rPr lang="en-US" sz="1200" baseline="0" dirty="0" smtClean="0">
+                          <a:solidFill>
+                            <a:srgbClr val="31859C"/>
+                          </a:solidFill>
                           <a:latin typeface="Times New Roman"/>
                           <a:cs typeface="Times New Roman"/>
                         </a:rPr>
@@ -4754,6 +4741,9 @@
                     <a:p>
                       <a:r>
                         <a:rPr lang="en-US" sz="1200" baseline="0" dirty="0" smtClean="0">
+                          <a:solidFill>
+                            <a:srgbClr val="31859C"/>
+                          </a:solidFill>
                           <a:latin typeface="Times New Roman"/>
                           <a:cs typeface="Times New Roman"/>
                         </a:rPr>
@@ -4763,6 +4753,9 @@
                     <a:p>
                       <a:r>
                         <a:rPr lang="en-US" sz="1200" baseline="0" dirty="0" smtClean="0">
+                          <a:solidFill>
+                            <a:srgbClr val="31859C"/>
+                          </a:solidFill>
                           <a:latin typeface="Times New Roman"/>
                           <a:cs typeface="Times New Roman"/>
                         </a:rPr>
@@ -4772,18 +4765,30 @@
                     <a:p>
                       <a:r>
                         <a:rPr lang="en-US" sz="1200" baseline="0" dirty="0" smtClean="0">
-                          <a:latin typeface="Times New Roman"/>
-                          <a:cs typeface="Times New Roman"/>
-                        </a:rPr>
-                        <a:t>Neutrophil differential </a:t>
+                          <a:solidFill>
+                            <a:srgbClr val="31859C"/>
+                          </a:solidFill>
+                          <a:latin typeface="Times New Roman"/>
+                          <a:cs typeface="Times New Roman"/>
+                        </a:rPr>
+                        <a:t>Neutrophil </a:t>
+                      </a:r>
+                      <a:r>
+                        <a:rPr lang="en-US" sz="1200" baseline="0" dirty="0" smtClean="0">
+                          <a:solidFill>
+                            <a:srgbClr val="31859C"/>
+                          </a:solidFill>
+                          <a:latin typeface="Times New Roman"/>
+                          <a:cs typeface="Times New Roman"/>
+                        </a:rPr>
+                        <a:t>differential </a:t>
                       </a:r>
                       <a:r>
                         <a:rPr lang="en-US" sz="1200" kern="1200" baseline="0" dirty="0" smtClean="0">
                           <a:solidFill>
-                            <a:schemeClr val="tx1"/>
-                          </a:solidFill>
-                          <a:latin typeface="Times New Roman"/>
-                          <a:ea typeface="+mn-ea"/>
+                            <a:srgbClr val="31859C"/>
+                          </a:solidFill>
+                          <a:latin typeface="Times New Roman"/>
                           <a:cs typeface="Times New Roman"/>
                         </a:rPr>
                         <a:t>count</a:t>
@@ -4792,6 +4797,9 @@
                     <a:p>
                       <a:r>
                         <a:rPr lang="en-US" sz="1200" baseline="0" dirty="0" smtClean="0">
+                          <a:solidFill>
+                            <a:srgbClr val="31859C"/>
+                          </a:solidFill>
                           <a:latin typeface="Times New Roman"/>
                           <a:cs typeface="Times New Roman"/>
                         </a:rPr>
@@ -4801,6 +4809,9 @@
                     <a:p>
                       <a:r>
                         <a:rPr lang="en-US" sz="1200" baseline="0" dirty="0" smtClean="0">
+                          <a:solidFill>
+                            <a:srgbClr val="DA0000"/>
+                          </a:solidFill>
                           <a:latin typeface="Times New Roman"/>
                           <a:cs typeface="Times New Roman"/>
                         </a:rPr>
@@ -4810,6 +4821,9 @@
                     <a:p>
                       <a:r>
                         <a:rPr lang="en-US" sz="1200" baseline="0" dirty="0" smtClean="0">
+                          <a:solidFill>
+                            <a:srgbClr val="DA0000"/>
+                          </a:solidFill>
                           <a:latin typeface="Times New Roman"/>
                           <a:cs typeface="Times New Roman"/>
                         </a:rPr>
@@ -4819,6 +4833,9 @@
                     <a:p>
                       <a:r>
                         <a:rPr lang="en-US" sz="1200" baseline="0" dirty="0" smtClean="0">
+                          <a:solidFill>
+                            <a:srgbClr val="DA0000"/>
+                          </a:solidFill>
                           <a:latin typeface="Times New Roman"/>
                           <a:cs typeface="Times New Roman"/>
                         </a:rPr>
@@ -4828,12 +4845,22 @@
                     <a:p>
                       <a:r>
                         <a:rPr lang="en-US" sz="1200" dirty="0" smtClean="0">
+                          <a:solidFill>
+                            <a:schemeClr val="accent3">
+                              <a:lumMod val="50000"/>
+                            </a:schemeClr>
+                          </a:solidFill>
                           <a:latin typeface="Times New Roman"/>
                           <a:cs typeface="Times New Roman"/>
                         </a:rPr>
                         <a:t>Platelet count</a:t>
                       </a:r>
                       <a:endParaRPr lang="en-US" sz="1200" dirty="0">
+                        <a:solidFill>
+                          <a:schemeClr val="accent3">
+                            <a:lumMod val="50000"/>
+                          </a:schemeClr>
+                        </a:solidFill>
                         <a:latin typeface="Times New Roman"/>
                         <a:cs typeface="Times New Roman"/>
                       </a:endParaRPr>
@@ -4863,11 +4890,7 @@
                       </a:r>
                       <a:r>
                         <a:rPr lang="en-US" sz="1200" kern="1200" dirty="0" smtClean="0">
-                          <a:solidFill>
-                            <a:schemeClr val="tx1"/>
-                          </a:solidFill>
-                          <a:latin typeface="Times New Roman"/>
-                          <a:ea typeface="+mn-ea"/>
+                          <a:latin typeface="Times New Roman"/>
                           <a:cs typeface="Times New Roman"/>
                         </a:rPr>
                         <a:t>-0.19 -2.63 -0.11 -0.02 -0.03 0.39 -0.39 </a:t>
@@ -4881,11 +4904,7 @@
                       </a:r>
                       <a:r>
                         <a:rPr lang="en-US" sz="1200" kern="1200" dirty="0" smtClean="0">
-                          <a:solidFill>
-                            <a:schemeClr val="tx1"/>
-                          </a:solidFill>
-                          <a:latin typeface="Times New Roman"/>
-                          <a:ea typeface="+mn-ea"/>
+                          <a:latin typeface="Times New Roman"/>
                           <a:cs typeface="Times New Roman"/>
                         </a:rPr>
                         <a:t>2.48 0.55</a:t>
@@ -4911,15 +4930,19 @@
                       </a:pPr>
                       <a:r>
                         <a:rPr lang="en-US" sz="1200" kern="1200" dirty="0" smtClean="0">
-                          <a:solidFill>
-                            <a:schemeClr val="tx1"/>
-                          </a:solidFill>
-                          <a:latin typeface="Times New Roman"/>
-                          <a:ea typeface="+mn-ea"/>
+                          <a:latin typeface="Times New Roman"/>
                           <a:cs typeface="Times New Roman"/>
                         </a:rPr>
                         <a:t>-240</a:t>
                       </a:r>
+                      <a:endParaRPr lang="en-US" sz="1200" kern="1200" dirty="0" smtClean="0">
+                        <a:solidFill>
+                          <a:schemeClr val="tx1"/>
+                        </a:solidFill>
+                        <a:latin typeface="Times New Roman"/>
+                        <a:ea typeface="+mn-ea"/>
+                        <a:cs typeface="Times New Roman"/>
+                      </a:endParaRPr>
                     </a:p>
                   </a:txBody>
                   <a:tcPr/>
@@ -4948,11 +4971,7 @@
                       </a:pPr>
                       <a:r>
                         <a:rPr lang="en-US" sz="1200" kern="1200" dirty="0" smtClean="0">
-                          <a:solidFill>
-                            <a:schemeClr val="tx1"/>
-                          </a:solidFill>
-                          <a:latin typeface="Times New Roman"/>
-                          <a:ea typeface="+mn-ea"/>
+                          <a:latin typeface="Times New Roman"/>
                           <a:cs typeface="Times New Roman"/>
                         </a:rPr>
                         <a:t>(&lt; 0.0001)</a:t>
@@ -4978,11 +4997,7 @@
                       </a:pPr>
                       <a:r>
                         <a:rPr lang="en-US" sz="1200" kern="1200" dirty="0" smtClean="0">
-                          <a:solidFill>
-                            <a:schemeClr val="tx1"/>
-                          </a:solidFill>
-                          <a:latin typeface="Times New Roman"/>
-                          <a:ea typeface="+mn-ea"/>
+                          <a:latin typeface="Times New Roman"/>
                           <a:cs typeface="Times New Roman"/>
                         </a:rPr>
                         <a:t>(&lt; 0.0001)</a:t>
@@ -5008,11 +5023,7 @@
                       </a:pPr>
                       <a:r>
                         <a:rPr lang="en-US" sz="1200" kern="1200" dirty="0" smtClean="0">
-                          <a:solidFill>
-                            <a:schemeClr val="tx1"/>
-                          </a:solidFill>
-                          <a:latin typeface="Times New Roman"/>
-                          <a:ea typeface="+mn-ea"/>
+                          <a:latin typeface="Times New Roman"/>
                           <a:cs typeface="Times New Roman"/>
                         </a:rPr>
                         <a:t>(&lt; 0.0001)</a:t>
@@ -5038,11 +5049,7 @@
                       </a:pPr>
                       <a:r>
                         <a:rPr lang="en-US" sz="1200" kern="1200" dirty="0" smtClean="0">
-                          <a:solidFill>
-                            <a:schemeClr val="tx1"/>
-                          </a:solidFill>
-                          <a:latin typeface="Times New Roman"/>
-                          <a:ea typeface="+mn-ea"/>
+                          <a:latin typeface="Times New Roman"/>
                           <a:cs typeface="Times New Roman"/>
                         </a:rPr>
                         <a:t>(&lt; 0.0001)</a:t>
@@ -5068,11 +5075,7 @@
                       </a:pPr>
                       <a:r>
                         <a:rPr lang="en-US" sz="1200" kern="1200" dirty="0" smtClean="0">
-                          <a:solidFill>
-                            <a:schemeClr val="tx1"/>
-                          </a:solidFill>
-                          <a:latin typeface="Times New Roman"/>
-                          <a:ea typeface="+mn-ea"/>
+                          <a:latin typeface="Times New Roman"/>
                           <a:cs typeface="Times New Roman"/>
                         </a:rPr>
                         <a:t>(&lt; 0.0001)</a:t>
@@ -5098,11 +5101,7 @@
                       </a:pPr>
                       <a:r>
                         <a:rPr lang="en-US" sz="1200" kern="1200" dirty="0" smtClean="0">
-                          <a:solidFill>
-                            <a:schemeClr val="tx1"/>
-                          </a:solidFill>
-                          <a:latin typeface="Times New Roman"/>
-                          <a:ea typeface="+mn-ea"/>
+                          <a:latin typeface="Times New Roman"/>
                           <a:cs typeface="Times New Roman"/>
                         </a:rPr>
                         <a:t>(&lt; 0.0001)</a:t>
@@ -5128,11 +5127,7 @@
                       </a:pPr>
                       <a:r>
                         <a:rPr lang="en-US" sz="1200" kern="1200" dirty="0" smtClean="0">
-                          <a:solidFill>
-                            <a:schemeClr val="tx1"/>
-                          </a:solidFill>
-                          <a:latin typeface="Times New Roman"/>
-                          <a:ea typeface="+mn-ea"/>
+                          <a:latin typeface="Times New Roman"/>
                           <a:cs typeface="Times New Roman"/>
                         </a:rPr>
                         <a:t>(&lt; 0.0001)</a:t>
@@ -5158,11 +5153,7 @@
                       </a:pPr>
                       <a:r>
                         <a:rPr lang="en-US" sz="1200" kern="1200" dirty="0" smtClean="0">
-                          <a:solidFill>
-                            <a:schemeClr val="tx1"/>
-                          </a:solidFill>
-                          <a:latin typeface="Times New Roman"/>
-                          <a:ea typeface="+mn-ea"/>
+                          <a:latin typeface="Times New Roman"/>
                           <a:cs typeface="Times New Roman"/>
                         </a:rPr>
                         <a:t>(&lt; 0.0001)</a:t>
@@ -5188,11 +5179,7 @@
                       </a:pPr>
                       <a:r>
                         <a:rPr lang="en-US" sz="1200" kern="1200" dirty="0" smtClean="0">
-                          <a:solidFill>
-                            <a:schemeClr val="tx1"/>
-                          </a:solidFill>
-                          <a:latin typeface="Times New Roman"/>
-                          <a:ea typeface="+mn-ea"/>
+                          <a:latin typeface="Times New Roman"/>
                           <a:cs typeface="Times New Roman"/>
                         </a:rPr>
                         <a:t>(&lt; 0.0001)</a:t>
@@ -5218,11 +5205,7 @@
                       </a:pPr>
                       <a:r>
                         <a:rPr lang="en-US" sz="1200" kern="1200" dirty="0" smtClean="0">
-                          <a:solidFill>
-                            <a:schemeClr val="tx1"/>
-                          </a:solidFill>
-                          <a:latin typeface="Times New Roman"/>
-                          <a:ea typeface="+mn-ea"/>
+                          <a:latin typeface="Times New Roman"/>
                           <a:cs typeface="Times New Roman"/>
                         </a:rPr>
                         <a:t>(&lt; 0.0001)</a:t>
@@ -5248,11 +5231,7 @@
                       </a:pPr>
                       <a:r>
                         <a:rPr lang="en-US" sz="1200" kern="1200" dirty="0" smtClean="0">
-                          <a:solidFill>
-                            <a:schemeClr val="tx1"/>
-                          </a:solidFill>
-                          <a:latin typeface="Times New Roman"/>
-                          <a:ea typeface="+mn-ea"/>
+                          <a:latin typeface="Times New Roman"/>
                           <a:cs typeface="Times New Roman"/>
                         </a:rPr>
                         <a:t>(&lt; 0.0001)</a:t>
@@ -5278,15 +5257,19 @@
                       </a:pPr>
                       <a:r>
                         <a:rPr lang="en-US" sz="1200" kern="1200" dirty="0" smtClean="0">
-                          <a:solidFill>
-                            <a:schemeClr val="tx1"/>
-                          </a:solidFill>
-                          <a:latin typeface="Times New Roman"/>
-                          <a:ea typeface="+mn-ea"/>
+                          <a:latin typeface="Times New Roman"/>
                           <a:cs typeface="Times New Roman"/>
                         </a:rPr>
                         <a:t>(&lt; 0.0001)</a:t>
                       </a:r>
+                      <a:endParaRPr lang="en-US" sz="1200" kern="1200" dirty="0" smtClean="0">
+                        <a:solidFill>
+                          <a:schemeClr val="tx1"/>
+                        </a:solidFill>
+                        <a:latin typeface="Times New Roman"/>
+                        <a:ea typeface="+mn-ea"/>
+                        <a:cs typeface="Times New Roman"/>
+                      </a:endParaRPr>
                     </a:p>
                   </a:txBody>
                   <a:tcPr marL="0"/>
@@ -5296,6 +5279,3973 @@
           </a:graphicData>
         </a:graphic>
       </p:graphicFrame>
+      <p:graphicFrame>
+        <p:nvGraphicFramePr>
+          <p:cNvPr id="27" name="Table 26"/>
+          <p:cNvGraphicFramePr>
+            <a:graphicFrameLocks noGrp="1"/>
+          </p:cNvGraphicFramePr>
+          <p:nvPr>
+            <p:extLst>
+              <p:ext uri="{D42A27DB-BD31-4B8C-83A1-F6EECF244321}">
+                <p14:modId xmlns:p14="http://schemas.microsoft.com/office/powerpoint/2010/main" val="2516754700"/>
+              </p:ext>
+            </p:extLst>
+          </p:nvPr>
+        </p:nvGraphicFramePr>
+        <p:xfrm>
+          <a:off x="6534157" y="9243624"/>
+          <a:ext cx="7177159" cy="4145280"/>
+        </p:xfrm>
+        <a:graphic>
+          <a:graphicData uri="http://schemas.openxmlformats.org/drawingml/2006/table">
+            <a:tbl>
+              <a:tblPr firstRow="1" bandRow="1">
+                <a:tableStyleId>{793D81CF-94F2-401A-BA57-92F5A7B2D0C5}</a:tableStyleId>
+              </a:tblPr>
+              <a:tblGrid>
+                <a:gridCol w="840692"/>
+                <a:gridCol w="6336467"/>
+              </a:tblGrid>
+              <a:tr h="0">
+                <a:tc>
+                  <a:txBody>
+                    <a:bodyPr/>
+                    <a:lstStyle/>
+                    <a:p>
+                      <a:r>
+                        <a:rPr lang="en-US" sz="1200" dirty="0" smtClean="0">
+                          <a:latin typeface="Times New Roman"/>
+                          <a:cs typeface="Times New Roman"/>
+                        </a:rPr>
+                        <a:t>Knock</a:t>
+                      </a:r>
+                      <a:r>
+                        <a:rPr lang="en-US" sz="1200" baseline="0" dirty="0" smtClean="0">
+                          <a:latin typeface="Times New Roman"/>
+                          <a:cs typeface="Times New Roman"/>
+                        </a:rPr>
+                        <a:t>out</a:t>
+                      </a:r>
+                      <a:endParaRPr lang="en-US" sz="1200" dirty="0">
+                        <a:latin typeface="Times New Roman"/>
+                        <a:cs typeface="Times New Roman"/>
+                      </a:endParaRPr>
+                    </a:p>
+                  </a:txBody>
+                  <a:tcPr/>
+                </a:tc>
+                <a:tc>
+                  <a:txBody>
+                    <a:bodyPr/>
+                    <a:lstStyle/>
+                    <a:p>
+                      <a:r>
+                        <a:rPr lang="en-US" sz="1200" dirty="0" smtClean="0">
+                          <a:latin typeface="Times New Roman"/>
+                          <a:cs typeface="Times New Roman"/>
+                        </a:rPr>
+                        <a:t>Phenotypic</a:t>
+                      </a:r>
+                      <a:r>
+                        <a:rPr lang="en-US" sz="1200" baseline="0" dirty="0" smtClean="0">
+                          <a:latin typeface="Times New Roman"/>
+                          <a:cs typeface="Times New Roman"/>
+                        </a:rPr>
+                        <a:t> measurements (direction of the association)</a:t>
+                      </a:r>
+                      <a:endParaRPr lang="en-US" sz="1200" dirty="0">
+                        <a:latin typeface="Times New Roman"/>
+                        <a:cs typeface="Times New Roman"/>
+                      </a:endParaRPr>
+                    </a:p>
+                  </a:txBody>
+                  <a:tcPr/>
+                </a:tc>
+              </a:tr>
+              <a:tr h="125162">
+                <a:tc>
+                  <a:txBody>
+                    <a:bodyPr/>
+                    <a:lstStyle/>
+                    <a:p>
+                      <a:r>
+                        <a:rPr lang="en-US" sz="1200" dirty="0" smtClean="0">
+                          <a:latin typeface="Times New Roman"/>
+                          <a:cs typeface="Times New Roman"/>
+                        </a:rPr>
+                        <a:t>1550_1</a:t>
+                      </a:r>
+                      <a:endParaRPr lang="en-US" sz="1200" dirty="0">
+                        <a:latin typeface="Times New Roman"/>
+                        <a:cs typeface="Times New Roman"/>
+                      </a:endParaRPr>
+                    </a:p>
+                  </a:txBody>
+                  <a:tcPr/>
+                </a:tc>
+                <a:tc>
+                  <a:txBody>
+                    <a:bodyPr/>
+                    <a:lstStyle/>
+                    <a:p>
+                      <a:pPr marL="0" marR="0" indent="0" algn="l" defTabSz="1254008" rtl="0" eaLnBrk="1" fontAlgn="auto" latinLnBrk="0" hangingPunct="1">
+                        <a:lnSpc>
+                          <a:spcPct val="100000"/>
+                        </a:lnSpc>
+                        <a:spcBef>
+                          <a:spcPts val="0"/>
+                        </a:spcBef>
+                        <a:spcAft>
+                          <a:spcPts val="0"/>
+                        </a:spcAft>
+                        <a:buClrTx/>
+                        <a:buSzTx/>
+                        <a:buFontTx/>
+                        <a:buNone/>
+                        <a:tabLst/>
+                        <a:defRPr/>
+                      </a:pPr>
+                      <a:r>
+                        <a:rPr lang="en-US" sz="1000" baseline="0" dirty="0" smtClean="0">
+                          <a:solidFill>
+                            <a:srgbClr val="DA0000"/>
+                          </a:solidFill>
+                          <a:latin typeface="Times New Roman"/>
+                          <a:cs typeface="Times New Roman"/>
+                        </a:rPr>
+                        <a:t>Hematocrit </a:t>
+                      </a:r>
+                      <a:r>
+                        <a:rPr lang="en-US" sz="1000" baseline="0" dirty="0" smtClean="0">
+                          <a:latin typeface="Times New Roman"/>
+                          <a:cs typeface="Times New Roman"/>
+                        </a:rPr>
+                        <a:t>(+), </a:t>
+                      </a:r>
+                      <a:r>
+                        <a:rPr lang="en-US" sz="1000" baseline="0" dirty="0" smtClean="0">
+                          <a:solidFill>
+                            <a:srgbClr val="DA0000"/>
+                          </a:solidFill>
+                          <a:latin typeface="Times New Roman"/>
+                          <a:cs typeface="Times New Roman"/>
+                        </a:rPr>
+                        <a:t>Mean cell volume </a:t>
+                      </a:r>
+                      <a:r>
+                        <a:rPr lang="en-US" sz="1000" baseline="0" dirty="0" smtClean="0">
+                          <a:latin typeface="Times New Roman"/>
+                          <a:cs typeface="Times New Roman"/>
+                        </a:rPr>
+                        <a:t>(+), </a:t>
+                      </a:r>
+                      <a:r>
+                        <a:rPr lang="en-US" sz="1000" baseline="0" dirty="0" smtClean="0">
+                          <a:solidFill>
+                            <a:srgbClr val="DA0000"/>
+                          </a:solidFill>
+                          <a:latin typeface="Times New Roman"/>
+                          <a:cs typeface="Times New Roman"/>
+                        </a:rPr>
+                        <a:t>Hemoglobin</a:t>
+                      </a:r>
+                      <a:r>
+                        <a:rPr lang="en-US" sz="1000" baseline="0" dirty="0" smtClean="0">
+                          <a:latin typeface="Times New Roman"/>
+                          <a:cs typeface="Times New Roman"/>
+                        </a:rPr>
+                        <a:t> </a:t>
+                      </a:r>
+                      <a:r>
+                        <a:rPr lang="en-US" sz="1000" dirty="0" smtClean="0">
+                          <a:latin typeface="Times New Roman"/>
+                          <a:cs typeface="Times New Roman"/>
+                        </a:rPr>
+                        <a:t>(–)</a:t>
+                      </a:r>
+                      <a:r>
+                        <a:rPr lang="en-US" sz="1000" baseline="0" dirty="0" smtClean="0">
+                          <a:latin typeface="Times New Roman"/>
+                          <a:cs typeface="Times New Roman"/>
+                        </a:rPr>
+                        <a:t>, </a:t>
+                      </a:r>
+                      <a:r>
+                        <a:rPr lang="en-US" sz="1000" dirty="0" smtClean="0">
+                          <a:solidFill>
+                            <a:srgbClr val="DA0000"/>
+                          </a:solidFill>
+                          <a:latin typeface="Times New Roman"/>
+                          <a:cs typeface="Times New Roman"/>
+                        </a:rPr>
+                        <a:t>MCHC</a:t>
+                      </a:r>
+                      <a:r>
+                        <a:rPr lang="en-US" sz="1000" baseline="30000" dirty="0" smtClean="0">
+                          <a:solidFill>
+                            <a:srgbClr val="DA0000"/>
+                          </a:solidFill>
+                          <a:latin typeface="Times New Roman"/>
+                          <a:cs typeface="Times New Roman"/>
+                        </a:rPr>
+                        <a:t>1</a:t>
+                      </a:r>
+                      <a:r>
+                        <a:rPr lang="en-US" sz="1000" baseline="0" dirty="0" smtClean="0">
+                          <a:latin typeface="Times New Roman"/>
+                          <a:cs typeface="Times New Roman"/>
+                        </a:rPr>
+                        <a:t> </a:t>
+                      </a:r>
+                      <a:r>
+                        <a:rPr lang="en-US" sz="1000" dirty="0" smtClean="0">
+                          <a:latin typeface="Times New Roman"/>
+                          <a:cs typeface="Times New Roman"/>
+                        </a:rPr>
+                        <a:t>(–)</a:t>
+                      </a:r>
+                      <a:r>
+                        <a:rPr lang="en-US" sz="1000" baseline="0" dirty="0" smtClean="0">
+                          <a:latin typeface="Times New Roman"/>
+                          <a:cs typeface="Times New Roman"/>
+                        </a:rPr>
+                        <a:t>, </a:t>
+                      </a:r>
+                      <a:r>
+                        <a:rPr lang="en-US" sz="1000" baseline="0" dirty="0" smtClean="0">
+                          <a:solidFill>
+                            <a:srgbClr val="4F6228"/>
+                          </a:solidFill>
+                          <a:latin typeface="Times New Roman"/>
+                          <a:cs typeface="Times New Roman"/>
+                        </a:rPr>
+                        <a:t>Mean platelet volume </a:t>
+                      </a:r>
+                      <a:r>
+                        <a:rPr lang="en-US" sz="1000" dirty="0" smtClean="0">
+                          <a:latin typeface="Times New Roman"/>
+                          <a:cs typeface="Times New Roman"/>
+                        </a:rPr>
+                        <a:t>(–)</a:t>
+                      </a:r>
+                      <a:endParaRPr lang="en-US" sz="1000" dirty="0">
+                        <a:latin typeface="Times New Roman"/>
+                        <a:cs typeface="Times New Roman"/>
+                      </a:endParaRPr>
+                    </a:p>
+                  </a:txBody>
+                  <a:tcPr/>
+                </a:tc>
+              </a:tr>
+              <a:tr h="0">
+                <a:tc>
+                  <a:txBody>
+                    <a:bodyPr/>
+                    <a:lstStyle/>
+                    <a:p>
+                      <a:r>
+                        <a:rPr lang="en-US" sz="1200" dirty="0" smtClean="0">
+                          <a:latin typeface="Times New Roman"/>
+                          <a:cs typeface="Times New Roman"/>
+                        </a:rPr>
+                        <a:t>1796_1</a:t>
+                      </a:r>
+                      <a:endParaRPr lang="en-US" sz="1200" dirty="0">
+                        <a:latin typeface="Times New Roman"/>
+                        <a:cs typeface="Times New Roman"/>
+                      </a:endParaRPr>
+                    </a:p>
+                  </a:txBody>
+                  <a:tcPr/>
+                </a:tc>
+                <a:tc>
+                  <a:txBody>
+                    <a:bodyPr/>
+                    <a:lstStyle/>
+                    <a:p>
+                      <a:r>
+                        <a:rPr lang="en-US" sz="1000" dirty="0" smtClean="0">
+                          <a:solidFill>
+                            <a:srgbClr val="DA0000"/>
+                          </a:solidFill>
+                          <a:latin typeface="Times New Roman"/>
+                          <a:cs typeface="Times New Roman"/>
+                        </a:rPr>
+                        <a:t>MCHC </a:t>
+                      </a:r>
+                      <a:r>
+                        <a:rPr lang="en-US" sz="1000" dirty="0" smtClean="0">
+                          <a:latin typeface="Times New Roman"/>
+                          <a:cs typeface="Times New Roman"/>
+                        </a:rPr>
+                        <a:t>(+), </a:t>
+                      </a:r>
+                      <a:r>
+                        <a:rPr lang="en-US" sz="1000" dirty="0" smtClean="0">
+                          <a:solidFill>
+                            <a:srgbClr val="DA0000"/>
+                          </a:solidFill>
+                          <a:latin typeface="Times New Roman"/>
+                          <a:cs typeface="Times New Roman"/>
+                        </a:rPr>
+                        <a:t>Hematocrit</a:t>
+                      </a:r>
+                      <a:r>
+                        <a:rPr lang="en-US" sz="1000" dirty="0" smtClean="0">
+                          <a:latin typeface="Times New Roman"/>
+                          <a:cs typeface="Times New Roman"/>
+                        </a:rPr>
+                        <a:t> (–),</a:t>
+                      </a:r>
+                      <a:r>
+                        <a:rPr lang="en-US" sz="1000" baseline="0" dirty="0" smtClean="0">
+                          <a:latin typeface="Times New Roman"/>
+                          <a:cs typeface="Times New Roman"/>
+                        </a:rPr>
+                        <a:t> </a:t>
+                      </a:r>
+                      <a:r>
+                        <a:rPr lang="en-US" sz="1000" baseline="0" dirty="0" smtClean="0">
+                          <a:solidFill>
+                            <a:srgbClr val="DA0000"/>
+                          </a:solidFill>
+                          <a:latin typeface="Times New Roman"/>
+                          <a:cs typeface="Times New Roman"/>
+                        </a:rPr>
+                        <a:t>Mean cell volume </a:t>
+                      </a:r>
+                      <a:r>
+                        <a:rPr lang="en-US" sz="1000" dirty="0" smtClean="0">
+                          <a:latin typeface="Times New Roman"/>
+                          <a:cs typeface="Times New Roman"/>
+                        </a:rPr>
+                        <a:t>(–)</a:t>
+                      </a:r>
+                      <a:r>
+                        <a:rPr lang="en-US" sz="1000" baseline="0" dirty="0" smtClean="0">
+                          <a:latin typeface="Times New Roman"/>
+                          <a:cs typeface="Times New Roman"/>
+                        </a:rPr>
+                        <a:t>, </a:t>
+                      </a:r>
+                      <a:r>
+                        <a:rPr lang="en-US" sz="1000" baseline="0" dirty="0" smtClean="0">
+                          <a:solidFill>
+                            <a:schemeClr val="accent5">
+                              <a:lumMod val="75000"/>
+                            </a:schemeClr>
+                          </a:solidFill>
+                          <a:latin typeface="Times New Roman"/>
+                          <a:cs typeface="Times New Roman"/>
+                        </a:rPr>
+                        <a:t>Monocyte diff.</a:t>
+                      </a:r>
+                      <a:r>
+                        <a:rPr lang="en-US" sz="1000" baseline="30000" dirty="0" smtClean="0">
+                          <a:solidFill>
+                            <a:schemeClr val="accent5">
+                              <a:lumMod val="75000"/>
+                            </a:schemeClr>
+                          </a:solidFill>
+                          <a:latin typeface="Times New Roman"/>
+                          <a:cs typeface="Times New Roman"/>
+                        </a:rPr>
+                        <a:t>2</a:t>
+                      </a:r>
+                      <a:r>
+                        <a:rPr lang="en-US" sz="1000" baseline="0" dirty="0" smtClean="0">
+                          <a:solidFill>
+                            <a:schemeClr val="accent5">
+                              <a:lumMod val="75000"/>
+                            </a:schemeClr>
+                          </a:solidFill>
+                          <a:latin typeface="Times New Roman"/>
+                          <a:cs typeface="Times New Roman"/>
+                        </a:rPr>
+                        <a:t> count </a:t>
+                      </a:r>
+                      <a:r>
+                        <a:rPr lang="en-US" sz="1000" dirty="0" smtClean="0">
+                          <a:latin typeface="Times New Roman"/>
+                          <a:cs typeface="Times New Roman"/>
+                        </a:rPr>
+                        <a:t>(–)</a:t>
+                      </a:r>
+                      <a:r>
+                        <a:rPr lang="en-US" sz="1000" baseline="0" dirty="0" smtClean="0">
+                          <a:latin typeface="Times New Roman"/>
+                          <a:cs typeface="Times New Roman"/>
+                        </a:rPr>
+                        <a:t>, </a:t>
+                      </a:r>
+                      <a:r>
+                        <a:rPr lang="en-US" sz="1000" baseline="0" dirty="0" smtClean="0">
+                          <a:solidFill>
+                            <a:srgbClr val="31859C"/>
+                          </a:solidFill>
+                          <a:latin typeface="Times New Roman"/>
+                          <a:cs typeface="Times New Roman"/>
+                        </a:rPr>
+                        <a:t>LUC</a:t>
+                      </a:r>
+                      <a:r>
+                        <a:rPr lang="en-US" sz="1000" baseline="30000" dirty="0" smtClean="0">
+                          <a:solidFill>
+                            <a:srgbClr val="31859C"/>
+                          </a:solidFill>
+                          <a:latin typeface="Times New Roman"/>
+                          <a:cs typeface="Times New Roman"/>
+                        </a:rPr>
+                        <a:t>3</a:t>
+                      </a:r>
+                      <a:r>
+                        <a:rPr lang="en-US" sz="1000" baseline="0" dirty="0" smtClean="0">
+                          <a:solidFill>
+                            <a:srgbClr val="31859C"/>
+                          </a:solidFill>
+                          <a:latin typeface="Times New Roman"/>
+                          <a:cs typeface="Times New Roman"/>
+                        </a:rPr>
+                        <a:t> count </a:t>
+                      </a:r>
+                      <a:r>
+                        <a:rPr lang="en-US" sz="1000" dirty="0" smtClean="0">
+                          <a:latin typeface="Times New Roman"/>
+                          <a:cs typeface="Times New Roman"/>
+                        </a:rPr>
+                        <a:t>(–)</a:t>
+                      </a:r>
+                      <a:r>
+                        <a:rPr lang="en-US" sz="1000" baseline="0" dirty="0" smtClean="0">
+                          <a:latin typeface="Times New Roman"/>
+                          <a:cs typeface="Times New Roman"/>
+                        </a:rPr>
+                        <a:t>, </a:t>
+                      </a:r>
+                      <a:r>
+                        <a:rPr lang="en-US" sz="1000" baseline="0" dirty="0" smtClean="0">
+                          <a:solidFill>
+                            <a:srgbClr val="31859C"/>
+                          </a:solidFill>
+                          <a:latin typeface="Times New Roman"/>
+                          <a:cs typeface="Times New Roman"/>
+                        </a:rPr>
+                        <a:t>LUC diff. count </a:t>
+                      </a:r>
+                      <a:r>
+                        <a:rPr lang="en-US" sz="1000" dirty="0" smtClean="0">
+                          <a:latin typeface="Times New Roman"/>
+                          <a:cs typeface="Times New Roman"/>
+                        </a:rPr>
+                        <a:t>(–)</a:t>
+                      </a:r>
+                      <a:endParaRPr lang="en-US" sz="1000" dirty="0">
+                        <a:latin typeface="Times New Roman"/>
+                        <a:cs typeface="Times New Roman"/>
+                      </a:endParaRPr>
+                    </a:p>
+                  </a:txBody>
+                  <a:tcPr/>
+                </a:tc>
+              </a:tr>
+              <a:tr h="0">
+                <a:tc>
+                  <a:txBody>
+                    <a:bodyPr/>
+                    <a:lstStyle/>
+                    <a:p>
+                      <a:r>
+                        <a:rPr lang="en-US" sz="1200" dirty="0" smtClean="0">
+                          <a:latin typeface="Times New Roman"/>
+                          <a:cs typeface="Times New Roman"/>
+                        </a:rPr>
+                        <a:t>1797_1</a:t>
+                      </a:r>
+                      <a:endParaRPr lang="en-US" sz="1200" dirty="0">
+                        <a:latin typeface="Times New Roman"/>
+                        <a:cs typeface="Times New Roman"/>
+                      </a:endParaRPr>
+                    </a:p>
+                  </a:txBody>
+                  <a:tcPr/>
+                </a:tc>
+                <a:tc>
+                  <a:txBody>
+                    <a:bodyPr/>
+                    <a:lstStyle/>
+                    <a:p>
+                      <a:r>
+                        <a:rPr lang="en-US" sz="1000" dirty="0" smtClean="0">
+                          <a:solidFill>
+                            <a:srgbClr val="31859C"/>
+                          </a:solidFill>
+                          <a:latin typeface="Times New Roman"/>
+                          <a:cs typeface="Times New Roman"/>
+                        </a:rPr>
+                        <a:t>WBC</a:t>
+                      </a:r>
+                      <a:r>
+                        <a:rPr lang="en-US" sz="1000" baseline="30000" dirty="0" smtClean="0">
+                          <a:solidFill>
+                            <a:srgbClr val="31859C"/>
+                          </a:solidFill>
+                          <a:latin typeface="Times New Roman"/>
+                          <a:cs typeface="Times New Roman"/>
+                        </a:rPr>
+                        <a:t>4</a:t>
+                      </a:r>
+                      <a:r>
+                        <a:rPr lang="en-US" sz="1000" dirty="0" smtClean="0">
+                          <a:solidFill>
+                            <a:srgbClr val="31859C"/>
+                          </a:solidFill>
+                          <a:latin typeface="Times New Roman"/>
+                          <a:cs typeface="Times New Roman"/>
+                        </a:rPr>
+                        <a:t> count </a:t>
+                      </a:r>
+                      <a:r>
+                        <a:rPr lang="en-US" sz="1000" dirty="0" smtClean="0">
+                          <a:latin typeface="Times New Roman"/>
+                          <a:cs typeface="Times New Roman"/>
+                        </a:rPr>
+                        <a:t>(+), </a:t>
+                      </a:r>
+                      <a:r>
+                        <a:rPr lang="en-US" sz="1000" dirty="0" smtClean="0">
+                          <a:solidFill>
+                            <a:srgbClr val="DA0000"/>
+                          </a:solidFill>
+                          <a:latin typeface="Times New Roman"/>
+                          <a:cs typeface="Times New Roman"/>
+                        </a:rPr>
+                        <a:t>Hemoglobin</a:t>
+                      </a:r>
+                      <a:r>
+                        <a:rPr lang="en-US" sz="1000" dirty="0" smtClean="0">
+                          <a:latin typeface="Times New Roman"/>
+                          <a:cs typeface="Times New Roman"/>
+                        </a:rPr>
+                        <a:t> (+), </a:t>
+                      </a:r>
+                      <a:r>
+                        <a:rPr lang="en-US" sz="1000" dirty="0" smtClean="0">
+                          <a:solidFill>
+                            <a:srgbClr val="DA0000"/>
+                          </a:solidFill>
+                          <a:latin typeface="Times New Roman"/>
+                          <a:cs typeface="Times New Roman"/>
+                        </a:rPr>
+                        <a:t>MCHC</a:t>
+                      </a:r>
+                      <a:r>
+                        <a:rPr lang="en-US" sz="1000" dirty="0" smtClean="0">
+                          <a:latin typeface="Times New Roman"/>
+                          <a:cs typeface="Times New Roman"/>
+                        </a:rPr>
+                        <a:t> </a:t>
+                      </a:r>
+                      <a:r>
+                        <a:rPr lang="en-US" sz="1000" baseline="0" dirty="0" smtClean="0">
+                          <a:latin typeface="Times New Roman"/>
+                          <a:cs typeface="Times New Roman"/>
+                        </a:rPr>
+                        <a:t>(+), </a:t>
+                      </a:r>
+                      <a:r>
+                        <a:rPr lang="en-US" sz="1000" baseline="0" dirty="0" smtClean="0">
+                          <a:solidFill>
+                            <a:srgbClr val="4F6228"/>
+                          </a:solidFill>
+                          <a:latin typeface="Times New Roman"/>
+                          <a:cs typeface="Times New Roman"/>
+                        </a:rPr>
+                        <a:t>Mean platelet volume</a:t>
+                      </a:r>
+                      <a:r>
+                        <a:rPr lang="en-US" sz="1000" baseline="0" dirty="0" smtClean="0">
+                          <a:latin typeface="Times New Roman"/>
+                          <a:cs typeface="Times New Roman"/>
+                        </a:rPr>
+                        <a:t> (+), </a:t>
+                      </a:r>
+                      <a:r>
+                        <a:rPr lang="en-US" sz="1000" baseline="0" dirty="0" smtClean="0">
+                          <a:solidFill>
+                            <a:srgbClr val="31859C"/>
+                          </a:solidFill>
+                          <a:latin typeface="Times New Roman"/>
+                          <a:cs typeface="Times New Roman"/>
+                        </a:rPr>
+                        <a:t>Lymphocyte cell count </a:t>
+                      </a:r>
+                      <a:r>
+                        <a:rPr lang="en-US" sz="1000" baseline="0" dirty="0" smtClean="0">
+                          <a:latin typeface="Times New Roman"/>
+                          <a:cs typeface="Times New Roman"/>
+                        </a:rPr>
+                        <a:t>(+)</a:t>
+                      </a:r>
+                      <a:endParaRPr lang="en-US" sz="1000" dirty="0">
+                        <a:latin typeface="Times New Roman"/>
+                        <a:cs typeface="Times New Roman"/>
+                      </a:endParaRPr>
+                    </a:p>
+                  </a:txBody>
+                  <a:tcPr/>
+                </a:tc>
+              </a:tr>
+              <a:tr h="0">
+                <a:tc>
+                  <a:txBody>
+                    <a:bodyPr/>
+                    <a:lstStyle/>
+                    <a:p>
+                      <a:r>
+                        <a:rPr lang="en-US" sz="1200" dirty="0" smtClean="0">
+                          <a:latin typeface="Times New Roman"/>
+                          <a:cs typeface="Times New Roman"/>
+                        </a:rPr>
+                        <a:t>1798_1</a:t>
+                      </a:r>
+                      <a:endParaRPr lang="en-US" sz="1200" dirty="0">
+                        <a:latin typeface="Times New Roman"/>
+                        <a:cs typeface="Times New Roman"/>
+                      </a:endParaRPr>
+                    </a:p>
+                  </a:txBody>
+                  <a:tcPr/>
+                </a:tc>
+                <a:tc>
+                  <a:txBody>
+                    <a:bodyPr/>
+                    <a:lstStyle/>
+                    <a:p>
+                      <a:r>
+                        <a:rPr lang="en-US" sz="1000" dirty="0" smtClean="0">
+                          <a:solidFill>
+                            <a:srgbClr val="DA0000"/>
+                          </a:solidFill>
+                          <a:latin typeface="Times New Roman"/>
+                          <a:cs typeface="Times New Roman"/>
+                        </a:rPr>
+                        <a:t>MCHC</a:t>
+                      </a:r>
+                      <a:r>
+                        <a:rPr lang="en-US" sz="1000" dirty="0" smtClean="0">
+                          <a:latin typeface="Times New Roman"/>
+                          <a:cs typeface="Times New Roman"/>
+                        </a:rPr>
+                        <a:t> </a:t>
+                      </a:r>
+                      <a:r>
+                        <a:rPr lang="en-US" sz="1000" baseline="0" dirty="0" smtClean="0">
+                          <a:latin typeface="Times New Roman"/>
+                          <a:cs typeface="Times New Roman"/>
+                        </a:rPr>
+                        <a:t>(+), </a:t>
+                      </a:r>
+                      <a:r>
+                        <a:rPr lang="en-US" sz="1000" baseline="0" dirty="0" smtClean="0">
+                          <a:solidFill>
+                            <a:srgbClr val="DA0000"/>
+                          </a:solidFill>
+                          <a:latin typeface="Times New Roman"/>
+                          <a:cs typeface="Times New Roman"/>
+                        </a:rPr>
+                        <a:t>Hematocrit </a:t>
+                      </a:r>
+                      <a:r>
+                        <a:rPr lang="en-US" sz="1000" baseline="0" dirty="0" smtClean="0">
+                          <a:latin typeface="Times New Roman"/>
+                          <a:cs typeface="Times New Roman"/>
+                        </a:rPr>
+                        <a:t>(+), </a:t>
+                      </a:r>
+                      <a:r>
+                        <a:rPr lang="en-US" sz="1000" baseline="0" dirty="0" smtClean="0">
+                          <a:solidFill>
+                            <a:srgbClr val="DA0000"/>
+                          </a:solidFill>
+                          <a:latin typeface="Times New Roman"/>
+                          <a:cs typeface="Times New Roman"/>
+                        </a:rPr>
+                        <a:t>Mean cell volume </a:t>
+                      </a:r>
+                      <a:r>
+                        <a:rPr lang="en-US" sz="1000" baseline="0" dirty="0" smtClean="0">
+                          <a:latin typeface="Times New Roman"/>
+                          <a:cs typeface="Times New Roman"/>
+                        </a:rPr>
+                        <a:t>(+)</a:t>
+                      </a:r>
+                      <a:endParaRPr lang="en-US" sz="1000" dirty="0">
+                        <a:latin typeface="Times New Roman"/>
+                        <a:cs typeface="Times New Roman"/>
+                      </a:endParaRPr>
+                    </a:p>
+                  </a:txBody>
+                  <a:tcPr/>
+                </a:tc>
+              </a:tr>
+              <a:tr h="0">
+                <a:tc>
+                  <a:txBody>
+                    <a:bodyPr/>
+                    <a:lstStyle/>
+                    <a:p>
+                      <a:r>
+                        <a:rPr lang="en-US" sz="1200" dirty="0" smtClean="0">
+                          <a:latin typeface="Times New Roman"/>
+                          <a:cs typeface="Times New Roman"/>
+                        </a:rPr>
+                        <a:t>1799_1</a:t>
+                      </a:r>
+                      <a:endParaRPr lang="en-US" sz="1200" dirty="0">
+                        <a:latin typeface="Times New Roman"/>
+                        <a:cs typeface="Times New Roman"/>
+                      </a:endParaRPr>
+                    </a:p>
+                  </a:txBody>
+                  <a:tcPr/>
+                </a:tc>
+                <a:tc>
+                  <a:txBody>
+                    <a:bodyPr/>
+                    <a:lstStyle/>
+                    <a:p>
+                      <a:r>
+                        <a:rPr lang="en-US" sz="1000" dirty="0" smtClean="0">
+                          <a:solidFill>
+                            <a:srgbClr val="DA0000"/>
+                          </a:solidFill>
+                          <a:latin typeface="Times New Roman"/>
+                          <a:cs typeface="Times New Roman"/>
+                        </a:rPr>
+                        <a:t>Hematocrit</a:t>
+                      </a:r>
+                      <a:r>
+                        <a:rPr lang="en-US" sz="1000" baseline="0" dirty="0" smtClean="0">
+                          <a:latin typeface="Times New Roman"/>
+                          <a:cs typeface="Times New Roman"/>
+                        </a:rPr>
+                        <a:t> (+), </a:t>
+                      </a:r>
+                      <a:r>
+                        <a:rPr lang="en-US" sz="1000" baseline="0" dirty="0" smtClean="0">
+                          <a:solidFill>
+                            <a:srgbClr val="DA0000"/>
+                          </a:solidFill>
+                          <a:latin typeface="Times New Roman"/>
+                          <a:cs typeface="Times New Roman"/>
+                        </a:rPr>
+                        <a:t>Mean cell volume </a:t>
+                      </a:r>
+                      <a:r>
+                        <a:rPr lang="en-US" sz="1000" baseline="0" dirty="0" smtClean="0">
+                          <a:latin typeface="Times New Roman"/>
+                          <a:cs typeface="Times New Roman"/>
+                        </a:rPr>
+                        <a:t>(+), </a:t>
+                      </a:r>
+                      <a:r>
+                        <a:rPr lang="en-US" sz="1000" baseline="0" dirty="0" smtClean="0">
+                          <a:solidFill>
+                            <a:srgbClr val="31859C"/>
+                          </a:solidFill>
+                          <a:latin typeface="Times New Roman"/>
+                          <a:cs typeface="Times New Roman"/>
+                        </a:rPr>
+                        <a:t>LUC count </a:t>
+                      </a:r>
+                      <a:r>
+                        <a:rPr lang="en-US" sz="1000" baseline="0" dirty="0" smtClean="0">
+                          <a:latin typeface="Times New Roman"/>
+                          <a:cs typeface="Times New Roman"/>
+                        </a:rPr>
+                        <a:t>(+), </a:t>
+                      </a:r>
+                      <a:r>
+                        <a:rPr lang="en-US" sz="1000" baseline="0" dirty="0" smtClean="0">
+                          <a:solidFill>
+                            <a:srgbClr val="31859C"/>
+                          </a:solidFill>
+                          <a:latin typeface="Times New Roman"/>
+                          <a:cs typeface="Times New Roman"/>
+                        </a:rPr>
+                        <a:t>LUC diff. count </a:t>
+                      </a:r>
+                      <a:r>
+                        <a:rPr lang="en-US" sz="1000" baseline="0" dirty="0" smtClean="0">
+                          <a:latin typeface="Times New Roman"/>
+                          <a:cs typeface="Times New Roman"/>
+                        </a:rPr>
+                        <a:t>(+), </a:t>
+                      </a:r>
+                      <a:r>
+                        <a:rPr lang="en-US" sz="1000" baseline="0" dirty="0" smtClean="0">
+                          <a:solidFill>
+                            <a:srgbClr val="DA0000"/>
+                          </a:solidFill>
+                          <a:latin typeface="Times New Roman"/>
+                          <a:cs typeface="Times New Roman"/>
+                        </a:rPr>
+                        <a:t>Mean corpuscular hemoglobin </a:t>
+                      </a:r>
+                      <a:r>
+                        <a:rPr lang="en-US" sz="1000" dirty="0" smtClean="0">
+                          <a:latin typeface="Times New Roman"/>
+                          <a:cs typeface="Times New Roman"/>
+                        </a:rPr>
+                        <a:t>(–), </a:t>
+                      </a:r>
+                      <a:r>
+                        <a:rPr lang="en-US" sz="1000" dirty="0" smtClean="0">
+                          <a:solidFill>
+                            <a:srgbClr val="DA0000"/>
+                          </a:solidFill>
+                          <a:latin typeface="Times New Roman"/>
+                          <a:cs typeface="Times New Roman"/>
+                        </a:rPr>
+                        <a:t>MCHC</a:t>
+                      </a:r>
+                      <a:r>
+                        <a:rPr lang="en-US" sz="1000" dirty="0" smtClean="0">
+                          <a:latin typeface="Times New Roman"/>
+                          <a:cs typeface="Times New Roman"/>
+                        </a:rPr>
+                        <a:t> (–)</a:t>
+                      </a:r>
+                      <a:r>
+                        <a:rPr lang="en-US" sz="1000" baseline="0" dirty="0" smtClean="0">
+                          <a:latin typeface="Times New Roman"/>
+                          <a:cs typeface="Times New Roman"/>
+                        </a:rPr>
+                        <a:t>, </a:t>
+                      </a:r>
+                      <a:r>
+                        <a:rPr lang="en-US" sz="1000" baseline="0" dirty="0" smtClean="0">
+                          <a:solidFill>
+                            <a:srgbClr val="4F6228"/>
+                          </a:solidFill>
+                          <a:latin typeface="Times New Roman"/>
+                          <a:cs typeface="Times New Roman"/>
+                        </a:rPr>
+                        <a:t>Mean platelet volume </a:t>
+                      </a:r>
+                      <a:r>
+                        <a:rPr lang="en-US" sz="1000" dirty="0" smtClean="0">
+                          <a:latin typeface="Times New Roman"/>
+                          <a:cs typeface="Times New Roman"/>
+                        </a:rPr>
+                        <a:t>(–), </a:t>
+                      </a:r>
+                      <a:r>
+                        <a:rPr lang="en-US" sz="1000" dirty="0" smtClean="0">
+                          <a:solidFill>
+                            <a:srgbClr val="31859C"/>
+                          </a:solidFill>
+                          <a:latin typeface="Times New Roman"/>
+                          <a:cs typeface="Times New Roman"/>
+                        </a:rPr>
+                        <a:t>Eosinophil diff.</a:t>
+                      </a:r>
+                      <a:r>
+                        <a:rPr lang="en-US" sz="1000" baseline="0" dirty="0" smtClean="0">
+                          <a:solidFill>
+                            <a:srgbClr val="31859C"/>
+                          </a:solidFill>
+                          <a:latin typeface="Times New Roman"/>
+                          <a:cs typeface="Times New Roman"/>
+                        </a:rPr>
+                        <a:t> count </a:t>
+                      </a:r>
+                      <a:r>
+                        <a:rPr lang="en-US" sz="1000" dirty="0" smtClean="0">
+                          <a:latin typeface="Times New Roman"/>
+                          <a:cs typeface="Times New Roman"/>
+                        </a:rPr>
+                        <a:t>(–), </a:t>
+                      </a:r>
+                      <a:r>
+                        <a:rPr lang="en-US" sz="1000" dirty="0" smtClean="0">
+                          <a:solidFill>
+                            <a:srgbClr val="31859C"/>
+                          </a:solidFill>
+                          <a:latin typeface="Times New Roman"/>
+                          <a:cs typeface="Times New Roman"/>
+                        </a:rPr>
+                        <a:t>Eosinophil cell count </a:t>
+                      </a:r>
+                      <a:r>
+                        <a:rPr lang="en-US" sz="1000" dirty="0" smtClean="0">
+                          <a:latin typeface="Times New Roman"/>
+                          <a:cs typeface="Times New Roman"/>
+                        </a:rPr>
+                        <a:t>(–)</a:t>
+                      </a:r>
+                      <a:endParaRPr lang="en-US" sz="1000" dirty="0">
+                        <a:latin typeface="Times New Roman"/>
+                        <a:cs typeface="Times New Roman"/>
+                      </a:endParaRPr>
+                    </a:p>
+                  </a:txBody>
+                  <a:tcPr/>
+                </a:tc>
+              </a:tr>
+              <a:tr h="0">
+                <a:tc>
+                  <a:txBody>
+                    <a:bodyPr/>
+                    <a:lstStyle/>
+                    <a:p>
+                      <a:r>
+                        <a:rPr lang="en-US" sz="1200" dirty="0" smtClean="0">
+                          <a:latin typeface="Times New Roman"/>
+                          <a:cs typeface="Times New Roman"/>
+                        </a:rPr>
+                        <a:t>3157_1</a:t>
+                      </a:r>
+                      <a:endParaRPr lang="en-US" sz="1200" dirty="0">
+                        <a:latin typeface="Times New Roman"/>
+                        <a:cs typeface="Times New Roman"/>
+                      </a:endParaRPr>
+                    </a:p>
+                  </a:txBody>
+                  <a:tcPr/>
+                </a:tc>
+                <a:tc>
+                  <a:txBody>
+                    <a:bodyPr/>
+                    <a:lstStyle/>
+                    <a:p>
+                      <a:r>
+                        <a:rPr lang="en-US" sz="1000" dirty="0" smtClean="0">
+                          <a:solidFill>
+                            <a:srgbClr val="4F6228"/>
+                          </a:solidFill>
+                          <a:latin typeface="Times New Roman"/>
+                          <a:cs typeface="Times New Roman"/>
+                        </a:rPr>
+                        <a:t>Mean</a:t>
+                      </a:r>
+                      <a:r>
+                        <a:rPr lang="en-US" sz="1000" baseline="0" dirty="0" smtClean="0">
+                          <a:solidFill>
+                            <a:srgbClr val="4F6228"/>
+                          </a:solidFill>
+                          <a:latin typeface="Times New Roman"/>
+                          <a:cs typeface="Times New Roman"/>
+                        </a:rPr>
+                        <a:t> platelet volume </a:t>
+                      </a:r>
+                      <a:r>
+                        <a:rPr lang="en-US" sz="1000" baseline="0" dirty="0" smtClean="0">
+                          <a:latin typeface="Times New Roman"/>
+                          <a:cs typeface="Times New Roman"/>
+                        </a:rPr>
+                        <a:t>(+), </a:t>
+                      </a:r>
+                      <a:r>
+                        <a:rPr lang="en-US" sz="1000" baseline="0" dirty="0" smtClean="0">
+                          <a:solidFill>
+                            <a:srgbClr val="31859C"/>
+                          </a:solidFill>
+                          <a:latin typeface="Times New Roman"/>
+                          <a:cs typeface="Times New Roman"/>
+                        </a:rPr>
+                        <a:t>Lymphocyte diff. count </a:t>
+                      </a:r>
+                      <a:r>
+                        <a:rPr lang="en-US" sz="1000" baseline="0" dirty="0" smtClean="0">
+                          <a:latin typeface="Times New Roman"/>
+                          <a:cs typeface="Times New Roman"/>
+                        </a:rPr>
+                        <a:t>(+), </a:t>
+                      </a:r>
+                      <a:r>
+                        <a:rPr lang="en-US" sz="1000" baseline="0" dirty="0" smtClean="0">
+                          <a:solidFill>
+                            <a:srgbClr val="31859C"/>
+                          </a:solidFill>
+                          <a:latin typeface="Times New Roman"/>
+                          <a:cs typeface="Times New Roman"/>
+                        </a:rPr>
+                        <a:t>Eosinophil diff. count </a:t>
+                      </a:r>
+                      <a:r>
+                        <a:rPr lang="en-US" sz="1000" dirty="0" smtClean="0">
+                          <a:latin typeface="Times New Roman"/>
+                          <a:cs typeface="Times New Roman"/>
+                        </a:rPr>
+                        <a:t>(–), </a:t>
+                      </a:r>
+                      <a:r>
+                        <a:rPr lang="en-US" sz="1000" dirty="0" smtClean="0">
+                          <a:solidFill>
+                            <a:srgbClr val="31859C"/>
+                          </a:solidFill>
+                          <a:latin typeface="Times New Roman"/>
+                          <a:cs typeface="Times New Roman"/>
+                        </a:rPr>
+                        <a:t>Eosinophil</a:t>
+                      </a:r>
+                      <a:r>
+                        <a:rPr lang="en-US" sz="1000" baseline="0" dirty="0" smtClean="0">
+                          <a:solidFill>
+                            <a:srgbClr val="31859C"/>
+                          </a:solidFill>
+                          <a:latin typeface="Times New Roman"/>
+                          <a:cs typeface="Times New Roman"/>
+                        </a:rPr>
+                        <a:t> cell count </a:t>
+                      </a:r>
+                      <a:r>
+                        <a:rPr lang="en-US" sz="1000" dirty="0" smtClean="0">
+                          <a:latin typeface="Times New Roman"/>
+                          <a:cs typeface="Times New Roman"/>
+                        </a:rPr>
+                        <a:t>(–)</a:t>
+                      </a:r>
+                      <a:endParaRPr lang="en-US" sz="1000" dirty="0">
+                        <a:latin typeface="Times New Roman"/>
+                        <a:cs typeface="Times New Roman"/>
+                      </a:endParaRPr>
+                    </a:p>
+                  </a:txBody>
+                  <a:tcPr/>
+                </a:tc>
+              </a:tr>
+              <a:tr h="0">
+                <a:tc>
+                  <a:txBody>
+                    <a:bodyPr/>
+                    <a:lstStyle/>
+                    <a:p>
+                      <a:r>
+                        <a:rPr lang="en-US" sz="1200" dirty="0" smtClean="0">
+                          <a:latin typeface="Times New Roman"/>
+                          <a:cs typeface="Times New Roman"/>
+                        </a:rPr>
+                        <a:t>3621_1</a:t>
+                      </a:r>
+                      <a:endParaRPr lang="en-US" sz="1200" dirty="0">
+                        <a:latin typeface="Times New Roman"/>
+                        <a:cs typeface="Times New Roman"/>
+                      </a:endParaRPr>
+                    </a:p>
+                  </a:txBody>
+                  <a:tcPr/>
+                </a:tc>
+                <a:tc>
+                  <a:txBody>
+                    <a:bodyPr/>
+                    <a:lstStyle/>
+                    <a:p>
+                      <a:r>
+                        <a:rPr lang="en-US" sz="1000" dirty="0" smtClean="0">
+                          <a:solidFill>
+                            <a:srgbClr val="31859C"/>
+                          </a:solidFill>
+                          <a:latin typeface="Times New Roman"/>
+                          <a:cs typeface="Times New Roman"/>
+                        </a:rPr>
+                        <a:t>LUC diff. count </a:t>
+                      </a:r>
+                      <a:r>
+                        <a:rPr lang="en-US" sz="1000" dirty="0" smtClean="0">
+                          <a:latin typeface="Times New Roman"/>
+                          <a:cs typeface="Times New Roman"/>
+                        </a:rPr>
+                        <a:t>(+),</a:t>
+                      </a:r>
+                      <a:r>
+                        <a:rPr lang="en-US" sz="1000" baseline="0" dirty="0" smtClean="0">
+                          <a:latin typeface="Times New Roman"/>
+                          <a:cs typeface="Times New Roman"/>
+                        </a:rPr>
+                        <a:t> </a:t>
+                      </a:r>
+                      <a:r>
+                        <a:rPr lang="en-US" sz="1000" baseline="0" dirty="0" smtClean="0">
+                          <a:solidFill>
+                            <a:srgbClr val="31859C"/>
+                          </a:solidFill>
+                          <a:latin typeface="Times New Roman"/>
+                          <a:cs typeface="Times New Roman"/>
+                        </a:rPr>
+                        <a:t>Monocyte cell count </a:t>
+                      </a:r>
+                      <a:r>
+                        <a:rPr lang="en-US" sz="1000" baseline="0" dirty="0" smtClean="0">
+                          <a:latin typeface="Times New Roman"/>
+                          <a:cs typeface="Times New Roman"/>
+                        </a:rPr>
+                        <a:t>(+), </a:t>
+                      </a:r>
+                      <a:r>
+                        <a:rPr lang="en-US" sz="1000" baseline="0" dirty="0" smtClean="0">
+                          <a:solidFill>
+                            <a:srgbClr val="DA0000"/>
+                          </a:solidFill>
+                          <a:latin typeface="Times New Roman"/>
+                          <a:cs typeface="Times New Roman"/>
+                        </a:rPr>
+                        <a:t>RBC</a:t>
+                      </a:r>
+                      <a:r>
+                        <a:rPr lang="en-US" sz="1000" baseline="30000" dirty="0" smtClean="0">
+                          <a:solidFill>
+                            <a:srgbClr val="DA0000"/>
+                          </a:solidFill>
+                          <a:latin typeface="Times New Roman"/>
+                          <a:cs typeface="Times New Roman"/>
+                        </a:rPr>
+                        <a:t>5</a:t>
+                      </a:r>
+                      <a:r>
+                        <a:rPr lang="en-US" sz="1000" baseline="0" dirty="0" smtClean="0">
+                          <a:solidFill>
+                            <a:srgbClr val="DA0000"/>
+                          </a:solidFill>
+                          <a:latin typeface="Times New Roman"/>
+                          <a:cs typeface="Times New Roman"/>
+                        </a:rPr>
+                        <a:t> count </a:t>
+                      </a:r>
+                      <a:r>
+                        <a:rPr lang="en-US" sz="1000" dirty="0" smtClean="0">
+                          <a:latin typeface="Times New Roman"/>
+                          <a:cs typeface="Times New Roman"/>
+                        </a:rPr>
+                        <a:t>(–), </a:t>
+                      </a:r>
+                      <a:r>
+                        <a:rPr lang="en-US" sz="1000" dirty="0" smtClean="0">
+                          <a:solidFill>
+                            <a:srgbClr val="DA0000"/>
+                          </a:solidFill>
+                          <a:latin typeface="Times New Roman"/>
+                          <a:cs typeface="Times New Roman"/>
+                        </a:rPr>
+                        <a:t>Hemoglobin</a:t>
+                      </a:r>
+                      <a:r>
+                        <a:rPr lang="en-US" sz="1000" baseline="0" dirty="0" smtClean="0">
+                          <a:latin typeface="Times New Roman"/>
+                          <a:cs typeface="Times New Roman"/>
+                        </a:rPr>
+                        <a:t> </a:t>
+                      </a:r>
+                      <a:r>
+                        <a:rPr lang="en-US" sz="1000" dirty="0" smtClean="0">
+                          <a:latin typeface="Times New Roman"/>
+                          <a:cs typeface="Times New Roman"/>
+                        </a:rPr>
+                        <a:t>(–), </a:t>
+                      </a:r>
+                      <a:r>
+                        <a:rPr lang="en-US" sz="1000" dirty="0" smtClean="0">
+                          <a:solidFill>
+                            <a:srgbClr val="DA0000"/>
+                          </a:solidFill>
+                          <a:latin typeface="Times New Roman"/>
+                          <a:cs typeface="Times New Roman"/>
+                        </a:rPr>
+                        <a:t>Hematocrit</a:t>
+                      </a:r>
+                      <a:r>
+                        <a:rPr lang="en-US" sz="1000" dirty="0" smtClean="0">
+                          <a:latin typeface="Times New Roman"/>
+                          <a:cs typeface="Times New Roman"/>
+                        </a:rPr>
+                        <a:t> (–), </a:t>
+                      </a:r>
+                      <a:r>
+                        <a:rPr lang="en-US" sz="1000" dirty="0" smtClean="0">
+                          <a:solidFill>
+                            <a:srgbClr val="DA0000"/>
+                          </a:solidFill>
+                          <a:latin typeface="Times New Roman"/>
+                          <a:cs typeface="Times New Roman"/>
+                        </a:rPr>
+                        <a:t>Mean cell volume</a:t>
+                      </a:r>
+                      <a:r>
+                        <a:rPr lang="en-US" sz="1000" baseline="0" dirty="0" smtClean="0">
+                          <a:solidFill>
+                            <a:srgbClr val="DA0000"/>
+                          </a:solidFill>
+                          <a:latin typeface="Times New Roman"/>
+                          <a:cs typeface="Times New Roman"/>
+                        </a:rPr>
+                        <a:t> </a:t>
+                      </a:r>
+                      <a:r>
+                        <a:rPr lang="en-US" sz="1000" dirty="0" smtClean="0">
+                          <a:latin typeface="Times New Roman"/>
+                          <a:cs typeface="Times New Roman"/>
+                        </a:rPr>
+                        <a:t>(–), </a:t>
+                      </a:r>
+                      <a:r>
+                        <a:rPr lang="en-US" sz="1000" dirty="0" smtClean="0">
+                          <a:solidFill>
+                            <a:srgbClr val="DA0000"/>
+                          </a:solidFill>
+                          <a:latin typeface="Times New Roman"/>
+                          <a:cs typeface="Times New Roman"/>
+                        </a:rPr>
+                        <a:t>Mean corpuscular hemoglobin </a:t>
+                      </a:r>
+                      <a:r>
+                        <a:rPr lang="en-US" sz="1000" dirty="0" smtClean="0">
+                          <a:latin typeface="Times New Roman"/>
+                          <a:cs typeface="Times New Roman"/>
+                        </a:rPr>
+                        <a:t>(–), </a:t>
+                      </a:r>
+                      <a:r>
+                        <a:rPr lang="en-US" sz="1000" dirty="0" smtClean="0">
+                          <a:solidFill>
+                            <a:srgbClr val="DA0000"/>
+                          </a:solidFill>
+                          <a:latin typeface="Times New Roman"/>
+                          <a:cs typeface="Times New Roman"/>
+                        </a:rPr>
+                        <a:t>MCHC</a:t>
+                      </a:r>
+                      <a:r>
+                        <a:rPr lang="en-US" sz="1000" dirty="0" smtClean="0">
+                          <a:latin typeface="Times New Roman"/>
+                          <a:cs typeface="Times New Roman"/>
+                        </a:rPr>
+                        <a:t> (–), </a:t>
+                      </a:r>
+                      <a:r>
+                        <a:rPr lang="en-US" sz="1000" dirty="0" smtClean="0">
+                          <a:solidFill>
+                            <a:srgbClr val="4F6228"/>
+                          </a:solidFill>
+                          <a:latin typeface="Times New Roman"/>
+                          <a:cs typeface="Times New Roman"/>
+                        </a:rPr>
+                        <a:t>Platelet count </a:t>
+                      </a:r>
+                      <a:r>
+                        <a:rPr lang="en-US" sz="1000" dirty="0" smtClean="0">
+                          <a:latin typeface="Times New Roman"/>
+                          <a:cs typeface="Times New Roman"/>
+                        </a:rPr>
+                        <a:t>(–), </a:t>
+                      </a:r>
+                      <a:r>
+                        <a:rPr lang="en-US" sz="1000" dirty="0" smtClean="0">
+                          <a:solidFill>
+                            <a:srgbClr val="31859C"/>
+                          </a:solidFill>
+                          <a:latin typeface="Times New Roman"/>
+                          <a:cs typeface="Times New Roman"/>
+                        </a:rPr>
+                        <a:t>Monocyte</a:t>
+                      </a:r>
+                      <a:r>
+                        <a:rPr lang="en-US" sz="1000" baseline="0" dirty="0" smtClean="0">
+                          <a:solidFill>
+                            <a:srgbClr val="31859C"/>
+                          </a:solidFill>
+                          <a:latin typeface="Times New Roman"/>
+                          <a:cs typeface="Times New Roman"/>
+                        </a:rPr>
+                        <a:t> diff. count </a:t>
+                      </a:r>
+                      <a:r>
+                        <a:rPr lang="en-US" sz="1000" dirty="0" smtClean="0">
+                          <a:latin typeface="Times New Roman"/>
+                          <a:cs typeface="Times New Roman"/>
+                        </a:rPr>
+                        <a:t>(–)</a:t>
+                      </a:r>
+                      <a:endParaRPr lang="en-US" sz="1000" dirty="0">
+                        <a:latin typeface="Times New Roman"/>
+                        <a:cs typeface="Times New Roman"/>
+                      </a:endParaRPr>
+                    </a:p>
+                  </a:txBody>
+                  <a:tcPr/>
+                </a:tc>
+              </a:tr>
+              <a:tr h="0">
+                <a:tc>
+                  <a:txBody>
+                    <a:bodyPr/>
+                    <a:lstStyle/>
+                    <a:p>
+                      <a:r>
+                        <a:rPr lang="en-US" sz="1200" dirty="0" smtClean="0">
+                          <a:latin typeface="Times New Roman"/>
+                          <a:cs typeface="Times New Roman"/>
+                        </a:rPr>
+                        <a:t>3805_1</a:t>
+                      </a:r>
+                      <a:endParaRPr lang="en-US" sz="1200" dirty="0">
+                        <a:latin typeface="Times New Roman"/>
+                        <a:cs typeface="Times New Roman"/>
+                      </a:endParaRPr>
+                    </a:p>
+                  </a:txBody>
+                  <a:tcPr/>
+                </a:tc>
+                <a:tc>
+                  <a:txBody>
+                    <a:bodyPr/>
+                    <a:lstStyle/>
+                    <a:p>
+                      <a:r>
+                        <a:rPr lang="en-US" sz="1000" dirty="0" smtClean="0">
+                          <a:solidFill>
+                            <a:srgbClr val="DA0000"/>
+                          </a:solidFill>
+                          <a:latin typeface="Times New Roman"/>
+                          <a:cs typeface="Times New Roman"/>
+                        </a:rPr>
+                        <a:t>Mean cell volume</a:t>
+                      </a:r>
+                      <a:r>
+                        <a:rPr lang="en-US" sz="1000" baseline="0" dirty="0" smtClean="0">
+                          <a:solidFill>
+                            <a:srgbClr val="DA0000"/>
+                          </a:solidFill>
+                          <a:latin typeface="Times New Roman"/>
+                          <a:cs typeface="Times New Roman"/>
+                        </a:rPr>
+                        <a:t> </a:t>
+                      </a:r>
+                      <a:r>
+                        <a:rPr lang="en-US" sz="1000" dirty="0" smtClean="0">
+                          <a:latin typeface="Times New Roman"/>
+                          <a:cs typeface="Times New Roman"/>
+                        </a:rPr>
+                        <a:t>(+),</a:t>
+                      </a:r>
+                      <a:r>
+                        <a:rPr lang="en-US" sz="1000" baseline="0" dirty="0" smtClean="0">
+                          <a:latin typeface="Times New Roman"/>
+                          <a:cs typeface="Times New Roman"/>
+                        </a:rPr>
+                        <a:t> </a:t>
+                      </a:r>
+                      <a:r>
+                        <a:rPr lang="en-US" sz="1000" baseline="0" dirty="0" smtClean="0">
+                          <a:solidFill>
+                            <a:srgbClr val="31859C"/>
+                          </a:solidFill>
+                          <a:latin typeface="Times New Roman"/>
+                          <a:cs typeface="Times New Roman"/>
+                        </a:rPr>
+                        <a:t>LUC count</a:t>
+                      </a:r>
+                      <a:r>
+                        <a:rPr lang="en-US" sz="1000" baseline="0" dirty="0" smtClean="0">
+                          <a:latin typeface="Times New Roman"/>
+                          <a:cs typeface="Times New Roman"/>
+                        </a:rPr>
+                        <a:t> </a:t>
+                      </a:r>
+                      <a:r>
+                        <a:rPr lang="en-US" sz="1000" dirty="0" smtClean="0">
+                          <a:latin typeface="Times New Roman"/>
+                          <a:cs typeface="Times New Roman"/>
+                        </a:rPr>
+                        <a:t>(+),</a:t>
+                      </a:r>
+                      <a:r>
+                        <a:rPr lang="en-US" sz="1000" baseline="0" dirty="0" smtClean="0">
+                          <a:latin typeface="Times New Roman"/>
+                          <a:cs typeface="Times New Roman"/>
+                        </a:rPr>
+                        <a:t> </a:t>
+                      </a:r>
+                      <a:r>
+                        <a:rPr lang="en-US" sz="1000" baseline="0" dirty="0" smtClean="0">
+                          <a:solidFill>
+                            <a:srgbClr val="31859C"/>
+                          </a:solidFill>
+                          <a:latin typeface="Times New Roman"/>
+                          <a:cs typeface="Times New Roman"/>
+                        </a:rPr>
+                        <a:t>LUC diff. count</a:t>
+                      </a:r>
+                      <a:r>
+                        <a:rPr lang="en-US" sz="1000" baseline="0" dirty="0" smtClean="0">
+                          <a:latin typeface="Times New Roman"/>
+                          <a:cs typeface="Times New Roman"/>
+                        </a:rPr>
+                        <a:t> </a:t>
+                      </a:r>
+                      <a:r>
+                        <a:rPr lang="en-US" sz="1000" dirty="0" smtClean="0">
+                          <a:latin typeface="Times New Roman"/>
+                          <a:cs typeface="Times New Roman"/>
+                        </a:rPr>
+                        <a:t>(+),</a:t>
+                      </a:r>
+                      <a:r>
+                        <a:rPr lang="en-US" sz="1000" baseline="0" dirty="0" smtClean="0">
+                          <a:latin typeface="Times New Roman"/>
+                          <a:cs typeface="Times New Roman"/>
+                        </a:rPr>
+                        <a:t> </a:t>
+                      </a:r>
+                      <a:r>
+                        <a:rPr lang="en-US" sz="1000" dirty="0" smtClean="0">
+                          <a:solidFill>
+                            <a:srgbClr val="DA0000"/>
+                          </a:solidFill>
+                          <a:latin typeface="Times New Roman"/>
+                          <a:cs typeface="Times New Roman"/>
+                        </a:rPr>
+                        <a:t>MCHC</a:t>
+                      </a:r>
+                      <a:r>
+                        <a:rPr lang="en-US" sz="1000" baseline="0" dirty="0" smtClean="0">
+                          <a:latin typeface="Times New Roman"/>
+                          <a:cs typeface="Times New Roman"/>
+                        </a:rPr>
+                        <a:t> </a:t>
+                      </a:r>
+                      <a:r>
+                        <a:rPr lang="en-US" sz="1000" dirty="0" smtClean="0">
+                          <a:latin typeface="Times New Roman"/>
+                          <a:cs typeface="Times New Roman"/>
+                        </a:rPr>
+                        <a:t>(–)</a:t>
+                      </a:r>
+                      <a:endParaRPr lang="en-US" sz="1000" dirty="0">
+                        <a:latin typeface="Times New Roman"/>
+                        <a:cs typeface="Times New Roman"/>
+                      </a:endParaRPr>
+                    </a:p>
+                  </a:txBody>
+                  <a:tcPr/>
+                </a:tc>
+              </a:tr>
+              <a:tr h="0">
+                <a:tc>
+                  <a:txBody>
+                    <a:bodyPr/>
+                    <a:lstStyle/>
+                    <a:p>
+                      <a:r>
+                        <a:rPr lang="en-US" sz="1200" dirty="0" smtClean="0">
+                          <a:latin typeface="Times New Roman"/>
+                          <a:cs typeface="Times New Roman"/>
+                        </a:rPr>
+                        <a:t>3887_1</a:t>
+                      </a:r>
+                      <a:endParaRPr lang="en-US" sz="1200" dirty="0">
+                        <a:latin typeface="Times New Roman"/>
+                        <a:cs typeface="Times New Roman"/>
+                      </a:endParaRPr>
+                    </a:p>
+                  </a:txBody>
+                  <a:tcPr/>
+                </a:tc>
+                <a:tc>
+                  <a:txBody>
+                    <a:bodyPr/>
+                    <a:lstStyle/>
+                    <a:p>
+                      <a:r>
+                        <a:rPr lang="en-US" sz="1000" dirty="0" smtClean="0">
+                          <a:solidFill>
+                            <a:srgbClr val="DA0000"/>
+                          </a:solidFill>
+                          <a:latin typeface="Times New Roman"/>
+                          <a:cs typeface="Times New Roman"/>
+                        </a:rPr>
+                        <a:t>Mean</a:t>
+                      </a:r>
+                      <a:r>
+                        <a:rPr lang="en-US" sz="1000" baseline="0" dirty="0" smtClean="0">
+                          <a:solidFill>
+                            <a:srgbClr val="DA0000"/>
+                          </a:solidFill>
+                          <a:latin typeface="Times New Roman"/>
+                          <a:cs typeface="Times New Roman"/>
+                        </a:rPr>
+                        <a:t> cell volume </a:t>
+                      </a:r>
+                      <a:r>
+                        <a:rPr lang="en-US" sz="1000" baseline="0" dirty="0" smtClean="0">
+                          <a:latin typeface="Times New Roman"/>
+                          <a:cs typeface="Times New Roman"/>
+                        </a:rPr>
+                        <a:t>(+), </a:t>
+                      </a:r>
+                      <a:r>
+                        <a:rPr lang="en-US" sz="1000" baseline="0" dirty="0" smtClean="0">
+                          <a:solidFill>
+                            <a:srgbClr val="31859C"/>
+                          </a:solidFill>
+                          <a:latin typeface="Times New Roman"/>
+                          <a:cs typeface="Times New Roman"/>
+                        </a:rPr>
+                        <a:t>Neutrophil cell count </a:t>
+                      </a:r>
+                      <a:r>
+                        <a:rPr lang="en-US" sz="1000" baseline="0" dirty="0" smtClean="0">
+                          <a:latin typeface="Times New Roman"/>
+                          <a:cs typeface="Times New Roman"/>
+                        </a:rPr>
+                        <a:t>(+), </a:t>
+                      </a:r>
+                      <a:r>
+                        <a:rPr lang="en-US" sz="1000" baseline="0" dirty="0" smtClean="0">
+                          <a:solidFill>
+                            <a:srgbClr val="4F6228"/>
+                          </a:solidFill>
+                          <a:latin typeface="Times New Roman"/>
+                          <a:cs typeface="Times New Roman"/>
+                        </a:rPr>
+                        <a:t>Mean platelet volume </a:t>
+                      </a:r>
+                      <a:r>
+                        <a:rPr lang="en-US" sz="1000" dirty="0" smtClean="0">
+                          <a:latin typeface="Times New Roman"/>
+                          <a:cs typeface="Times New Roman"/>
+                        </a:rPr>
+                        <a:t>(–), </a:t>
+                      </a:r>
+                      <a:r>
+                        <a:rPr lang="en-US" sz="1000" dirty="0" smtClean="0">
+                          <a:solidFill>
+                            <a:srgbClr val="31859C"/>
+                          </a:solidFill>
+                          <a:latin typeface="Times New Roman"/>
+                          <a:cs typeface="Times New Roman"/>
+                        </a:rPr>
+                        <a:t>LUC</a:t>
+                      </a:r>
+                      <a:r>
+                        <a:rPr lang="en-US" sz="1000" baseline="0" dirty="0" smtClean="0">
+                          <a:solidFill>
+                            <a:srgbClr val="31859C"/>
+                          </a:solidFill>
+                          <a:latin typeface="Times New Roman"/>
+                          <a:cs typeface="Times New Roman"/>
+                        </a:rPr>
+                        <a:t> diff. count </a:t>
+                      </a:r>
+                      <a:r>
+                        <a:rPr lang="en-US" sz="1000" dirty="0" smtClean="0">
+                          <a:latin typeface="Times New Roman"/>
+                          <a:cs typeface="Times New Roman"/>
+                        </a:rPr>
+                        <a:t>(–), </a:t>
+                      </a:r>
+                      <a:r>
+                        <a:rPr lang="en-US" sz="1000" dirty="0" smtClean="0">
+                          <a:solidFill>
+                            <a:srgbClr val="31859C"/>
+                          </a:solidFill>
+                          <a:latin typeface="Times New Roman"/>
+                          <a:cs typeface="Times New Roman"/>
+                        </a:rPr>
+                        <a:t>Monocyte cell</a:t>
+                      </a:r>
+                      <a:r>
+                        <a:rPr lang="en-US" sz="1000" baseline="0" dirty="0" smtClean="0">
+                          <a:solidFill>
+                            <a:srgbClr val="31859C"/>
+                          </a:solidFill>
+                          <a:latin typeface="Times New Roman"/>
+                          <a:cs typeface="Times New Roman"/>
+                        </a:rPr>
+                        <a:t> count </a:t>
+                      </a:r>
+                      <a:r>
+                        <a:rPr lang="en-US" sz="1000" dirty="0" smtClean="0">
+                          <a:latin typeface="Times New Roman"/>
+                          <a:cs typeface="Times New Roman"/>
+                        </a:rPr>
+                        <a:t>(–)</a:t>
+                      </a:r>
+                      <a:endParaRPr lang="en-US" sz="1000" dirty="0">
+                        <a:latin typeface="Times New Roman"/>
+                        <a:cs typeface="Times New Roman"/>
+                      </a:endParaRPr>
+                    </a:p>
+                  </a:txBody>
+                  <a:tcPr/>
+                </a:tc>
+              </a:tr>
+              <a:tr h="0">
+                <a:tc>
+                  <a:txBody>
+                    <a:bodyPr/>
+                    <a:lstStyle/>
+                    <a:p>
+                      <a:r>
+                        <a:rPr lang="en-US" sz="1200" dirty="0" smtClean="0">
+                          <a:latin typeface="Times New Roman"/>
+                          <a:cs typeface="Times New Roman"/>
+                        </a:rPr>
+                        <a:t>4045_1</a:t>
+                      </a:r>
+                      <a:endParaRPr lang="en-US" sz="1200" dirty="0">
+                        <a:latin typeface="Times New Roman"/>
+                        <a:cs typeface="Times New Roman"/>
+                      </a:endParaRPr>
+                    </a:p>
+                  </a:txBody>
+                  <a:tcPr/>
+                </a:tc>
+                <a:tc>
+                  <a:txBody>
+                    <a:bodyPr/>
+                    <a:lstStyle/>
+                    <a:p>
+                      <a:r>
+                        <a:rPr lang="en-US" sz="1000" dirty="0" smtClean="0">
+                          <a:solidFill>
+                            <a:srgbClr val="4F6228"/>
+                          </a:solidFill>
+                          <a:latin typeface="Times New Roman"/>
+                          <a:cs typeface="Times New Roman"/>
+                        </a:rPr>
+                        <a:t>Mean platelet</a:t>
+                      </a:r>
+                      <a:r>
+                        <a:rPr lang="en-US" sz="1000" baseline="0" dirty="0" smtClean="0">
+                          <a:solidFill>
+                            <a:srgbClr val="4F6228"/>
+                          </a:solidFill>
+                          <a:latin typeface="Times New Roman"/>
+                          <a:cs typeface="Times New Roman"/>
+                        </a:rPr>
+                        <a:t> volume </a:t>
+                      </a:r>
+                      <a:r>
+                        <a:rPr lang="en-US" sz="1000" dirty="0" smtClean="0">
+                          <a:latin typeface="Times New Roman"/>
+                          <a:cs typeface="Times New Roman"/>
+                        </a:rPr>
+                        <a:t>(–), </a:t>
+                      </a:r>
+                      <a:r>
+                        <a:rPr lang="en-US" sz="1000" dirty="0" smtClean="0">
+                          <a:solidFill>
+                            <a:srgbClr val="31859C"/>
+                          </a:solidFill>
+                          <a:latin typeface="Times New Roman"/>
+                          <a:cs typeface="Times New Roman"/>
+                        </a:rPr>
+                        <a:t>LUC diff. count</a:t>
+                      </a:r>
+                      <a:r>
+                        <a:rPr lang="en-US" sz="1000" baseline="0" dirty="0" smtClean="0">
+                          <a:solidFill>
+                            <a:srgbClr val="31859C"/>
+                          </a:solidFill>
+                          <a:latin typeface="Times New Roman"/>
+                          <a:cs typeface="Times New Roman"/>
+                        </a:rPr>
+                        <a:t> </a:t>
+                      </a:r>
+                      <a:r>
+                        <a:rPr lang="en-US" sz="1000" dirty="0" smtClean="0">
+                          <a:latin typeface="Times New Roman"/>
+                          <a:cs typeface="Times New Roman"/>
+                        </a:rPr>
+                        <a:t>(–)</a:t>
+                      </a:r>
+                      <a:endParaRPr lang="en-US" sz="1000" dirty="0">
+                        <a:latin typeface="Times New Roman"/>
+                        <a:cs typeface="Times New Roman"/>
+                      </a:endParaRPr>
+                    </a:p>
+                  </a:txBody>
+                  <a:tcPr/>
+                </a:tc>
+              </a:tr>
+              <a:tr h="0">
+                <a:tc>
+                  <a:txBody>
+                    <a:bodyPr/>
+                    <a:lstStyle/>
+                    <a:p>
+                      <a:r>
+                        <a:rPr lang="en-US" sz="1200" dirty="0" smtClean="0">
+                          <a:latin typeface="Times New Roman"/>
+                          <a:cs typeface="Times New Roman"/>
+                        </a:rPr>
+                        <a:t>4047_1</a:t>
+                      </a:r>
+                      <a:endParaRPr lang="en-US" sz="1200" dirty="0">
+                        <a:latin typeface="Times New Roman"/>
+                        <a:cs typeface="Times New Roman"/>
+                      </a:endParaRPr>
+                    </a:p>
+                  </a:txBody>
+                  <a:tcPr/>
+                </a:tc>
+                <a:tc>
+                  <a:txBody>
+                    <a:bodyPr/>
+                    <a:lstStyle/>
+                    <a:p>
+                      <a:r>
+                        <a:rPr lang="en-US" sz="1000" dirty="0" smtClean="0">
+                          <a:solidFill>
+                            <a:srgbClr val="DA0000"/>
+                          </a:solidFill>
+                          <a:latin typeface="Times New Roman"/>
+                          <a:cs typeface="Times New Roman"/>
+                        </a:rPr>
+                        <a:t>Hematocrit</a:t>
+                      </a:r>
+                      <a:r>
+                        <a:rPr lang="en-US" sz="1000" baseline="0" dirty="0" smtClean="0">
+                          <a:latin typeface="Times New Roman"/>
+                          <a:cs typeface="Times New Roman"/>
+                        </a:rPr>
+                        <a:t> (+), </a:t>
+                      </a:r>
+                      <a:r>
+                        <a:rPr lang="en-US" sz="1000" baseline="0" dirty="0" smtClean="0">
+                          <a:solidFill>
+                            <a:srgbClr val="DA0000"/>
+                          </a:solidFill>
+                          <a:latin typeface="Times New Roman"/>
+                          <a:cs typeface="Times New Roman"/>
+                        </a:rPr>
+                        <a:t>Mean cell volume </a:t>
+                      </a:r>
+                      <a:r>
+                        <a:rPr lang="en-US" sz="1000" baseline="0" dirty="0" smtClean="0">
+                          <a:latin typeface="Times New Roman"/>
+                          <a:cs typeface="Times New Roman"/>
+                        </a:rPr>
+                        <a:t>(+), </a:t>
+                      </a:r>
+                      <a:r>
+                        <a:rPr lang="en-US" sz="1000" baseline="0" dirty="0" smtClean="0">
+                          <a:solidFill>
+                            <a:srgbClr val="4F6228"/>
+                          </a:solidFill>
+                          <a:latin typeface="Times New Roman"/>
+                          <a:cs typeface="Times New Roman"/>
+                        </a:rPr>
+                        <a:t>Mean platelet volume </a:t>
+                      </a:r>
+                      <a:r>
+                        <a:rPr lang="en-US" sz="1000" dirty="0" smtClean="0">
+                          <a:latin typeface="Times New Roman"/>
+                          <a:cs typeface="Times New Roman"/>
+                        </a:rPr>
+                        <a:t>(–)</a:t>
+                      </a:r>
+                      <a:endParaRPr lang="en-US" sz="1000" dirty="0">
+                        <a:latin typeface="Times New Roman"/>
+                        <a:cs typeface="Times New Roman"/>
+                      </a:endParaRPr>
+                    </a:p>
+                  </a:txBody>
+                  <a:tcPr/>
+                </a:tc>
+              </a:tr>
+              <a:tr h="0">
+                <a:tc>
+                  <a:txBody>
+                    <a:bodyPr/>
+                    <a:lstStyle/>
+                    <a:p>
+                      <a:r>
+                        <a:rPr lang="en-US" sz="1200" dirty="0" smtClean="0">
+                          <a:latin typeface="Times New Roman"/>
+                          <a:cs typeface="Times New Roman"/>
+                        </a:rPr>
+                        <a:t>727_1</a:t>
+                      </a:r>
+                      <a:endParaRPr lang="en-US" sz="1200" dirty="0">
+                        <a:latin typeface="Times New Roman"/>
+                        <a:cs typeface="Times New Roman"/>
+                      </a:endParaRPr>
+                    </a:p>
+                  </a:txBody>
+                  <a:tcPr/>
+                </a:tc>
+                <a:tc>
+                  <a:txBody>
+                    <a:bodyPr/>
+                    <a:lstStyle/>
+                    <a:p>
+                      <a:r>
+                        <a:rPr lang="en-US" sz="1000" dirty="0" smtClean="0">
+                          <a:solidFill>
+                            <a:srgbClr val="31859C"/>
+                          </a:solidFill>
+                          <a:latin typeface="Times New Roman"/>
+                          <a:cs typeface="Times New Roman"/>
+                        </a:rPr>
+                        <a:t>Monocyte</a:t>
+                      </a:r>
+                      <a:r>
+                        <a:rPr lang="en-US" sz="1000" baseline="0" dirty="0" smtClean="0">
+                          <a:solidFill>
+                            <a:srgbClr val="31859C"/>
+                          </a:solidFill>
+                          <a:latin typeface="Times New Roman"/>
+                          <a:cs typeface="Times New Roman"/>
+                        </a:rPr>
+                        <a:t> diff. count </a:t>
+                      </a:r>
+                      <a:r>
+                        <a:rPr lang="en-US" sz="1000" baseline="0" dirty="0" smtClean="0">
+                          <a:latin typeface="Times New Roman"/>
+                          <a:cs typeface="Times New Roman"/>
+                        </a:rPr>
+                        <a:t>(+), </a:t>
+                      </a:r>
+                      <a:r>
+                        <a:rPr lang="en-US" sz="1000" baseline="0" dirty="0" smtClean="0">
+                          <a:solidFill>
+                            <a:srgbClr val="DA0000"/>
+                          </a:solidFill>
+                          <a:latin typeface="Times New Roman"/>
+                          <a:cs typeface="Times New Roman"/>
+                        </a:rPr>
+                        <a:t>Mean corpuscular hemoglobin </a:t>
+                      </a:r>
+                      <a:r>
+                        <a:rPr lang="en-US" sz="1000" dirty="0" smtClean="0">
+                          <a:latin typeface="Times New Roman"/>
+                          <a:cs typeface="Times New Roman"/>
+                        </a:rPr>
+                        <a:t>(–), </a:t>
+                      </a:r>
+                      <a:r>
+                        <a:rPr lang="en-US" sz="1000" dirty="0" smtClean="0">
+                          <a:solidFill>
+                            <a:srgbClr val="DA0000"/>
+                          </a:solidFill>
+                          <a:latin typeface="Times New Roman"/>
+                          <a:cs typeface="Times New Roman"/>
+                        </a:rPr>
+                        <a:t>MCHC</a:t>
+                      </a:r>
+                      <a:r>
+                        <a:rPr lang="en-US" sz="1000" baseline="0" dirty="0" smtClean="0">
+                          <a:latin typeface="Times New Roman"/>
+                          <a:cs typeface="Times New Roman"/>
+                        </a:rPr>
+                        <a:t> </a:t>
+                      </a:r>
+                      <a:r>
+                        <a:rPr lang="en-US" sz="1000" dirty="0" smtClean="0">
+                          <a:latin typeface="Times New Roman"/>
+                          <a:cs typeface="Times New Roman"/>
+                        </a:rPr>
+                        <a:t>(–)</a:t>
+                      </a:r>
+                      <a:endParaRPr lang="en-US" sz="1000" dirty="0">
+                        <a:latin typeface="Times New Roman"/>
+                        <a:cs typeface="Times New Roman"/>
+                      </a:endParaRPr>
+                    </a:p>
+                  </a:txBody>
+                  <a:tcPr/>
+                </a:tc>
+              </a:tr>
+              <a:tr h="0">
+                <a:tc gridSpan="2">
+                  <a:txBody>
+                    <a:bodyPr/>
+                    <a:lstStyle/>
+                    <a:p>
+                      <a:pPr marL="0" marR="0" indent="0" algn="l" defTabSz="1254008" rtl="0" eaLnBrk="1" fontAlgn="auto" latinLnBrk="0" hangingPunct="1">
+                        <a:lnSpc>
+                          <a:spcPct val="100000"/>
+                        </a:lnSpc>
+                        <a:spcBef>
+                          <a:spcPts val="0"/>
+                        </a:spcBef>
+                        <a:spcAft>
+                          <a:spcPts val="0"/>
+                        </a:spcAft>
+                        <a:buClrTx/>
+                        <a:buSzTx/>
+                        <a:buFontTx/>
+                        <a:buNone/>
+                        <a:tabLst/>
+                        <a:defRPr/>
+                      </a:pPr>
+                      <a:r>
+                        <a:rPr lang="en-US" sz="800" baseline="0" dirty="0" smtClean="0">
+                          <a:latin typeface="Times New Roman"/>
+                          <a:cs typeface="Times New Roman"/>
+                        </a:rPr>
+                        <a:t>Color coding: </a:t>
+                      </a:r>
+                      <a:r>
+                        <a:rPr lang="en-US" sz="800" dirty="0" smtClean="0">
+                          <a:latin typeface="Times New Roman"/>
+                          <a:cs typeface="Times New Roman"/>
+                        </a:rPr>
+                        <a:t>Phenotypic measurements related to </a:t>
+                      </a:r>
+                      <a:r>
+                        <a:rPr lang="en-US" sz="800" b="1" dirty="0" smtClean="0">
+                          <a:solidFill>
+                            <a:schemeClr val="accent5">
+                              <a:lumMod val="75000"/>
+                            </a:schemeClr>
+                          </a:solidFill>
+                          <a:latin typeface="Times New Roman"/>
+                          <a:cs typeface="Times New Roman"/>
+                        </a:rPr>
+                        <a:t>white blood cells</a:t>
+                      </a:r>
+                      <a:r>
+                        <a:rPr lang="en-US" sz="800" b="1" dirty="0" smtClean="0">
+                          <a:solidFill>
+                            <a:schemeClr val="tx1"/>
+                          </a:solidFill>
+                          <a:latin typeface="Times New Roman"/>
+                          <a:cs typeface="Times New Roman"/>
+                        </a:rPr>
+                        <a:t>,</a:t>
+                      </a:r>
+                      <a:r>
+                        <a:rPr lang="en-US" sz="800" b="1" baseline="0" dirty="0" smtClean="0">
+                          <a:solidFill>
+                            <a:schemeClr val="accent5">
+                              <a:lumMod val="75000"/>
+                            </a:schemeClr>
+                          </a:solidFill>
+                          <a:latin typeface="Times New Roman"/>
+                          <a:cs typeface="Times New Roman"/>
+                        </a:rPr>
+                        <a:t> </a:t>
+                      </a:r>
+                      <a:r>
+                        <a:rPr lang="en-US" sz="800" b="1" dirty="0" smtClean="0">
+                          <a:solidFill>
+                            <a:srgbClr val="DA0000"/>
+                          </a:solidFill>
+                          <a:latin typeface="Times New Roman"/>
+                          <a:cs typeface="Times New Roman"/>
+                        </a:rPr>
+                        <a:t>red blood cells </a:t>
+                      </a:r>
+                      <a:r>
+                        <a:rPr lang="en-US" sz="800" b="1" dirty="0" smtClean="0">
+                          <a:solidFill>
+                            <a:srgbClr val="000000"/>
+                          </a:solidFill>
+                          <a:latin typeface="Times New Roman"/>
+                          <a:cs typeface="Times New Roman"/>
+                        </a:rPr>
+                        <a:t>or</a:t>
+                      </a:r>
+                      <a:r>
+                        <a:rPr lang="en-US" sz="800" b="1" dirty="0" smtClean="0">
+                          <a:solidFill>
+                            <a:srgbClr val="DA0000"/>
+                          </a:solidFill>
+                          <a:latin typeface="Times New Roman"/>
+                          <a:cs typeface="Times New Roman"/>
+                        </a:rPr>
+                        <a:t> </a:t>
+                      </a:r>
+                      <a:r>
+                        <a:rPr lang="en-US" sz="800" b="1" dirty="0" smtClean="0">
+                          <a:solidFill>
+                            <a:srgbClr val="4F6228"/>
+                          </a:solidFill>
+                          <a:latin typeface="Times New Roman"/>
+                          <a:cs typeface="Times New Roman"/>
+                        </a:rPr>
+                        <a:t>platelets</a:t>
+                      </a:r>
+                      <a:r>
+                        <a:rPr lang="en-US" sz="800" b="1" dirty="0" smtClean="0">
+                          <a:solidFill>
+                            <a:srgbClr val="000000"/>
+                          </a:solidFill>
+                          <a:latin typeface="Times New Roman"/>
+                          <a:cs typeface="Times New Roman"/>
+                        </a:rPr>
+                        <a:t>.</a:t>
+                      </a:r>
+                      <a:endParaRPr lang="en-US" sz="800" baseline="0" dirty="0" smtClean="0">
+                        <a:solidFill>
+                          <a:srgbClr val="000000"/>
+                        </a:solidFill>
+                        <a:latin typeface="Times New Roman"/>
+                        <a:cs typeface="Times New Roman"/>
+                      </a:endParaRPr>
+                    </a:p>
+                    <a:p>
+                      <a:r>
+                        <a:rPr lang="en-US" sz="800" baseline="30000" dirty="0" smtClean="0">
+                          <a:latin typeface="Times New Roman"/>
+                          <a:cs typeface="Times New Roman"/>
+                        </a:rPr>
+                        <a:t>1</a:t>
+                      </a:r>
+                      <a:r>
+                        <a:rPr lang="en-US" sz="800" baseline="0" dirty="0" smtClean="0">
+                          <a:latin typeface="Times New Roman"/>
+                          <a:cs typeface="Times New Roman"/>
+                        </a:rPr>
+                        <a:t> Mean corpuscular hemoglobin concentration, </a:t>
+                      </a:r>
+                      <a:r>
+                        <a:rPr lang="en-US" sz="800" baseline="30000" dirty="0" smtClean="0">
+                          <a:latin typeface="Times New Roman"/>
+                          <a:cs typeface="Times New Roman"/>
+                        </a:rPr>
+                        <a:t>2</a:t>
+                      </a:r>
+                      <a:r>
+                        <a:rPr lang="en-US" sz="800" baseline="0" dirty="0" smtClean="0">
+                          <a:latin typeface="Times New Roman"/>
+                          <a:cs typeface="Times New Roman"/>
+                        </a:rPr>
+                        <a:t> Differential, </a:t>
+                      </a:r>
+                      <a:r>
+                        <a:rPr lang="en-US" sz="800" baseline="30000" dirty="0" smtClean="0">
+                          <a:latin typeface="Times New Roman"/>
+                          <a:cs typeface="Times New Roman"/>
+                        </a:rPr>
+                        <a:t>3</a:t>
+                      </a:r>
+                      <a:r>
+                        <a:rPr lang="en-US" sz="800" baseline="0" dirty="0" smtClean="0">
+                          <a:latin typeface="Times New Roman"/>
+                          <a:cs typeface="Times New Roman"/>
+                        </a:rPr>
+                        <a:t> Large Unstained Cell, </a:t>
+                      </a:r>
+                      <a:r>
+                        <a:rPr lang="en-US" sz="800" baseline="30000" dirty="0" smtClean="0">
+                          <a:latin typeface="Times New Roman"/>
+                          <a:cs typeface="Times New Roman"/>
+                        </a:rPr>
+                        <a:t>4 </a:t>
+                      </a:r>
+                      <a:r>
+                        <a:rPr lang="en-US" sz="800" baseline="0" dirty="0" smtClean="0">
+                          <a:latin typeface="Times New Roman"/>
+                          <a:cs typeface="Times New Roman"/>
+                        </a:rPr>
+                        <a:t>White blood cell, </a:t>
+                      </a:r>
+                      <a:r>
+                        <a:rPr lang="en-US" sz="800" baseline="30000" dirty="0" smtClean="0">
+                          <a:latin typeface="Times New Roman"/>
+                          <a:cs typeface="Times New Roman"/>
+                        </a:rPr>
+                        <a:t>5</a:t>
+                      </a:r>
+                      <a:r>
+                        <a:rPr lang="en-US" sz="800" baseline="0" dirty="0" smtClean="0">
+                          <a:latin typeface="Times New Roman"/>
+                          <a:cs typeface="Times New Roman"/>
+                        </a:rPr>
+                        <a:t> Red blood cell</a:t>
+                      </a:r>
+                    </a:p>
+                  </a:txBody>
+                  <a:tcPr/>
+                </a:tc>
+                <a:tc hMerge="1">
+                  <a:txBody>
+                    <a:bodyPr/>
+                    <a:lstStyle/>
+                    <a:p>
+                      <a:endParaRPr lang="en-US" sz="1000" dirty="0">
+                        <a:latin typeface="Times New Roman"/>
+                        <a:cs typeface="Times New Roman"/>
+                      </a:endParaRPr>
+                    </a:p>
+                  </a:txBody>
+                  <a:tcPr>
+                    <a:lnR w="12700" cap="flat" cmpd="sng" algn="ctr">
+                      <a:noFill/>
+                      <a:prstDash val="solid"/>
+                      <a:round/>
+                      <a:headEnd type="none" w="med" len="med"/>
+                      <a:tailEnd type="none" w="med" len="med"/>
+                    </a:lnR>
+                    <a:lnB w="12700" cap="flat" cmpd="sng" algn="ctr">
+                      <a:noFill/>
+                      <a:prstDash val="solid"/>
+                      <a:round/>
+                      <a:headEnd type="none" w="med" len="med"/>
+                      <a:tailEnd type="none" w="med" len="med"/>
+                    </a:lnB>
+                    <a:noFill/>
+                  </a:tcPr>
+                </a:tc>
+              </a:tr>
+            </a:tbl>
+          </a:graphicData>
+        </a:graphic>
+      </p:graphicFrame>
+      <p:grpSp>
+        <p:nvGrpSpPr>
+          <p:cNvPr id="83" name="Group 82"/>
+          <p:cNvGrpSpPr/>
+          <p:nvPr/>
+        </p:nvGrpSpPr>
+        <p:grpSpPr>
+          <a:xfrm>
+            <a:off x="14201370" y="12721343"/>
+            <a:ext cx="2885971" cy="1406854"/>
+            <a:chOff x="14462697" y="12538892"/>
+            <a:chExt cx="1992969" cy="1054681"/>
+          </a:xfrm>
+        </p:grpSpPr>
+        <p:cxnSp>
+          <p:nvCxnSpPr>
+            <p:cNvPr id="63" name="Straight Arrow Connector 62"/>
+            <p:cNvCxnSpPr/>
+            <p:nvPr/>
+          </p:nvCxnSpPr>
+          <p:spPr>
+            <a:xfrm>
+              <a:off x="15164057" y="12898892"/>
+              <a:ext cx="450886" cy="0"/>
+            </a:xfrm>
+            <a:prstGeom prst="straightConnector1">
+              <a:avLst/>
+            </a:prstGeom>
+            <a:ln>
+              <a:solidFill>
+                <a:schemeClr val="tx1"/>
+              </a:solidFill>
+              <a:tailEnd type="arrow"/>
+            </a:ln>
+          </p:spPr>
+          <p:style>
+            <a:lnRef idx="2">
+              <a:schemeClr val="accent1"/>
+            </a:lnRef>
+            <a:fillRef idx="0">
+              <a:schemeClr val="accent1"/>
+            </a:fillRef>
+            <a:effectRef idx="1">
+              <a:schemeClr val="accent1"/>
+            </a:effectRef>
+            <a:fontRef idx="minor">
+              <a:schemeClr val="tx1"/>
+            </a:fontRef>
+          </p:style>
+        </p:cxnSp>
+        <p:grpSp>
+          <p:nvGrpSpPr>
+            <p:cNvPr id="78" name="Group 77"/>
+            <p:cNvGrpSpPr/>
+            <p:nvPr/>
+          </p:nvGrpSpPr>
+          <p:grpSpPr>
+            <a:xfrm>
+              <a:off x="14462697" y="12538892"/>
+              <a:ext cx="890633" cy="866229"/>
+              <a:chOff x="14462697" y="12538892"/>
+              <a:chExt cx="890633" cy="866229"/>
+            </a:xfrm>
+          </p:grpSpPr>
+          <p:sp>
+            <p:nvSpPr>
+              <p:cNvPr id="69" name="Oval 68"/>
+              <p:cNvSpPr/>
+              <p:nvPr/>
+            </p:nvSpPr>
+            <p:spPr>
+              <a:xfrm>
+                <a:off x="14462697" y="12538892"/>
+                <a:ext cx="696096" cy="755671"/>
+              </a:xfrm>
+              <a:prstGeom prst="ellipse">
+                <a:avLst/>
+              </a:prstGeom>
+              <a:solidFill>
+                <a:srgbClr val="FFFFFF"/>
+              </a:solidFill>
+              <a:ln>
+                <a:solidFill>
+                  <a:schemeClr val="tx1"/>
+                </a:solidFill>
+              </a:ln>
+            </p:spPr>
+            <p:style>
+              <a:lnRef idx="1">
+                <a:schemeClr val="accent1"/>
+              </a:lnRef>
+              <a:fillRef idx="3">
+                <a:schemeClr val="accent1"/>
+              </a:fillRef>
+              <a:effectRef idx="2">
+                <a:schemeClr val="accent1"/>
+              </a:effectRef>
+              <a:fontRef idx="minor">
+                <a:schemeClr val="lt1"/>
+              </a:fontRef>
+            </p:style>
+            <p:txBody>
+              <a:bodyPr rtlCol="0" anchor="ctr"/>
+              <a:lstStyle/>
+              <a:p>
+                <a:pPr algn="ctr"/>
+                <a:endParaRPr lang="en-US"/>
+              </a:p>
+            </p:txBody>
+          </p:sp>
+          <p:sp>
+            <p:nvSpPr>
+              <p:cNvPr id="80" name="TextBox 79"/>
+              <p:cNvSpPr txBox="1"/>
+              <p:nvPr/>
+            </p:nvSpPr>
+            <p:spPr>
+              <a:xfrm>
+                <a:off x="14526522" y="12758790"/>
+                <a:ext cx="826808" cy="646331"/>
+              </a:xfrm>
+              <a:prstGeom prst="rect">
+                <a:avLst/>
+              </a:prstGeom>
+              <a:noFill/>
+            </p:spPr>
+            <p:txBody>
+              <a:bodyPr wrap="square" rtlCol="0">
+                <a:spAutoFit/>
+              </a:bodyPr>
+              <a:lstStyle/>
+              <a:p>
+                <a:r>
+                  <a:rPr lang="en-US" sz="1800" dirty="0" smtClean="0">
+                    <a:latin typeface="Times New Roman"/>
+                    <a:cs typeface="Times New Roman"/>
+                  </a:rPr>
+                  <a:t>3803_1</a:t>
+                </a:r>
+                <a:endParaRPr lang="en-US" sz="1800" dirty="0">
+                  <a:latin typeface="Times New Roman"/>
+                  <a:cs typeface="Times New Roman"/>
+                </a:endParaRPr>
+              </a:p>
+            </p:txBody>
+          </p:sp>
+        </p:grpSp>
+        <p:grpSp>
+          <p:nvGrpSpPr>
+            <p:cNvPr id="82" name="Group 81"/>
+            <p:cNvGrpSpPr/>
+            <p:nvPr/>
+          </p:nvGrpSpPr>
+          <p:grpSpPr>
+            <a:xfrm>
+              <a:off x="15452441" y="12538892"/>
+              <a:ext cx="1003225" cy="1054681"/>
+              <a:chOff x="15602356" y="12538892"/>
+              <a:chExt cx="1003225" cy="1054681"/>
+            </a:xfrm>
+          </p:grpSpPr>
+          <p:sp>
+            <p:nvSpPr>
+              <p:cNvPr id="81" name="Oval 80"/>
+              <p:cNvSpPr/>
+              <p:nvPr/>
+            </p:nvSpPr>
+            <p:spPr>
+              <a:xfrm>
+                <a:off x="15756054" y="12538892"/>
+                <a:ext cx="689866" cy="755671"/>
+              </a:xfrm>
+              <a:prstGeom prst="ellipse">
+                <a:avLst/>
+              </a:prstGeom>
+              <a:solidFill>
+                <a:srgbClr val="FFFFFF"/>
+              </a:solidFill>
+              <a:ln w="28575" cmpd="sng">
+                <a:solidFill>
+                  <a:schemeClr val="accent5">
+                    <a:lumMod val="75000"/>
+                  </a:schemeClr>
+                </a:solidFill>
+              </a:ln>
+            </p:spPr>
+            <p:style>
+              <a:lnRef idx="1">
+                <a:schemeClr val="accent1"/>
+              </a:lnRef>
+              <a:fillRef idx="3">
+                <a:schemeClr val="accent1"/>
+              </a:fillRef>
+              <a:effectRef idx="2">
+                <a:schemeClr val="accent1"/>
+              </a:effectRef>
+              <a:fontRef idx="minor">
+                <a:schemeClr val="lt1"/>
+              </a:fontRef>
+            </p:style>
+            <p:txBody>
+              <a:bodyPr rtlCol="0" anchor="ctr"/>
+              <a:lstStyle/>
+              <a:p>
+                <a:pPr algn="ctr"/>
+                <a:endParaRPr lang="en-US"/>
+              </a:p>
+            </p:txBody>
+          </p:sp>
+          <p:sp>
+            <p:nvSpPr>
+              <p:cNvPr id="33" name="TextBox 32"/>
+              <p:cNvSpPr txBox="1"/>
+              <p:nvPr/>
+            </p:nvSpPr>
+            <p:spPr>
+              <a:xfrm>
+                <a:off x="15602356" y="12670243"/>
+                <a:ext cx="1003225" cy="923330"/>
+              </a:xfrm>
+              <a:prstGeom prst="rect">
+                <a:avLst/>
+              </a:prstGeom>
+              <a:noFill/>
+            </p:spPr>
+            <p:txBody>
+              <a:bodyPr wrap="square" rtlCol="0">
+                <a:spAutoFit/>
+              </a:bodyPr>
+              <a:lstStyle/>
+              <a:p>
+                <a:pPr algn="ctr"/>
+                <a:r>
+                  <a:rPr lang="en-US" sz="1800" dirty="0" smtClean="0">
+                    <a:latin typeface="Times New Roman"/>
+                    <a:cs typeface="Times New Roman"/>
+                  </a:rPr>
+                  <a:t>All WBC </a:t>
+                </a:r>
+              </a:p>
+              <a:p>
+                <a:pPr algn="ctr"/>
+                <a:r>
+                  <a:rPr lang="en-US" sz="1800" dirty="0" smtClean="0">
+                    <a:latin typeface="Times New Roman"/>
+                    <a:cs typeface="Times New Roman"/>
+                  </a:rPr>
+                  <a:t>types</a:t>
+                </a:r>
+                <a:endParaRPr lang="en-US" sz="1800" dirty="0">
+                  <a:latin typeface="Times New Roman"/>
+                  <a:cs typeface="Times New Roman"/>
+                </a:endParaRPr>
+              </a:p>
+            </p:txBody>
+          </p:sp>
+        </p:grpSp>
+      </p:grpSp>
+      <p:grpSp>
+        <p:nvGrpSpPr>
+          <p:cNvPr id="85" name="Group 84"/>
+          <p:cNvGrpSpPr/>
+          <p:nvPr/>
+        </p:nvGrpSpPr>
+        <p:grpSpPr>
+          <a:xfrm>
+            <a:off x="14201367" y="13934461"/>
+            <a:ext cx="2870292" cy="980264"/>
+            <a:chOff x="14462697" y="12538892"/>
+            <a:chExt cx="2026967" cy="720000"/>
+          </a:xfrm>
+        </p:grpSpPr>
+        <p:cxnSp>
+          <p:nvCxnSpPr>
+            <p:cNvPr id="87" name="Straight Arrow Connector 86"/>
+            <p:cNvCxnSpPr/>
+            <p:nvPr/>
+          </p:nvCxnSpPr>
+          <p:spPr>
+            <a:xfrm>
+              <a:off x="15196540" y="12898892"/>
+              <a:ext cx="450886" cy="0"/>
+            </a:xfrm>
+            <a:prstGeom prst="straightConnector1">
+              <a:avLst/>
+            </a:prstGeom>
+            <a:ln>
+              <a:solidFill>
+                <a:schemeClr val="tx1"/>
+              </a:solidFill>
+              <a:tailEnd type="arrow"/>
+            </a:ln>
+          </p:spPr>
+          <p:style>
+            <a:lnRef idx="2">
+              <a:schemeClr val="accent1"/>
+            </a:lnRef>
+            <a:fillRef idx="0">
+              <a:schemeClr val="accent1"/>
+            </a:fillRef>
+            <a:effectRef idx="1">
+              <a:schemeClr val="accent1"/>
+            </a:effectRef>
+            <a:fontRef idx="minor">
+              <a:schemeClr val="tx1"/>
+            </a:fontRef>
+          </p:style>
+        </p:cxnSp>
+        <p:grpSp>
+          <p:nvGrpSpPr>
+            <p:cNvPr id="88" name="Group 87"/>
+            <p:cNvGrpSpPr/>
+            <p:nvPr/>
+          </p:nvGrpSpPr>
+          <p:grpSpPr>
+            <a:xfrm>
+              <a:off x="14462697" y="12538892"/>
+              <a:ext cx="890633" cy="720000"/>
+              <a:chOff x="14462697" y="12538892"/>
+              <a:chExt cx="890633" cy="720000"/>
+            </a:xfrm>
+          </p:grpSpPr>
+          <p:sp>
+            <p:nvSpPr>
+              <p:cNvPr id="92" name="Oval 91"/>
+              <p:cNvSpPr/>
+              <p:nvPr/>
+            </p:nvSpPr>
+            <p:spPr>
+              <a:xfrm>
+                <a:off x="14462697" y="12538892"/>
+                <a:ext cx="720000" cy="720000"/>
+              </a:xfrm>
+              <a:prstGeom prst="ellipse">
+                <a:avLst/>
+              </a:prstGeom>
+              <a:solidFill>
+                <a:srgbClr val="FFFFFF"/>
+              </a:solidFill>
+              <a:ln>
+                <a:solidFill>
+                  <a:schemeClr val="tx1"/>
+                </a:solidFill>
+              </a:ln>
+            </p:spPr>
+            <p:style>
+              <a:lnRef idx="1">
+                <a:schemeClr val="accent1"/>
+              </a:lnRef>
+              <a:fillRef idx="3">
+                <a:schemeClr val="accent1"/>
+              </a:fillRef>
+              <a:effectRef idx="2">
+                <a:schemeClr val="accent1"/>
+              </a:effectRef>
+              <a:fontRef idx="minor">
+                <a:schemeClr val="lt1"/>
+              </a:fontRef>
+            </p:style>
+            <p:txBody>
+              <a:bodyPr rtlCol="0" anchor="ctr"/>
+              <a:lstStyle/>
+              <a:p>
+                <a:pPr algn="ctr"/>
+                <a:endParaRPr lang="en-US"/>
+              </a:p>
+            </p:txBody>
+          </p:sp>
+          <p:sp>
+            <p:nvSpPr>
+              <p:cNvPr id="93" name="TextBox 92"/>
+              <p:cNvSpPr txBox="1"/>
+              <p:nvPr/>
+            </p:nvSpPr>
+            <p:spPr>
+              <a:xfrm>
+                <a:off x="14526522" y="12758790"/>
+                <a:ext cx="826808" cy="276999"/>
+              </a:xfrm>
+              <a:prstGeom prst="rect">
+                <a:avLst/>
+              </a:prstGeom>
+              <a:noFill/>
+            </p:spPr>
+            <p:txBody>
+              <a:bodyPr wrap="square" rtlCol="0">
+                <a:spAutoFit/>
+              </a:bodyPr>
+              <a:lstStyle/>
+              <a:p>
+                <a:r>
+                  <a:rPr lang="en-US" sz="1800" dirty="0" smtClean="0">
+                    <a:latin typeface="Times New Roman"/>
+                    <a:cs typeface="Times New Roman"/>
+                  </a:rPr>
+                  <a:t>3803_1</a:t>
+                </a:r>
+                <a:endParaRPr lang="en-US" sz="1800" dirty="0">
+                  <a:latin typeface="Times New Roman"/>
+                  <a:cs typeface="Times New Roman"/>
+                </a:endParaRPr>
+              </a:p>
+            </p:txBody>
+          </p:sp>
+        </p:grpSp>
+        <p:grpSp>
+          <p:nvGrpSpPr>
+            <p:cNvPr id="89" name="Group 88"/>
+            <p:cNvGrpSpPr/>
+            <p:nvPr/>
+          </p:nvGrpSpPr>
+          <p:grpSpPr>
+            <a:xfrm>
+              <a:off x="15486439" y="12538892"/>
+              <a:ext cx="1003225" cy="720000"/>
+              <a:chOff x="15636354" y="12538892"/>
+              <a:chExt cx="1003225" cy="720000"/>
+            </a:xfrm>
+          </p:grpSpPr>
+          <p:sp>
+            <p:nvSpPr>
+              <p:cNvPr id="90" name="Oval 89"/>
+              <p:cNvSpPr/>
+              <p:nvPr/>
+            </p:nvSpPr>
+            <p:spPr>
+              <a:xfrm>
+                <a:off x="15788537" y="12538892"/>
+                <a:ext cx="689866" cy="720000"/>
+              </a:xfrm>
+              <a:prstGeom prst="ellipse">
+                <a:avLst/>
+              </a:prstGeom>
+              <a:solidFill>
+                <a:srgbClr val="FFFFFF"/>
+              </a:solidFill>
+              <a:ln w="28575" cmpd="sng">
+                <a:solidFill>
+                  <a:srgbClr val="045C0E"/>
+                </a:solidFill>
+              </a:ln>
+            </p:spPr>
+            <p:style>
+              <a:lnRef idx="1">
+                <a:schemeClr val="accent1"/>
+              </a:lnRef>
+              <a:fillRef idx="3">
+                <a:schemeClr val="accent1"/>
+              </a:fillRef>
+              <a:effectRef idx="2">
+                <a:schemeClr val="accent1"/>
+              </a:effectRef>
+              <a:fontRef idx="minor">
+                <a:schemeClr val="lt1"/>
+              </a:fontRef>
+            </p:style>
+            <p:txBody>
+              <a:bodyPr rtlCol="0" anchor="ctr"/>
+              <a:lstStyle/>
+              <a:p>
+                <a:pPr algn="ctr"/>
+                <a:endParaRPr lang="en-US"/>
+              </a:p>
+            </p:txBody>
+          </p:sp>
+          <p:sp>
+            <p:nvSpPr>
+              <p:cNvPr id="91" name="TextBox 90"/>
+              <p:cNvSpPr txBox="1"/>
+              <p:nvPr/>
+            </p:nvSpPr>
+            <p:spPr>
+              <a:xfrm>
+                <a:off x="15636354" y="12681997"/>
+                <a:ext cx="1003225" cy="474728"/>
+              </a:xfrm>
+              <a:prstGeom prst="rect">
+                <a:avLst/>
+              </a:prstGeom>
+              <a:noFill/>
+            </p:spPr>
+            <p:txBody>
+              <a:bodyPr wrap="square" rtlCol="0">
+                <a:spAutoFit/>
+              </a:bodyPr>
+              <a:lstStyle/>
+              <a:p>
+                <a:pPr algn="ctr"/>
+                <a:r>
+                  <a:rPr lang="en-US" sz="1800" dirty="0" smtClean="0">
+                    <a:latin typeface="Times New Roman"/>
+                    <a:cs typeface="Times New Roman"/>
+                  </a:rPr>
+                  <a:t>Platelet</a:t>
+                </a:r>
+              </a:p>
+              <a:p>
+                <a:pPr algn="ctr"/>
+                <a:r>
+                  <a:rPr lang="en-US" sz="1800" dirty="0" smtClean="0">
+                    <a:latin typeface="Times New Roman"/>
+                    <a:cs typeface="Times New Roman"/>
+                  </a:rPr>
+                  <a:t>count</a:t>
+                </a:r>
+                <a:endParaRPr lang="en-US" sz="1800" dirty="0">
+                  <a:latin typeface="Times New Roman"/>
+                  <a:cs typeface="Times New Roman"/>
+                </a:endParaRPr>
+              </a:p>
+            </p:txBody>
+          </p:sp>
+        </p:grpSp>
+      </p:grpSp>
+      <p:sp>
+        <p:nvSpPr>
+          <p:cNvPr id="106" name="TextBox 105"/>
+          <p:cNvSpPr txBox="1"/>
+          <p:nvPr/>
+        </p:nvSpPr>
+        <p:spPr>
+          <a:xfrm>
+            <a:off x="13928546" y="12237080"/>
+            <a:ext cx="7072627" cy="369332"/>
+          </a:xfrm>
+          <a:prstGeom prst="rect">
+            <a:avLst/>
+          </a:prstGeom>
+          <a:ln>
+            <a:noFill/>
+          </a:ln>
+        </p:spPr>
+        <p:style>
+          <a:lnRef idx="2">
+            <a:schemeClr val="accent6"/>
+          </a:lnRef>
+          <a:fillRef idx="1">
+            <a:schemeClr val="lt1"/>
+          </a:fillRef>
+          <a:effectRef idx="0">
+            <a:schemeClr val="accent6"/>
+          </a:effectRef>
+          <a:fontRef idx="minor">
+            <a:schemeClr val="dk1"/>
+          </a:fontRef>
+        </p:style>
+        <p:txBody>
+          <a:bodyPr wrap="square" rtlCol="0">
+            <a:spAutoFit/>
+          </a:bodyPr>
+          <a:lstStyle/>
+          <a:p>
+            <a:pPr algn="ctr"/>
+            <a:r>
+              <a:rPr lang="en-US" sz="1800" b="1" dirty="0" smtClean="0">
+                <a:latin typeface="Times New Roman"/>
+                <a:cs typeface="Times New Roman"/>
+              </a:rPr>
+              <a:t>Direct (or indirect?) causal relationships</a:t>
+            </a:r>
+            <a:endParaRPr lang="en-US" sz="1800" b="1" dirty="0">
+              <a:latin typeface="Times New Roman"/>
+              <a:cs typeface="Times New Roman"/>
+            </a:endParaRPr>
+          </a:p>
+        </p:txBody>
+      </p:sp>
+      <p:grpSp>
+        <p:nvGrpSpPr>
+          <p:cNvPr id="126" name="Group 125"/>
+          <p:cNvGrpSpPr/>
+          <p:nvPr/>
+        </p:nvGrpSpPr>
+        <p:grpSpPr>
+          <a:xfrm>
+            <a:off x="17175206" y="12721343"/>
+            <a:ext cx="3883116" cy="2597537"/>
+            <a:chOff x="14279871" y="14292517"/>
+            <a:chExt cx="3089955" cy="1965783"/>
+          </a:xfrm>
+        </p:grpSpPr>
+        <p:grpSp>
+          <p:nvGrpSpPr>
+            <p:cNvPr id="107" name="Group 106"/>
+            <p:cNvGrpSpPr/>
+            <p:nvPr/>
+          </p:nvGrpSpPr>
+          <p:grpSpPr>
+            <a:xfrm>
+              <a:off x="14279871" y="14292517"/>
+              <a:ext cx="3089955" cy="778518"/>
+              <a:chOff x="16996312" y="12567806"/>
+              <a:chExt cx="3089955" cy="778518"/>
+            </a:xfrm>
+          </p:grpSpPr>
+          <p:cxnSp>
+            <p:nvCxnSpPr>
+              <p:cNvPr id="68" name="Straight Arrow Connector 67"/>
+              <p:cNvCxnSpPr/>
+              <p:nvPr/>
+            </p:nvCxnSpPr>
+            <p:spPr>
+              <a:xfrm>
+                <a:off x="17695044" y="12930250"/>
+                <a:ext cx="450886" cy="0"/>
+              </a:xfrm>
+              <a:prstGeom prst="straightConnector1">
+                <a:avLst/>
+              </a:prstGeom>
+              <a:ln>
+                <a:solidFill>
+                  <a:schemeClr val="tx1"/>
+                </a:solidFill>
+                <a:tailEnd type="arrow"/>
+              </a:ln>
+            </p:spPr>
+            <p:style>
+              <a:lnRef idx="2">
+                <a:schemeClr val="accent1"/>
+              </a:lnRef>
+              <a:fillRef idx="0">
+                <a:schemeClr val="accent1"/>
+              </a:fillRef>
+              <a:effectRef idx="1">
+                <a:schemeClr val="accent1"/>
+              </a:effectRef>
+              <a:fontRef idx="minor">
+                <a:schemeClr val="tx1"/>
+              </a:fontRef>
+            </p:style>
+          </p:cxnSp>
+          <p:sp>
+            <p:nvSpPr>
+              <p:cNvPr id="95" name="Oval 94"/>
+              <p:cNvSpPr/>
+              <p:nvPr/>
+            </p:nvSpPr>
+            <p:spPr>
+              <a:xfrm>
+                <a:off x="16996312" y="12567806"/>
+                <a:ext cx="802108" cy="762841"/>
+              </a:xfrm>
+              <a:prstGeom prst="ellipse">
+                <a:avLst/>
+              </a:prstGeom>
+              <a:solidFill>
+                <a:srgbClr val="FFFFFF"/>
+              </a:solidFill>
+              <a:ln>
+                <a:solidFill>
+                  <a:schemeClr val="tx1"/>
+                </a:solidFill>
+              </a:ln>
+            </p:spPr>
+            <p:style>
+              <a:lnRef idx="1">
+                <a:schemeClr val="accent1"/>
+              </a:lnRef>
+              <a:fillRef idx="3">
+                <a:schemeClr val="accent1"/>
+              </a:fillRef>
+              <a:effectRef idx="2">
+                <a:schemeClr val="accent1"/>
+              </a:effectRef>
+              <a:fontRef idx="minor">
+                <a:schemeClr val="lt1"/>
+              </a:fontRef>
+            </p:style>
+            <p:txBody>
+              <a:bodyPr rtlCol="0" anchor="ctr"/>
+              <a:lstStyle/>
+              <a:p>
+                <a:pPr algn="ctr"/>
+                <a:endParaRPr lang="en-US"/>
+              </a:p>
+            </p:txBody>
+          </p:sp>
+          <p:sp>
+            <p:nvSpPr>
+              <p:cNvPr id="96" name="TextBox 95"/>
+              <p:cNvSpPr txBox="1"/>
+              <p:nvPr/>
+            </p:nvSpPr>
+            <p:spPr>
+              <a:xfrm>
+                <a:off x="17060137" y="12787704"/>
+                <a:ext cx="826808" cy="276999"/>
+              </a:xfrm>
+              <a:prstGeom prst="rect">
+                <a:avLst/>
+              </a:prstGeom>
+              <a:noFill/>
+            </p:spPr>
+            <p:txBody>
+              <a:bodyPr wrap="square" rtlCol="0">
+                <a:spAutoFit/>
+              </a:bodyPr>
+              <a:lstStyle/>
+              <a:p>
+                <a:r>
+                  <a:rPr lang="en-US" sz="1800" dirty="0" smtClean="0">
+                    <a:latin typeface="Times New Roman"/>
+                    <a:cs typeface="Times New Roman"/>
+                  </a:rPr>
+                  <a:t>3803_1</a:t>
+                </a:r>
+                <a:endParaRPr lang="en-US" sz="1800" dirty="0">
+                  <a:latin typeface="Times New Roman"/>
+                  <a:cs typeface="Times New Roman"/>
+                </a:endParaRPr>
+              </a:p>
+            </p:txBody>
+          </p:sp>
+          <p:grpSp>
+            <p:nvGrpSpPr>
+              <p:cNvPr id="84" name="Group 83"/>
+              <p:cNvGrpSpPr/>
+              <p:nvPr/>
+            </p:nvGrpSpPr>
+            <p:grpSpPr>
+              <a:xfrm>
+                <a:off x="18004696" y="12567806"/>
+                <a:ext cx="1093346" cy="762842"/>
+                <a:chOff x="17941980" y="12567806"/>
+                <a:chExt cx="1093346" cy="762842"/>
+              </a:xfrm>
+            </p:grpSpPr>
+            <p:sp>
+              <p:nvSpPr>
+                <p:cNvPr id="97" name="Oval 96"/>
+                <p:cNvSpPr/>
+                <p:nvPr/>
+              </p:nvSpPr>
+              <p:spPr>
+                <a:xfrm>
+                  <a:off x="18083426" y="12567806"/>
+                  <a:ext cx="802108" cy="762842"/>
+                </a:xfrm>
+                <a:prstGeom prst="ellipse">
+                  <a:avLst/>
+                </a:prstGeom>
+                <a:solidFill>
+                  <a:srgbClr val="FFFFFF"/>
+                </a:solidFill>
+                <a:ln w="28575" cmpd="sng">
+                  <a:solidFill>
+                    <a:srgbClr val="DA0000"/>
+                  </a:solidFill>
+                </a:ln>
+              </p:spPr>
+              <p:style>
+                <a:lnRef idx="1">
+                  <a:schemeClr val="accent1"/>
+                </a:lnRef>
+                <a:fillRef idx="3">
+                  <a:schemeClr val="accent1"/>
+                </a:fillRef>
+                <a:effectRef idx="2">
+                  <a:schemeClr val="accent1"/>
+                </a:effectRef>
+                <a:fontRef idx="minor">
+                  <a:schemeClr val="lt1"/>
+                </a:fontRef>
+              </p:style>
+              <p:txBody>
+                <a:bodyPr rtlCol="0" anchor="ctr"/>
+                <a:lstStyle/>
+                <a:p>
+                  <a:pPr algn="ctr"/>
+                  <a:endParaRPr lang="en-US"/>
+                </a:p>
+              </p:txBody>
+            </p:sp>
+            <p:sp>
+              <p:nvSpPr>
+                <p:cNvPr id="98" name="TextBox 97"/>
+                <p:cNvSpPr txBox="1"/>
+                <p:nvPr/>
+              </p:nvSpPr>
+              <p:spPr>
+                <a:xfrm>
+                  <a:off x="17941980" y="12724988"/>
+                  <a:ext cx="1093346" cy="489135"/>
+                </a:xfrm>
+                <a:prstGeom prst="rect">
+                  <a:avLst/>
+                </a:prstGeom>
+                <a:noFill/>
+              </p:spPr>
+              <p:txBody>
+                <a:bodyPr wrap="square" rtlCol="0">
+                  <a:spAutoFit/>
+                </a:bodyPr>
+                <a:lstStyle/>
+                <a:p>
+                  <a:pPr algn="ctr"/>
+                  <a:r>
+                    <a:rPr lang="en-US" sz="1800" dirty="0">
+                      <a:latin typeface="Times New Roman"/>
+                      <a:cs typeface="Times New Roman"/>
+                    </a:rPr>
+                    <a:t>Mean cell </a:t>
+                  </a:r>
+                </a:p>
+                <a:p>
+                  <a:pPr algn="ctr"/>
+                  <a:r>
+                    <a:rPr lang="en-US" sz="1800" dirty="0" smtClean="0">
+                      <a:latin typeface="Times New Roman"/>
+                      <a:cs typeface="Times New Roman"/>
+                    </a:rPr>
+                    <a:t>volume</a:t>
+                  </a:r>
+                  <a:endParaRPr lang="en-US" sz="1800" dirty="0">
+                    <a:latin typeface="Times New Roman"/>
+                    <a:cs typeface="Times New Roman"/>
+                  </a:endParaRPr>
+                </a:p>
+              </p:txBody>
+            </p:sp>
+          </p:grpSp>
+          <p:grpSp>
+            <p:nvGrpSpPr>
+              <p:cNvPr id="102" name="Group 101"/>
+              <p:cNvGrpSpPr/>
+              <p:nvPr/>
+            </p:nvGrpSpPr>
+            <p:grpSpPr>
+              <a:xfrm>
+                <a:off x="19203095" y="12583483"/>
+                <a:ext cx="883172" cy="762841"/>
+                <a:chOff x="19265811" y="12536446"/>
+                <a:chExt cx="883172" cy="762841"/>
+              </a:xfrm>
+            </p:grpSpPr>
+            <p:sp>
+              <p:nvSpPr>
+                <p:cNvPr id="99" name="Oval 98"/>
+                <p:cNvSpPr/>
+                <p:nvPr/>
+              </p:nvSpPr>
+              <p:spPr>
+                <a:xfrm>
+                  <a:off x="19291209" y="12536446"/>
+                  <a:ext cx="802107" cy="762841"/>
+                </a:xfrm>
+                <a:prstGeom prst="ellipse">
+                  <a:avLst/>
+                </a:prstGeom>
+                <a:solidFill>
+                  <a:srgbClr val="FFFFFF"/>
+                </a:solidFill>
+                <a:ln w="28575" cmpd="sng">
+                  <a:solidFill>
+                    <a:srgbClr val="DA0000"/>
+                  </a:solidFill>
+                </a:ln>
+              </p:spPr>
+              <p:style>
+                <a:lnRef idx="1">
+                  <a:schemeClr val="accent1"/>
+                </a:lnRef>
+                <a:fillRef idx="3">
+                  <a:schemeClr val="accent1"/>
+                </a:fillRef>
+                <a:effectRef idx="2">
+                  <a:schemeClr val="accent1"/>
+                </a:effectRef>
+                <a:fontRef idx="minor">
+                  <a:schemeClr val="lt1"/>
+                </a:fontRef>
+              </p:style>
+              <p:txBody>
+                <a:bodyPr rtlCol="0" anchor="ctr"/>
+                <a:lstStyle/>
+                <a:p>
+                  <a:pPr algn="ctr"/>
+                  <a:endParaRPr lang="en-US"/>
+                </a:p>
+              </p:txBody>
+            </p:sp>
+            <p:sp>
+              <p:nvSpPr>
+                <p:cNvPr id="100" name="TextBox 99"/>
+                <p:cNvSpPr txBox="1"/>
+                <p:nvPr/>
+              </p:nvSpPr>
+              <p:spPr>
+                <a:xfrm>
+                  <a:off x="19265811" y="12677951"/>
+                  <a:ext cx="883172" cy="489135"/>
+                </a:xfrm>
+                <a:prstGeom prst="rect">
+                  <a:avLst/>
+                </a:prstGeom>
+                <a:noFill/>
+              </p:spPr>
+              <p:txBody>
+                <a:bodyPr wrap="square" rtlCol="0">
+                  <a:spAutoFit/>
+                </a:bodyPr>
+                <a:lstStyle/>
+                <a:p>
+                  <a:pPr algn="ctr"/>
+                  <a:r>
+                    <a:rPr lang="en-US" sz="1800" dirty="0" smtClean="0">
+                      <a:latin typeface="Times New Roman"/>
+                      <a:cs typeface="Times New Roman"/>
+                    </a:rPr>
+                    <a:t>RBC </a:t>
+                  </a:r>
+                </a:p>
+                <a:p>
+                  <a:pPr algn="ctr"/>
+                  <a:r>
+                    <a:rPr lang="en-US" sz="1800" dirty="0" smtClean="0">
+                      <a:latin typeface="Times New Roman"/>
+                      <a:cs typeface="Times New Roman"/>
+                    </a:rPr>
+                    <a:t>count</a:t>
+                  </a:r>
+                  <a:endParaRPr lang="en-US" sz="1800" dirty="0">
+                    <a:latin typeface="Times New Roman"/>
+                    <a:cs typeface="Times New Roman"/>
+                  </a:endParaRPr>
+                </a:p>
+              </p:txBody>
+            </p:sp>
+          </p:grpSp>
+          <p:cxnSp>
+            <p:nvCxnSpPr>
+              <p:cNvPr id="103" name="Straight Arrow Connector 102"/>
+              <p:cNvCxnSpPr/>
+              <p:nvPr/>
+            </p:nvCxnSpPr>
+            <p:spPr>
+              <a:xfrm>
+                <a:off x="18934854" y="12930250"/>
+                <a:ext cx="278933" cy="0"/>
+              </a:xfrm>
+              <a:prstGeom prst="straightConnector1">
+                <a:avLst/>
+              </a:prstGeom>
+              <a:ln>
+                <a:solidFill>
+                  <a:schemeClr val="tx1"/>
+                </a:solidFill>
+                <a:tailEnd type="arrow"/>
+              </a:ln>
+            </p:spPr>
+            <p:style>
+              <a:lnRef idx="2">
+                <a:schemeClr val="accent1"/>
+              </a:lnRef>
+              <a:fillRef idx="0">
+                <a:schemeClr val="accent1"/>
+              </a:fillRef>
+              <a:effectRef idx="1">
+                <a:schemeClr val="accent1"/>
+              </a:effectRef>
+              <a:fontRef idx="minor">
+                <a:schemeClr val="tx1"/>
+              </a:fontRef>
+            </p:style>
+          </p:cxnSp>
+        </p:grpSp>
+        <p:grpSp>
+          <p:nvGrpSpPr>
+            <p:cNvPr id="105" name="Group 104"/>
+            <p:cNvGrpSpPr/>
+            <p:nvPr/>
+          </p:nvGrpSpPr>
+          <p:grpSpPr>
+            <a:xfrm>
+              <a:off x="15249526" y="15304748"/>
+              <a:ext cx="1144551" cy="953552"/>
+              <a:chOff x="18097055" y="13479778"/>
+              <a:chExt cx="1144551" cy="953552"/>
+            </a:xfrm>
+          </p:grpSpPr>
+          <p:sp>
+            <p:nvSpPr>
+              <p:cNvPr id="101" name="Oval 100"/>
+              <p:cNvSpPr/>
+              <p:nvPr/>
+            </p:nvSpPr>
+            <p:spPr>
+              <a:xfrm>
+                <a:off x="18157650" y="13479778"/>
+                <a:ext cx="1002634" cy="953552"/>
+              </a:xfrm>
+              <a:prstGeom prst="ellipse">
+                <a:avLst/>
+              </a:prstGeom>
+              <a:solidFill>
+                <a:srgbClr val="FFFFFF"/>
+              </a:solidFill>
+              <a:ln w="28575" cmpd="sng">
+                <a:solidFill>
+                  <a:srgbClr val="DA0000"/>
+                </a:solidFill>
+              </a:ln>
+            </p:spPr>
+            <p:style>
+              <a:lnRef idx="1">
+                <a:schemeClr val="accent1"/>
+              </a:lnRef>
+              <a:fillRef idx="3">
+                <a:schemeClr val="accent1"/>
+              </a:fillRef>
+              <a:effectRef idx="2">
+                <a:schemeClr val="accent1"/>
+              </a:effectRef>
+              <a:fontRef idx="minor">
+                <a:schemeClr val="lt1"/>
+              </a:fontRef>
+            </p:style>
+            <p:txBody>
+              <a:bodyPr rtlCol="0" anchor="ctr"/>
+              <a:lstStyle/>
+              <a:p>
+                <a:pPr algn="ctr"/>
+                <a:endParaRPr lang="en-US" dirty="0"/>
+              </a:p>
+            </p:txBody>
+          </p:sp>
+          <p:sp>
+            <p:nvSpPr>
+              <p:cNvPr id="104" name="TextBox 103"/>
+              <p:cNvSpPr txBox="1"/>
+              <p:nvPr/>
+            </p:nvSpPr>
+            <p:spPr>
+              <a:xfrm>
+                <a:off x="18097055" y="13537769"/>
+                <a:ext cx="1144551" cy="698764"/>
+              </a:xfrm>
+              <a:prstGeom prst="rect">
+                <a:avLst/>
+              </a:prstGeom>
+              <a:noFill/>
+            </p:spPr>
+            <p:txBody>
+              <a:bodyPr wrap="square" rtlCol="0">
+                <a:spAutoFit/>
+              </a:bodyPr>
+              <a:lstStyle/>
+              <a:p>
+                <a:pPr algn="ctr"/>
+                <a:r>
+                  <a:rPr lang="en-US" sz="1800" dirty="0" smtClean="0">
+                    <a:latin typeface="Times New Roman"/>
+                    <a:cs typeface="Times New Roman"/>
+                  </a:rPr>
+                  <a:t>Mean corpuscular hemoglobin</a:t>
+                </a:r>
+                <a:endParaRPr lang="en-US" sz="1800" dirty="0">
+                  <a:latin typeface="Times New Roman"/>
+                  <a:cs typeface="Times New Roman"/>
+                </a:endParaRPr>
+              </a:p>
+            </p:txBody>
+          </p:sp>
+        </p:grpSp>
+        <p:cxnSp>
+          <p:nvCxnSpPr>
+            <p:cNvPr id="108" name="Straight Arrow Connector 107"/>
+            <p:cNvCxnSpPr>
+              <a:stCxn id="95" idx="5"/>
+            </p:cNvCxnSpPr>
+            <p:nvPr/>
+          </p:nvCxnSpPr>
+          <p:spPr>
+            <a:xfrm>
+              <a:off x="14964513" y="14943642"/>
+              <a:ext cx="464977" cy="563049"/>
+            </a:xfrm>
+            <a:prstGeom prst="straightConnector1">
+              <a:avLst/>
+            </a:prstGeom>
+            <a:ln>
+              <a:solidFill>
+                <a:schemeClr val="tx1"/>
+              </a:solidFill>
+              <a:tailEnd type="arrow"/>
+            </a:ln>
+          </p:spPr>
+          <p:style>
+            <a:lnRef idx="2">
+              <a:schemeClr val="accent1"/>
+            </a:lnRef>
+            <a:fillRef idx="0">
+              <a:schemeClr val="accent1"/>
+            </a:fillRef>
+            <a:effectRef idx="1">
+              <a:schemeClr val="accent1"/>
+            </a:effectRef>
+            <a:fontRef idx="minor">
+              <a:schemeClr val="tx1"/>
+            </a:fontRef>
+          </p:style>
+        </p:cxnSp>
+        <p:cxnSp>
+          <p:nvCxnSpPr>
+            <p:cNvPr id="117" name="Straight Arrow Connector 116"/>
+            <p:cNvCxnSpPr/>
+            <p:nvPr/>
+          </p:nvCxnSpPr>
+          <p:spPr>
+            <a:xfrm flipV="1">
+              <a:off x="15809298" y="15033744"/>
+              <a:ext cx="0" cy="267192"/>
+            </a:xfrm>
+            <a:prstGeom prst="straightConnector1">
+              <a:avLst/>
+            </a:prstGeom>
+            <a:ln>
+              <a:solidFill>
+                <a:schemeClr val="tx1"/>
+              </a:solidFill>
+              <a:headEnd type="arrow"/>
+              <a:tailEnd type="arrow"/>
+            </a:ln>
+          </p:spPr>
+          <p:style>
+            <a:lnRef idx="2">
+              <a:schemeClr val="accent1"/>
+            </a:lnRef>
+            <a:fillRef idx="0">
+              <a:schemeClr val="accent1"/>
+            </a:fillRef>
+            <a:effectRef idx="1">
+              <a:schemeClr val="accent1"/>
+            </a:effectRef>
+            <a:fontRef idx="minor">
+              <a:schemeClr val="tx1"/>
+            </a:fontRef>
+          </p:style>
+        </p:cxnSp>
+        <p:sp>
+          <p:nvSpPr>
+            <p:cNvPr id="122" name="TextBox 121"/>
+            <p:cNvSpPr txBox="1"/>
+            <p:nvPr/>
+          </p:nvSpPr>
+          <p:spPr>
+            <a:xfrm>
+              <a:off x="14884531" y="15120519"/>
+              <a:ext cx="344934" cy="279506"/>
+            </a:xfrm>
+            <a:prstGeom prst="rect">
+              <a:avLst/>
+            </a:prstGeom>
+            <a:noFill/>
+          </p:spPr>
+          <p:txBody>
+            <a:bodyPr wrap="square" rtlCol="0">
+              <a:spAutoFit/>
+            </a:bodyPr>
+            <a:lstStyle/>
+            <a:p>
+              <a:r>
+                <a:rPr lang="en-US" sz="1800" b="1" dirty="0" smtClean="0">
+                  <a:latin typeface="Times New Roman"/>
+                  <a:cs typeface="Times New Roman"/>
+                </a:rPr>
+                <a:t>?</a:t>
+              </a:r>
+              <a:endParaRPr lang="en-US" sz="1800" b="1" dirty="0">
+                <a:latin typeface="Times New Roman"/>
+                <a:cs typeface="Times New Roman"/>
+              </a:endParaRPr>
+            </a:p>
+          </p:txBody>
+        </p:sp>
+        <p:sp>
+          <p:nvSpPr>
+            <p:cNvPr id="123" name="TextBox 122"/>
+            <p:cNvSpPr txBox="1"/>
+            <p:nvPr/>
+          </p:nvSpPr>
+          <p:spPr>
+            <a:xfrm>
+              <a:off x="15832159" y="15021142"/>
+              <a:ext cx="344934" cy="279506"/>
+            </a:xfrm>
+            <a:prstGeom prst="rect">
+              <a:avLst/>
+            </a:prstGeom>
+            <a:noFill/>
+          </p:spPr>
+          <p:txBody>
+            <a:bodyPr wrap="square" rtlCol="0">
+              <a:spAutoFit/>
+            </a:bodyPr>
+            <a:lstStyle/>
+            <a:p>
+              <a:r>
+                <a:rPr lang="en-US" sz="1800" b="1" dirty="0" smtClean="0">
+                  <a:latin typeface="Times New Roman"/>
+                  <a:cs typeface="Times New Roman"/>
+                </a:rPr>
+                <a:t>?</a:t>
+              </a:r>
+              <a:endParaRPr lang="en-US" sz="1800" b="1" dirty="0">
+                <a:latin typeface="Times New Roman"/>
+                <a:cs typeface="Times New Roman"/>
+              </a:endParaRPr>
+            </a:p>
+          </p:txBody>
+        </p:sp>
+        <p:sp>
+          <p:nvSpPr>
+            <p:cNvPr id="125" name="TextBox 124"/>
+            <p:cNvSpPr txBox="1"/>
+            <p:nvPr/>
+          </p:nvSpPr>
+          <p:spPr>
+            <a:xfrm>
+              <a:off x="15103314" y="14371304"/>
+              <a:ext cx="344934" cy="279506"/>
+            </a:xfrm>
+            <a:prstGeom prst="rect">
+              <a:avLst/>
+            </a:prstGeom>
+            <a:noFill/>
+          </p:spPr>
+          <p:txBody>
+            <a:bodyPr wrap="square" rtlCol="0">
+              <a:spAutoFit/>
+            </a:bodyPr>
+            <a:lstStyle/>
+            <a:p>
+              <a:r>
+                <a:rPr lang="en-US" sz="1800" b="1" dirty="0" smtClean="0">
+                  <a:latin typeface="Times New Roman"/>
+                  <a:cs typeface="Times New Roman"/>
+                </a:rPr>
+                <a:t>?</a:t>
+              </a:r>
+              <a:endParaRPr lang="en-US" sz="1800" b="1" dirty="0">
+                <a:latin typeface="Times New Roman"/>
+                <a:cs typeface="Times New Roman"/>
+              </a:endParaRPr>
+            </a:p>
+          </p:txBody>
+        </p:sp>
+      </p:grpSp>
+      <p:grpSp>
+        <p:nvGrpSpPr>
+          <p:cNvPr id="139" name="Group 138"/>
+          <p:cNvGrpSpPr/>
+          <p:nvPr/>
+        </p:nvGrpSpPr>
+        <p:grpSpPr>
+          <a:xfrm>
+            <a:off x="14201367" y="15111135"/>
+            <a:ext cx="4497332" cy="1409754"/>
+            <a:chOff x="13988751" y="15397372"/>
+            <a:chExt cx="4497332" cy="1409754"/>
+          </a:xfrm>
+        </p:grpSpPr>
+        <p:sp>
+          <p:nvSpPr>
+            <p:cNvPr id="129" name="Oval 128"/>
+            <p:cNvSpPr/>
+            <p:nvPr/>
+          </p:nvSpPr>
+          <p:spPr>
+            <a:xfrm>
+              <a:off x="13988751" y="15397372"/>
+              <a:ext cx="1019558" cy="980264"/>
+            </a:xfrm>
+            <a:prstGeom prst="ellipse">
+              <a:avLst/>
+            </a:prstGeom>
+            <a:solidFill>
+              <a:srgbClr val="FFFFFF"/>
+            </a:solidFill>
+            <a:ln>
+              <a:solidFill>
+                <a:schemeClr val="tx1"/>
+              </a:solidFill>
+            </a:ln>
+          </p:spPr>
+          <p:style>
+            <a:lnRef idx="1">
+              <a:schemeClr val="accent1"/>
+            </a:lnRef>
+            <a:fillRef idx="3">
+              <a:schemeClr val="accent1"/>
+            </a:fillRef>
+            <a:effectRef idx="2">
+              <a:schemeClr val="accent1"/>
+            </a:effectRef>
+            <a:fontRef idx="minor">
+              <a:schemeClr val="lt1"/>
+            </a:fontRef>
+          </p:style>
+          <p:txBody>
+            <a:bodyPr rtlCol="0" anchor="ctr"/>
+            <a:lstStyle/>
+            <a:p>
+              <a:pPr algn="ctr"/>
+              <a:endParaRPr lang="en-US"/>
+            </a:p>
+          </p:txBody>
+        </p:sp>
+        <p:sp>
+          <p:nvSpPr>
+            <p:cNvPr id="130" name="TextBox 129"/>
+            <p:cNvSpPr txBox="1"/>
+            <p:nvPr/>
+          </p:nvSpPr>
+          <p:spPr>
+            <a:xfrm>
+              <a:off x="14079131" y="15696758"/>
+              <a:ext cx="1170803" cy="377128"/>
+            </a:xfrm>
+            <a:prstGeom prst="rect">
+              <a:avLst/>
+            </a:prstGeom>
+            <a:noFill/>
+          </p:spPr>
+          <p:txBody>
+            <a:bodyPr wrap="square" rtlCol="0">
+              <a:spAutoFit/>
+            </a:bodyPr>
+            <a:lstStyle/>
+            <a:p>
+              <a:r>
+                <a:rPr lang="en-US" sz="1800" dirty="0" smtClean="0">
+                  <a:latin typeface="Times New Roman"/>
+                  <a:cs typeface="Times New Roman"/>
+                </a:rPr>
+                <a:t>3803_1</a:t>
+              </a:r>
+              <a:endParaRPr lang="en-US" sz="1800" dirty="0">
+                <a:latin typeface="Times New Roman"/>
+                <a:cs typeface="Times New Roman"/>
+              </a:endParaRPr>
+            </a:p>
+          </p:txBody>
+        </p:sp>
+        <p:cxnSp>
+          <p:nvCxnSpPr>
+            <p:cNvPr id="131" name="Straight Arrow Connector 130"/>
+            <p:cNvCxnSpPr/>
+            <p:nvPr/>
+          </p:nvCxnSpPr>
+          <p:spPr>
+            <a:xfrm>
+              <a:off x="15009683" y="15902926"/>
+              <a:ext cx="638478" cy="0"/>
+            </a:xfrm>
+            <a:prstGeom prst="straightConnector1">
+              <a:avLst/>
+            </a:prstGeom>
+            <a:ln>
+              <a:solidFill>
+                <a:schemeClr val="tx1"/>
+              </a:solidFill>
+              <a:tailEnd type="arrow"/>
+            </a:ln>
+          </p:spPr>
+          <p:style>
+            <a:lnRef idx="2">
+              <a:schemeClr val="accent1"/>
+            </a:lnRef>
+            <a:fillRef idx="0">
+              <a:schemeClr val="accent1"/>
+            </a:fillRef>
+            <a:effectRef idx="1">
+              <a:schemeClr val="accent1"/>
+            </a:effectRef>
+            <a:fontRef idx="minor">
+              <a:schemeClr val="tx1"/>
+            </a:fontRef>
+          </p:style>
+        </p:cxnSp>
+        <p:sp>
+          <p:nvSpPr>
+            <p:cNvPr id="132" name="Oval 131"/>
+            <p:cNvSpPr/>
+            <p:nvPr/>
+          </p:nvSpPr>
+          <p:spPr>
+            <a:xfrm>
+              <a:off x="15649592" y="15409273"/>
+              <a:ext cx="976886" cy="980264"/>
+            </a:xfrm>
+            <a:prstGeom prst="ellipse">
+              <a:avLst/>
+            </a:prstGeom>
+            <a:solidFill>
+              <a:srgbClr val="FFFFFF"/>
+            </a:solidFill>
+            <a:ln w="28575" cmpd="sng">
+              <a:solidFill>
+                <a:srgbClr val="045C0E"/>
+              </a:solidFill>
+            </a:ln>
+          </p:spPr>
+          <p:style>
+            <a:lnRef idx="1">
+              <a:schemeClr val="accent1"/>
+            </a:lnRef>
+            <a:fillRef idx="3">
+              <a:schemeClr val="accent1"/>
+            </a:fillRef>
+            <a:effectRef idx="2">
+              <a:schemeClr val="accent1"/>
+            </a:effectRef>
+            <a:fontRef idx="minor">
+              <a:schemeClr val="lt1"/>
+            </a:fontRef>
+          </p:style>
+          <p:txBody>
+            <a:bodyPr rtlCol="0" anchor="ctr"/>
+            <a:lstStyle/>
+            <a:p>
+              <a:pPr algn="ctr"/>
+              <a:endParaRPr lang="en-US"/>
+            </a:p>
+          </p:txBody>
+        </p:sp>
+        <p:sp>
+          <p:nvSpPr>
+            <p:cNvPr id="133" name="TextBox 132"/>
+            <p:cNvSpPr txBox="1"/>
+            <p:nvPr/>
+          </p:nvSpPr>
+          <p:spPr>
+            <a:xfrm>
+              <a:off x="15434093" y="15604107"/>
+              <a:ext cx="1420619" cy="646332"/>
+            </a:xfrm>
+            <a:prstGeom prst="rect">
+              <a:avLst/>
+            </a:prstGeom>
+            <a:noFill/>
+          </p:spPr>
+          <p:txBody>
+            <a:bodyPr wrap="square" rtlCol="0">
+              <a:spAutoFit/>
+            </a:bodyPr>
+            <a:lstStyle/>
+            <a:p>
+              <a:pPr algn="ctr"/>
+              <a:r>
+                <a:rPr lang="en-US" sz="1800" dirty="0" smtClean="0">
+                  <a:latin typeface="Times New Roman"/>
+                  <a:cs typeface="Times New Roman"/>
+                </a:rPr>
+                <a:t>Platelet</a:t>
+              </a:r>
+            </a:p>
+            <a:p>
+              <a:pPr algn="ctr"/>
+              <a:r>
+                <a:rPr lang="en-US" sz="1800" dirty="0" smtClean="0">
+                  <a:latin typeface="Times New Roman"/>
+                  <a:cs typeface="Times New Roman"/>
+                </a:rPr>
+                <a:t>count</a:t>
+              </a:r>
+              <a:endParaRPr lang="en-US" sz="1800" dirty="0">
+                <a:latin typeface="Times New Roman"/>
+                <a:cs typeface="Times New Roman"/>
+              </a:endParaRPr>
+            </a:p>
+          </p:txBody>
+        </p:sp>
+        <p:sp>
+          <p:nvSpPr>
+            <p:cNvPr id="134" name="Oval 133"/>
+            <p:cNvSpPr/>
+            <p:nvPr/>
+          </p:nvSpPr>
+          <p:spPr>
+            <a:xfrm>
+              <a:off x="17260379" y="15409273"/>
+              <a:ext cx="998978" cy="1008000"/>
+            </a:xfrm>
+            <a:prstGeom prst="ellipse">
+              <a:avLst/>
+            </a:prstGeom>
+            <a:solidFill>
+              <a:srgbClr val="FFFFFF"/>
+            </a:solidFill>
+            <a:ln w="28575" cmpd="sng">
+              <a:solidFill>
+                <a:schemeClr val="accent5">
+                  <a:lumMod val="75000"/>
+                </a:schemeClr>
+              </a:solidFill>
+            </a:ln>
+          </p:spPr>
+          <p:style>
+            <a:lnRef idx="1">
+              <a:schemeClr val="accent1"/>
+            </a:lnRef>
+            <a:fillRef idx="3">
+              <a:schemeClr val="accent1"/>
+            </a:fillRef>
+            <a:effectRef idx="2">
+              <a:schemeClr val="accent1"/>
+            </a:effectRef>
+            <a:fontRef idx="minor">
+              <a:schemeClr val="lt1"/>
+            </a:fontRef>
+          </p:style>
+          <p:txBody>
+            <a:bodyPr rtlCol="0" anchor="ctr"/>
+            <a:lstStyle/>
+            <a:p>
+              <a:pPr algn="ctr"/>
+              <a:endParaRPr lang="en-US"/>
+            </a:p>
+          </p:txBody>
+        </p:sp>
+        <p:sp>
+          <p:nvSpPr>
+            <p:cNvPr id="135" name="TextBox 134"/>
+            <p:cNvSpPr txBox="1"/>
+            <p:nvPr/>
+          </p:nvSpPr>
+          <p:spPr>
+            <a:xfrm>
+              <a:off x="17033337" y="15575483"/>
+              <a:ext cx="1452746" cy="1231643"/>
+            </a:xfrm>
+            <a:prstGeom prst="rect">
+              <a:avLst/>
+            </a:prstGeom>
+            <a:noFill/>
+          </p:spPr>
+          <p:txBody>
+            <a:bodyPr wrap="square" rtlCol="0">
+              <a:spAutoFit/>
+            </a:bodyPr>
+            <a:lstStyle/>
+            <a:p>
+              <a:pPr algn="ctr"/>
+              <a:r>
+                <a:rPr lang="en-US" sz="1800" dirty="0" smtClean="0">
+                  <a:latin typeface="Times New Roman"/>
+                  <a:cs typeface="Times New Roman"/>
+                </a:rPr>
+                <a:t>All WBC </a:t>
+              </a:r>
+            </a:p>
+            <a:p>
+              <a:pPr algn="ctr"/>
+              <a:r>
+                <a:rPr lang="en-US" sz="1800" dirty="0" smtClean="0">
+                  <a:latin typeface="Times New Roman"/>
+                  <a:cs typeface="Times New Roman"/>
+                </a:rPr>
+                <a:t>types</a:t>
+              </a:r>
+              <a:endParaRPr lang="en-US" sz="1800" dirty="0">
+                <a:latin typeface="Times New Roman"/>
+                <a:cs typeface="Times New Roman"/>
+              </a:endParaRPr>
+            </a:p>
+          </p:txBody>
+        </p:sp>
+        <p:cxnSp>
+          <p:nvCxnSpPr>
+            <p:cNvPr id="136" name="Straight Arrow Connector 135"/>
+            <p:cNvCxnSpPr/>
+            <p:nvPr/>
+          </p:nvCxnSpPr>
+          <p:spPr>
+            <a:xfrm>
+              <a:off x="16637091" y="15892138"/>
+              <a:ext cx="638478" cy="0"/>
+            </a:xfrm>
+            <a:prstGeom prst="straightConnector1">
+              <a:avLst/>
+            </a:prstGeom>
+            <a:ln>
+              <a:solidFill>
+                <a:schemeClr val="tx1"/>
+              </a:solidFill>
+              <a:tailEnd type="arrow"/>
+            </a:ln>
+          </p:spPr>
+          <p:style>
+            <a:lnRef idx="2">
+              <a:schemeClr val="accent1"/>
+            </a:lnRef>
+            <a:fillRef idx="0">
+              <a:schemeClr val="accent1"/>
+            </a:fillRef>
+            <a:effectRef idx="1">
+              <a:schemeClr val="accent1"/>
+            </a:effectRef>
+            <a:fontRef idx="minor">
+              <a:schemeClr val="tx1"/>
+            </a:fontRef>
+          </p:style>
+        </p:cxnSp>
+        <p:sp>
+          <p:nvSpPr>
+            <p:cNvPr id="137" name="TextBox 136"/>
+            <p:cNvSpPr txBox="1"/>
+            <p:nvPr/>
+          </p:nvSpPr>
+          <p:spPr>
+            <a:xfrm>
+              <a:off x="15118076" y="15493394"/>
+              <a:ext cx="433475" cy="369332"/>
+            </a:xfrm>
+            <a:prstGeom prst="rect">
+              <a:avLst/>
+            </a:prstGeom>
+            <a:noFill/>
+          </p:spPr>
+          <p:txBody>
+            <a:bodyPr wrap="square" rtlCol="0">
+              <a:spAutoFit/>
+            </a:bodyPr>
+            <a:lstStyle/>
+            <a:p>
+              <a:r>
+                <a:rPr lang="en-US" sz="1800" b="1" dirty="0" smtClean="0">
+                  <a:latin typeface="Times New Roman"/>
+                  <a:cs typeface="Times New Roman"/>
+                </a:rPr>
+                <a:t>?</a:t>
+              </a:r>
+              <a:endParaRPr lang="en-US" sz="1800" b="1" dirty="0">
+                <a:latin typeface="Times New Roman"/>
+                <a:cs typeface="Times New Roman"/>
+              </a:endParaRPr>
+            </a:p>
+          </p:txBody>
+        </p:sp>
+        <p:sp>
+          <p:nvSpPr>
+            <p:cNvPr id="138" name="TextBox 137"/>
+            <p:cNvSpPr txBox="1"/>
+            <p:nvPr/>
+          </p:nvSpPr>
+          <p:spPr>
+            <a:xfrm>
+              <a:off x="16774820" y="15491934"/>
+              <a:ext cx="433475" cy="369332"/>
+            </a:xfrm>
+            <a:prstGeom prst="rect">
+              <a:avLst/>
+            </a:prstGeom>
+            <a:noFill/>
+          </p:spPr>
+          <p:txBody>
+            <a:bodyPr wrap="square" rtlCol="0">
+              <a:spAutoFit/>
+            </a:bodyPr>
+            <a:lstStyle/>
+            <a:p>
+              <a:r>
+                <a:rPr lang="en-US" sz="1800" b="1" dirty="0" smtClean="0">
+                  <a:latin typeface="Times New Roman"/>
+                  <a:cs typeface="Times New Roman"/>
+                </a:rPr>
+                <a:t>?</a:t>
+              </a:r>
+              <a:endParaRPr lang="en-US" sz="1800" b="1" dirty="0">
+                <a:latin typeface="Times New Roman"/>
+                <a:cs typeface="Times New Roman"/>
+              </a:endParaRPr>
+            </a:p>
+          </p:txBody>
+        </p:sp>
+      </p:grpSp>
+      <p:sp>
+        <p:nvSpPr>
+          <p:cNvPr id="140" name="TextBox 139"/>
+          <p:cNvSpPr txBox="1"/>
+          <p:nvPr/>
+        </p:nvSpPr>
+        <p:spPr>
+          <a:xfrm>
+            <a:off x="6463600" y="8949387"/>
+            <a:ext cx="7177159" cy="276999"/>
+          </a:xfrm>
+          <a:prstGeom prst="rect">
+            <a:avLst/>
+          </a:prstGeom>
+          <a:noFill/>
+        </p:spPr>
+        <p:txBody>
+          <a:bodyPr wrap="square" rtlCol="0">
+            <a:spAutoFit/>
+          </a:bodyPr>
+          <a:lstStyle/>
+          <a:p>
+            <a:r>
+              <a:rPr lang="en-US" sz="1200" b="1" dirty="0" smtClean="0">
+                <a:latin typeface="Times New Roman"/>
+                <a:cs typeface="Times New Roman"/>
+              </a:rPr>
+              <a:t>Table 1. </a:t>
+            </a:r>
+            <a:r>
+              <a:rPr lang="en-US" sz="1200" dirty="0" smtClean="0">
+                <a:latin typeface="Times New Roman"/>
+                <a:cs typeface="Times New Roman"/>
+              </a:rPr>
+              <a:t>Knockout-phenotypes significant causal relationships</a:t>
+            </a:r>
+            <a:endParaRPr lang="en-US" sz="1200" dirty="0">
+              <a:latin typeface="Times New Roman"/>
+              <a:cs typeface="Times New Roman"/>
+            </a:endParaRPr>
+          </a:p>
+        </p:txBody>
+      </p:sp>
+      <p:sp>
+        <p:nvSpPr>
+          <p:cNvPr id="141" name="TextBox 140"/>
+          <p:cNvSpPr txBox="1"/>
+          <p:nvPr/>
+        </p:nvSpPr>
+        <p:spPr>
+          <a:xfrm>
+            <a:off x="14866683" y="9001569"/>
+            <a:ext cx="5530840" cy="276999"/>
+          </a:xfrm>
+          <a:prstGeom prst="rect">
+            <a:avLst/>
+          </a:prstGeom>
+          <a:noFill/>
+        </p:spPr>
+        <p:txBody>
+          <a:bodyPr wrap="square" rtlCol="0">
+            <a:spAutoFit/>
+          </a:bodyPr>
+          <a:lstStyle/>
+          <a:p>
+            <a:r>
+              <a:rPr lang="en-US" sz="1200" b="1" dirty="0" smtClean="0">
+                <a:latin typeface="Times New Roman"/>
+                <a:cs typeface="Times New Roman"/>
+              </a:rPr>
+              <a:t>Table 2.</a:t>
+            </a:r>
+            <a:r>
+              <a:rPr lang="en-US" sz="1200" dirty="0" smtClean="0">
+                <a:latin typeface="Times New Roman"/>
+                <a:cs typeface="Times New Roman"/>
+              </a:rPr>
+              <a:t> Knockout-phenotypes significant causal relationships for knockout 3803_1</a:t>
+            </a:r>
+            <a:endParaRPr lang="en-US" sz="1200" dirty="0">
+              <a:latin typeface="Times New Roman"/>
+              <a:cs typeface="Times New Roman"/>
+            </a:endParaRPr>
+          </a:p>
+        </p:txBody>
+      </p:sp>
+      <p:sp>
+        <p:nvSpPr>
+          <p:cNvPr id="143" name="TextBox 142"/>
+          <p:cNvSpPr txBox="1"/>
+          <p:nvPr/>
+        </p:nvSpPr>
+        <p:spPr>
+          <a:xfrm>
+            <a:off x="6649419" y="7739468"/>
+            <a:ext cx="7177159" cy="276999"/>
+          </a:xfrm>
+          <a:prstGeom prst="rect">
+            <a:avLst/>
+          </a:prstGeom>
+          <a:noFill/>
+        </p:spPr>
+        <p:txBody>
+          <a:bodyPr wrap="square" rtlCol="0">
+            <a:spAutoFit/>
+          </a:bodyPr>
+          <a:lstStyle/>
+          <a:p>
+            <a:r>
+              <a:rPr lang="en-US" sz="1200" b="1" dirty="0" smtClean="0">
+                <a:latin typeface="Times New Roman"/>
+                <a:cs typeface="Times New Roman"/>
+              </a:rPr>
+              <a:t>Figure 1. </a:t>
+            </a:r>
+            <a:r>
+              <a:rPr lang="en-US" sz="1200" dirty="0" smtClean="0">
+                <a:latin typeface="Times New Roman"/>
+                <a:cs typeface="Times New Roman"/>
+              </a:rPr>
+              <a:t>Simulation results </a:t>
+            </a:r>
+            <a:endParaRPr lang="en-US" sz="1200" dirty="0">
+              <a:latin typeface="Times New Roman"/>
+              <a:cs typeface="Times New Roman"/>
+            </a:endParaRPr>
+          </a:p>
+        </p:txBody>
+      </p:sp>
+      <p:sp>
+        <p:nvSpPr>
+          <p:cNvPr id="144" name="TextBox 143"/>
+          <p:cNvSpPr txBox="1"/>
+          <p:nvPr/>
+        </p:nvSpPr>
+        <p:spPr>
+          <a:xfrm>
+            <a:off x="13960510" y="7722758"/>
+            <a:ext cx="7177159" cy="461665"/>
+          </a:xfrm>
+          <a:prstGeom prst="rect">
+            <a:avLst/>
+          </a:prstGeom>
+          <a:noFill/>
+        </p:spPr>
+        <p:txBody>
+          <a:bodyPr wrap="square" rtlCol="0">
+            <a:spAutoFit/>
+          </a:bodyPr>
+          <a:lstStyle/>
+          <a:p>
+            <a:r>
+              <a:rPr lang="en-US" sz="1200" b="1" dirty="0" smtClean="0">
+                <a:latin typeface="Times New Roman"/>
+                <a:cs typeface="Times New Roman"/>
+              </a:rPr>
+              <a:t>Figure 2. </a:t>
+            </a:r>
+            <a:r>
+              <a:rPr lang="en-US" sz="1200" dirty="0" smtClean="0">
+                <a:latin typeface="Times New Roman"/>
+                <a:cs typeface="Times New Roman"/>
+              </a:rPr>
+              <a:t>Boxplots of Neutrophil differential count by knockout condition. The boxplots colored in green correspond to observed data. The boxplot colored in blue correspond to predicted data.</a:t>
+            </a:r>
+            <a:endParaRPr lang="en-US" sz="1200" dirty="0">
+              <a:latin typeface="Times New Roman"/>
+              <a:cs typeface="Times New Roman"/>
+            </a:endParaRPr>
+          </a:p>
+        </p:txBody>
+      </p:sp>
     </p:spTree>
     <p:extLst>
       <p:ext uri="{BB962C8B-B14F-4D97-AF65-F5344CB8AC3E}">

--- a/Poster.pptx
+++ b/Poster.pptx
@@ -111,15 +111,6 @@
 <p:cmAuthorLst xmlns:a="http://schemas.openxmlformats.org/drawingml/2006/main" xmlns:r="http://schemas.openxmlformats.org/officeDocument/2006/relationships" xmlns:p="http://schemas.openxmlformats.org/presentationml/2006/main">
   <p:cmAuthor id="0" name="Gabrielle" initials="" lastIdx="2" clrIdx="0"/>
 </p:cmAuthorLst>
-</file>
-
-<file path=ppt/comments/comment1.xml><?xml version="1.0" encoding="utf-8"?>
-<p:cmLst xmlns:a="http://schemas.openxmlformats.org/drawingml/2006/main" xmlns:r="http://schemas.openxmlformats.org/officeDocument/2006/relationships" xmlns:p="http://schemas.openxmlformats.org/presentationml/2006/main">
-  <p:cm authorId="0" dt="2016-07-22T13:48:49.194" idx="2">
-    <p:pos x="6923" y="7684"/>
-    <p:text>We can sort the phenotypes by color to make it more pretty.</p:text>
-  </p:cm>
-</p:cmLst>
 </file>
 
 <file path=ppt/slideLayouts/slideLayout1.xml><?xml version="1.0" encoding="utf-8"?>
@@ -3382,7 +3373,7 @@
                 <a:latin typeface="Times New Roman"/>
                 <a:cs typeface="Times New Roman"/>
               </a:rPr>
-              <a:t>TITLE</a:t>
+              <a:t>TITLE – LUDMER logo??</a:t>
             </a:r>
             <a:endParaRPr lang="en-US" sz="4800" b="1" dirty="0">
               <a:solidFill>
@@ -3475,7 +3466,7 @@
         <p:spPr>
           <a:xfrm>
             <a:off x="0" y="2218721"/>
-            <a:ext cx="26852613" cy="523220"/>
+            <a:ext cx="26852613" cy="400110"/>
           </a:xfrm>
           <a:prstGeom prst="rect">
             <a:avLst/>
@@ -3490,41 +3481,41 @@
           <a:p>
             <a:pPr algn="ctr"/>
             <a:r>
-              <a:rPr lang="en-US" sz="2800" baseline="30000" dirty="0" smtClean="0">
+              <a:rPr lang="en-US" sz="2000" baseline="30000" dirty="0" smtClean="0">
                 <a:latin typeface="Times New Roman"/>
                 <a:cs typeface="Times New Roman"/>
               </a:rPr>
               <a:t>1 </a:t>
             </a:r>
             <a:r>
-              <a:rPr lang="en-US" sz="2800" dirty="0" smtClean="0">
+              <a:rPr lang="en-US" sz="2000" dirty="0" smtClean="0">
                 <a:latin typeface="Times New Roman"/>
                 <a:cs typeface="Times New Roman"/>
               </a:rPr>
               <a:t>Department of Epidemiology, Biostatistics and Occupational Health, McGill University </a:t>
             </a:r>
             <a:r>
-              <a:rPr lang="en-US" sz="2800" baseline="30000" dirty="0" smtClean="0">
+              <a:rPr lang="en-US" sz="2000" baseline="30000" dirty="0" smtClean="0">
                 <a:latin typeface="Times New Roman"/>
                 <a:cs typeface="Times New Roman"/>
               </a:rPr>
               <a:t>2 </a:t>
             </a:r>
             <a:r>
-              <a:rPr lang="en-US" sz="2800" dirty="0">
+              <a:rPr lang="en-US" sz="2000" dirty="0">
                 <a:latin typeface="Times New Roman"/>
                 <a:cs typeface="Times New Roman"/>
               </a:rPr>
               <a:t>Lady Davis Institute for Medical Research, Jewish General </a:t>
             </a:r>
             <a:r>
-              <a:rPr lang="en-US" sz="2800" dirty="0" smtClean="0">
+              <a:rPr lang="en-US" sz="2000" dirty="0" smtClean="0">
                 <a:latin typeface="Times New Roman"/>
                 <a:cs typeface="Times New Roman"/>
               </a:rPr>
               <a:t>Hospital</a:t>
             </a:r>
-            <a:endParaRPr lang="en-US" sz="2800" dirty="0">
+            <a:endParaRPr lang="en-US" sz="2000" dirty="0">
               <a:latin typeface="Times New Roman"/>
               <a:cs typeface="Times New Roman"/>
             </a:endParaRPr>
@@ -3753,7 +3744,7 @@
         <p:spPr>
           <a:xfrm>
             <a:off x="258398" y="3151886"/>
-            <a:ext cx="5688751" cy="523220"/>
+            <a:ext cx="5688751" cy="461665"/>
           </a:xfrm>
           <a:prstGeom prst="rect">
             <a:avLst/>
@@ -3768,13 +3759,13 @@
           <a:p>
             <a:pPr algn="ctr"/>
             <a:r>
-              <a:rPr lang="en-US" sz="2800" b="1" dirty="0" smtClean="0">
+              <a:rPr lang="en-US" sz="2400" b="1" dirty="0" smtClean="0">
                 <a:latin typeface="Times New Roman"/>
                 <a:cs typeface="Times New Roman"/>
               </a:rPr>
               <a:t>Background</a:t>
             </a:r>
-            <a:endParaRPr lang="en-US" sz="2800" b="1" dirty="0">
+            <a:endParaRPr lang="en-US" sz="2400" b="1" dirty="0">
               <a:latin typeface="Times New Roman"/>
               <a:cs typeface="Times New Roman"/>
             </a:endParaRPr>
@@ -3789,8 +3780,8 @@
         </p:nvSpPr>
         <p:spPr>
           <a:xfrm>
-            <a:off x="270941" y="8636210"/>
-            <a:ext cx="5662995" cy="523220"/>
+            <a:off x="270941" y="7446638"/>
+            <a:ext cx="5662995" cy="461665"/>
           </a:xfrm>
           <a:prstGeom prst="rect">
             <a:avLst/>
@@ -3805,7 +3796,7 @@
           <a:p>
             <a:pPr algn="ctr"/>
             <a:r>
-              <a:rPr lang="en-US" sz="2800" b="1" dirty="0" smtClean="0">
+              <a:rPr lang="en-US" sz="2400" b="1" dirty="0" smtClean="0">
                 <a:solidFill>
                   <a:srgbClr val="000000"/>
                 </a:solidFill>
@@ -3814,7 +3805,7 @@
               </a:rPr>
               <a:t>Objective</a:t>
             </a:r>
-            <a:endParaRPr lang="en-US" sz="2800" b="1" dirty="0">
+            <a:endParaRPr lang="en-US" sz="2400" b="1" dirty="0">
               <a:solidFill>
                 <a:srgbClr val="000000"/>
               </a:solidFill>
@@ -3833,7 +3824,7 @@
         <p:spPr>
           <a:xfrm>
             <a:off x="6981031" y="3178026"/>
-            <a:ext cx="13481553" cy="523220"/>
+            <a:ext cx="13481553" cy="461665"/>
           </a:xfrm>
           <a:prstGeom prst="rect">
             <a:avLst/>
@@ -3848,7 +3839,7 @@
           <a:p>
             <a:pPr algn="ctr"/>
             <a:r>
-              <a:rPr lang="en-US" sz="2800" b="1" dirty="0" smtClean="0">
+              <a:rPr lang="en-US" sz="2400" b="1" dirty="0" smtClean="0">
                 <a:solidFill>
                   <a:srgbClr val="FFFFFF"/>
                 </a:solidFill>
@@ -3857,7 +3848,7 @@
               </a:rPr>
               <a:t>Results</a:t>
             </a:r>
-            <a:endParaRPr lang="en-US" sz="2800" b="1" dirty="0">
+            <a:endParaRPr lang="en-US" sz="2400" b="1" dirty="0">
               <a:solidFill>
                 <a:srgbClr val="FFFFFF"/>
               </a:solidFill>
@@ -3876,7 +3867,7 @@
         <p:spPr>
           <a:xfrm>
             <a:off x="21473798" y="8886853"/>
-            <a:ext cx="5724000" cy="523220"/>
+            <a:ext cx="5724000" cy="461665"/>
           </a:xfrm>
           <a:prstGeom prst="rect">
             <a:avLst/>
@@ -3891,13 +3882,13 @@
           <a:p>
             <a:pPr algn="ctr"/>
             <a:r>
-              <a:rPr lang="en-US" sz="2800" b="1" dirty="0" smtClean="0">
+              <a:rPr lang="en-US" sz="2400" b="1" dirty="0" smtClean="0">
                 <a:latin typeface="Times New Roman"/>
                 <a:cs typeface="Times New Roman"/>
               </a:rPr>
               <a:t>Conclusion</a:t>
             </a:r>
-            <a:endParaRPr lang="en-US" sz="2800" b="1" dirty="0">
+            <a:endParaRPr lang="en-US" sz="2400" b="1" dirty="0">
               <a:latin typeface="Times New Roman"/>
               <a:cs typeface="Times New Roman"/>
             </a:endParaRPr>
@@ -3912,8 +3903,8 @@
         </p:nvSpPr>
         <p:spPr>
           <a:xfrm>
-            <a:off x="21504772" y="11154218"/>
-            <a:ext cx="5693024" cy="523220"/>
+            <a:off x="21504772" y="13955555"/>
+            <a:ext cx="5693024" cy="461665"/>
           </a:xfrm>
           <a:prstGeom prst="rect">
             <a:avLst/>
@@ -3928,13 +3919,13 @@
           <a:p>
             <a:pPr algn="ctr"/>
             <a:r>
-              <a:rPr lang="en-US" sz="2800" b="1" dirty="0" smtClean="0">
+              <a:rPr lang="en-US" sz="2400" b="1" dirty="0" smtClean="0">
                 <a:latin typeface="Times New Roman"/>
                 <a:cs typeface="Times New Roman"/>
               </a:rPr>
               <a:t>References</a:t>
             </a:r>
-            <a:endParaRPr lang="en-US" sz="2800" b="1" dirty="0">
+            <a:endParaRPr lang="en-US" sz="2400" b="1" dirty="0">
               <a:latin typeface="Times New Roman"/>
               <a:cs typeface="Times New Roman"/>
             </a:endParaRPr>
@@ -3949,8 +3940,8 @@
         </p:nvSpPr>
         <p:spPr>
           <a:xfrm>
-            <a:off x="258398" y="9991485"/>
-            <a:ext cx="5675538" cy="528617"/>
+            <a:off x="258398" y="9582491"/>
+            <a:ext cx="5675538" cy="461665"/>
           </a:xfrm>
           <a:prstGeom prst="rect">
             <a:avLst/>
@@ -3965,7 +3956,7 @@
           <a:p>
             <a:pPr algn="ctr"/>
             <a:r>
-              <a:rPr lang="en-US" sz="2800" b="1" dirty="0" smtClean="0">
+              <a:rPr lang="en-US" sz="2400" b="1" dirty="0" smtClean="0">
                 <a:solidFill>
                   <a:srgbClr val="000000"/>
                 </a:solidFill>
@@ -3974,7 +3965,7 @@
               </a:rPr>
               <a:t>Methods</a:t>
             </a:r>
-            <a:endParaRPr lang="en-US" sz="2800" b="1" dirty="0">
+            <a:endParaRPr lang="en-US" sz="2400" b="1" dirty="0">
               <a:solidFill>
                 <a:srgbClr val="000000"/>
               </a:solidFill>
@@ -4022,8 +4013,8 @@
         </p:nvSpPr>
         <p:spPr>
           <a:xfrm>
-            <a:off x="258399" y="3743884"/>
-            <a:ext cx="5675537" cy="4801315"/>
+            <a:off x="258399" y="3593202"/>
+            <a:ext cx="5675537" cy="3785652"/>
           </a:xfrm>
           <a:prstGeom prst="rect">
             <a:avLst/>
@@ -4041,21 +4032,21 @@
               <a:buChar char="•"/>
             </a:pPr>
             <a:r>
-              <a:rPr lang="en-US" sz="1800" dirty="0" smtClean="0">
+              <a:rPr lang="en-US" sz="1600" dirty="0" smtClean="0">
                 <a:latin typeface="Times New Roman"/>
                 <a:cs typeface="Times New Roman"/>
               </a:rPr>
               <a:t>The International Mouse Phenotype Consortium (IMPC) is an international collaboration aimed at discovering functional insight for every gene through the systematic </a:t>
             </a:r>
             <a:r>
-              <a:rPr lang="en-US" sz="1800" dirty="0" err="1" smtClean="0">
+              <a:rPr lang="en-US" sz="1600" dirty="0" err="1" smtClean="0">
                 <a:latin typeface="Times New Roman"/>
                 <a:cs typeface="Times New Roman"/>
               </a:rPr>
               <a:t>phenotyping</a:t>
             </a:r>
             <a:r>
-              <a:rPr lang="en-US" sz="1800" dirty="0" smtClean="0">
+              <a:rPr lang="en-US" sz="1600" dirty="0" smtClean="0">
                 <a:latin typeface="Times New Roman"/>
                 <a:cs typeface="Times New Roman"/>
               </a:rPr>
@@ -4068,7 +4059,7 @@
               <a:buChar char="•"/>
             </a:pPr>
             <a:r>
-              <a:rPr lang="en-US" sz="1800" dirty="0" smtClean="0">
+              <a:rPr lang="en-US" sz="1600" dirty="0" smtClean="0">
                 <a:latin typeface="Times New Roman"/>
                 <a:cs typeface="Times New Roman"/>
               </a:rPr>
@@ -4081,7 +4072,7 @@
               <a:buChar char="•"/>
             </a:pPr>
             <a:r>
-              <a:rPr lang="en-US" sz="1800" dirty="0" smtClean="0">
+              <a:rPr lang="en-US" sz="1600" dirty="0" smtClean="0">
                 <a:latin typeface="Times New Roman"/>
                 <a:cs typeface="Times New Roman"/>
               </a:rPr>
@@ -4094,7 +4085,7 @@
               <a:buChar char="•"/>
             </a:pPr>
             <a:r>
-              <a:rPr lang="en-US" sz="1800" dirty="0" smtClean="0">
+              <a:rPr lang="en-US" sz="1600" dirty="0" smtClean="0">
                 <a:latin typeface="Times New Roman"/>
                 <a:cs typeface="Times New Roman"/>
               </a:rPr>
@@ -4107,13 +4098,13 @@
               <a:buChar char="•"/>
             </a:pPr>
             <a:r>
-              <a:rPr lang="en-US" sz="1800" dirty="0" smtClean="0">
+              <a:rPr lang="en-US" sz="1600" dirty="0" smtClean="0">
                 <a:latin typeface="Times New Roman"/>
                 <a:cs typeface="Times New Roman"/>
               </a:rPr>
               <a:t>Missing data: 5 knockout conditions were randomly selected for which all observations from a randomly selected variable (different for each condition) were removed. The dataset comprises 67 missing values.</a:t>
             </a:r>
-            <a:endParaRPr lang="en-CA" sz="1800" dirty="0">
+            <a:endParaRPr lang="en-CA" sz="1600" dirty="0">
               <a:latin typeface="Times New Roman"/>
               <a:cs typeface="Times New Roman"/>
             </a:endParaRPr>
@@ -4128,8 +4119,8 @@
         </p:nvSpPr>
         <p:spPr>
           <a:xfrm>
-            <a:off x="258399" y="9159430"/>
-            <a:ext cx="5688750" cy="646331"/>
+            <a:off x="240254" y="7905121"/>
+            <a:ext cx="5688750" cy="1569660"/>
           </a:xfrm>
           <a:prstGeom prst="rect">
             <a:avLst/>
@@ -4142,38 +4133,49 @@
           </a:bodyPr>
           <a:lstStyle/>
           <a:p>
-            <a:pPr marL="342900" indent="-342900">
+            <a:pPr marL="342900" indent="-342900" algn="just">
               <a:buFont typeface="+mj-lt"/>
               <a:buAutoNum type="arabicPeriod"/>
             </a:pPr>
             <a:r>
-              <a:rPr lang="en-US" sz="1800" dirty="0" smtClean="0">
+              <a:rPr lang="en-US" sz="1600" dirty="0" smtClean="0">
                 <a:latin typeface="Times New Roman"/>
                 <a:cs typeface="Times New Roman"/>
               </a:rPr>
-              <a:t>To infer missing data.</a:t>
-            </a:r>
-          </a:p>
-          <a:p>
-            <a:pPr marL="342900" indent="-342900">
+              <a:t>To infer missing </a:t>
+            </a:r>
+            <a:r>
+              <a:rPr lang="en-US" sz="1600" dirty="0" smtClean="0">
+                <a:latin typeface="Times New Roman"/>
+                <a:cs typeface="Times New Roman"/>
+              </a:rPr>
+              <a:t>data from 5 phenotypic measurements: Red blood cell distribution width, Lymphocyte differential count, Basophil differential count, Neutrophil differential count, Monocyte	cell count.</a:t>
+            </a:r>
+            <a:endParaRPr lang="en-US" sz="1600" dirty="0" smtClean="0">
+              <a:latin typeface="Times New Roman"/>
+              <a:cs typeface="Times New Roman"/>
+            </a:endParaRPr>
+          </a:p>
+          <a:p>
+            <a:pPr marL="342900" indent="-342900" algn="just">
               <a:buFont typeface="+mj-lt"/>
               <a:buAutoNum type="arabicPeriod"/>
             </a:pPr>
             <a:r>
-              <a:rPr lang="en-US" sz="1800" dirty="0">
+              <a:rPr lang="en-US" sz="1600" dirty="0">
                 <a:latin typeface="Times New Roman"/>
                 <a:cs typeface="Times New Roman"/>
               </a:rPr>
-              <a:t>To produce a causal interpretation of the available data</a:t>
-            </a:r>
-            <a:r>
-              <a:rPr lang="en-US" sz="1800" dirty="0" smtClean="0">
+              <a:t>To produce a causal interpretation of the available </a:t>
+            </a:r>
+            <a:r>
+              <a:rPr lang="en-US" sz="1600" dirty="0" smtClean="0">
                 <a:latin typeface="Times New Roman"/>
                 <a:cs typeface="Times New Roman"/>
               </a:rPr>
-              <a:t>.</a:t>
-            </a:r>
-            <a:endParaRPr lang="en-US" sz="1800" dirty="0">
+              <a:t>data by taking advantage of the experimental perturbations.</a:t>
+            </a:r>
+            <a:endParaRPr lang="en-US" sz="1600" dirty="0">
               <a:latin typeface="Times New Roman"/>
               <a:cs typeface="Times New Roman"/>
             </a:endParaRPr>
@@ -4188,8 +4190,8 @@
         </p:nvSpPr>
         <p:spPr>
           <a:xfrm>
-            <a:off x="258399" y="10629839"/>
-            <a:ext cx="5675537" cy="2862323"/>
+            <a:off x="258399" y="10048637"/>
+            <a:ext cx="5675537" cy="3046988"/>
           </a:xfrm>
           <a:prstGeom prst="rect">
             <a:avLst/>
@@ -4202,22 +4204,44 @@
           </a:bodyPr>
           <a:lstStyle/>
           <a:p>
-            <a:r>
-              <a:rPr lang="en-US" sz="1800" dirty="0" smtClean="0">
+            <a:pPr algn="just"/>
+            <a:r>
+              <a:rPr lang="en-US" sz="1600" dirty="0" smtClean="0">
                 <a:latin typeface="Times New Roman"/>
                 <a:cs typeface="Times New Roman"/>
               </a:rPr>
-              <a:t>Predictions for the 67 missing values are obtained with </a:t>
-            </a:r>
-            <a:r>
-              <a:rPr lang="en-US" sz="1800" b="1" dirty="0" smtClean="0">
+              <a:t>Predictions for the 67 missing values </a:t>
+            </a:r>
+            <a:r>
+              <a:rPr lang="en-US" sz="1600" dirty="0" smtClean="0">
+                <a:latin typeface="Times New Roman"/>
+                <a:cs typeface="Times New Roman"/>
+              </a:rPr>
+              <a:t>were</a:t>
+            </a:r>
+            <a:r>
+              <a:rPr lang="en-US" sz="1600" dirty="0" smtClean="0">
+                <a:latin typeface="Times New Roman"/>
+                <a:cs typeface="Times New Roman"/>
+              </a:rPr>
+              <a:t> </a:t>
+            </a:r>
+            <a:r>
+              <a:rPr lang="en-US" sz="1600" dirty="0" smtClean="0">
+                <a:latin typeface="Times New Roman"/>
+                <a:cs typeface="Times New Roman"/>
+              </a:rPr>
+              <a:t>obtained with </a:t>
+            </a:r>
+            <a:r>
+              <a:rPr lang="en-US" sz="1600" b="1" dirty="0" smtClean="0">
                 <a:latin typeface="Times New Roman"/>
                 <a:cs typeface="Times New Roman"/>
               </a:rPr>
               <a:t>Multiple Imputation using Chained Equations</a:t>
             </a:r>
             <a:r>
-              <a:rPr lang="en-US" sz="1800" dirty="0" smtClean="0">
+              <a:rPr lang="en-US" sz="1600" dirty="0" smtClean="0">
                 <a:latin typeface="Times New Roman"/>
                 <a:cs typeface="Times New Roman"/>
               </a:rPr>
@@ -4225,58 +4249,106 @@
             </a:r>
           </a:p>
           <a:p>
-            <a:pPr marL="285750" indent="-285750">
+            <a:pPr marL="285750" indent="-285750" algn="just">
               <a:buFont typeface="Arial"/>
               <a:buChar char="•"/>
             </a:pPr>
             <a:r>
-              <a:rPr lang="en-US" sz="1800" dirty="0">
+              <a:rPr lang="en-US" sz="1600" dirty="0">
                 <a:latin typeface="Times New Roman"/>
                 <a:cs typeface="Times New Roman"/>
               </a:rPr>
               <a:t>T</a:t>
             </a:r>
             <a:r>
-              <a:rPr lang="en-US" sz="1800" dirty="0" smtClean="0">
+              <a:rPr lang="en-US" sz="1600" dirty="0" smtClean="0">
                 <a:latin typeface="Times New Roman"/>
                 <a:cs typeface="Times New Roman"/>
               </a:rPr>
-              <a:t>he unknown missing values are replaced by 30 independent simulated sets of values drawn from the posterior predictive distribution of the missing data conditional on the observed data.</a:t>
-            </a:r>
-          </a:p>
-          <a:p>
-            <a:pPr marL="285750" indent="-285750">
+              <a:t>he unknown missing values </a:t>
+            </a:r>
+            <a:r>
+              <a:rPr lang="en-US" sz="1600" dirty="0" smtClean="0">
+                <a:latin typeface="Times New Roman"/>
+                <a:cs typeface="Times New Roman"/>
+              </a:rPr>
+              <a:t>wer</a:t>
+            </a:r>
+            <a:r>
+              <a:rPr lang="en-US" sz="1600" dirty="0" smtClean="0">
+                <a:latin typeface="Times New Roman"/>
+                <a:cs typeface="Times New Roman"/>
+              </a:rPr>
+              <a:t>e </a:t>
+            </a:r>
+            <a:r>
+              <a:rPr lang="en-US" sz="1600" dirty="0" smtClean="0">
+                <a:latin typeface="Times New Roman"/>
+                <a:cs typeface="Times New Roman"/>
+              </a:rPr>
+              <a:t>replaced by 30 independent simulated sets of values drawn from the posterior predictive distribution of the missing data conditional on the observed data.</a:t>
+            </a:r>
+          </a:p>
+          <a:p>
+            <a:pPr marL="285750" indent="-285750" algn="just">
               <a:buFont typeface="Arial"/>
               <a:buChar char="•"/>
             </a:pPr>
             <a:r>
-              <a:rPr lang="en-US" sz="1800" dirty="0" smtClean="0">
+              <a:rPr lang="en-US" sz="1600" dirty="0" smtClean="0">
                 <a:latin typeface="Times New Roman"/>
                 <a:cs typeface="Times New Roman"/>
               </a:rPr>
-              <a:t>Predictions are obtained by averaging the imputed values across the 30 simulated dataset.</a:t>
-            </a:r>
-          </a:p>
-          <a:p>
-            <a:pPr marL="285750" indent="-285750">
+              <a:t>Predictions </a:t>
+            </a:r>
+            <a:r>
+              <a:rPr lang="en-US" sz="1600" dirty="0" smtClean="0">
+                <a:latin typeface="Times New Roman"/>
+                <a:cs typeface="Times New Roman"/>
+              </a:rPr>
+              <a:t>were </a:t>
+            </a:r>
+            <a:r>
+              <a:rPr lang="en-US" sz="1600" dirty="0" smtClean="0">
+                <a:latin typeface="Times New Roman"/>
+                <a:cs typeface="Times New Roman"/>
+              </a:rPr>
+              <a:t>obtained by averaging the imputed values across the 30 simulated dataset.</a:t>
+            </a:r>
+          </a:p>
+          <a:p>
+            <a:pPr marL="285750" indent="-285750" algn="just">
               <a:buFont typeface="Arial"/>
               <a:buChar char="•"/>
             </a:pPr>
             <a:r>
-              <a:rPr lang="en-US" sz="1800" dirty="0" smtClean="0">
+              <a:rPr lang="en-US" sz="1600" dirty="0" smtClean="0">
                 <a:latin typeface="Times New Roman"/>
                 <a:cs typeface="Times New Roman"/>
               </a:rPr>
-              <a:t>Assumes missing data are missing at random or completely at </a:t>
-            </a:r>
-            <a:r>
-              <a:rPr lang="en-US" sz="1800" dirty="0" smtClean="0">
+              <a:t>Assumes missing data are missing at random or completely at random</a:t>
+            </a:r>
+            <a:r>
+              <a:rPr lang="en-US" sz="1600" dirty="0" smtClean="0">
                 <a:latin typeface="Times New Roman"/>
                 <a:cs typeface="Times New Roman"/>
               </a:rPr>
-              <a:t>random.</a:t>
-            </a:r>
-            <a:endParaRPr lang="en-US" sz="1800" dirty="0">
+              <a:t>.</a:t>
+            </a:r>
+          </a:p>
+          <a:p>
+            <a:pPr marL="285750" indent="-285750" algn="just">
+              <a:buFont typeface="Arial"/>
+              <a:buChar char="•"/>
+            </a:pPr>
+            <a:r>
+              <a:rPr lang="en-US" sz="1600" dirty="0" smtClean="0">
+                <a:latin typeface="Times New Roman"/>
+                <a:cs typeface="Times New Roman"/>
+              </a:rPr>
+              <a:t>NEED TO INCLUDE MIX-MATHCING + FINALLY PREDICTION USING DIRECT CALCULATIONS??</a:t>
+            </a:r>
+            <a:endParaRPr lang="en-US" sz="1600" dirty="0">
               <a:latin typeface="Times New Roman"/>
               <a:cs typeface="Times New Roman"/>
             </a:endParaRPr>
@@ -4292,7 +4364,7 @@
         <p:spPr>
           <a:xfrm>
             <a:off x="21473796" y="3252775"/>
-            <a:ext cx="5724000" cy="523220"/>
+            <a:ext cx="5724000" cy="461665"/>
           </a:xfrm>
           <a:prstGeom prst="rect">
             <a:avLst/>
@@ -4307,13 +4379,13 @@
           <a:p>
             <a:pPr algn="ctr"/>
             <a:r>
-              <a:rPr lang="en-US" sz="2800" b="1" dirty="0" smtClean="0">
+              <a:rPr lang="en-US" sz="2400" b="1" dirty="0" smtClean="0">
                 <a:latin typeface="Times New Roman"/>
                 <a:cs typeface="Times New Roman"/>
               </a:rPr>
               <a:t>Discussion</a:t>
             </a:r>
-            <a:endParaRPr lang="en-US" sz="2800" b="1" dirty="0">
+            <a:endParaRPr lang="en-US" sz="2400" b="1" dirty="0">
               <a:latin typeface="Times New Roman"/>
               <a:cs typeface="Times New Roman"/>
             </a:endParaRPr>
@@ -4328,8 +4400,8 @@
         </p:nvSpPr>
         <p:spPr>
           <a:xfrm>
-            <a:off x="258399" y="13428403"/>
-            <a:ext cx="5675537" cy="923330"/>
+            <a:off x="258399" y="13191617"/>
+            <a:ext cx="5675537" cy="615553"/>
           </a:xfrm>
           <a:prstGeom prst="rect">
             <a:avLst/>
@@ -4342,20 +4414,7 @@
           </a:bodyPr>
           <a:lstStyle/>
           <a:p>
-            <a:r>
-              <a:rPr lang="en-US" sz="1800" dirty="0" smtClean="0">
-                <a:latin typeface="Times New Roman"/>
-                <a:cs typeface="Times New Roman"/>
-              </a:rPr>
-              <a:t>Given the availability of experimental data, </a:t>
-            </a:r>
-            <a:endParaRPr lang="en-US" sz="1800" dirty="0" smtClean="0">
-              <a:latin typeface="Times New Roman"/>
-              <a:cs typeface="Times New Roman"/>
-            </a:endParaRPr>
-          </a:p>
-          <a:p>
-            <a:endParaRPr lang="en-US" sz="1800" dirty="0" smtClean="0">
+            <a:endParaRPr lang="en-US" sz="1600" dirty="0" smtClean="0">
               <a:latin typeface="Times New Roman"/>
               <a:cs typeface="Times New Roman"/>
             </a:endParaRPr>
@@ -4376,8 +4435,8 @@
         </p:nvSpPr>
         <p:spPr>
           <a:xfrm>
-            <a:off x="21504772" y="11852741"/>
-            <a:ext cx="5927228" cy="923330"/>
+            <a:off x="21504772" y="14610975"/>
+            <a:ext cx="5927228" cy="1569660"/>
           </a:xfrm>
           <a:prstGeom prst="rect">
             <a:avLst/>
@@ -4391,47 +4450,93 @@
           <a:lstStyle/>
           <a:p>
             <a:r>
-              <a:rPr lang="en-US" sz="1800" dirty="0" smtClean="0">
+              <a:rPr lang="en-US" sz="1200" dirty="0" smtClean="0">
                 <a:latin typeface="Times New Roman"/>
                 <a:cs typeface="Times New Roman"/>
               </a:rPr>
               <a:t>White</a:t>
             </a:r>
             <a:r>
-              <a:rPr lang="en-US" sz="1800" dirty="0">
+              <a:rPr lang="en-US" sz="1200" dirty="0">
                 <a:latin typeface="Times New Roman"/>
                 <a:cs typeface="Times New Roman"/>
               </a:rPr>
               <a:t>, I. R., Royston, P., &amp; Wood, A. M. (2011). Multiple imputation using chained equations: issues and guidance for practice. </a:t>
             </a:r>
             <a:r>
-              <a:rPr lang="en-US" sz="1800" i="1" dirty="0">
+              <a:rPr lang="en-US" sz="1200" i="1" dirty="0">
                 <a:latin typeface="Times New Roman"/>
                 <a:cs typeface="Times New Roman"/>
               </a:rPr>
               <a:t>Statistics in medicine</a:t>
             </a:r>
             <a:r>
-              <a:rPr lang="en-US" sz="1800" dirty="0">
+              <a:rPr lang="en-US" sz="1200" dirty="0">
                 <a:latin typeface="Times New Roman"/>
                 <a:cs typeface="Times New Roman"/>
               </a:rPr>
               <a:t>, </a:t>
             </a:r>
             <a:r>
-              <a:rPr lang="en-US" sz="1800" i="1" dirty="0">
+              <a:rPr lang="en-US" sz="1200" i="1" dirty="0">
                 <a:latin typeface="Times New Roman"/>
                 <a:cs typeface="Times New Roman"/>
               </a:rPr>
               <a:t>30</a:t>
             </a:r>
             <a:r>
-              <a:rPr lang="en-US" sz="1800" dirty="0">
+              <a:rPr lang="en-US" sz="1200" dirty="0">
                 <a:latin typeface="Times New Roman"/>
                 <a:cs typeface="Times New Roman"/>
               </a:rPr>
-              <a:t>(4), 377-399.</a:t>
-            </a:r>
+              <a:t>(4), 377-399</a:t>
+            </a:r>
+            <a:r>
+              <a:rPr lang="en-US" sz="1200" dirty="0" smtClean="0">
+                <a:latin typeface="Times New Roman"/>
+                <a:cs typeface="Times New Roman"/>
+              </a:rPr>
+              <a:t>.</a:t>
+            </a:r>
+          </a:p>
+          <a:p>
+            <a:r>
+              <a:rPr lang="en-US" sz="1200" dirty="0" smtClean="0">
+                <a:latin typeface="Times New Roman"/>
+                <a:cs typeface="Times New Roman"/>
+              </a:rPr>
+              <a:t>Sandwich </a:t>
+            </a:r>
+          </a:p>
+          <a:p>
+            <a:r>
+              <a:rPr lang="en-US" sz="1200" dirty="0" smtClean="0">
+                <a:latin typeface="Times New Roman"/>
+                <a:cs typeface="Times New Roman"/>
+              </a:rPr>
+              <a:t>Causal paper</a:t>
+            </a:r>
+          </a:p>
+          <a:p>
+            <a:r>
+              <a:rPr lang="en-US" sz="1200" dirty="0" smtClean="0">
+                <a:latin typeface="Times New Roman"/>
+                <a:cs typeface="Times New Roman"/>
+              </a:rPr>
+              <a:t>Biological</a:t>
+            </a:r>
+          </a:p>
+          <a:p>
+            <a:endParaRPr lang="en-US" sz="1800" dirty="0" smtClean="0">
+              <a:latin typeface="Times New Roman"/>
+              <a:cs typeface="Times New Roman"/>
+            </a:endParaRPr>
+          </a:p>
+          <a:p>
+            <a:endParaRPr lang="en-US" sz="1800" dirty="0">
+              <a:latin typeface="Times New Roman"/>
+              <a:cs typeface="Times New Roman"/>
+            </a:endParaRPr>
           </a:p>
         </p:txBody>
       </p:sp>
@@ -4503,8 +4608,8 @@
         </p:nvSpPr>
         <p:spPr>
           <a:xfrm>
-            <a:off x="21537425" y="9622053"/>
-            <a:ext cx="5556490" cy="1477328"/>
+            <a:off x="21513906" y="9622053"/>
+            <a:ext cx="5556490" cy="1077218"/>
           </a:xfrm>
           <a:prstGeom prst="rect">
             <a:avLst/>
@@ -4519,17 +4624,17 @@
           <a:p>
             <a:pPr algn="just"/>
             <a:r>
-              <a:rPr lang="en-US" sz="1800" dirty="0" smtClean="0">
+              <a:rPr lang="en-US" sz="1600" dirty="0" smtClean="0">
                 <a:latin typeface="Times New Roman"/>
                 <a:cs typeface="Times New Roman"/>
               </a:rPr>
               <a:t>We inferred causal links between knockout conditions and phenotypic measurements, but relationships between phenotypes require more information or outside knowledge. Consequently, we chose not to infer a global underlying DAG</a:t>
             </a:r>
             <a:r>
-              <a:rPr lang="en-US" sz="1800" dirty="0" smtClean="0"/>
+              <a:rPr lang="en-US" sz="1600" dirty="0" smtClean="0"/>
               <a:t>.</a:t>
             </a:r>
-            <a:endParaRPr lang="en-US" sz="1800" dirty="0"/>
+            <a:endParaRPr lang="en-US" sz="1600" dirty="0"/>
           </a:p>
         </p:txBody>
       </p:sp>
@@ -4542,13 +4647,13 @@
           <p:nvPr>
             <p:extLst>
               <p:ext uri="{D42A27DB-BD31-4B8C-83A1-F6EECF244321}">
-                <p14:modId xmlns:p14="http://schemas.microsoft.com/office/powerpoint/2010/main" val="4176467718"/>
+                <p14:modId xmlns:p14="http://schemas.microsoft.com/office/powerpoint/2010/main" val="2924908928"/>
               </p:ext>
             </p:extLst>
           </p:nvPr>
         </p:nvGraphicFramePr>
         <p:xfrm>
-          <a:off x="15337063" y="9306090"/>
+          <a:off x="15517465" y="9293032"/>
           <a:ext cx="4291124" cy="2796925"/>
         </p:xfrm>
         <a:graphic>
@@ -4771,17 +4876,7 @@
                           <a:latin typeface="Times New Roman"/>
                           <a:cs typeface="Times New Roman"/>
                         </a:rPr>
-                        <a:t>Neutrophil </a:t>
-                      </a:r>
-                      <a:r>
-                        <a:rPr lang="en-US" sz="1200" baseline="0" dirty="0" smtClean="0">
-                          <a:solidFill>
-                            <a:srgbClr val="31859C"/>
-                          </a:solidFill>
-                          <a:latin typeface="Times New Roman"/>
-                          <a:cs typeface="Times New Roman"/>
-                        </a:rPr>
-                        <a:t>differential </a:t>
+                        <a:t>Neutrophil differential </a:t>
                       </a:r>
                       <a:r>
                         <a:rPr lang="en-US" sz="1200" kern="1200" baseline="0" dirty="0" smtClean="0">
@@ -9246,6 +9341,424 @@
           </a:p>
         </p:txBody>
       </p:sp>
+      <p:sp>
+        <p:nvSpPr>
+          <p:cNvPr id="25" name="TextBox 24"/>
+          <p:cNvSpPr txBox="1"/>
+          <p:nvPr/>
+        </p:nvSpPr>
+        <p:spPr>
+          <a:xfrm>
+            <a:off x="21513906" y="3938008"/>
+            <a:ext cx="5556490" cy="4247317"/>
+          </a:xfrm>
+          <a:prstGeom prst="rect">
+            <a:avLst/>
+          </a:prstGeom>
+          <a:noFill/>
+        </p:spPr>
+        <p:txBody>
+          <a:bodyPr wrap="square" rtlCol="0">
+            <a:spAutoFit/>
+          </a:bodyPr>
+          <a:lstStyle/>
+          <a:p>
+            <a:endParaRPr lang="en-US" sz="1800" dirty="0" smtClean="0">
+              <a:latin typeface="Times New Roman"/>
+              <a:cs typeface="Times New Roman"/>
+            </a:endParaRPr>
+          </a:p>
+          <a:p>
+            <a:r>
+              <a:rPr lang="en-US" sz="1800" dirty="0" smtClean="0">
+                <a:latin typeface="Times New Roman"/>
+                <a:cs typeface="Times New Roman"/>
+              </a:rPr>
+              <a:t>Assumption</a:t>
+            </a:r>
+          </a:p>
+          <a:p>
+            <a:pPr marL="285750" indent="-285750">
+              <a:buFontTx/>
+              <a:buChar char="-"/>
+            </a:pPr>
+            <a:r>
+              <a:rPr lang="en-US" sz="1800" dirty="0" smtClean="0">
+                <a:latin typeface="Times New Roman"/>
+                <a:cs typeface="Times New Roman"/>
+              </a:rPr>
+              <a:t>Random assignment of which mouse knockout</a:t>
+            </a:r>
+          </a:p>
+          <a:p>
+            <a:pPr marL="285750" indent="-285750">
+              <a:buFontTx/>
+              <a:buChar char="-"/>
+            </a:pPr>
+            <a:r>
+              <a:rPr lang="en-US" sz="1800" dirty="0" smtClean="0">
+                <a:latin typeface="Times New Roman"/>
+                <a:cs typeface="Times New Roman"/>
+              </a:rPr>
+              <a:t>Mouse equivalent </a:t>
+            </a:r>
+            <a:r>
+              <a:rPr lang="en-US" sz="1800" dirty="0" err="1" smtClean="0">
+                <a:latin typeface="Times New Roman"/>
+                <a:cs typeface="Times New Roman"/>
+              </a:rPr>
+              <a:t>wrt</a:t>
+            </a:r>
+            <a:r>
+              <a:rPr lang="en-US" sz="1800" dirty="0" smtClean="0">
+                <a:latin typeface="Times New Roman"/>
+                <a:cs typeface="Times New Roman"/>
+              </a:rPr>
+              <a:t> external factor</a:t>
+            </a:r>
+          </a:p>
+          <a:p>
+            <a:endParaRPr lang="en-US" sz="1800" dirty="0">
+              <a:latin typeface="Times New Roman"/>
+              <a:cs typeface="Times New Roman"/>
+            </a:endParaRPr>
+          </a:p>
+          <a:p>
+            <a:r>
+              <a:rPr lang="en-US" sz="1800" dirty="0" smtClean="0">
+                <a:latin typeface="Times New Roman"/>
+                <a:cs typeface="Times New Roman"/>
+              </a:rPr>
+              <a:t>Strength</a:t>
+            </a:r>
+          </a:p>
+          <a:p>
+            <a:pPr marL="285750" indent="-285750">
+              <a:buFontTx/>
+              <a:buChar char="-"/>
+            </a:pPr>
+            <a:r>
+              <a:rPr lang="en-US" sz="1800" dirty="0" smtClean="0">
+                <a:latin typeface="Times New Roman"/>
+                <a:cs typeface="Times New Roman"/>
+              </a:rPr>
+              <a:t>Mice in causal to incorporate </a:t>
+            </a:r>
+          </a:p>
+          <a:p>
+            <a:pPr marL="285750" indent="-285750">
+              <a:buFontTx/>
+              <a:buChar char="-"/>
+            </a:pPr>
+            <a:r>
+              <a:rPr lang="en-US" sz="1800" dirty="0">
+                <a:latin typeface="Times New Roman"/>
+                <a:cs typeface="Times New Roman"/>
+              </a:rPr>
+              <a:t>Incorporate biological </a:t>
+            </a:r>
+            <a:r>
+              <a:rPr lang="en-US" sz="1800" dirty="0" smtClean="0">
+                <a:latin typeface="Times New Roman"/>
+                <a:cs typeface="Times New Roman"/>
+              </a:rPr>
+              <a:t>knowledge</a:t>
+            </a:r>
+          </a:p>
+          <a:p>
+            <a:pPr marL="285750" indent="-285750">
+              <a:buFontTx/>
+              <a:buChar char="-"/>
+            </a:pPr>
+            <a:endParaRPr lang="en-US" sz="1800" dirty="0">
+              <a:latin typeface="Times New Roman"/>
+              <a:cs typeface="Times New Roman"/>
+            </a:endParaRPr>
+          </a:p>
+          <a:p>
+            <a:r>
+              <a:rPr lang="en-US" sz="1800" dirty="0" smtClean="0">
+                <a:latin typeface="Times New Roman"/>
+                <a:cs typeface="Times New Roman"/>
+              </a:rPr>
+              <a:t>Limitation</a:t>
+            </a:r>
+          </a:p>
+          <a:p>
+            <a:pPr marL="285750" indent="-285750">
+              <a:buFontTx/>
+              <a:buChar char="-"/>
+            </a:pPr>
+            <a:r>
+              <a:rPr lang="en-US" sz="1800" dirty="0" smtClean="0">
+                <a:latin typeface="Times New Roman"/>
+                <a:cs typeface="Times New Roman"/>
+              </a:rPr>
+              <a:t>Causal direct or indirect? Other stuff on the pathway</a:t>
+            </a:r>
+          </a:p>
+          <a:p>
+            <a:pPr marL="285750" indent="-285750">
+              <a:buFontTx/>
+              <a:buChar char="-"/>
+            </a:pPr>
+            <a:r>
+              <a:rPr lang="en-US" sz="1800" dirty="0" smtClean="0">
+                <a:latin typeface="Times New Roman"/>
+                <a:cs typeface="Times New Roman"/>
+              </a:rPr>
+              <a:t>Unable to dag 22 phenotypes</a:t>
+            </a:r>
+          </a:p>
+          <a:p>
+            <a:pPr marL="285750" indent="-285750">
+              <a:buFontTx/>
+              <a:buChar char="-"/>
+            </a:pPr>
+            <a:r>
+              <a:rPr lang="en-US" sz="1800" dirty="0" smtClean="0">
+                <a:latin typeface="Times New Roman"/>
+                <a:cs typeface="Times New Roman"/>
+              </a:rPr>
+              <a:t>Temporality?</a:t>
+            </a:r>
+          </a:p>
+          <a:p>
+            <a:pPr marL="285750" indent="-285750">
+              <a:buFontTx/>
+              <a:buChar char="-"/>
+            </a:pPr>
+            <a:endParaRPr lang="en-US" sz="1800" dirty="0" smtClean="0">
+              <a:latin typeface="Times New Roman"/>
+              <a:cs typeface="Times New Roman"/>
+            </a:endParaRPr>
+          </a:p>
+          <a:p>
+            <a:pPr marL="285750" indent="-285750">
+              <a:buFontTx/>
+              <a:buChar char="-"/>
+            </a:pPr>
+            <a:endParaRPr lang="en-US" sz="1800" dirty="0">
+              <a:latin typeface="Times New Roman"/>
+              <a:cs typeface="Times New Roman"/>
+            </a:endParaRPr>
+          </a:p>
+        </p:txBody>
+      </p:sp>
+      <p:sp>
+        <p:nvSpPr>
+          <p:cNvPr id="94" name="TextBox 93"/>
+          <p:cNvSpPr txBox="1"/>
+          <p:nvPr/>
+        </p:nvSpPr>
+        <p:spPr>
+          <a:xfrm>
+            <a:off x="21528016" y="11171431"/>
+            <a:ext cx="5693024" cy="461665"/>
+          </a:xfrm>
+          <a:prstGeom prst="rect">
+            <a:avLst/>
+          </a:prstGeom>
+          <a:noFill/>
+        </p:spPr>
+        <p:txBody>
+          <a:bodyPr wrap="square" rtlCol="0">
+            <a:spAutoFit/>
+          </a:bodyPr>
+          <a:lstStyle/>
+          <a:p>
+            <a:pPr algn="ctr"/>
+            <a:r>
+              <a:rPr lang="en-US" sz="2400" b="1" dirty="0" smtClean="0">
+                <a:latin typeface="Times New Roman"/>
+                <a:cs typeface="Times New Roman"/>
+              </a:rPr>
+              <a:t>Acknowledgment</a:t>
+            </a:r>
+            <a:endParaRPr lang="en-US" sz="2400" b="1" dirty="0">
+              <a:latin typeface="Times New Roman"/>
+              <a:cs typeface="Times New Roman"/>
+            </a:endParaRPr>
+          </a:p>
+        </p:txBody>
+      </p:sp>
+      <p:sp>
+        <p:nvSpPr>
+          <p:cNvPr id="109" name="TextBox 108"/>
+          <p:cNvSpPr txBox="1"/>
+          <p:nvPr/>
+        </p:nvSpPr>
+        <p:spPr>
+          <a:xfrm>
+            <a:off x="21473796" y="11934902"/>
+            <a:ext cx="5927228" cy="1846659"/>
+          </a:xfrm>
+          <a:prstGeom prst="rect">
+            <a:avLst/>
+          </a:prstGeom>
+          <a:noFill/>
+        </p:spPr>
+        <p:txBody>
+          <a:bodyPr wrap="square" rtlCol="0">
+            <a:spAutoFit/>
+          </a:bodyPr>
+          <a:lstStyle/>
+          <a:p>
+            <a:r>
+              <a:rPr lang="en-US" sz="1600" dirty="0" smtClean="0">
+                <a:latin typeface="Times New Roman"/>
+                <a:cs typeface="Times New Roman"/>
+              </a:rPr>
+              <a:t>Gabrielle would like to thank her PhD supervisors, Dr. Erica </a:t>
+            </a:r>
+            <a:r>
+              <a:rPr lang="en-US" sz="1600" dirty="0" err="1" smtClean="0">
+                <a:latin typeface="Times New Roman"/>
+                <a:cs typeface="Times New Roman"/>
+              </a:rPr>
+              <a:t>Moodie</a:t>
+            </a:r>
+            <a:r>
+              <a:rPr lang="en-US" sz="1600" dirty="0" smtClean="0">
+                <a:latin typeface="Times New Roman"/>
+                <a:cs typeface="Times New Roman"/>
+              </a:rPr>
+              <a:t> and Dr. Robert Platt, for giving her the opportunity to participate in this competition. Kevin BLABLA. We would like to thank Claudia LAST NAME for her precious insights on the biological prior knowledge of the studied phenotypes.</a:t>
+            </a:r>
+          </a:p>
+          <a:p>
+            <a:endParaRPr lang="en-US" sz="1600" dirty="0" smtClean="0">
+              <a:latin typeface="Times New Roman"/>
+              <a:cs typeface="Times New Roman"/>
+            </a:endParaRPr>
+          </a:p>
+          <a:p>
+            <a:endParaRPr lang="en-US" sz="1800" dirty="0">
+              <a:latin typeface="Times New Roman"/>
+              <a:cs typeface="Times New Roman"/>
+            </a:endParaRPr>
+          </a:p>
+        </p:txBody>
+      </p:sp>
+      <p:sp>
+        <p:nvSpPr>
+          <p:cNvPr id="28" name="TextBox 27"/>
+          <p:cNvSpPr txBox="1"/>
+          <p:nvPr/>
+        </p:nvSpPr>
+        <p:spPr>
+          <a:xfrm>
+            <a:off x="270941" y="12947410"/>
+            <a:ext cx="5658063" cy="3293209"/>
+          </a:xfrm>
+          <a:prstGeom prst="rect">
+            <a:avLst/>
+          </a:prstGeom>
+          <a:noFill/>
+        </p:spPr>
+        <p:txBody>
+          <a:bodyPr wrap="square" rtlCol="0">
+            <a:spAutoFit/>
+          </a:bodyPr>
+          <a:lstStyle/>
+          <a:p>
+            <a:pPr algn="just"/>
+            <a:r>
+              <a:rPr lang="en-US" sz="1600" dirty="0" smtClean="0">
+                <a:latin typeface="Times New Roman"/>
+                <a:cs typeface="Times New Roman"/>
+              </a:rPr>
+              <a:t>Causal relationships are investigated separately for each of the 22 phenotypic measurements:</a:t>
+            </a:r>
+          </a:p>
+          <a:p>
+            <a:pPr marL="285750" indent="-285750" algn="just">
+              <a:buFont typeface="Arial"/>
+              <a:buChar char="•"/>
+            </a:pPr>
+            <a:r>
+              <a:rPr lang="en-US" sz="1600" dirty="0" smtClean="0">
+                <a:latin typeface="Times New Roman"/>
+                <a:cs typeface="Times New Roman"/>
+              </a:rPr>
+              <a:t>A simple linear regression model was applied to estimate the effect of the knockout conditions on each phenotype. For phenotypes predicted with MICE, the MICE algorithm was used to incorporate uncertainty of the predicted values.</a:t>
+            </a:r>
+          </a:p>
+          <a:p>
+            <a:pPr marL="285750" indent="-285750" algn="just">
+              <a:buFont typeface="Arial"/>
+              <a:buChar char="•"/>
+            </a:pPr>
+            <a:r>
+              <a:rPr lang="en-US" sz="1600" dirty="0" smtClean="0">
+                <a:latin typeface="Times New Roman"/>
+                <a:cs typeface="Times New Roman"/>
+              </a:rPr>
+              <a:t>The Sandwich Estimator was used to estimate the variance of the effect size as litters was not considered in the models.</a:t>
+            </a:r>
+          </a:p>
+          <a:p>
+            <a:pPr marL="285750" indent="-285750" algn="just">
+              <a:buFont typeface="Arial"/>
+              <a:buChar char="•"/>
+            </a:pPr>
+            <a:r>
+              <a:rPr lang="en-US" sz="1600" dirty="0">
+                <a:latin typeface="Times New Roman"/>
+                <a:cs typeface="Times New Roman"/>
+              </a:rPr>
+              <a:t>Significant causal relationships were identified at 5%</a:t>
+            </a:r>
+            <a:r>
+              <a:rPr lang="en-US" sz="1600" dirty="0" smtClean="0">
+                <a:latin typeface="Times New Roman"/>
+                <a:cs typeface="Times New Roman"/>
+              </a:rPr>
+              <a:t>.</a:t>
+            </a:r>
+          </a:p>
+          <a:p>
+            <a:pPr marL="285750" indent="-285750" algn="just">
+              <a:buFont typeface="Arial"/>
+              <a:buChar char="•"/>
+            </a:pPr>
+            <a:r>
+              <a:rPr lang="en-US" sz="1600" dirty="0" smtClean="0">
+                <a:latin typeface="Times New Roman"/>
+                <a:cs typeface="Times New Roman"/>
+              </a:rPr>
+              <a:t>We adjusted for multiple testing using the </a:t>
+            </a:r>
+            <a:r>
+              <a:rPr lang="en-US" sz="1600" dirty="0" err="1" smtClean="0">
+                <a:latin typeface="Times New Roman"/>
+                <a:cs typeface="Times New Roman"/>
+              </a:rPr>
+              <a:t>Bonferroni</a:t>
+            </a:r>
+            <a:r>
+              <a:rPr lang="en-US" sz="1600" dirty="0" smtClean="0">
+                <a:latin typeface="Times New Roman"/>
+                <a:cs typeface="Times New Roman"/>
+              </a:rPr>
+              <a:t> correction.</a:t>
+            </a:r>
+          </a:p>
+          <a:p>
+            <a:pPr marL="285750" indent="-285750" algn="just">
+              <a:buFont typeface="Arial"/>
+              <a:buChar char="•"/>
+            </a:pPr>
+            <a:r>
+              <a:rPr lang="en-US" sz="1600" dirty="0" smtClean="0">
+                <a:latin typeface="Times New Roman"/>
+                <a:cs typeface="Times New Roman"/>
+              </a:rPr>
+              <a:t>Prior biological knowledge was used to infer possible causal relationships between the phenotypic measurements.</a:t>
+            </a:r>
+          </a:p>
+        </p:txBody>
+      </p:sp>
     </p:spTree>
     <p:extLst>
       <p:ext uri="{BB962C8B-B14F-4D97-AF65-F5344CB8AC3E}">

--- a/Poster.pptx
+++ b/Poster.pptx
@@ -294,7 +294,7 @@
           <a:p>
             <a:fld id="{BA3D2166-DA3A-7E42-B5FA-B8909614B8FF}" type="datetimeFigureOut">
               <a:rPr lang="en-US" smtClean="0"/>
-              <a:t>2016-07-22</a:t>
+              <a:t>2016-07-23</a:t>
             </a:fld>
             <a:endParaRPr lang="en-US"/>
           </a:p>
@@ -464,7 +464,7 @@
           <a:p>
             <a:fld id="{BA3D2166-DA3A-7E42-B5FA-B8909614B8FF}" type="datetimeFigureOut">
               <a:rPr lang="en-US" smtClean="0"/>
-              <a:t>2016-07-22</a:t>
+              <a:t>2016-07-23</a:t>
             </a:fld>
             <a:endParaRPr lang="en-US"/>
           </a:p>
@@ -644,7 +644,7 @@
           <a:p>
             <a:fld id="{BA3D2166-DA3A-7E42-B5FA-B8909614B8FF}" type="datetimeFigureOut">
               <a:rPr lang="en-US" smtClean="0"/>
-              <a:t>2016-07-22</a:t>
+              <a:t>2016-07-23</a:t>
             </a:fld>
             <a:endParaRPr lang="en-US"/>
           </a:p>
@@ -814,7 +814,7 @@
           <a:p>
             <a:fld id="{BA3D2166-DA3A-7E42-B5FA-B8909614B8FF}" type="datetimeFigureOut">
               <a:rPr lang="en-US" smtClean="0"/>
-              <a:t>2016-07-22</a:t>
+              <a:t>2016-07-23</a:t>
             </a:fld>
             <a:endParaRPr lang="en-US"/>
           </a:p>
@@ -1060,7 +1060,7 @@
           <a:p>
             <a:fld id="{BA3D2166-DA3A-7E42-B5FA-B8909614B8FF}" type="datetimeFigureOut">
               <a:rPr lang="en-US" smtClean="0"/>
-              <a:t>2016-07-22</a:t>
+              <a:t>2016-07-23</a:t>
             </a:fld>
             <a:endParaRPr lang="en-US"/>
           </a:p>
@@ -1348,7 +1348,7 @@
           <a:p>
             <a:fld id="{BA3D2166-DA3A-7E42-B5FA-B8909614B8FF}" type="datetimeFigureOut">
               <a:rPr lang="en-US" smtClean="0"/>
-              <a:t>2016-07-22</a:t>
+              <a:t>2016-07-23</a:t>
             </a:fld>
             <a:endParaRPr lang="en-US"/>
           </a:p>
@@ -1775,7 +1775,7 @@
           <a:p>
             <a:fld id="{BA3D2166-DA3A-7E42-B5FA-B8909614B8FF}" type="datetimeFigureOut">
               <a:rPr lang="en-US" smtClean="0"/>
-              <a:t>2016-07-22</a:t>
+              <a:t>2016-07-23</a:t>
             </a:fld>
             <a:endParaRPr lang="en-US"/>
           </a:p>
@@ -1893,7 +1893,7 @@
           <a:p>
             <a:fld id="{BA3D2166-DA3A-7E42-B5FA-B8909614B8FF}" type="datetimeFigureOut">
               <a:rPr lang="en-US" smtClean="0"/>
-              <a:t>2016-07-22</a:t>
+              <a:t>2016-07-23</a:t>
             </a:fld>
             <a:endParaRPr lang="en-US"/>
           </a:p>
@@ -1988,7 +1988,7 @@
           <a:p>
             <a:fld id="{BA3D2166-DA3A-7E42-B5FA-B8909614B8FF}" type="datetimeFigureOut">
               <a:rPr lang="en-US" smtClean="0"/>
-              <a:t>2016-07-22</a:t>
+              <a:t>2016-07-23</a:t>
             </a:fld>
             <a:endParaRPr lang="en-US"/>
           </a:p>
@@ -2265,7 +2265,7 @@
           <a:p>
             <a:fld id="{BA3D2166-DA3A-7E42-B5FA-B8909614B8FF}" type="datetimeFigureOut">
               <a:rPr lang="en-US" smtClean="0"/>
-              <a:t>2016-07-22</a:t>
+              <a:t>2016-07-23</a:t>
             </a:fld>
             <a:endParaRPr lang="en-US"/>
           </a:p>
@@ -2518,7 +2518,7 @@
           <a:p>
             <a:fld id="{BA3D2166-DA3A-7E42-B5FA-B8909614B8FF}" type="datetimeFigureOut">
               <a:rPr lang="en-US" smtClean="0"/>
-              <a:t>2016-07-22</a:t>
+              <a:t>2016-07-23</a:t>
             </a:fld>
             <a:endParaRPr lang="en-US"/>
           </a:p>
@@ -2731,7 +2731,7 @@
           <a:p>
             <a:fld id="{BA3D2166-DA3A-7E42-B5FA-B8909614B8FF}" type="datetimeFigureOut">
               <a:rPr lang="en-US" smtClean="0"/>
-              <a:t>2016-07-22</a:t>
+              <a:t>2016-07-23</a:t>
             </a:fld>
             <a:endParaRPr lang="en-US"/>
           </a:p>
@@ -3126,8 +3126,8 @@
         </p:nvSpPr>
         <p:spPr bwMode="auto">
           <a:xfrm>
-            <a:off x="6182801" y="8890186"/>
-            <a:ext cx="15072665" cy="7424782"/>
+            <a:off x="6182801" y="8275045"/>
+            <a:ext cx="15072665" cy="8039923"/>
           </a:xfrm>
           <a:prstGeom prst="roundRect">
             <a:avLst>
@@ -3532,7 +3532,7 @@
         </p:nvSpPr>
         <p:spPr bwMode="auto">
           <a:xfrm>
-            <a:off x="6182801" y="3743883"/>
+            <a:off x="6174983" y="3382718"/>
             <a:ext cx="15072665" cy="4892327"/>
           </a:xfrm>
           <a:prstGeom prst="roundRect">
@@ -3823,7 +3823,7 @@
         </p:nvSpPr>
         <p:spPr>
           <a:xfrm>
-            <a:off x="6981031" y="3178026"/>
+            <a:off x="6915970" y="2921053"/>
             <a:ext cx="13481553" cy="461665"/>
           </a:xfrm>
           <a:prstGeom prst="rect">
@@ -4142,19 +4142,8 @@
                 <a:latin typeface="Times New Roman"/>
                 <a:cs typeface="Times New Roman"/>
               </a:rPr>
-              <a:t>To infer missing </a:t>
-            </a:r>
-            <a:r>
-              <a:rPr lang="en-US" sz="1600" dirty="0" smtClean="0">
-                <a:latin typeface="Times New Roman"/>
-                <a:cs typeface="Times New Roman"/>
-              </a:rPr>
-              <a:t>data from 5 phenotypic measurements: Red blood cell distribution width, Lymphocyte differential count, Basophil differential count, Neutrophil differential count, Monocyte	cell count.</a:t>
-            </a:r>
-            <a:endParaRPr lang="en-US" sz="1600" dirty="0" smtClean="0">
-              <a:latin typeface="Times New Roman"/>
-              <a:cs typeface="Times New Roman"/>
-            </a:endParaRPr>
+              <a:t>To infer missing data from 5 phenotypic measurements: Red blood cell distribution width, Lymphocyte differential count, Basophil differential count, Neutrophil differential count, Monocyte	cell count.</a:t>
+            </a:r>
           </a:p>
           <a:p>
             <a:pPr marL="342900" indent="-342900" algn="just">
@@ -4210,28 +4199,7 @@
                 <a:latin typeface="Times New Roman"/>
                 <a:cs typeface="Times New Roman"/>
               </a:rPr>
-              <a:t>Predictions for the 67 missing values </a:t>
-            </a:r>
-            <a:r>
-              <a:rPr lang="en-US" sz="1600" dirty="0" smtClean="0">
-                <a:latin typeface="Times New Roman"/>
-                <a:cs typeface="Times New Roman"/>
-              </a:rPr>
-              <a:t>were</a:t>
-            </a:r>
-            <a:r>
-              <a:rPr lang="en-US" sz="1600" dirty="0" smtClean="0">
-                <a:latin typeface="Times New Roman"/>
-                <a:cs typeface="Times New Roman"/>
-              </a:rPr>
-              <a:t> </a:t>
-            </a:r>
-            <a:r>
-              <a:rPr lang="en-US" sz="1600" dirty="0" smtClean="0">
-                <a:latin typeface="Times New Roman"/>
-                <a:cs typeface="Times New Roman"/>
-              </a:rPr>
-              <a:t>obtained with </a:t>
+              <a:t>Predictions for the 67 missing values were obtained with </a:t>
             </a:r>
             <a:r>
               <a:rPr lang="en-US" sz="1600" b="1" dirty="0" smtClean="0">
@@ -4265,28 +4233,7 @@
                 <a:latin typeface="Times New Roman"/>
                 <a:cs typeface="Times New Roman"/>
               </a:rPr>
-              <a:t>he unknown missing values </a:t>
-            </a:r>
-            <a:r>
-              <a:rPr lang="en-US" sz="1600" dirty="0" smtClean="0">
-                <a:latin typeface="Times New Roman"/>
-                <a:cs typeface="Times New Roman"/>
-              </a:rPr>
-              <a:t>wer</a:t>
-            </a:r>
-            <a:r>
-              <a:rPr lang="en-US" sz="1600" dirty="0" smtClean="0">
-                <a:latin typeface="Times New Roman"/>
-                <a:cs typeface="Times New Roman"/>
-              </a:rPr>
-              <a:t>e </a:t>
-            </a:r>
-            <a:r>
-              <a:rPr lang="en-US" sz="1600" dirty="0" smtClean="0">
-                <a:latin typeface="Times New Roman"/>
-                <a:cs typeface="Times New Roman"/>
-              </a:rPr>
-              <a:t>replaced by 30 independent simulated sets of values drawn from the posterior predictive distribution of the missing data conditional on the observed data.</a:t>
+              <a:t>he unknown missing values were replaced by 30 independent simulated sets of values drawn from the posterior predictive distribution of the missing data conditional on the observed data.</a:t>
             </a:r>
           </a:p>
           <a:p>
@@ -4299,21 +4246,7 @@
                 <a:latin typeface="Times New Roman"/>
                 <a:cs typeface="Times New Roman"/>
               </a:rPr>
-              <a:t>Predictions </a:t>
-            </a:r>
-            <a:r>
-              <a:rPr lang="en-US" sz="1600" dirty="0" smtClean="0">
-                <a:latin typeface="Times New Roman"/>
-                <a:cs typeface="Times New Roman"/>
-              </a:rPr>
-              <a:t>were </a:t>
-            </a:r>
-            <a:r>
-              <a:rPr lang="en-US" sz="1600" dirty="0" smtClean="0">
-                <a:latin typeface="Times New Roman"/>
-                <a:cs typeface="Times New Roman"/>
-              </a:rPr>
-              <a:t>obtained by averaging the imputed values across the 30 simulated dataset.</a:t>
+              <a:t>Predictions were obtained by averaging the imputed values across the 30 simulated dataset.</a:t>
             </a:r>
           </a:p>
           <a:p>
@@ -4326,14 +4259,7 @@
                 <a:latin typeface="Times New Roman"/>
                 <a:cs typeface="Times New Roman"/>
               </a:rPr>
-              <a:t>Assumes missing data are missing at random or completely at random</a:t>
-            </a:r>
-            <a:r>
-              <a:rPr lang="en-US" sz="1600" dirty="0" smtClean="0">
-                <a:latin typeface="Times New Roman"/>
-                <a:cs typeface="Times New Roman"/>
-              </a:rPr>
-              <a:t>.</a:t>
+              <a:t>Assumes missing data are missing at random or completely at random.</a:t>
             </a:r>
           </a:p>
           <a:p>
@@ -4542,7 +4468,7 @@
       </p:sp>
       <p:pic>
         <p:nvPicPr>
-          <p:cNvPr id="2" name="Picture 1" descr="sim_plot.pdf"/>
+          <p:cNvPr id="2" name="Picture 1"/>
           <p:cNvPicPr>
             <a:picLocks noChangeAspect="1"/>
           </p:cNvPicPr>
@@ -4562,8 +4488,8 @@
         </p:blipFill>
         <p:spPr>
           <a:xfrm>
-            <a:off x="7122140" y="3938008"/>
-            <a:ext cx="6082336" cy="3801460"/>
+            <a:off x="6534157" y="3938008"/>
+            <a:ext cx="6047310" cy="3801460"/>
           </a:xfrm>
           <a:prstGeom prst="rect">
             <a:avLst/>
@@ -4572,7 +4498,7 @@
       </p:pic>
       <p:pic>
         <p:nvPicPr>
-          <p:cNvPr id="17" name="Picture 16" descr="var29_plot.pdf"/>
+          <p:cNvPr id="17" name="Picture 16"/>
           <p:cNvPicPr>
             <a:picLocks noChangeAspect="1"/>
           </p:cNvPicPr>
@@ -4592,8 +4518,8 @@
         </p:blipFill>
         <p:spPr>
           <a:xfrm>
-            <a:off x="13928546" y="3923468"/>
-            <a:ext cx="6868800" cy="3816000"/>
+            <a:off x="12767732" y="3906758"/>
+            <a:ext cx="8029613" cy="3816000"/>
           </a:xfrm>
           <a:prstGeom prst="rect">
             <a:avLst/>
@@ -4647,14 +4573,14 @@
           <p:nvPr>
             <p:extLst>
               <p:ext uri="{D42A27DB-BD31-4B8C-83A1-F6EECF244321}">
-                <p14:modId xmlns:p14="http://schemas.microsoft.com/office/powerpoint/2010/main" val="2924908928"/>
+                <p14:modId xmlns:p14="http://schemas.microsoft.com/office/powerpoint/2010/main" val="3782507345"/>
               </p:ext>
             </p:extLst>
           </p:nvPr>
         </p:nvGraphicFramePr>
         <p:xfrm>
-          <a:off x="15517465" y="9293032"/>
-          <a:ext cx="4291124" cy="2796925"/>
+          <a:off x="13711599" y="8866631"/>
+          <a:ext cx="4291124" cy="2743200"/>
         </p:xfrm>
         <a:graphic>
           <a:graphicData uri="http://schemas.openxmlformats.org/drawingml/2006/table">
@@ -4668,7 +4594,7 @@
                 <a:gridCol w="536394"/>
                 <a:gridCol w="773038"/>
               </a:tblGrid>
-              <a:tr h="510925">
+              <a:tr h="0">
                 <a:tc>
                   <a:txBody>
                     <a:bodyPr/>
@@ -5383,13 +5309,13 @@
           <p:nvPr>
             <p:extLst>
               <p:ext uri="{D42A27DB-BD31-4B8C-83A1-F6EECF244321}">
-                <p14:modId xmlns:p14="http://schemas.microsoft.com/office/powerpoint/2010/main" val="2516754700"/>
+                <p14:modId xmlns:p14="http://schemas.microsoft.com/office/powerpoint/2010/main" val="481690807"/>
               </p:ext>
             </p:extLst>
           </p:nvPr>
         </p:nvGraphicFramePr>
         <p:xfrm>
-          <a:off x="6534157" y="9243624"/>
+          <a:off x="6463600" y="8866631"/>
           <a:ext cx="7177159" cy="4145280"/>
         </p:xfrm>
         <a:graphic>
@@ -5447,7 +5373,21 @@
                           <a:latin typeface="Times New Roman"/>
                           <a:cs typeface="Times New Roman"/>
                         </a:rPr>
-                        <a:t> measurements (direction of the association)</a:t>
+                        <a:t> measurements (direction of </a:t>
+                      </a:r>
+                      <a:r>
+                        <a:rPr lang="en-US" sz="1200" baseline="0" dirty="0" smtClean="0">
+                          <a:latin typeface="Times New Roman"/>
+                          <a:cs typeface="Times New Roman"/>
+                        </a:rPr>
+                        <a:t>association</a:t>
+                      </a:r>
+                      <a:r>
+                        <a:rPr lang="en-US" sz="1200" baseline="0" dirty="0" smtClean="0">
+                          <a:latin typeface="Times New Roman"/>
+                          <a:cs typeface="Times New Roman"/>
+                        </a:rPr>
+                        <a:t>)</a:t>
                       </a:r>
                       <a:endParaRPr lang="en-US" sz="1200" dirty="0">
                         <a:latin typeface="Times New Roman"/>
@@ -7500,7 +7440,7 @@
         </p:nvGrpSpPr>
         <p:grpSpPr>
           <a:xfrm>
-            <a:off x="14201370" y="12721343"/>
+            <a:off x="14226960" y="12151634"/>
             <a:ext cx="2885971" cy="1406854"/>
             <a:chOff x="14462697" y="12538892"/>
             <a:chExt cx="1992969" cy="1054681"/>
@@ -7758,7 +7698,7 @@
         </p:nvGrpSpPr>
         <p:grpSpPr>
           <a:xfrm>
-            <a:off x="14201367" y="13934461"/>
+            <a:off x="14224604" y="13321786"/>
             <a:ext cx="2870292" cy="980264"/>
             <a:chOff x="14462697" y="12538892"/>
             <a:chExt cx="2026967" cy="720000"/>
@@ -8014,7 +7954,7 @@
         </p:nvSpPr>
         <p:spPr>
           <a:xfrm>
-            <a:off x="13928546" y="12237080"/>
+            <a:off x="13915738" y="11750236"/>
             <a:ext cx="7072627" cy="369332"/>
           </a:xfrm>
           <a:prstGeom prst="rect">
@@ -8067,7 +8007,7 @@
         </p:nvGrpSpPr>
         <p:grpSpPr>
           <a:xfrm>
-            <a:off x="17175206" y="12721343"/>
+            <a:off x="17175206" y="12193088"/>
             <a:ext cx="3883116" cy="2597537"/>
             <a:chOff x="14279871" y="14292517"/>
             <a:chExt cx="3089955" cy="1965783"/>
@@ -8748,7 +8688,7 @@
         </p:nvGrpSpPr>
         <p:grpSpPr>
           <a:xfrm>
-            <a:off x="14201367" y="15111135"/>
+            <a:off x="14224604" y="14530582"/>
             <a:ext cx="4497332" cy="1409754"/>
             <a:chOff x="13988751" y="15397372"/>
             <a:chExt cx="4497332" cy="1409754"/>
@@ -9177,7 +9117,7 @@
         </p:nvSpPr>
         <p:spPr>
           <a:xfrm>
-            <a:off x="6463600" y="8949387"/>
+            <a:off x="6463600" y="8458320"/>
             <a:ext cx="7177159" cy="276999"/>
           </a:xfrm>
           <a:prstGeom prst="rect">
@@ -9220,7 +9160,7 @@
         </p:nvSpPr>
         <p:spPr>
           <a:xfrm>
-            <a:off x="14866683" y="9001569"/>
+            <a:off x="13711599" y="8458320"/>
             <a:ext cx="5530840" cy="276999"/>
           </a:xfrm>
           <a:prstGeom prst="rect">
@@ -9332,7 +9272,63 @@
                 <a:latin typeface="Times New Roman"/>
                 <a:cs typeface="Times New Roman"/>
               </a:rPr>
-              <a:t>Boxplots of Neutrophil differential count by knockout condition. The boxplots colored in green correspond to observed data. The boxplot colored in blue correspond to predicted data.</a:t>
+              <a:t>Boxplots of </a:t>
+            </a:r>
+            <a:r>
+              <a:rPr lang="en-US" sz="1200" dirty="0" smtClean="0">
+                <a:latin typeface="Times New Roman"/>
+                <a:cs typeface="Times New Roman"/>
+              </a:rPr>
+              <a:t>neutrophil </a:t>
+            </a:r>
+            <a:r>
+              <a:rPr lang="en-US" sz="1200" dirty="0" smtClean="0">
+                <a:latin typeface="Times New Roman"/>
+                <a:cs typeface="Times New Roman"/>
+              </a:rPr>
+              <a:t>differential count by knockout condition. The </a:t>
+            </a:r>
+            <a:r>
+              <a:rPr lang="en-US" sz="1200" dirty="0" smtClean="0">
+                <a:latin typeface="Times New Roman"/>
+                <a:cs typeface="Times New Roman"/>
+              </a:rPr>
+              <a:t>green boxplots correspond </a:t>
+            </a:r>
+            <a:r>
+              <a:rPr lang="en-US" sz="1200" dirty="0" smtClean="0">
+                <a:latin typeface="Times New Roman"/>
+                <a:cs typeface="Times New Roman"/>
+              </a:rPr>
+              <a:t>to observed </a:t>
+            </a:r>
+            <a:r>
+              <a:rPr lang="en-US" sz="1200" dirty="0" smtClean="0">
+                <a:latin typeface="Times New Roman"/>
+                <a:cs typeface="Times New Roman"/>
+              </a:rPr>
+              <a:t>data and </a:t>
+            </a:r>
+            <a:r>
+              <a:rPr lang="en-US" sz="1200" dirty="0">
+                <a:latin typeface="Times New Roman"/>
+                <a:cs typeface="Times New Roman"/>
+              </a:rPr>
+              <a:t>t</a:t>
+            </a:r>
+            <a:r>
+              <a:rPr lang="en-US" sz="1200" dirty="0" smtClean="0">
+                <a:latin typeface="Times New Roman"/>
+                <a:cs typeface="Times New Roman"/>
+              </a:rPr>
+              <a:t>he blue boxplots </a:t>
+            </a:r>
+            <a:r>
+              <a:rPr lang="en-US" sz="1200" dirty="0" smtClean="0">
+                <a:latin typeface="Times New Roman"/>
+                <a:cs typeface="Times New Roman"/>
+              </a:rPr>
+              <a:t>correspond to predicted data.</a:t>
             </a:r>
             <a:endParaRPr lang="en-US" sz="1200" dirty="0">
               <a:latin typeface="Times New Roman"/>
@@ -9573,7 +9569,7 @@
                 <a:latin typeface="Times New Roman"/>
                 <a:cs typeface="Times New Roman"/>
               </a:rPr>
-              <a:t>Acknowledgment</a:t>
+              <a:t>Acknowledgements</a:t>
             </a:r>
             <a:endParaRPr lang="en-US" sz="2400" b="1" dirty="0">
               <a:latin typeface="Times New Roman"/>
@@ -9591,7 +9587,7 @@
         <p:spPr>
           <a:xfrm>
             <a:off x="21473796" y="11934902"/>
-            <a:ext cx="5927228" cy="1846659"/>
+            <a:ext cx="5637215" cy="2092881"/>
           </a:xfrm>
           <a:prstGeom prst="rect">
             <a:avLst/>
@@ -9609,7 +9605,28 @@
                 <a:latin typeface="Times New Roman"/>
                 <a:cs typeface="Times New Roman"/>
               </a:rPr>
-              <a:t>Gabrielle would like to thank her PhD supervisors, Dr. Erica </a:t>
+              <a:t>GS </a:t>
+            </a:r>
+            <a:r>
+              <a:rPr lang="en-US" sz="1600" dirty="0" smtClean="0">
+                <a:latin typeface="Times New Roman"/>
+                <a:cs typeface="Times New Roman"/>
+              </a:rPr>
+              <a:t>would </a:t>
+            </a:r>
+            <a:r>
+              <a:rPr lang="en-US" sz="1600" dirty="0" smtClean="0">
+                <a:latin typeface="Times New Roman"/>
+                <a:cs typeface="Times New Roman"/>
+              </a:rPr>
+              <a:t>like </a:t>
+            </a:r>
+            <a:r>
+              <a:rPr lang="en-US" sz="1600" dirty="0" smtClean="0">
+                <a:latin typeface="Times New Roman"/>
+                <a:cs typeface="Times New Roman"/>
+              </a:rPr>
+              <a:t>to thank her PhD supervisors, Dr. Erica </a:t>
             </a:r>
             <a:r>
               <a:rPr lang="en-US" sz="1600" dirty="0" err="1" smtClean="0">
@@ -9623,7 +9640,133 @@
                 <a:latin typeface="Times New Roman"/>
                 <a:cs typeface="Times New Roman"/>
               </a:rPr>
-              <a:t> and Dr. Robert Platt, for giving her the opportunity to participate in this competition. Kevin BLABLA. We would like to thank Claudia LAST NAME for her precious insights on the biological prior knowledge of the studied phenotypes.</a:t>
+              <a:t> and Dr. Robert Platt, for giving her the opportunity to participate in this competition</a:t>
+            </a:r>
+            <a:r>
+              <a:rPr lang="en-US" sz="1600" dirty="0" smtClean="0">
+                <a:latin typeface="Times New Roman"/>
+                <a:cs typeface="Times New Roman"/>
+              </a:rPr>
+              <a:t>. KM would like to thank his PhD supervisors Celia </a:t>
+            </a:r>
+            <a:r>
+              <a:rPr lang="en-US" sz="1600" dirty="0" err="1" smtClean="0">
+                <a:latin typeface="Times New Roman"/>
+                <a:cs typeface="Times New Roman"/>
+              </a:rPr>
+              <a:t>Geenwood</a:t>
+            </a:r>
+            <a:r>
+              <a:rPr lang="en-US" sz="1600" dirty="0" smtClean="0">
+                <a:latin typeface="Times New Roman"/>
+                <a:cs typeface="Times New Roman"/>
+              </a:rPr>
+              <a:t> and </a:t>
+            </a:r>
+            <a:r>
+              <a:rPr lang="en-US" sz="1600" dirty="0" err="1" smtClean="0">
+                <a:latin typeface="Times New Roman"/>
+                <a:cs typeface="Times New Roman"/>
+              </a:rPr>
+              <a:t>Aurélie</a:t>
+            </a:r>
+            <a:r>
+              <a:rPr lang="en-US" sz="1600" dirty="0" smtClean="0">
+                <a:latin typeface="Times New Roman"/>
+                <a:cs typeface="Times New Roman"/>
+              </a:rPr>
+              <a:t> </a:t>
+            </a:r>
+            <a:r>
+              <a:rPr lang="en-US" sz="1600" dirty="0" err="1" smtClean="0">
+                <a:latin typeface="Times New Roman"/>
+                <a:cs typeface="Times New Roman"/>
+              </a:rPr>
+              <a:t>Labbe</a:t>
+            </a:r>
+            <a:r>
+              <a:rPr lang="en-US" sz="1600" dirty="0" smtClean="0">
+                <a:latin typeface="Times New Roman"/>
+                <a:cs typeface="Times New Roman"/>
+              </a:rPr>
+              <a:t>. </a:t>
+            </a:r>
+            <a:r>
+              <a:rPr lang="en-US" sz="1600" dirty="0" smtClean="0">
+                <a:latin typeface="Times New Roman"/>
+                <a:cs typeface="Times New Roman"/>
+              </a:rPr>
+              <a:t>We </a:t>
+            </a:r>
+            <a:r>
+              <a:rPr lang="en-US" sz="1600" dirty="0" smtClean="0">
+                <a:latin typeface="Times New Roman"/>
+                <a:cs typeface="Times New Roman"/>
+              </a:rPr>
+              <a:t>would also </a:t>
+            </a:r>
+            <a:r>
+              <a:rPr lang="en-US" sz="1600" dirty="0" smtClean="0">
+                <a:latin typeface="Times New Roman"/>
+                <a:cs typeface="Times New Roman"/>
+              </a:rPr>
+              <a:t>like to thank Claudia </a:t>
+            </a:r>
+            <a:r>
+              <a:rPr lang="en-US" sz="1600" dirty="0" err="1" smtClean="0">
+                <a:latin typeface="Times New Roman"/>
+                <a:cs typeface="Times New Roman"/>
+              </a:rPr>
+              <a:t>Kleinman</a:t>
+            </a:r>
+            <a:r>
+              <a:rPr lang="en-US" sz="1600" dirty="0" smtClean="0">
+                <a:latin typeface="Times New Roman"/>
+                <a:cs typeface="Times New Roman"/>
+              </a:rPr>
+              <a:t> for </a:t>
+            </a:r>
+            <a:r>
+              <a:rPr lang="en-US" sz="1600" dirty="0" smtClean="0">
+                <a:latin typeface="Times New Roman"/>
+                <a:cs typeface="Times New Roman"/>
+              </a:rPr>
+              <a:t>her precious insights on the </a:t>
+            </a:r>
+            <a:r>
+              <a:rPr lang="en-US" sz="1600" smtClean="0">
+                <a:latin typeface="Times New Roman"/>
+                <a:cs typeface="Times New Roman"/>
+              </a:rPr>
+              <a:t>biological </a:t>
+            </a:r>
+            <a:r>
+              <a:rPr lang="en-US" sz="1600" smtClean="0">
+                <a:latin typeface="Times New Roman"/>
+                <a:cs typeface="Times New Roman"/>
+              </a:rPr>
+              <a:t>interpretations</a:t>
+            </a:r>
+            <a:r>
+              <a:rPr lang="en-US" sz="1600">
+                <a:latin typeface="Times New Roman"/>
+                <a:cs typeface="Times New Roman"/>
+              </a:rPr>
+              <a:t> </a:t>
+            </a:r>
+            <a:r>
+              <a:rPr lang="en-US" sz="1600" smtClean="0">
+                <a:latin typeface="Times New Roman"/>
+                <a:cs typeface="Times New Roman"/>
+              </a:rPr>
+              <a:t>of </a:t>
+            </a:r>
+            <a:r>
+              <a:rPr lang="en-US" sz="1600" dirty="0" smtClean="0">
+                <a:latin typeface="Times New Roman"/>
+                <a:cs typeface="Times New Roman"/>
+              </a:rPr>
+              <a:t>the studied phenotypes.</a:t>
             </a:r>
           </a:p>
           <a:p>
@@ -9759,6 +9902,36 @@
           </a:p>
         </p:txBody>
       </p:sp>
+      <p:pic>
+        <p:nvPicPr>
+          <p:cNvPr id="29" name="Picture 28" descr="blood_diagram.png"/>
+          <p:cNvPicPr>
+            <a:picLocks noChangeAspect="1"/>
+          </p:cNvPicPr>
+          <p:nvPr/>
+        </p:nvPicPr>
+        <p:blipFill>
+          <a:blip r:embed="rId7">
+            <a:extLst>
+              <a:ext uri="{28A0092B-C50C-407E-A947-70E740481C1C}">
+                <a14:useLocalDpi xmlns:a14="http://schemas.microsoft.com/office/drawing/2010/main" val="0"/>
+              </a:ext>
+            </a:extLst>
+          </a:blip>
+          <a:stretch>
+            <a:fillRect/>
+          </a:stretch>
+        </p:blipFill>
+        <p:spPr>
+          <a:xfrm>
+            <a:off x="18171761" y="9325798"/>
+            <a:ext cx="2879183" cy="1793468"/>
+          </a:xfrm>
+          <a:prstGeom prst="rect">
+            <a:avLst/>
+          </a:prstGeom>
+        </p:spPr>
+      </p:pic>
     </p:spTree>
     <p:extLst>
       <p:ext uri="{BB962C8B-B14F-4D97-AF65-F5344CB8AC3E}">

--- a/Poster.pptx
+++ b/Poster.pptx
@@ -3280,7 +3280,7 @@
         </p:blipFill>
         <p:spPr>
           <a:xfrm>
-            <a:off x="24820954" y="1344889"/>
+            <a:off x="22179354" y="148559"/>
             <a:ext cx="2272960" cy="1418381"/>
           </a:xfrm>
           <a:prstGeom prst="rect">
@@ -3350,8 +3350,8 @@
         </p:nvSpPr>
         <p:spPr>
           <a:xfrm>
-            <a:off x="258399" y="83239"/>
-            <a:ext cx="26852612" cy="830997"/>
+            <a:off x="-205942" y="274278"/>
+            <a:ext cx="26852612" cy="707886"/>
           </a:xfrm>
           <a:prstGeom prst="rect">
             <a:avLst/>
@@ -3366,16 +3366,16 @@
           <a:p>
             <a:pPr algn="ctr"/>
             <a:r>
-              <a:rPr lang="en-US" sz="4800" b="1" dirty="0" smtClean="0">
+              <a:rPr lang="en-US" sz="4000" b="1" dirty="0" smtClean="0">
                 <a:solidFill>
                   <a:srgbClr val="DA0000"/>
                 </a:solidFill>
                 <a:latin typeface="Times New Roman"/>
                 <a:cs typeface="Times New Roman"/>
               </a:rPr>
-              <a:t>TITLE – LUDMER logo??</a:t>
-            </a:r>
-            <a:endParaRPr lang="en-US" sz="4800" b="1" dirty="0">
+              <a:t>Causal Challenge 2016 - Mouse gene knockouts: prediction and causal inference</a:t>
+            </a:r>
+            <a:endParaRPr lang="en-US" sz="4000" b="1" dirty="0">
               <a:solidFill>
                 <a:srgbClr val="DA0000"/>
               </a:solidFill>
@@ -3997,7 +3997,7 @@
         </p:blipFill>
         <p:spPr>
           <a:xfrm>
-            <a:off x="24224593" y="171328"/>
+            <a:off x="24224593" y="319016"/>
             <a:ext cx="2869322" cy="1247924"/>
           </a:xfrm>
           <a:prstGeom prst="rect">
@@ -9143,7 +9143,14 @@
                 <a:latin typeface="Times New Roman"/>
                 <a:cs typeface="Times New Roman"/>
               </a:rPr>
-              <a:t>Knockout-phenotypes significant causal relationships</a:t>
+              <a:t>Knockout-phenotypes significant </a:t>
+            </a:r>
+            <a:r>
+              <a:rPr lang="en-US" sz="1200" dirty="0" smtClean="0">
+                <a:latin typeface="Times New Roman"/>
+                <a:cs typeface="Times New Roman"/>
+              </a:rPr>
+              <a:t>relationships</a:t>
             </a:r>
             <a:endParaRPr lang="en-US" sz="1200" dirty="0">
               <a:latin typeface="Times New Roman"/>
@@ -9160,8 +9167,8 @@
         </p:nvSpPr>
         <p:spPr>
           <a:xfrm>
-            <a:off x="13711599" y="8458320"/>
-            <a:ext cx="5530840" cy="276999"/>
+            <a:off x="13499513" y="8458320"/>
+            <a:ext cx="4934706" cy="276999"/>
           </a:xfrm>
           <a:prstGeom prst="rect">
             <a:avLst/>
@@ -9186,7 +9193,21 @@
                 <a:latin typeface="Times New Roman"/>
                 <a:cs typeface="Times New Roman"/>
               </a:rPr>
-              <a:t> Knockout-phenotypes significant causal relationships for knockout 3803_1</a:t>
+              <a:t> Knockout-phenotypes </a:t>
+            </a:r>
+            <a:r>
+              <a:rPr lang="en-US" sz="1200" dirty="0" smtClean="0">
+                <a:latin typeface="Times New Roman"/>
+                <a:cs typeface="Times New Roman"/>
+              </a:rPr>
+              <a:t>significant relationships </a:t>
+            </a:r>
+            <a:r>
+              <a:rPr lang="en-US" sz="1200" dirty="0" smtClean="0">
+                <a:latin typeface="Times New Roman"/>
+                <a:cs typeface="Times New Roman"/>
+              </a:rPr>
+              <a:t>for knockout 3803_1</a:t>
             </a:r>
             <a:endParaRPr lang="en-US" sz="1200" dirty="0">
               <a:latin typeface="Times New Roman"/>
@@ -9204,7 +9225,7 @@
         <p:spPr>
           <a:xfrm>
             <a:off x="6649419" y="7739468"/>
-            <a:ext cx="7177159" cy="276999"/>
+            <a:ext cx="6118313" cy="461665"/>
           </a:xfrm>
           <a:prstGeom prst="rect">
             <a:avLst/>
@@ -9229,7 +9250,23 @@
                 <a:latin typeface="Times New Roman"/>
                 <a:cs typeface="Times New Roman"/>
               </a:rPr>
-              <a:t>Simulation results </a:t>
+              <a:t>Results from simulation with 100 replications.  In each replication</a:t>
+            </a:r>
+            <a:r>
+              <a:rPr lang="en-US" sz="1200" dirty="0" smtClean="0">
+                <a:latin typeface="Times New Roman"/>
+                <a:cs typeface="Times New Roman"/>
+              </a:rPr>
+              <a:t> five variables were</a:t>
+            </a:r>
+          </a:p>
+          <a:p>
+            <a:r>
+              <a:rPr lang="en-US" sz="1200" dirty="0" smtClean="0">
+                <a:latin typeface="Times New Roman"/>
+                <a:cs typeface="Times New Roman"/>
+              </a:rPr>
+              <a:t>deleted for five different knockout conditions and the MSE of the imputed values was calculated.</a:t>
             </a:r>
             <a:endParaRPr lang="en-US" sz="1200" dirty="0">
               <a:latin typeface="Times New Roman"/>
@@ -9246,8 +9283,8 @@
         </p:nvSpPr>
         <p:spPr>
           <a:xfrm>
-            <a:off x="13960510" y="7722758"/>
-            <a:ext cx="7177159" cy="461665"/>
+            <a:off x="13220364" y="7744636"/>
+            <a:ext cx="7391736" cy="461665"/>
           </a:xfrm>
           <a:prstGeom prst="rect">
             <a:avLst/>
@@ -9549,7 +9586,7 @@
         </p:nvSpPr>
         <p:spPr>
           <a:xfrm>
-            <a:off x="21528016" y="11171431"/>
+            <a:off x="21513906" y="11473237"/>
             <a:ext cx="5693024" cy="461665"/>
           </a:xfrm>
           <a:prstGeom prst="rect">
@@ -9587,7 +9624,7 @@
         <p:spPr>
           <a:xfrm>
             <a:off x="21473796" y="11934902"/>
-            <a:ext cx="5637215" cy="2092881"/>
+            <a:ext cx="5637215" cy="1692771"/>
           </a:xfrm>
           <a:prstGeom prst="rect">
             <a:avLst/>
@@ -9601,168 +9638,161 @@
           <a:lstStyle/>
           <a:p>
             <a:r>
-              <a:rPr lang="en-US" sz="1600" dirty="0" smtClean="0">
+              <a:rPr lang="en-US" sz="1400" dirty="0" smtClean="0">
                 <a:latin typeface="Times New Roman"/>
                 <a:cs typeface="Times New Roman"/>
               </a:rPr>
               <a:t>GS </a:t>
             </a:r>
             <a:r>
-              <a:rPr lang="en-US" sz="1600" dirty="0" smtClean="0">
+              <a:rPr lang="en-US" sz="1400" dirty="0" smtClean="0">
                 <a:latin typeface="Times New Roman"/>
                 <a:cs typeface="Times New Roman"/>
               </a:rPr>
               <a:t>would </a:t>
             </a:r>
             <a:r>
-              <a:rPr lang="en-US" sz="1600" dirty="0" smtClean="0">
+              <a:rPr lang="en-US" sz="1400" dirty="0" smtClean="0">
                 <a:latin typeface="Times New Roman"/>
                 <a:cs typeface="Times New Roman"/>
               </a:rPr>
               <a:t>like </a:t>
             </a:r>
             <a:r>
-              <a:rPr lang="en-US" sz="1600" dirty="0" smtClean="0">
+              <a:rPr lang="en-US" sz="1400" dirty="0" smtClean="0">
                 <a:latin typeface="Times New Roman"/>
                 <a:cs typeface="Times New Roman"/>
               </a:rPr>
               <a:t>to thank her PhD supervisors, Dr. Erica </a:t>
             </a:r>
             <a:r>
-              <a:rPr lang="en-US" sz="1600" dirty="0" err="1" smtClean="0">
+              <a:rPr lang="en-US" sz="1400" dirty="0" err="1" smtClean="0">
                 <a:latin typeface="Times New Roman"/>
                 <a:cs typeface="Times New Roman"/>
               </a:rPr>
               <a:t>Moodie</a:t>
             </a:r>
             <a:r>
-              <a:rPr lang="en-US" sz="1600" dirty="0" smtClean="0">
+              <a:rPr lang="en-US" sz="1400" dirty="0" smtClean="0">
                 <a:latin typeface="Times New Roman"/>
                 <a:cs typeface="Times New Roman"/>
               </a:rPr>
               <a:t> and Dr. Robert Platt, for giving her the opportunity to participate in this competition</a:t>
             </a:r>
             <a:r>
-              <a:rPr lang="en-US" sz="1600" dirty="0" smtClean="0">
+              <a:rPr lang="en-US" sz="1400" dirty="0" smtClean="0">
                 <a:latin typeface="Times New Roman"/>
                 <a:cs typeface="Times New Roman"/>
               </a:rPr>
               <a:t>. KM would like to thank his PhD supervisors Celia </a:t>
             </a:r>
             <a:r>
-              <a:rPr lang="en-US" sz="1600" dirty="0" err="1" smtClean="0">
+              <a:rPr lang="en-US" sz="1400" dirty="0" err="1" smtClean="0">
                 <a:latin typeface="Times New Roman"/>
                 <a:cs typeface="Times New Roman"/>
               </a:rPr>
               <a:t>Geenwood</a:t>
             </a:r>
             <a:r>
-              <a:rPr lang="en-US" sz="1600" dirty="0" smtClean="0">
+              <a:rPr lang="en-US" sz="1400" dirty="0" smtClean="0">
                 <a:latin typeface="Times New Roman"/>
                 <a:cs typeface="Times New Roman"/>
               </a:rPr>
               <a:t> and </a:t>
             </a:r>
             <a:r>
-              <a:rPr lang="en-US" sz="1600" dirty="0" err="1" smtClean="0">
+              <a:rPr lang="en-US" sz="1400" dirty="0" err="1" smtClean="0">
                 <a:latin typeface="Times New Roman"/>
                 <a:cs typeface="Times New Roman"/>
               </a:rPr>
               <a:t>Aurélie</a:t>
             </a:r>
             <a:r>
-              <a:rPr lang="en-US" sz="1600" dirty="0" smtClean="0">
+              <a:rPr lang="en-US" sz="1400" dirty="0" smtClean="0">
                 <a:latin typeface="Times New Roman"/>
                 <a:cs typeface="Times New Roman"/>
               </a:rPr>
               <a:t> </a:t>
             </a:r>
             <a:r>
-              <a:rPr lang="en-US" sz="1600" dirty="0" err="1" smtClean="0">
+              <a:rPr lang="en-US" sz="1400" dirty="0" err="1" smtClean="0">
                 <a:latin typeface="Times New Roman"/>
                 <a:cs typeface="Times New Roman"/>
               </a:rPr>
               <a:t>Labbe</a:t>
             </a:r>
             <a:r>
-              <a:rPr lang="en-US" sz="1600" dirty="0" smtClean="0">
+              <a:rPr lang="en-US" sz="1400" dirty="0" smtClean="0">
                 <a:latin typeface="Times New Roman"/>
                 <a:cs typeface="Times New Roman"/>
               </a:rPr>
               <a:t>. </a:t>
             </a:r>
             <a:r>
-              <a:rPr lang="en-US" sz="1600" dirty="0" smtClean="0">
+              <a:rPr lang="en-US" sz="1400" dirty="0" smtClean="0">
                 <a:latin typeface="Times New Roman"/>
                 <a:cs typeface="Times New Roman"/>
               </a:rPr>
               <a:t>We </a:t>
             </a:r>
             <a:r>
-              <a:rPr lang="en-US" sz="1600" dirty="0" smtClean="0">
+              <a:rPr lang="en-US" sz="1400" dirty="0" smtClean="0">
                 <a:latin typeface="Times New Roman"/>
                 <a:cs typeface="Times New Roman"/>
               </a:rPr>
               <a:t>would also </a:t>
             </a:r>
             <a:r>
-              <a:rPr lang="en-US" sz="1600" dirty="0" smtClean="0">
+              <a:rPr lang="en-US" sz="1400" dirty="0" smtClean="0">
                 <a:latin typeface="Times New Roman"/>
                 <a:cs typeface="Times New Roman"/>
               </a:rPr>
               <a:t>like to thank Claudia </a:t>
             </a:r>
             <a:r>
-              <a:rPr lang="en-US" sz="1600" dirty="0" err="1" smtClean="0">
+              <a:rPr lang="en-US" sz="1400" dirty="0" err="1" smtClean="0">
                 <a:latin typeface="Times New Roman"/>
                 <a:cs typeface="Times New Roman"/>
               </a:rPr>
               <a:t>Kleinman</a:t>
             </a:r>
             <a:r>
-              <a:rPr lang="en-US" sz="1600" dirty="0" smtClean="0">
+              <a:rPr lang="en-US" sz="1400" dirty="0" smtClean="0">
                 <a:latin typeface="Times New Roman"/>
                 <a:cs typeface="Times New Roman"/>
               </a:rPr>
               <a:t> for </a:t>
             </a:r>
             <a:r>
-              <a:rPr lang="en-US" sz="1600" dirty="0" smtClean="0">
-                <a:latin typeface="Times New Roman"/>
-                <a:cs typeface="Times New Roman"/>
-              </a:rPr>
-              <a:t>her precious insights on the </a:t>
-            </a:r>
-            <a:r>
-              <a:rPr lang="en-US" sz="1600" smtClean="0">
-                <a:latin typeface="Times New Roman"/>
-                <a:cs typeface="Times New Roman"/>
-              </a:rPr>
-              <a:t>biological </a:t>
-            </a:r>
-            <a:r>
-              <a:rPr lang="en-US" sz="1600" smtClean="0">
+              <a:rPr lang="en-US" sz="1400" dirty="0" smtClean="0">
+                <a:latin typeface="Times New Roman"/>
+                <a:cs typeface="Times New Roman"/>
+              </a:rPr>
+              <a:t>her precious insights on the biological </a:t>
+            </a:r>
+            <a:r>
+              <a:rPr lang="en-US" sz="1400" dirty="0" smtClean="0">
                 <a:latin typeface="Times New Roman"/>
                 <a:cs typeface="Times New Roman"/>
               </a:rPr>
               <a:t>interpretations</a:t>
             </a:r>
             <a:r>
-              <a:rPr lang="en-US" sz="1600">
+              <a:rPr lang="en-US" sz="1400" dirty="0">
                 <a:latin typeface="Times New Roman"/>
                 <a:cs typeface="Times New Roman"/>
               </a:rPr>
               <a:t> </a:t>
             </a:r>
             <a:r>
-              <a:rPr lang="en-US" sz="1600" smtClean="0">
+              <a:rPr lang="en-US" sz="1400" dirty="0" smtClean="0">
                 <a:latin typeface="Times New Roman"/>
                 <a:cs typeface="Times New Roman"/>
               </a:rPr>
               <a:t>of </a:t>
             </a:r>
             <a:r>
-              <a:rPr lang="en-US" sz="1600" dirty="0" smtClean="0">
+              <a:rPr lang="en-US" sz="1400" dirty="0" smtClean="0">
                 <a:latin typeface="Times New Roman"/>
                 <a:cs typeface="Times New Roman"/>
               </a:rPr>
@@ -9924,7 +9954,7 @@
         </p:blipFill>
         <p:spPr>
           <a:xfrm>
-            <a:off x="18171761" y="9325798"/>
+            <a:off x="18171761" y="8905803"/>
             <a:ext cx="2879183" cy="1793468"/>
           </a:xfrm>
           <a:prstGeom prst="rect">
@@ -9932,6 +9962,289 @@
           </a:prstGeom>
         </p:spPr>
       </p:pic>
+      <p:sp>
+        <p:nvSpPr>
+          <p:cNvPr id="110" name="TextBox 109"/>
+          <p:cNvSpPr txBox="1"/>
+          <p:nvPr/>
+        </p:nvSpPr>
+        <p:spPr>
+          <a:xfrm>
+            <a:off x="18294456" y="10843567"/>
+            <a:ext cx="2843214" cy="461665"/>
+          </a:xfrm>
+          <a:prstGeom prst="rect">
+            <a:avLst/>
+          </a:prstGeom>
+          <a:noFill/>
+        </p:spPr>
+        <p:txBody>
+          <a:bodyPr wrap="square" rtlCol="0">
+            <a:spAutoFit/>
+          </a:bodyPr>
+          <a:lstStyle/>
+          <a:p>
+            <a:r>
+              <a:rPr lang="en-US" sz="1200" b="1" dirty="0" smtClean="0">
+                <a:latin typeface="Times New Roman"/>
+                <a:cs typeface="Times New Roman"/>
+              </a:rPr>
+              <a:t>Figure 3. </a:t>
+            </a:r>
+            <a:r>
+              <a:rPr lang="en-US" sz="1200" dirty="0">
+                <a:latin typeface="Times New Roman"/>
+                <a:cs typeface="Times New Roman"/>
+              </a:rPr>
+              <a:t> </a:t>
+            </a:r>
+            <a:r>
+              <a:rPr lang="en-US" sz="1200" dirty="0" smtClean="0">
+                <a:latin typeface="Times New Roman"/>
+                <a:cs typeface="Times New Roman"/>
+              </a:rPr>
+              <a:t>Range of components of mouse blood</a:t>
+            </a:r>
+            <a:r>
+              <a:rPr lang="en-US" sz="1200" dirty="0" smtClean="0">
+                <a:latin typeface="Times New Roman"/>
+                <a:cs typeface="Times New Roman"/>
+              </a:rPr>
+              <a:t> </a:t>
+            </a:r>
+            <a:endParaRPr lang="en-US" sz="1200" dirty="0">
+              <a:latin typeface="Times New Roman"/>
+              <a:cs typeface="Times New Roman"/>
+            </a:endParaRPr>
+          </a:p>
+        </p:txBody>
+      </p:sp>
+      <p:sp>
+        <p:nvSpPr>
+          <p:cNvPr id="35" name="TextBox 34"/>
+          <p:cNvSpPr txBox="1"/>
+          <p:nvPr/>
+        </p:nvSpPr>
+        <p:spPr>
+          <a:xfrm>
+            <a:off x="6463600" y="13321786"/>
+            <a:ext cx="7177159" cy="1569660"/>
+          </a:xfrm>
+          <a:prstGeom prst="rect">
+            <a:avLst/>
+          </a:prstGeom>
+          <a:noFill/>
+        </p:spPr>
+        <p:txBody>
+          <a:bodyPr wrap="square" rtlCol="0">
+            <a:spAutoFit/>
+          </a:bodyPr>
+          <a:lstStyle/>
+          <a:p>
+            <a:pPr marL="285750" indent="-285750">
+              <a:buFont typeface="Arial"/>
+              <a:buChar char="•"/>
+            </a:pPr>
+            <a:r>
+              <a:rPr lang="en-US" sz="1600" dirty="0" smtClean="0">
+                <a:latin typeface="Times New Roman"/>
+                <a:cs typeface="Times New Roman"/>
+              </a:rPr>
+              <a:t>Each phenotypic variable falls into one of three categories: </a:t>
+            </a:r>
+            <a:r>
+              <a:rPr lang="en-US" sz="1600" dirty="0" smtClean="0">
+                <a:solidFill>
+                  <a:srgbClr val="FF0000"/>
+                </a:solidFill>
+                <a:latin typeface="Times New Roman"/>
+                <a:cs typeface="Times New Roman"/>
+              </a:rPr>
+              <a:t>red blood cells</a:t>
+            </a:r>
+            <a:r>
+              <a:rPr lang="en-US" sz="1600" dirty="0" smtClean="0">
+                <a:latin typeface="Times New Roman"/>
+                <a:cs typeface="Times New Roman"/>
+              </a:rPr>
+              <a:t>,</a:t>
+            </a:r>
+            <a:r>
+              <a:rPr lang="en-US" sz="1600" dirty="0" smtClean="0">
+                <a:solidFill>
+                  <a:srgbClr val="FF0000"/>
+                </a:solidFill>
+                <a:latin typeface="Times New Roman"/>
+                <a:cs typeface="Times New Roman"/>
+              </a:rPr>
+              <a:t> </a:t>
+            </a:r>
+            <a:r>
+              <a:rPr lang="en-US" sz="1600" dirty="0" smtClean="0">
+                <a:solidFill>
+                  <a:schemeClr val="accent5"/>
+                </a:solidFill>
+                <a:latin typeface="Times New Roman"/>
+                <a:cs typeface="Times New Roman"/>
+              </a:rPr>
+              <a:t>white blood cells</a:t>
+            </a:r>
+            <a:r>
+              <a:rPr lang="en-US" sz="1600" dirty="0" smtClean="0">
+                <a:latin typeface="Times New Roman"/>
+                <a:cs typeface="Times New Roman"/>
+              </a:rPr>
+              <a:t>, and</a:t>
+            </a:r>
+            <a:r>
+              <a:rPr lang="en-US" sz="1600" dirty="0" smtClean="0">
+                <a:solidFill>
+                  <a:schemeClr val="accent5"/>
+                </a:solidFill>
+                <a:latin typeface="Times New Roman"/>
+                <a:cs typeface="Times New Roman"/>
+              </a:rPr>
+              <a:t> </a:t>
+            </a:r>
+            <a:r>
+              <a:rPr lang="en-US" sz="1600" dirty="0" smtClean="0">
+                <a:solidFill>
+                  <a:srgbClr val="045C0E"/>
+                </a:solidFill>
+                <a:latin typeface="Times New Roman"/>
+                <a:cs typeface="Times New Roman"/>
+              </a:rPr>
+              <a:t>platelets.</a:t>
+            </a:r>
+            <a:endParaRPr lang="en-US" sz="1600" dirty="0" smtClean="0">
+              <a:latin typeface="Times New Roman"/>
+              <a:cs typeface="Times New Roman"/>
+            </a:endParaRPr>
+          </a:p>
+          <a:p>
+            <a:pPr marL="285750" indent="-285750">
+              <a:buFont typeface="Arial"/>
+              <a:buChar char="•"/>
+            </a:pPr>
+            <a:r>
+              <a:rPr lang="en-US" sz="1600" dirty="0" smtClean="0">
+                <a:latin typeface="Times New Roman"/>
+                <a:cs typeface="Times New Roman"/>
+              </a:rPr>
+              <a:t>Many associations will appear due to construction of variables (i.e. lymphocyte cell count and lymphocyte differential count.)</a:t>
+            </a:r>
+          </a:p>
+          <a:p>
+            <a:pPr marL="285750" indent="-285750">
+              <a:buFont typeface="Arial"/>
+              <a:buChar char="•"/>
+            </a:pPr>
+            <a:r>
+              <a:rPr lang="en-US" sz="1600" dirty="0" smtClean="0">
+                <a:latin typeface="Times New Roman"/>
+                <a:cs typeface="Times New Roman"/>
+              </a:rPr>
+              <a:t>Causal direction, direct/indirect……</a:t>
+            </a:r>
+          </a:p>
+          <a:p>
+            <a:pPr marL="285750" indent="-285750">
+              <a:buFont typeface="Arial"/>
+              <a:buChar char="•"/>
+            </a:pPr>
+            <a:r>
+              <a:rPr lang="en-US" sz="1600" dirty="0" smtClean="0">
+                <a:latin typeface="Times New Roman"/>
+                <a:cs typeface="Times New Roman"/>
+              </a:rPr>
+              <a:t>Percentage in blood is important…..</a:t>
+            </a:r>
+          </a:p>
+        </p:txBody>
+      </p:sp>
+      <p:pic>
+        <p:nvPicPr>
+          <p:cNvPr id="36" name="Picture 35" descr="Logo-LUDMER.png"/>
+          <p:cNvPicPr>
+            <a:picLocks noChangeAspect="1"/>
+          </p:cNvPicPr>
+          <p:nvPr/>
+        </p:nvPicPr>
+        <p:blipFill>
+          <a:blip r:embed="rId8">
+            <a:extLst>
+              <a:ext uri="{28A0092B-C50C-407E-A947-70E740481C1C}">
+                <a14:useLocalDpi xmlns:a14="http://schemas.microsoft.com/office/drawing/2010/main" val="0"/>
+              </a:ext>
+            </a:extLst>
+          </a:blip>
+          <a:stretch>
+            <a:fillRect/>
+          </a:stretch>
+        </p:blipFill>
+        <p:spPr>
+          <a:xfrm>
+            <a:off x="22274724" y="1584328"/>
+            <a:ext cx="4355179" cy="1081873"/>
+          </a:xfrm>
+          <a:prstGeom prst="rect">
+            <a:avLst/>
+          </a:prstGeom>
+        </p:spPr>
+      </p:pic>
+      <p:sp>
+        <p:nvSpPr>
+          <p:cNvPr id="111" name="TextBox 110"/>
+          <p:cNvSpPr txBox="1"/>
+          <p:nvPr/>
+        </p:nvSpPr>
+        <p:spPr>
+          <a:xfrm>
+            <a:off x="217784" y="982164"/>
+            <a:ext cx="26852612" cy="584776"/>
+          </a:xfrm>
+          <a:prstGeom prst="rect">
+            <a:avLst/>
+          </a:prstGeom>
+          <a:noFill/>
+        </p:spPr>
+        <p:txBody>
+          <a:bodyPr wrap="square" rtlCol="0">
+            <a:spAutoFit/>
+          </a:bodyPr>
+          <a:lstStyle/>
+          <a:p>
+            <a:pPr algn="ctr"/>
+            <a:r>
+              <a:rPr lang="en-US" sz="3200" b="1" dirty="0" smtClean="0">
+                <a:solidFill>
+                  <a:srgbClr val="DA0000"/>
+                </a:solidFill>
+                <a:latin typeface="Times New Roman"/>
+                <a:cs typeface="Times New Roman"/>
+              </a:rPr>
+              <a:t>Team name: The </a:t>
+            </a:r>
+            <a:r>
+              <a:rPr lang="en-US" sz="3200" b="1" dirty="0" err="1" smtClean="0">
+                <a:solidFill>
+                  <a:srgbClr val="DA0000"/>
+                </a:solidFill>
+                <a:latin typeface="Times New Roman"/>
+                <a:cs typeface="Times New Roman"/>
+              </a:rPr>
+              <a:t>Noncompliers</a:t>
+            </a:r>
+            <a:endParaRPr lang="en-US" sz="3200" b="1" dirty="0">
+              <a:solidFill>
+                <a:srgbClr val="DA0000"/>
+              </a:solidFill>
+              <a:latin typeface="Times New Roman"/>
+              <a:cs typeface="Times New Roman"/>
+            </a:endParaRPr>
+          </a:p>
+        </p:txBody>
+      </p:sp>
     </p:spTree>
     <p:extLst>
       <p:ext uri="{BB962C8B-B14F-4D97-AF65-F5344CB8AC3E}">

--- a/Poster.pptx
+++ b/Poster.pptx
@@ -4180,7 +4180,7 @@
         <p:spPr>
           <a:xfrm>
             <a:off x="258399" y="10048637"/>
-            <a:ext cx="5675537" cy="3046988"/>
+            <a:ext cx="5675537" cy="3539430"/>
           </a:xfrm>
           <a:prstGeom prst="rect">
             <a:avLst/>
@@ -4213,8 +4213,19 @@
                 <a:latin typeface="Times New Roman"/>
                 <a:cs typeface="Times New Roman"/>
               </a:rPr>
-              <a:t> (MICE):</a:t>
-            </a:r>
+              <a:t> (MICE</a:t>
+            </a:r>
+            <a:r>
+              <a:rPr lang="en-US" sz="1600" dirty="0" smtClean="0">
+                <a:latin typeface="Times New Roman"/>
+                <a:cs typeface="Times New Roman"/>
+              </a:rPr>
+              <a:t>) [1]:</a:t>
+            </a:r>
+            <a:endParaRPr lang="en-US" sz="1600" dirty="0" smtClean="0">
+              <a:latin typeface="Times New Roman"/>
+              <a:cs typeface="Times New Roman"/>
+            </a:endParaRPr>
           </a:p>
           <a:p>
             <a:pPr marL="285750" indent="-285750" algn="just">
@@ -4272,8 +4283,28 @@
                 <a:latin typeface="Times New Roman"/>
                 <a:cs typeface="Times New Roman"/>
               </a:rPr>
-              <a:t>NEED TO INCLUDE MIX-MATHCING + FINALLY PREDICTION USING DIRECT CALCULATIONS??</a:t>
-            </a:r>
+              <a:t>Lymphocyte differential was predicted via a direct calculation (</a:t>
+            </a:r>
+            <a:r>
+              <a:rPr lang="en-US" sz="1600" dirty="0" err="1" smtClean="0">
+                <a:latin typeface="Times New Roman"/>
+                <a:cs typeface="Times New Roman"/>
+              </a:rPr>
+              <a:t>lymphoctye</a:t>
+            </a:r>
+            <a:r>
+              <a:rPr lang="en-US" sz="1600" dirty="0" smtClean="0">
+                <a:latin typeface="Times New Roman"/>
+                <a:cs typeface="Times New Roman"/>
+              </a:rPr>
+              <a:t> count/total WBC count). Neutrophil differential predictive model formed from OLS on complete observations.</a:t>
+            </a:r>
+          </a:p>
+          <a:p>
+            <a:pPr marL="285750" indent="-285750" algn="just">
+              <a:buFont typeface="Arial"/>
+              <a:buChar char="•"/>
+            </a:pPr>
             <a:endParaRPr lang="en-US" sz="1600" dirty="0">
               <a:latin typeface="Times New Roman"/>
               <a:cs typeface="Times New Roman"/>
@@ -4362,7 +4393,7 @@
         <p:spPr>
           <a:xfrm>
             <a:off x="21504772" y="14610975"/>
-            <a:ext cx="5927228" cy="1569660"/>
+            <a:ext cx="5606239" cy="1846659"/>
           </a:xfrm>
           <a:prstGeom prst="rect">
             <a:avLst/>
@@ -4380,7 +4411,7 @@
                 <a:latin typeface="Times New Roman"/>
                 <a:cs typeface="Times New Roman"/>
               </a:rPr>
-              <a:t>White</a:t>
+              <a:t>[1] White</a:t>
             </a:r>
             <a:r>
               <a:rPr lang="en-US" sz="1200" dirty="0">
@@ -4427,33 +4458,120 @@
           </a:p>
           <a:p>
             <a:r>
+              <a:rPr lang="en-US" sz="1200" dirty="0" smtClean="0"/>
+              <a:t>[2] Freedman</a:t>
+            </a:r>
+            <a:r>
+              <a:rPr lang="en-US" sz="1200" dirty="0"/>
+              <a:t>, David A. "On the so-called “Huber sandwich estimator” and “robust standard errors”." </a:t>
+            </a:r>
+            <a:r>
+              <a:rPr lang="en-US" sz="1200" i="1" dirty="0"/>
+              <a:t>The American Statistician</a:t>
+            </a:r>
+            <a:r>
+              <a:rPr lang="en-US" sz="1200" dirty="0"/>
+              <a:t> (2012)</a:t>
+            </a:r>
+            <a:r>
+              <a:rPr lang="en-US" sz="1200" dirty="0" smtClean="0"/>
+              <a:t>.</a:t>
+            </a:r>
+            <a:endParaRPr lang="en-US" sz="1200" dirty="0">
+              <a:solidFill>
+                <a:srgbClr val="000000"/>
+              </a:solidFill>
+              <a:latin typeface="Times New Roman"/>
+              <a:cs typeface="Times New Roman"/>
+            </a:endParaRPr>
+          </a:p>
+          <a:p>
+            <a:r>
               <a:rPr lang="en-US" sz="1200" dirty="0" smtClean="0">
-                <a:latin typeface="Times New Roman"/>
-                <a:cs typeface="Times New Roman"/>
-              </a:rPr>
-              <a:t>Sandwich </a:t>
-            </a:r>
-          </a:p>
-          <a:p>
+                <a:solidFill>
+                  <a:srgbClr val="000000"/>
+                </a:solidFill>
+                <a:latin typeface="Times New Roman"/>
+                <a:cs typeface="Times New Roman"/>
+              </a:rPr>
+              <a:t>[3] </a:t>
+            </a:r>
+            <a:r>
+              <a:rPr lang="en-US" sz="1200" dirty="0">
+                <a:solidFill>
+                  <a:srgbClr val="000000"/>
+                </a:solidFill>
+                <a:latin typeface="Times New Roman"/>
+                <a:cs typeface="Times New Roman"/>
+              </a:rPr>
+              <a:t>Blood Basics. </a:t>
+            </a:r>
+            <a:r>
+              <a:rPr lang="en-US" sz="1200" dirty="0">
+                <a:solidFill>
+                  <a:srgbClr val="000000"/>
+                </a:solidFill>
+                <a:latin typeface="Times New Roman"/>
+                <a:cs typeface="Times New Roman"/>
+                <a:hlinkClick r:id="rId5"/>
+              </a:rPr>
+              <a:t>http://www.hematology.org/Patients/Basics/#</a:t>
+            </a:r>
             <a:r>
               <a:rPr lang="en-US" sz="1200" dirty="0" smtClean="0">
-                <a:latin typeface="Times New Roman"/>
-                <a:cs typeface="Times New Roman"/>
-              </a:rPr>
-              <a:t>Causal paper</a:t>
-            </a:r>
+                <a:solidFill>
+                  <a:srgbClr val="000000"/>
+                </a:solidFill>
+                <a:latin typeface="Times New Roman"/>
+                <a:cs typeface="Times New Roman"/>
+                <a:hlinkClick r:id="rId5"/>
+              </a:rPr>
+              <a:t>a6</a:t>
+            </a:r>
+            <a:endParaRPr lang="en-US" sz="1200" dirty="0" smtClean="0">
+              <a:solidFill>
+                <a:srgbClr val="000000"/>
+              </a:solidFill>
+              <a:latin typeface="Times New Roman"/>
+              <a:cs typeface="Times New Roman"/>
+            </a:endParaRPr>
           </a:p>
           <a:p>
             <a:r>
               <a:rPr lang="en-US" sz="1200" dirty="0" smtClean="0">
-                <a:latin typeface="Times New Roman"/>
-                <a:cs typeface="Times New Roman"/>
-              </a:rPr>
-              <a:t>Biological</a:t>
-            </a:r>
-          </a:p>
-          <a:p>
-            <a:endParaRPr lang="en-US" sz="1800" dirty="0" smtClean="0">
+                <a:solidFill>
+                  <a:srgbClr val="000000"/>
+                </a:solidFill>
+                <a:latin typeface="Times New Roman"/>
+                <a:cs typeface="Times New Roman"/>
+              </a:rPr>
+              <a:t>[4] </a:t>
+            </a:r>
+            <a:r>
+              <a:rPr lang="en-US" sz="1200" dirty="0" err="1"/>
+              <a:t>McGarry</a:t>
+            </a:r>
+            <a:r>
+              <a:rPr lang="en-US" sz="1200" dirty="0"/>
+              <a:t>, Michael P, Cheryl A. </a:t>
+            </a:r>
+            <a:r>
+              <a:rPr lang="en-US" sz="1200" dirty="0" err="1"/>
+              <a:t>Protheroe</a:t>
+            </a:r>
+            <a:r>
+              <a:rPr lang="en-US" sz="1200" dirty="0"/>
+              <a:t>, and James J. Lee. </a:t>
+            </a:r>
+            <a:r>
+              <a:rPr lang="en-US" sz="1200" i="1" dirty="0"/>
+              <a:t>Mouse Hematology: A Laboratory Manual</a:t>
+            </a:r>
+            <a:r>
+              <a:rPr lang="en-US" sz="1200" dirty="0"/>
+              <a:t>. Cold Spring Harbor, N.Y: Cold Spring Harbor Laboratory Press, 2010. Print.</a:t>
+            </a:r>
+            <a:endParaRPr lang="en-US" sz="1200" dirty="0" smtClean="0">
               <a:latin typeface="Times New Roman"/>
               <a:cs typeface="Times New Roman"/>
             </a:endParaRPr>
@@ -4475,7 +4593,7 @@
           <p:nvPr/>
         </p:nvPicPr>
         <p:blipFill>
-          <a:blip r:embed="rId5">
+          <a:blip r:embed="rId6">
             <a:extLst>
               <a:ext uri="{28A0092B-C50C-407E-A947-70E740481C1C}">
                 <a14:useLocalDpi xmlns:a14="http://schemas.microsoft.com/office/drawing/2010/main" val="0"/>
@@ -4505,7 +4623,7 @@
           <p:nvPr/>
         </p:nvPicPr>
         <p:blipFill>
-          <a:blip r:embed="rId6">
+          <a:blip r:embed="rId7">
             <a:extLst>
               <a:ext uri="{28A0092B-C50C-407E-A947-70E740481C1C}">
                 <a14:useLocalDpi xmlns:a14="http://schemas.microsoft.com/office/drawing/2010/main" val="0"/>
@@ -9836,12 +9954,26 @@
           <a:lstStyle/>
           <a:p>
             <a:pPr algn="just"/>
+            <a:endParaRPr lang="en-US" sz="1600" dirty="0" smtClean="0">
+              <a:latin typeface="Times New Roman"/>
+              <a:cs typeface="Times New Roman"/>
+            </a:endParaRPr>
+          </a:p>
+          <a:p>
+            <a:pPr algn="just"/>
             <a:r>
               <a:rPr lang="en-US" sz="1600" dirty="0" smtClean="0">
                 <a:latin typeface="Times New Roman"/>
                 <a:cs typeface="Times New Roman"/>
               </a:rPr>
-              <a:t>Causal relationships are investigated separately for each of the 22 phenotypic measurements:</a:t>
+              <a:t>Causal </a:t>
+            </a:r>
+            <a:r>
+              <a:rPr lang="en-US" sz="1600" dirty="0" smtClean="0">
+                <a:latin typeface="Times New Roman"/>
+                <a:cs typeface="Times New Roman"/>
+              </a:rPr>
+              <a:t>relationships are investigated separately for each of the 22 phenotypic measurements:</a:t>
             </a:r>
           </a:p>
           <a:p>
@@ -9867,7 +9999,21 @@
                 <a:latin typeface="Times New Roman"/>
                 <a:cs typeface="Times New Roman"/>
               </a:rPr>
-              <a:t>The Sandwich Estimator was used to estimate the variance of the effect size as litters was not considered in the models.</a:t>
+              <a:t>The Sandwich </a:t>
+            </a:r>
+            <a:r>
+              <a:rPr lang="en-US" sz="1600" dirty="0" smtClean="0">
+                <a:latin typeface="Times New Roman"/>
+                <a:cs typeface="Times New Roman"/>
+              </a:rPr>
+              <a:t>Estimator [2] </a:t>
+            </a:r>
+            <a:r>
+              <a:rPr lang="en-US" sz="1600" dirty="0" smtClean="0">
+                <a:latin typeface="Times New Roman"/>
+                <a:cs typeface="Times New Roman"/>
+              </a:rPr>
+              <a:t>was used to estimate the variance of the effect size as litters was not considered in the models.</a:t>
             </a:r>
           </a:p>
           <a:p>
@@ -9880,15 +10026,33 @@
                 <a:latin typeface="Times New Roman"/>
                 <a:cs typeface="Times New Roman"/>
               </a:rPr>
-              <a:t>Significant causal relationships were identified at 5%</a:t>
+              <a:t>Significant causal relationships were identified </a:t>
             </a:r>
             <a:r>
               <a:rPr lang="en-US" sz="1600" dirty="0" smtClean="0">
                 <a:latin typeface="Times New Roman"/>
                 <a:cs typeface="Times New Roman"/>
               </a:rPr>
-              <a:t>.</a:t>
-            </a:r>
+              <a:t>after a </a:t>
+            </a:r>
+            <a:r>
+              <a:rPr lang="en-US" sz="1600" dirty="0" err="1" smtClean="0">
+                <a:latin typeface="Times New Roman"/>
+                <a:cs typeface="Times New Roman"/>
+              </a:rPr>
+              <a:t>Bonferroni</a:t>
+            </a:r>
+            <a:r>
+              <a:rPr lang="en-US" sz="1600" dirty="0" smtClean="0">
+                <a:latin typeface="Times New Roman"/>
+                <a:cs typeface="Times New Roman"/>
+              </a:rPr>
+              <a:t> correction (i.e. at level 0.05/22).</a:t>
+            </a:r>
+            <a:endParaRPr lang="en-US" sz="1600" dirty="0" smtClean="0">
+              <a:latin typeface="Times New Roman"/>
+              <a:cs typeface="Times New Roman"/>
+            </a:endParaRPr>
           </a:p>
           <a:p>
             <a:pPr marL="285750" indent="-285750" algn="just">
@@ -9900,34 +10064,14 @@
                 <a:latin typeface="Times New Roman"/>
                 <a:cs typeface="Times New Roman"/>
               </a:rPr>
-              <a:t>We adjusted for multiple testing using the </a:t>
-            </a:r>
-            <a:r>
-              <a:rPr lang="en-US" sz="1600" dirty="0" err="1" smtClean="0">
-                <a:latin typeface="Times New Roman"/>
-                <a:cs typeface="Times New Roman"/>
-              </a:rPr>
-              <a:t>Bonferroni</a:t>
+              <a:t>Prior </a:t>
             </a:r>
             <a:r>
               <a:rPr lang="en-US" sz="1600" dirty="0" smtClean="0">
                 <a:latin typeface="Times New Roman"/>
                 <a:cs typeface="Times New Roman"/>
               </a:rPr>
-              <a:t> correction.</a:t>
-            </a:r>
-          </a:p>
-          <a:p>
-            <a:pPr marL="285750" indent="-285750" algn="just">
-              <a:buFont typeface="Arial"/>
-              <a:buChar char="•"/>
-            </a:pPr>
-            <a:r>
-              <a:rPr lang="en-US" sz="1600" dirty="0" smtClean="0">
-                <a:latin typeface="Times New Roman"/>
-                <a:cs typeface="Times New Roman"/>
-              </a:rPr>
-              <a:t>Prior biological knowledge was used to infer possible causal relationships between the phenotypic measurements.</a:t>
+              <a:t>biological knowledge was used to infer possible causal relationships between the phenotypic measurements.</a:t>
             </a:r>
           </a:p>
         </p:txBody>
@@ -9941,7 +10085,7 @@
           <p:nvPr/>
         </p:nvPicPr>
         <p:blipFill>
-          <a:blip r:embed="rId7">
+          <a:blip r:embed="rId8">
             <a:extLst>
               <a:ext uri="{28A0092B-C50C-407E-A947-70E740481C1C}">
                 <a14:useLocalDpi xmlns:a14="http://schemas.microsoft.com/office/drawing/2010/main" val="0"/>
@@ -10010,7 +10154,7 @@
                 <a:latin typeface="Times New Roman"/>
                 <a:cs typeface="Times New Roman"/>
               </a:rPr>
-              <a:t> </a:t>
+              <a:t> [4]</a:t>
             </a:r>
             <a:endParaRPr lang="en-US" sz="1200" dirty="0">
               <a:latin typeface="Times New Roman"/>
@@ -10028,7 +10172,7 @@
         <p:spPr>
           <a:xfrm>
             <a:off x="6463600" y="13321786"/>
-            <a:ext cx="7177159" cy="1569660"/>
+            <a:ext cx="7177159" cy="2062103"/>
           </a:xfrm>
           <a:prstGeom prst="rect">
             <a:avLst/>
@@ -10114,12 +10258,18 @@
                 <a:latin typeface="Times New Roman"/>
                 <a:cs typeface="Times New Roman"/>
               </a:rPr>
-              <a:t>platelets.</a:t>
-            </a:r>
-            <a:endParaRPr lang="en-US" sz="1600" dirty="0" smtClean="0">
-              <a:latin typeface="Times New Roman"/>
-              <a:cs typeface="Times New Roman"/>
-            </a:endParaRPr>
+              <a:t>platelets. </a:t>
+            </a:r>
+            <a:r>
+              <a:rPr lang="en-US" sz="1600" dirty="0" smtClean="0">
+                <a:solidFill>
+                  <a:srgbClr val="000000"/>
+                </a:solidFill>
+                <a:latin typeface="Times New Roman"/>
+                <a:cs typeface="Times New Roman"/>
+              </a:rPr>
+              <a:t>[4]</a:t>
+            </a:r>
           </a:p>
           <a:p>
             <a:pPr marL="285750" indent="-285750">
@@ -10131,7 +10281,7 @@
                 <a:latin typeface="Times New Roman"/>
                 <a:cs typeface="Times New Roman"/>
               </a:rPr>
-              <a:t>Many associations will appear due to construction of variables (i.e. lymphocyte cell count and lymphocyte differential count.)</a:t>
+              <a:t>Many associations appear due to construction of variables (i.e. lymphocyte cell count and lymphocyte differential count)</a:t>
             </a:r>
           </a:p>
           <a:p>
@@ -10144,7 +10294,7 @@
                 <a:latin typeface="Times New Roman"/>
                 <a:cs typeface="Times New Roman"/>
               </a:rPr>
-              <a:t>Causal direction, direct/indirect……</a:t>
+              <a:t>Difficult to determine whether gene knockout acts directly on a phenotype vs. through one or more other phenotypes.</a:t>
             </a:r>
           </a:p>
           <a:p>
@@ -10157,7 +10307,7 @@
                 <a:latin typeface="Times New Roman"/>
                 <a:cs typeface="Times New Roman"/>
               </a:rPr>
-              <a:t>Percentage in blood is important…..</a:t>
+              <a:t>Size of the relative percentage of a white blood cell type can influence whether a change in that cell type’s differential count is associated with genotype.</a:t>
             </a:r>
           </a:p>
         </p:txBody>
@@ -10171,7 +10321,7 @@
           <p:nvPr/>
         </p:nvPicPr>
         <p:blipFill>
-          <a:blip r:embed="rId8">
+          <a:blip r:embed="rId9">
             <a:extLst>
               <a:ext uri="{28A0092B-C50C-407E-A947-70E740481C1C}">
                 <a14:useLocalDpi xmlns:a14="http://schemas.microsoft.com/office/drawing/2010/main" val="0"/>

--- a/Poster.pptx
+++ b/Poster.pptx
@@ -294,7 +294,7 @@
           <a:p>
             <a:fld id="{BA3D2166-DA3A-7E42-B5FA-B8909614B8FF}" type="datetimeFigureOut">
               <a:rPr lang="en-US" smtClean="0"/>
-              <a:t>2016-07-23</a:t>
+              <a:t>2016-07-25</a:t>
             </a:fld>
             <a:endParaRPr lang="en-US"/>
           </a:p>
@@ -464,7 +464,7 @@
           <a:p>
             <a:fld id="{BA3D2166-DA3A-7E42-B5FA-B8909614B8FF}" type="datetimeFigureOut">
               <a:rPr lang="en-US" smtClean="0"/>
-              <a:t>2016-07-23</a:t>
+              <a:t>2016-07-25</a:t>
             </a:fld>
             <a:endParaRPr lang="en-US"/>
           </a:p>
@@ -644,7 +644,7 @@
           <a:p>
             <a:fld id="{BA3D2166-DA3A-7E42-B5FA-B8909614B8FF}" type="datetimeFigureOut">
               <a:rPr lang="en-US" smtClean="0"/>
-              <a:t>2016-07-23</a:t>
+              <a:t>2016-07-25</a:t>
             </a:fld>
             <a:endParaRPr lang="en-US"/>
           </a:p>
@@ -814,7 +814,7 @@
           <a:p>
             <a:fld id="{BA3D2166-DA3A-7E42-B5FA-B8909614B8FF}" type="datetimeFigureOut">
               <a:rPr lang="en-US" smtClean="0"/>
-              <a:t>2016-07-23</a:t>
+              <a:t>2016-07-25</a:t>
             </a:fld>
             <a:endParaRPr lang="en-US"/>
           </a:p>
@@ -1060,7 +1060,7 @@
           <a:p>
             <a:fld id="{BA3D2166-DA3A-7E42-B5FA-B8909614B8FF}" type="datetimeFigureOut">
               <a:rPr lang="en-US" smtClean="0"/>
-              <a:t>2016-07-23</a:t>
+              <a:t>2016-07-25</a:t>
             </a:fld>
             <a:endParaRPr lang="en-US"/>
           </a:p>
@@ -1348,7 +1348,7 @@
           <a:p>
             <a:fld id="{BA3D2166-DA3A-7E42-B5FA-B8909614B8FF}" type="datetimeFigureOut">
               <a:rPr lang="en-US" smtClean="0"/>
-              <a:t>2016-07-23</a:t>
+              <a:t>2016-07-25</a:t>
             </a:fld>
             <a:endParaRPr lang="en-US"/>
           </a:p>
@@ -1775,7 +1775,7 @@
           <a:p>
             <a:fld id="{BA3D2166-DA3A-7E42-B5FA-B8909614B8FF}" type="datetimeFigureOut">
               <a:rPr lang="en-US" smtClean="0"/>
-              <a:t>2016-07-23</a:t>
+              <a:t>2016-07-25</a:t>
             </a:fld>
             <a:endParaRPr lang="en-US"/>
           </a:p>
@@ -1893,7 +1893,7 @@
           <a:p>
             <a:fld id="{BA3D2166-DA3A-7E42-B5FA-B8909614B8FF}" type="datetimeFigureOut">
               <a:rPr lang="en-US" smtClean="0"/>
-              <a:t>2016-07-23</a:t>
+              <a:t>2016-07-25</a:t>
             </a:fld>
             <a:endParaRPr lang="en-US"/>
           </a:p>
@@ -1988,7 +1988,7 @@
           <a:p>
             <a:fld id="{BA3D2166-DA3A-7E42-B5FA-B8909614B8FF}" type="datetimeFigureOut">
               <a:rPr lang="en-US" smtClean="0"/>
-              <a:t>2016-07-23</a:t>
+              <a:t>2016-07-25</a:t>
             </a:fld>
             <a:endParaRPr lang="en-US"/>
           </a:p>
@@ -2265,7 +2265,7 @@
           <a:p>
             <a:fld id="{BA3D2166-DA3A-7E42-B5FA-B8909614B8FF}" type="datetimeFigureOut">
               <a:rPr lang="en-US" smtClean="0"/>
-              <a:t>2016-07-23</a:t>
+              <a:t>2016-07-25</a:t>
             </a:fld>
             <a:endParaRPr lang="en-US"/>
           </a:p>
@@ -2518,7 +2518,7 @@
           <a:p>
             <a:fld id="{BA3D2166-DA3A-7E42-B5FA-B8909614B8FF}" type="datetimeFigureOut">
               <a:rPr lang="en-US" smtClean="0"/>
-              <a:t>2016-07-23</a:t>
+              <a:t>2016-07-25</a:t>
             </a:fld>
             <a:endParaRPr lang="en-US"/>
           </a:p>
@@ -2731,7 +2731,7 @@
           <a:p>
             <a:fld id="{BA3D2166-DA3A-7E42-B5FA-B8909614B8FF}" type="datetimeFigureOut">
               <a:rPr lang="en-US" smtClean="0"/>
-              <a:t>2016-07-23</a:t>
+              <a:t>2016-07-25</a:t>
             </a:fld>
             <a:endParaRPr lang="en-US"/>
           </a:p>
@@ -3743,7 +3743,7 @@
         </p:nvSpPr>
         <p:spPr>
           <a:xfrm>
-            <a:off x="258398" y="3151886"/>
+            <a:off x="258398" y="3211650"/>
             <a:ext cx="5688751" cy="461665"/>
           </a:xfrm>
           <a:prstGeom prst="rect">
@@ -3866,7 +3866,7 @@
         </p:nvSpPr>
         <p:spPr>
           <a:xfrm>
-            <a:off x="21473798" y="8886853"/>
+            <a:off x="21473798" y="10838857"/>
             <a:ext cx="5724000" cy="461665"/>
           </a:xfrm>
           <a:prstGeom prst="rect">
@@ -3903,7 +3903,7 @@
         </p:nvSpPr>
         <p:spPr>
           <a:xfrm>
-            <a:off x="21504772" y="13955555"/>
+            <a:off x="21504772" y="14192128"/>
             <a:ext cx="5693024" cy="461665"/>
           </a:xfrm>
           <a:prstGeom prst="rect">
@@ -4013,7 +4013,7 @@
         </p:nvSpPr>
         <p:spPr>
           <a:xfrm>
-            <a:off x="258399" y="3593202"/>
+            <a:off x="258399" y="3652966"/>
             <a:ext cx="5675537" cy="3785652"/>
           </a:xfrm>
           <a:prstGeom prst="rect">
@@ -4213,14 +4213,74 @@
                 <a:latin typeface="Times New Roman"/>
                 <a:cs typeface="Times New Roman"/>
               </a:rPr>
-              <a:t> (MICE</a:t>
+              <a:t> (MICE) [1]:</a:t>
+            </a:r>
+          </a:p>
+          <a:p>
+            <a:pPr marL="285750" indent="-285750" algn="just">
+              <a:buFont typeface="Arial"/>
+              <a:buChar char="•"/>
+            </a:pPr>
+            <a:r>
+              <a:rPr lang="en-US" sz="1600" dirty="0">
+                <a:latin typeface="Times New Roman"/>
+                <a:cs typeface="Times New Roman"/>
+              </a:rPr>
+              <a:t>T</a:t>
             </a:r>
             <a:r>
               <a:rPr lang="en-US" sz="1600" dirty="0" smtClean="0">
                 <a:latin typeface="Times New Roman"/>
                 <a:cs typeface="Times New Roman"/>
               </a:rPr>
-              <a:t>) [1]:</a:t>
+              <a:t>he unknown missing values were replaced by 30 independent simulated sets of values drawn from the posterior predictive distribution of the missing data conditional on the observed data.</a:t>
+            </a:r>
+          </a:p>
+          <a:p>
+            <a:pPr marL="285750" indent="-285750" algn="just">
+              <a:buFont typeface="Arial"/>
+              <a:buChar char="•"/>
+            </a:pPr>
+            <a:r>
+              <a:rPr lang="en-US" sz="1600" dirty="0" smtClean="0">
+                <a:latin typeface="Times New Roman"/>
+                <a:cs typeface="Times New Roman"/>
+              </a:rPr>
+              <a:t>Predictions were obtained by averaging the imputed values across the 30 simulated dataset.</a:t>
+            </a:r>
+          </a:p>
+          <a:p>
+            <a:pPr marL="285750" indent="-285750" algn="just">
+              <a:buFont typeface="Arial"/>
+              <a:buChar char="•"/>
+            </a:pPr>
+            <a:r>
+              <a:rPr lang="en-US" sz="1600" dirty="0" smtClean="0">
+                <a:latin typeface="Times New Roman"/>
+                <a:cs typeface="Times New Roman"/>
+              </a:rPr>
+              <a:t>Assumes missing data are missing at </a:t>
+            </a:r>
+            <a:r>
+              <a:rPr lang="en-US" sz="1600" dirty="0" smtClean="0">
+                <a:latin typeface="Times New Roman"/>
+                <a:cs typeface="Times New Roman"/>
+              </a:rPr>
+              <a:t>random (MAR) </a:t>
+            </a:r>
+            <a:r>
+              <a:rPr lang="en-US" sz="1600" dirty="0" smtClean="0">
+                <a:latin typeface="Times New Roman"/>
+                <a:cs typeface="Times New Roman"/>
+              </a:rPr>
+              <a:t>or completely at </a:t>
+            </a:r>
+            <a:r>
+              <a:rPr lang="en-US" sz="1600" dirty="0" smtClean="0">
+                <a:latin typeface="Times New Roman"/>
+                <a:cs typeface="Times New Roman"/>
+              </a:rPr>
+              <a:t>random (MCAR).</a:t>
             </a:r>
             <a:endParaRPr lang="en-US" sz="1600" dirty="0" smtClean="0">
               <a:latin typeface="Times New Roman"/>
@@ -4233,71 +4293,11 @@
               <a:buChar char="•"/>
             </a:pPr>
             <a:r>
-              <a:rPr lang="en-US" sz="1600" dirty="0">
-                <a:latin typeface="Times New Roman"/>
-                <a:cs typeface="Times New Roman"/>
-              </a:rPr>
-              <a:t>T</a:t>
-            </a:r>
-            <a:r>
               <a:rPr lang="en-US" sz="1600" dirty="0" smtClean="0">
                 <a:latin typeface="Times New Roman"/>
                 <a:cs typeface="Times New Roman"/>
               </a:rPr>
-              <a:t>he unknown missing values were replaced by 30 independent simulated sets of values drawn from the posterior predictive distribution of the missing data conditional on the observed data.</a:t>
-            </a:r>
-          </a:p>
-          <a:p>
-            <a:pPr marL="285750" indent="-285750" algn="just">
-              <a:buFont typeface="Arial"/>
-              <a:buChar char="•"/>
-            </a:pPr>
-            <a:r>
-              <a:rPr lang="en-US" sz="1600" dirty="0" smtClean="0">
-                <a:latin typeface="Times New Roman"/>
-                <a:cs typeface="Times New Roman"/>
-              </a:rPr>
-              <a:t>Predictions were obtained by averaging the imputed values across the 30 simulated dataset.</a:t>
-            </a:r>
-          </a:p>
-          <a:p>
-            <a:pPr marL="285750" indent="-285750" algn="just">
-              <a:buFont typeface="Arial"/>
-              <a:buChar char="•"/>
-            </a:pPr>
-            <a:r>
-              <a:rPr lang="en-US" sz="1600" dirty="0" smtClean="0">
-                <a:latin typeface="Times New Roman"/>
-                <a:cs typeface="Times New Roman"/>
-              </a:rPr>
-              <a:t>Assumes missing data are missing at random or completely at random.</a:t>
-            </a:r>
-          </a:p>
-          <a:p>
-            <a:pPr marL="285750" indent="-285750" algn="just">
-              <a:buFont typeface="Arial"/>
-              <a:buChar char="•"/>
-            </a:pPr>
-            <a:r>
-              <a:rPr lang="en-US" sz="1600" dirty="0" smtClean="0">
-                <a:latin typeface="Times New Roman"/>
-                <a:cs typeface="Times New Roman"/>
-              </a:rPr>
-              <a:t>Lymphocyte differential was predicted via a direct calculation (</a:t>
-            </a:r>
-            <a:r>
-              <a:rPr lang="en-US" sz="1600" dirty="0" err="1" smtClean="0">
-                <a:latin typeface="Times New Roman"/>
-                <a:cs typeface="Times New Roman"/>
-              </a:rPr>
-              <a:t>lymphoctye</a:t>
-            </a:r>
-            <a:r>
-              <a:rPr lang="en-US" sz="1600" dirty="0" smtClean="0">
-                <a:latin typeface="Times New Roman"/>
-                <a:cs typeface="Times New Roman"/>
-              </a:rPr>
-              <a:t> count/total WBC count). Neutrophil differential predictive model formed from OLS on complete observations.</a:t>
+              <a:t>Lymphocyte differential was predicted via a direct calculation (lymphocyte count/total WBC count). Neutrophil differential predictive model formed from OLS on complete observations.</a:t>
             </a:r>
           </a:p>
           <a:p>
@@ -4320,7 +4320,7 @@
         </p:nvSpPr>
         <p:spPr>
           <a:xfrm>
-            <a:off x="21473796" y="3252775"/>
+            <a:off x="21473796" y="3217497"/>
             <a:ext cx="5724000" cy="461665"/>
           </a:xfrm>
           <a:prstGeom prst="rect">
@@ -4392,7 +4392,7 @@
         </p:nvSpPr>
         <p:spPr>
           <a:xfrm>
-            <a:off x="21504772" y="14610975"/>
+            <a:off x="21504772" y="14699170"/>
             <a:ext cx="5606239" cy="1846659"/>
           </a:xfrm>
           <a:prstGeom prst="rect">
@@ -4406,6 +4406,7 @@
           </a:bodyPr>
           <a:lstStyle/>
           <a:p>
+            <a:pPr algn="just"/>
             <a:r>
               <a:rPr lang="en-US" sz="1200" dirty="0" smtClean="0">
                 <a:latin typeface="Times New Roman"/>
@@ -4418,21 +4419,21 @@
                 <a:latin typeface="Times New Roman"/>
                 <a:cs typeface="Times New Roman"/>
               </a:rPr>
-              <a:t>, I. R., Royston, P., &amp; Wood, A. M. (2011). Multiple imputation using chained equations: issues and guidance for practice. </a:t>
+              <a:t>, I. R., Royston, P., &amp; Wood, A. M. (2011). </a:t>
             </a:r>
             <a:r>
               <a:rPr lang="en-US" sz="1200" i="1" dirty="0">
                 <a:latin typeface="Times New Roman"/>
                 <a:cs typeface="Times New Roman"/>
               </a:rPr>
-              <a:t>Statistics in medicine</a:t>
+              <a:t>Multiple imputation using chained equations: issues and guidance for practice</a:t>
             </a:r>
             <a:r>
               <a:rPr lang="en-US" sz="1200" dirty="0">
                 <a:latin typeface="Times New Roman"/>
                 <a:cs typeface="Times New Roman"/>
               </a:rPr>
-              <a:t>, </a:t>
+              <a:t>. Statistics in medicine, </a:t>
             </a:r>
             <a:r>
               <a:rPr lang="en-US" sz="1200" i="1" dirty="0">
@@ -4457,25 +4458,42 @@
             </a:r>
           </a:p>
           <a:p>
+            <a:pPr algn="just"/>
             <a:r>
               <a:rPr lang="en-US" sz="1200" dirty="0" smtClean="0"/>
               <a:t>[2] Freedman</a:t>
             </a:r>
             <a:r>
               <a:rPr lang="en-US" sz="1200" dirty="0"/>
-              <a:t>, David A. "On the so-called “Huber sandwich estimator” and “robust standard errors”." </a:t>
+              <a:t>, David A</a:t>
+            </a:r>
+            <a:r>
+              <a:rPr lang="en-US" sz="1200" dirty="0"/>
+              <a:t>. (2012</a:t>
+            </a:r>
+            <a:r>
+              <a:rPr lang="en-US" sz="1200" dirty="0" smtClean="0"/>
+              <a:t>). </a:t>
+            </a:r>
+            <a:r>
+              <a:rPr lang="en-US" sz="1200" i="1" dirty="0" smtClean="0"/>
+              <a:t>On </a:t>
             </a:r>
             <a:r>
               <a:rPr lang="en-US" sz="1200" i="1" dirty="0"/>
-              <a:t>The American Statistician</a:t>
-            </a:r>
-            <a:r>
-              <a:rPr lang="en-US" sz="1200" dirty="0"/>
-              <a:t> (2012)</a:t>
+              <a:t>the so-called “Huber sandwich estimator” and “robust standard errors”</a:t>
             </a:r>
             <a:r>
               <a:rPr lang="en-US" sz="1200" dirty="0" smtClean="0"/>
               <a:t>.</a:t>
+            </a:r>
+            <a:r>
+              <a:rPr lang="en-US" sz="1200" dirty="0"/>
+              <a:t> The American </a:t>
+            </a:r>
+            <a:r>
+              <a:rPr lang="en-US" sz="1200" dirty="0" smtClean="0"/>
+              <a:t>Statistician.</a:t>
             </a:r>
             <a:endParaRPr lang="en-US" sz="1200" dirty="0">
               <a:solidFill>
@@ -4486,6 +4504,7 @@
             </a:endParaRPr>
           </a:p>
           <a:p>
+            <a:pPr algn="just"/>
             <a:r>
               <a:rPr lang="en-US" sz="1200" dirty="0" smtClean="0">
                 <a:solidFill>
@@ -4537,6 +4556,7 @@
             </a:endParaRPr>
           </a:p>
           <a:p>
+            <a:pPr algn="just"/>
             <a:r>
               <a:rPr lang="en-US" sz="1200" dirty="0" smtClean="0">
                 <a:solidFill>
@@ -4561,7 +4581,15 @@
             </a:r>
             <a:r>
               <a:rPr lang="en-US" sz="1200" dirty="0"/>
-              <a:t>, and James J. Lee. </a:t>
+              <a:t>, and James J. Lee</a:t>
+            </a:r>
+            <a:r>
+              <a:rPr lang="en-US" sz="1200" dirty="0" smtClean="0"/>
+              <a:t>. (2010)</a:t>
+            </a:r>
+            <a:r>
+              <a:rPr lang="en-US" sz="1200" dirty="0"/>
+              <a:t> </a:t>
             </a:r>
             <a:r>
               <a:rPr lang="en-US" sz="1200" i="1" dirty="0"/>
@@ -4569,7 +4597,15 @@
             </a:r>
             <a:r>
               <a:rPr lang="en-US" sz="1200" dirty="0"/>
-              <a:t>. Cold Spring Harbor, N.Y: Cold Spring Harbor Laboratory Press, 2010. Print.</a:t>
+              <a:t>. Cold Spring Harbor, N.Y: Cold Spring Harbor Laboratory </a:t>
+            </a:r>
+            <a:r>
+              <a:rPr lang="en-US" sz="1200" dirty="0" smtClean="0"/>
+              <a:t>Press. </a:t>
+            </a:r>
+            <a:r>
+              <a:rPr lang="en-US" sz="1200" dirty="0"/>
+              <a:t>Print.</a:t>
             </a:r>
             <a:endParaRPr lang="en-US" sz="1200" dirty="0" smtClean="0">
               <a:latin typeface="Times New Roman"/>
@@ -4652,8 +4688,8 @@
         </p:nvSpPr>
         <p:spPr>
           <a:xfrm>
-            <a:off x="21513906" y="9622053"/>
-            <a:ext cx="5556490" cy="1077218"/>
+            <a:off x="21473796" y="11324574"/>
+            <a:ext cx="5733134" cy="1077218"/>
           </a:xfrm>
           <a:prstGeom prst="rect">
             <a:avLst/>
@@ -5491,21 +5527,7 @@
                           <a:latin typeface="Times New Roman"/>
                           <a:cs typeface="Times New Roman"/>
                         </a:rPr>
-                        <a:t> measurements (direction of </a:t>
-                      </a:r>
-                      <a:r>
-                        <a:rPr lang="en-US" sz="1200" baseline="0" dirty="0" smtClean="0">
-                          <a:latin typeface="Times New Roman"/>
-                          <a:cs typeface="Times New Roman"/>
-                        </a:rPr>
-                        <a:t>association</a:t>
-                      </a:r>
-                      <a:r>
-                        <a:rPr lang="en-US" sz="1200" baseline="0" dirty="0" smtClean="0">
-                          <a:latin typeface="Times New Roman"/>
-                          <a:cs typeface="Times New Roman"/>
-                        </a:rPr>
-                        <a:t>)</a:t>
+                        <a:t> measurements (direction of association)</a:t>
                       </a:r>
                       <a:endParaRPr lang="en-US" sz="1200" dirty="0">
                         <a:latin typeface="Times New Roman"/>
@@ -9235,7 +9257,7 @@
         </p:nvSpPr>
         <p:spPr>
           <a:xfrm>
-            <a:off x="6463600" y="8458320"/>
+            <a:off x="6410686" y="8458320"/>
             <a:ext cx="7177159" cy="276999"/>
           </a:xfrm>
           <a:prstGeom prst="rect">
@@ -9261,14 +9283,7 @@
                 <a:latin typeface="Times New Roman"/>
                 <a:cs typeface="Times New Roman"/>
               </a:rPr>
-              <a:t>Knockout-phenotypes significant </a:t>
-            </a:r>
-            <a:r>
-              <a:rPr lang="en-US" sz="1200" dirty="0" smtClean="0">
-                <a:latin typeface="Times New Roman"/>
-                <a:cs typeface="Times New Roman"/>
-              </a:rPr>
-              <a:t>relationships</a:t>
+              <a:t>Knockout-phenotypes significant relationships</a:t>
             </a:r>
             <a:endParaRPr lang="en-US" sz="1200" dirty="0">
               <a:latin typeface="Times New Roman"/>
@@ -9285,7 +9300,7 @@
         </p:nvSpPr>
         <p:spPr>
           <a:xfrm>
-            <a:off x="13499513" y="8458320"/>
+            <a:off x="13605341" y="8458320"/>
             <a:ext cx="4934706" cy="276999"/>
           </a:xfrm>
           <a:prstGeom prst="rect">
@@ -9311,21 +9326,7 @@
                 <a:latin typeface="Times New Roman"/>
                 <a:cs typeface="Times New Roman"/>
               </a:rPr>
-              <a:t> Knockout-phenotypes </a:t>
-            </a:r>
-            <a:r>
-              <a:rPr lang="en-US" sz="1200" dirty="0" smtClean="0">
-                <a:latin typeface="Times New Roman"/>
-                <a:cs typeface="Times New Roman"/>
-              </a:rPr>
-              <a:t>significant relationships </a:t>
-            </a:r>
-            <a:r>
-              <a:rPr lang="en-US" sz="1200" dirty="0" smtClean="0">
-                <a:latin typeface="Times New Roman"/>
-                <a:cs typeface="Times New Roman"/>
-              </a:rPr>
-              <a:t>for knockout 3803_1</a:t>
+              <a:t> Knockout-phenotypes significant relationships for knockout 3803_1</a:t>
             </a:r>
             <a:endParaRPr lang="en-US" sz="1200" dirty="0">
               <a:latin typeface="Times New Roman"/>
@@ -9356,6 +9357,7 @@
           </a:bodyPr>
           <a:lstStyle/>
           <a:p>
+            <a:pPr algn="just"/>
             <a:r>
               <a:rPr lang="en-US" sz="1200" b="1" dirty="0" smtClean="0">
                 <a:latin typeface="Times New Roman"/>
@@ -9368,17 +9370,11 @@
                 <a:latin typeface="Times New Roman"/>
                 <a:cs typeface="Times New Roman"/>
               </a:rPr>
-              <a:t>Results from simulation with 100 replications.  In each replication</a:t>
-            </a:r>
-            <a:r>
-              <a:rPr lang="en-US" sz="1200" dirty="0" smtClean="0">
-                <a:latin typeface="Times New Roman"/>
-                <a:cs typeface="Times New Roman"/>
-              </a:rPr>
-              <a:t> five variables were</a:t>
-            </a:r>
-          </a:p>
-          <a:p>
+              <a:t>Results from simulation with 100 replications.  In each replication five variables were</a:t>
+            </a:r>
+          </a:p>
+          <a:p>
+            <a:pPr algn="just"/>
             <a:r>
               <a:rPr lang="en-US" sz="1200" dirty="0" smtClean="0">
                 <a:latin typeface="Times New Roman"/>
@@ -9427,63 +9423,21 @@
                 <a:latin typeface="Times New Roman"/>
                 <a:cs typeface="Times New Roman"/>
               </a:rPr>
-              <a:t>Boxplots of </a:t>
+              <a:t>Boxplots of neutrophil differential count by knockout condition. The green boxplots correspond to observed data and </a:t>
+            </a:r>
+            <a:r>
+              <a:rPr lang="en-US" sz="1200" dirty="0">
+                <a:latin typeface="Times New Roman"/>
+                <a:cs typeface="Times New Roman"/>
+              </a:rPr>
+              <a:t>t</a:t>
             </a:r>
             <a:r>
               <a:rPr lang="en-US" sz="1200" dirty="0" smtClean="0">
                 <a:latin typeface="Times New Roman"/>
                 <a:cs typeface="Times New Roman"/>
               </a:rPr>
-              <a:t>neutrophil </a:t>
-            </a:r>
-            <a:r>
-              <a:rPr lang="en-US" sz="1200" dirty="0" smtClean="0">
-                <a:latin typeface="Times New Roman"/>
-                <a:cs typeface="Times New Roman"/>
-              </a:rPr>
-              <a:t>differential count by knockout condition. The </a:t>
-            </a:r>
-            <a:r>
-              <a:rPr lang="en-US" sz="1200" dirty="0" smtClean="0">
-                <a:latin typeface="Times New Roman"/>
-                <a:cs typeface="Times New Roman"/>
-              </a:rPr>
-              <a:t>green boxplots correspond </a:t>
-            </a:r>
-            <a:r>
-              <a:rPr lang="en-US" sz="1200" dirty="0" smtClean="0">
-                <a:latin typeface="Times New Roman"/>
-                <a:cs typeface="Times New Roman"/>
-              </a:rPr>
-              <a:t>to observed </a:t>
-            </a:r>
-            <a:r>
-              <a:rPr lang="en-US" sz="1200" dirty="0" smtClean="0">
-                <a:latin typeface="Times New Roman"/>
-                <a:cs typeface="Times New Roman"/>
-              </a:rPr>
-              <a:t>data and </a:t>
-            </a:r>
-            <a:r>
-              <a:rPr lang="en-US" sz="1200" dirty="0">
-                <a:latin typeface="Times New Roman"/>
-                <a:cs typeface="Times New Roman"/>
-              </a:rPr>
-              <a:t>t</a:t>
-            </a:r>
-            <a:r>
-              <a:rPr lang="en-US" sz="1200" dirty="0" smtClean="0">
-                <a:latin typeface="Times New Roman"/>
-                <a:cs typeface="Times New Roman"/>
-              </a:rPr>
-              <a:t>he blue boxplots </a:t>
-            </a:r>
-            <a:r>
-              <a:rPr lang="en-US" sz="1200" dirty="0" smtClean="0">
-                <a:latin typeface="Times New Roman"/>
-                <a:cs typeface="Times New Roman"/>
-              </a:rPr>
-              <a:t>correspond to predicted data.</a:t>
+              <a:t>he blue boxplots correspond to predicted data.</a:t>
             </a:r>
             <a:endParaRPr lang="en-US" sz="1200" dirty="0">
               <a:latin typeface="Times New Roman"/>
@@ -9500,8 +9454,8 @@
         </p:nvSpPr>
         <p:spPr>
           <a:xfrm>
-            <a:off x="21513906" y="3938008"/>
-            <a:ext cx="5556490" cy="4247317"/>
+            <a:off x="21513906" y="3697705"/>
+            <a:ext cx="5556490" cy="7232751"/>
           </a:xfrm>
           <a:prstGeom prst="rect">
             <a:avLst/>
@@ -9514,182 +9468,134 @@
           </a:bodyPr>
           <a:lstStyle/>
           <a:p>
-            <a:endParaRPr lang="en-US" sz="1800" dirty="0" smtClean="0">
+            <a:pPr marL="285750" indent="-285750" algn="just">
+              <a:buFont typeface="Arial"/>
+              <a:buChar char="•"/>
+            </a:pPr>
+            <a:r>
+              <a:rPr lang="en-US" sz="1600" dirty="0" smtClean="0">
+                <a:latin typeface="Times New Roman"/>
+                <a:cs typeface="Times New Roman"/>
+              </a:rPr>
+              <a:t>We have predicted missing values for 5 phenotypes, using prior biological knowledge of the measurements, simple OLS and the MICE </a:t>
+            </a:r>
+            <a:r>
+              <a:rPr lang="en-US" sz="1600" dirty="0" smtClean="0">
+                <a:latin typeface="Times New Roman"/>
+                <a:cs typeface="Times New Roman"/>
+              </a:rPr>
+              <a:t>algorithm. Moreover, we have investigated possible causal interpretations of the available data by taking advantage of the experimental perturbations of the mouse gene knockouts.</a:t>
+            </a:r>
+          </a:p>
+          <a:p>
+            <a:pPr marL="285750" indent="-285750" algn="just">
+              <a:buFont typeface="Arial"/>
+              <a:buChar char="•"/>
+            </a:pPr>
+            <a:r>
+              <a:rPr lang="en-US" sz="1600" dirty="0" smtClean="0">
+                <a:latin typeface="Times New Roman"/>
+                <a:cs typeface="Times New Roman"/>
+              </a:rPr>
+              <a:t>MICE assumed that the missing data were MAR or MCAR such that missing values can be imputed from the observed data. This assumption is likely to hold.</a:t>
+            </a:r>
+          </a:p>
+          <a:p>
+            <a:pPr marL="285750" indent="-285750" algn="just">
+              <a:buFont typeface="Arial"/>
+              <a:buChar char="•"/>
+            </a:pPr>
+            <a:r>
+              <a:rPr lang="en-US" sz="1600" dirty="0" smtClean="0">
+                <a:latin typeface="Times New Roman"/>
+                <a:cs typeface="Times New Roman"/>
+              </a:rPr>
+              <a:t>To find genotype-phenotype causal associations, we had to assume that gene knockout was assigned randomly.</a:t>
+            </a:r>
+          </a:p>
+          <a:p>
+            <a:pPr marL="285750" indent="-285750" algn="just">
+              <a:buFont typeface="Arial"/>
+              <a:buChar char="•"/>
+            </a:pPr>
+            <a:r>
+              <a:rPr lang="en-US" sz="1600" dirty="0" smtClean="0">
+                <a:latin typeface="Times New Roman"/>
+                <a:cs typeface="Times New Roman"/>
+              </a:rPr>
+              <a:t>Prior biological knowledge of the studied phenotypes was incorporated both in the prediction and causal interpretation analyses. This constituted a major strength of our general approach.</a:t>
+            </a:r>
+          </a:p>
+          <a:p>
+            <a:pPr marL="285750" indent="-285750" algn="just">
+              <a:buFont typeface="Arial"/>
+              <a:buChar char="•"/>
+            </a:pPr>
+            <a:r>
+              <a:rPr lang="en-US" sz="1600" dirty="0" smtClean="0">
+                <a:latin typeface="Times New Roman"/>
+                <a:cs typeface="Times New Roman"/>
+              </a:rPr>
+              <a:t>The MICE algorithm was used to investigate causal relationships for phenotypic measurements with missing values. This approach allowed incorporating uncertainty of the predicted values and prevented the finding of spurious associations. This also constituted a strength of our method.</a:t>
+            </a:r>
+          </a:p>
+          <a:p>
+            <a:pPr marL="285750" indent="-285750" algn="just">
+              <a:buFont typeface="Arial"/>
+              <a:buChar char="•"/>
+            </a:pPr>
+            <a:r>
+              <a:rPr lang="en-US" sz="1600" dirty="0" smtClean="0">
+                <a:latin typeface="Times New Roman"/>
+                <a:cs typeface="Times New Roman"/>
+              </a:rPr>
+              <a:t>It was not clear whether the causal relationships found by our method wer</a:t>
+            </a:r>
+            <a:r>
+              <a:rPr lang="en-US" sz="1600" dirty="0" smtClean="0">
+                <a:latin typeface="Times New Roman"/>
+                <a:cs typeface="Times New Roman"/>
+              </a:rPr>
+              <a:t>e direct or indirect i.e. other measured (or unmeasured) biological elements may be on the causal pathway.</a:t>
+            </a:r>
+          </a:p>
+          <a:p>
+            <a:pPr marL="285750" indent="-285750" algn="just">
+              <a:buFont typeface="Arial"/>
+              <a:buChar char="•"/>
+            </a:pPr>
+            <a:r>
+              <a:rPr lang="en-US" sz="1600" dirty="0" smtClean="0">
+                <a:latin typeface="Times New Roman"/>
+                <a:cs typeface="Times New Roman"/>
+              </a:rPr>
+              <a:t>Our approach did not allow inferring causal relationships between the 22 phenotypic measurements.</a:t>
+            </a:r>
+            <a:endParaRPr lang="en-US" sz="1600" dirty="0">
               <a:latin typeface="Times New Roman"/>
               <a:cs typeface="Times New Roman"/>
             </a:endParaRPr>
           </a:p>
           <a:p>
-            <a:r>
-              <a:rPr lang="en-US" sz="1800" dirty="0" smtClean="0">
-                <a:latin typeface="Times New Roman"/>
-                <a:cs typeface="Times New Roman"/>
-              </a:rPr>
-              <a:t>Assumption</a:t>
-            </a:r>
-          </a:p>
-          <a:p>
-            <a:pPr marL="285750" indent="-285750">
-              <a:buFontTx/>
-              <a:buChar char="-"/>
+            <a:pPr marL="285750" indent="-285750" algn="just">
+              <a:buFont typeface="Arial"/>
+              <a:buChar char="•"/>
             </a:pPr>
             <a:r>
-              <a:rPr lang="en-US" sz="1800" dirty="0" smtClean="0">
-                <a:latin typeface="Times New Roman"/>
-                <a:cs typeface="Times New Roman"/>
-              </a:rPr>
-              <a:t>Random assignment of which mouse knockout</a:t>
-            </a:r>
-          </a:p>
-          <a:p>
-            <a:pPr marL="285750" indent="-285750">
-              <a:buFontTx/>
-              <a:buChar char="-"/>
-            </a:pPr>
-            <a:r>
-              <a:rPr lang="en-US" sz="1800" dirty="0" smtClean="0">
-                <a:latin typeface="Times New Roman"/>
-                <a:cs typeface="Times New Roman"/>
-              </a:rPr>
-              <a:t>Mouse equivalent </a:t>
-            </a:r>
-            <a:r>
-              <a:rPr lang="en-US" sz="1800" dirty="0" err="1" smtClean="0">
-                <a:latin typeface="Times New Roman"/>
-                <a:cs typeface="Times New Roman"/>
-              </a:rPr>
-              <a:t>wrt</a:t>
-            </a:r>
-            <a:r>
-              <a:rPr lang="en-US" sz="1800" dirty="0" smtClean="0">
-                <a:latin typeface="Times New Roman"/>
-                <a:cs typeface="Times New Roman"/>
-              </a:rPr>
-              <a:t> external factor</a:t>
-            </a:r>
-          </a:p>
-          <a:p>
-            <a:endParaRPr lang="en-US" sz="1800" dirty="0">
-              <a:latin typeface="Times New Roman"/>
-              <a:cs typeface="Times New Roman"/>
-            </a:endParaRPr>
-          </a:p>
-          <a:p>
-            <a:r>
-              <a:rPr lang="en-US" sz="1800" dirty="0" smtClean="0">
-                <a:latin typeface="Times New Roman"/>
-                <a:cs typeface="Times New Roman"/>
-              </a:rPr>
-              <a:t>Strength</a:t>
-            </a:r>
-          </a:p>
-          <a:p>
-            <a:pPr marL="285750" indent="-285750">
-              <a:buFontTx/>
-              <a:buChar char="-"/>
-            </a:pPr>
-            <a:r>
-              <a:rPr lang="en-US" sz="1800" dirty="0" smtClean="0">
-                <a:latin typeface="Times New Roman"/>
-                <a:cs typeface="Times New Roman"/>
-              </a:rPr>
-              <a:t>Mice in causal to incorporate </a:t>
-            </a:r>
-          </a:p>
-          <a:p>
-            <a:pPr marL="285750" indent="-285750">
-              <a:buFontTx/>
-              <a:buChar char="-"/>
-            </a:pPr>
-            <a:r>
-              <a:rPr lang="en-US" sz="1800" dirty="0">
-                <a:latin typeface="Times New Roman"/>
-                <a:cs typeface="Times New Roman"/>
-              </a:rPr>
-              <a:t>Incorporate biological </a:t>
-            </a:r>
-            <a:r>
-              <a:rPr lang="en-US" sz="1800" dirty="0" smtClean="0">
-                <a:latin typeface="Times New Roman"/>
-                <a:cs typeface="Times New Roman"/>
-              </a:rPr>
-              <a:t>knowledge</a:t>
-            </a:r>
-          </a:p>
-          <a:p>
-            <a:pPr marL="285750" indent="-285750">
-              <a:buFontTx/>
-              <a:buChar char="-"/>
-            </a:pPr>
-            <a:endParaRPr lang="en-US" sz="1800" dirty="0">
-              <a:latin typeface="Times New Roman"/>
-              <a:cs typeface="Times New Roman"/>
-            </a:endParaRPr>
-          </a:p>
-          <a:p>
-            <a:r>
-              <a:rPr lang="en-US" sz="1800" dirty="0" smtClean="0">
-                <a:latin typeface="Times New Roman"/>
-                <a:cs typeface="Times New Roman"/>
-              </a:rPr>
-              <a:t>Limitation</a:t>
-            </a:r>
-          </a:p>
-          <a:p>
-            <a:pPr marL="285750" indent="-285750">
-              <a:buFontTx/>
-              <a:buChar char="-"/>
-            </a:pPr>
-            <a:r>
-              <a:rPr lang="en-US" sz="1800" dirty="0" smtClean="0">
-                <a:latin typeface="Times New Roman"/>
-                <a:cs typeface="Times New Roman"/>
-              </a:rPr>
-              <a:t>Causal direct or indirect? Other stuff on the pathway</a:t>
-            </a:r>
-          </a:p>
-          <a:p>
-            <a:pPr marL="285750" indent="-285750">
-              <a:buFontTx/>
-              <a:buChar char="-"/>
-            </a:pPr>
-            <a:r>
-              <a:rPr lang="en-US" sz="1800" dirty="0" smtClean="0">
-                <a:latin typeface="Times New Roman"/>
-                <a:cs typeface="Times New Roman"/>
-              </a:rPr>
-              <a:t>Unable to dag 22 phenotypes</a:t>
-            </a:r>
-          </a:p>
-          <a:p>
-            <a:pPr marL="285750" indent="-285750">
-              <a:buFontTx/>
-              <a:buChar char="-"/>
-            </a:pPr>
-            <a:r>
-              <a:rPr lang="en-US" sz="1800" dirty="0" smtClean="0">
-                <a:latin typeface="Times New Roman"/>
-                <a:cs typeface="Times New Roman"/>
-              </a:rPr>
-              <a:t>Temporality?</a:t>
-            </a:r>
-          </a:p>
-          <a:p>
-            <a:pPr marL="285750" indent="-285750">
-              <a:buFontTx/>
-              <a:buChar char="-"/>
-            </a:pPr>
-            <a:endParaRPr lang="en-US" sz="1800" dirty="0" smtClean="0">
-              <a:latin typeface="Times New Roman"/>
-              <a:cs typeface="Times New Roman"/>
-            </a:endParaRPr>
-          </a:p>
-          <a:p>
-            <a:pPr marL="285750" indent="-285750">
-              <a:buFontTx/>
-              <a:buChar char="-"/>
-            </a:pPr>
-            <a:endParaRPr lang="en-US" sz="1800" dirty="0">
+              <a:rPr lang="en-US" sz="1600" dirty="0" smtClean="0">
+                <a:latin typeface="Times New Roman"/>
+                <a:cs typeface="Times New Roman"/>
+              </a:rPr>
+              <a:t>Temporality was an issue for drawing causal relationships among </a:t>
+            </a:r>
+            <a:r>
+              <a:rPr lang="en-US" sz="1600" dirty="0" smtClean="0">
+                <a:latin typeface="Times New Roman"/>
+                <a:cs typeface="Times New Roman"/>
+              </a:rPr>
+              <a:t>phenotypes.</a:t>
+            </a:r>
+            <a:endParaRPr lang="en-US" sz="1600" dirty="0" smtClean="0">
               <a:latin typeface="Times New Roman"/>
               <a:cs typeface="Times New Roman"/>
             </a:endParaRPr>
@@ -9704,7 +9610,7 @@
         </p:nvSpPr>
         <p:spPr>
           <a:xfrm>
-            <a:off x="21513906" y="11473237"/>
+            <a:off x="21513906" y="12460889"/>
             <a:ext cx="5693024" cy="461665"/>
           </a:xfrm>
           <a:prstGeom prst="rect">
@@ -9741,8 +9647,8 @@
         </p:nvSpPr>
         <p:spPr>
           <a:xfrm>
-            <a:off x="21473796" y="11934902"/>
-            <a:ext cx="5637215" cy="1692771"/>
+            <a:off x="21473796" y="12987132"/>
+            <a:ext cx="5724000" cy="1169551"/>
           </a:xfrm>
           <a:prstGeom prst="rect">
             <a:avLst/>
@@ -9755,176 +9661,106 @@
           </a:bodyPr>
           <a:lstStyle/>
           <a:p>
+            <a:pPr algn="just"/>
             <a:r>
               <a:rPr lang="en-US" sz="1400" dirty="0" smtClean="0">
                 <a:latin typeface="Times New Roman"/>
                 <a:cs typeface="Times New Roman"/>
               </a:rPr>
-              <a:t>GS </a:t>
+              <a:t>GS would like to thank her PhD supervisors, Dr. Erica </a:t>
+            </a:r>
+            <a:r>
+              <a:rPr lang="en-US" sz="1400" dirty="0" err="1" smtClean="0">
+                <a:latin typeface="Times New Roman"/>
+                <a:cs typeface="Times New Roman"/>
+              </a:rPr>
+              <a:t>Moodie</a:t>
             </a:r>
             <a:r>
               <a:rPr lang="en-US" sz="1400" dirty="0" smtClean="0">
                 <a:latin typeface="Times New Roman"/>
                 <a:cs typeface="Times New Roman"/>
               </a:rPr>
-              <a:t>would </a:t>
+              <a:t> and Dr. Robert Platt, for giving her the opportunity to participate in this competition. KM would like to thank his PhD supervisors Celia </a:t>
+            </a:r>
+            <a:r>
+              <a:rPr lang="en-US" sz="1400" dirty="0" err="1" smtClean="0">
+                <a:latin typeface="Times New Roman"/>
+                <a:cs typeface="Times New Roman"/>
+              </a:rPr>
+              <a:t>Geenwood</a:t>
             </a:r>
             <a:r>
               <a:rPr lang="en-US" sz="1400" dirty="0" smtClean="0">
                 <a:latin typeface="Times New Roman"/>
                 <a:cs typeface="Times New Roman"/>
               </a:rPr>
-              <a:t>like </a:t>
+              <a:t> and </a:t>
+            </a:r>
+            <a:r>
+              <a:rPr lang="en-US" sz="1400" dirty="0" err="1" smtClean="0">
+                <a:latin typeface="Times New Roman"/>
+                <a:cs typeface="Times New Roman"/>
+              </a:rPr>
+              <a:t>Aurélie</a:t>
             </a:r>
             <a:r>
               <a:rPr lang="en-US" sz="1400" dirty="0" smtClean="0">
                 <a:latin typeface="Times New Roman"/>
                 <a:cs typeface="Times New Roman"/>
               </a:rPr>
-              <a:t>to thank her PhD supervisors, Dr. Erica </a:t>
+              <a:t> </a:t>
             </a:r>
             <a:r>
               <a:rPr lang="en-US" sz="1400" dirty="0" err="1" smtClean="0">
                 <a:latin typeface="Times New Roman"/>
                 <a:cs typeface="Times New Roman"/>
               </a:rPr>
-              <a:t>Moodie</a:t>
+              <a:t>Labbe</a:t>
             </a:r>
             <a:r>
               <a:rPr lang="en-US" sz="1400" dirty="0" smtClean="0">
                 <a:latin typeface="Times New Roman"/>
                 <a:cs typeface="Times New Roman"/>
               </a:rPr>
-              <a:t> and Dr. Robert Platt, for giving her the opportunity to participate in this competition</a:t>
+              <a:t>. We would also like to thank Claudia </a:t>
+            </a:r>
+            <a:r>
+              <a:rPr lang="en-US" sz="1400" dirty="0" err="1" smtClean="0">
+                <a:latin typeface="Times New Roman"/>
+                <a:cs typeface="Times New Roman"/>
+              </a:rPr>
+              <a:t>Kleinman</a:t>
             </a:r>
             <a:r>
               <a:rPr lang="en-US" sz="1400" dirty="0" smtClean="0">
                 <a:latin typeface="Times New Roman"/>
                 <a:cs typeface="Times New Roman"/>
               </a:rPr>
-              <a:t>. KM would like to thank his PhD supervisors Celia </a:t>
-            </a:r>
-            <a:r>
-              <a:rPr lang="en-US" sz="1400" dirty="0" err="1" smtClean="0">
-                <a:latin typeface="Times New Roman"/>
-                <a:cs typeface="Times New Roman"/>
-              </a:rPr>
-              <a:t>Geenwood</a:t>
+              <a:t> for her precious insights on the biological interpretations</a:t>
+            </a:r>
+            <a:r>
+              <a:rPr lang="en-US" sz="1400" dirty="0">
+                <a:latin typeface="Times New Roman"/>
+                <a:cs typeface="Times New Roman"/>
+              </a:rPr>
+              <a:t> </a:t>
             </a:r>
             <a:r>
               <a:rPr lang="en-US" sz="1400" dirty="0" smtClean="0">
                 <a:latin typeface="Times New Roman"/>
                 <a:cs typeface="Times New Roman"/>
               </a:rPr>
-              <a:t> and </a:t>
-            </a:r>
-            <a:r>
-              <a:rPr lang="en-US" sz="1400" dirty="0" err="1" smtClean="0">
-                <a:latin typeface="Times New Roman"/>
-                <a:cs typeface="Times New Roman"/>
-              </a:rPr>
-              <a:t>Aurélie</a:t>
+              <a:t>of the studied phenotypes</a:t>
             </a:r>
             <a:r>
               <a:rPr lang="en-US" sz="1400" dirty="0" smtClean="0">
                 <a:latin typeface="Times New Roman"/>
                 <a:cs typeface="Times New Roman"/>
               </a:rPr>
-              <a:t> </a:t>
-            </a:r>
-            <a:r>
-              <a:rPr lang="en-US" sz="1400" dirty="0" err="1" smtClean="0">
-                <a:latin typeface="Times New Roman"/>
-                <a:cs typeface="Times New Roman"/>
-              </a:rPr>
-              <a:t>Labbe</a:t>
-            </a:r>
-            <a:r>
-              <a:rPr lang="en-US" sz="1400" dirty="0" smtClean="0">
-                <a:latin typeface="Times New Roman"/>
-                <a:cs typeface="Times New Roman"/>
-              </a:rPr>
-              <a:t>. </a:t>
-            </a:r>
-            <a:r>
-              <a:rPr lang="en-US" sz="1400" dirty="0" smtClean="0">
-                <a:latin typeface="Times New Roman"/>
-                <a:cs typeface="Times New Roman"/>
-              </a:rPr>
-              <a:t>We </a:t>
-            </a:r>
-            <a:r>
-              <a:rPr lang="en-US" sz="1400" dirty="0" smtClean="0">
-                <a:latin typeface="Times New Roman"/>
-                <a:cs typeface="Times New Roman"/>
-              </a:rPr>
-              <a:t>would also </a:t>
-            </a:r>
-            <a:r>
-              <a:rPr lang="en-US" sz="1400" dirty="0" smtClean="0">
-                <a:latin typeface="Times New Roman"/>
-                <a:cs typeface="Times New Roman"/>
-              </a:rPr>
-              <a:t>like to thank Claudia </a:t>
-            </a:r>
-            <a:r>
-              <a:rPr lang="en-US" sz="1400" dirty="0" err="1" smtClean="0">
-                <a:latin typeface="Times New Roman"/>
-                <a:cs typeface="Times New Roman"/>
-              </a:rPr>
-              <a:t>Kleinman</a:t>
-            </a:r>
-            <a:r>
-              <a:rPr lang="en-US" sz="1400" dirty="0" smtClean="0">
-                <a:latin typeface="Times New Roman"/>
-                <a:cs typeface="Times New Roman"/>
-              </a:rPr>
-              <a:t> for </a:t>
-            </a:r>
-            <a:r>
-              <a:rPr lang="en-US" sz="1400" dirty="0" smtClean="0">
-                <a:latin typeface="Times New Roman"/>
-                <a:cs typeface="Times New Roman"/>
-              </a:rPr>
-              <a:t>her precious insights on the biological </a:t>
-            </a:r>
-            <a:r>
-              <a:rPr lang="en-US" sz="1400" dirty="0" smtClean="0">
-                <a:latin typeface="Times New Roman"/>
-                <a:cs typeface="Times New Roman"/>
-              </a:rPr>
-              <a:t>interpretations</a:t>
-            </a:r>
-            <a:r>
-              <a:rPr lang="en-US" sz="1400" dirty="0">
-                <a:latin typeface="Times New Roman"/>
-                <a:cs typeface="Times New Roman"/>
-              </a:rPr>
-              <a:t> </a:t>
-            </a:r>
-            <a:r>
-              <a:rPr lang="en-US" sz="1400" dirty="0" smtClean="0">
-                <a:latin typeface="Times New Roman"/>
-                <a:cs typeface="Times New Roman"/>
-              </a:rPr>
-              <a:t>of </a:t>
-            </a:r>
-            <a:r>
-              <a:rPr lang="en-US" sz="1400" dirty="0" smtClean="0">
-                <a:latin typeface="Times New Roman"/>
-                <a:cs typeface="Times New Roman"/>
-              </a:rPr>
-              <a:t>the studied phenotypes.</a:t>
-            </a:r>
-          </a:p>
-          <a:p>
-            <a:endParaRPr lang="en-US" sz="1600" dirty="0" smtClean="0">
-              <a:latin typeface="Times New Roman"/>
-              <a:cs typeface="Times New Roman"/>
-            </a:endParaRPr>
-          </a:p>
-          <a:p>
-            <a:endParaRPr lang="en-US" sz="1800" dirty="0">
+              <a:t>.</a:t>
+            </a:r>
+            <a:endParaRPr lang="en-US" sz="1400" dirty="0" smtClean="0">
               <a:latin typeface="Times New Roman"/>
               <a:cs typeface="Times New Roman"/>
             </a:endParaRPr>
@@ -9939,7 +9775,7 @@
         </p:nvSpPr>
         <p:spPr>
           <a:xfrm>
-            <a:off x="270941" y="12947410"/>
+            <a:off x="270941" y="12985322"/>
             <a:ext cx="5658063" cy="3293209"/>
           </a:xfrm>
           <a:prstGeom prst="rect">
@@ -9966,14 +9802,21 @@
                 <a:latin typeface="Times New Roman"/>
                 <a:cs typeface="Times New Roman"/>
               </a:rPr>
-              <a:t>Causal </a:t>
+              <a:t>Causal relationships </a:t>
             </a:r>
             <a:r>
               <a:rPr lang="en-US" sz="1600" dirty="0" smtClean="0">
                 <a:latin typeface="Times New Roman"/>
                 <a:cs typeface="Times New Roman"/>
               </a:rPr>
-              <a:t>relationships are investigated separately for each of the 22 phenotypic measurements:</a:t>
+              <a:t>were </a:t>
+            </a:r>
+            <a:r>
+              <a:rPr lang="en-US" sz="1600" dirty="0" smtClean="0">
+                <a:latin typeface="Times New Roman"/>
+                <a:cs typeface="Times New Roman"/>
+              </a:rPr>
+              <a:t>investigated separately for each of the 22 phenotypic measurements:</a:t>
             </a:r>
           </a:p>
           <a:p>
@@ -9986,7 +9829,21 @@
                 <a:latin typeface="Times New Roman"/>
                 <a:cs typeface="Times New Roman"/>
               </a:rPr>
-              <a:t>A simple linear regression model was applied to estimate the effect of the knockout conditions on each phenotype. For phenotypes predicted with MICE, the MICE algorithm was used to incorporate uncertainty of the predicted values.</a:t>
+              <a:t>A simple linear regression model was applied to estimate the effect of the knockout conditions on each phenotype. For phenotypes </a:t>
+            </a:r>
+            <a:r>
+              <a:rPr lang="en-US" sz="1600" dirty="0" smtClean="0">
+                <a:latin typeface="Times New Roman"/>
+                <a:cs typeface="Times New Roman"/>
+              </a:rPr>
+              <a:t>with missing values, </a:t>
+            </a:r>
+            <a:r>
+              <a:rPr lang="en-US" sz="1600" dirty="0" smtClean="0">
+                <a:latin typeface="Times New Roman"/>
+                <a:cs typeface="Times New Roman"/>
+              </a:rPr>
+              <a:t>the MICE algorithm was used to incorporate uncertainty of the predicted values.</a:t>
             </a:r>
           </a:p>
           <a:p>
@@ -9999,21 +9856,7 @@
                 <a:latin typeface="Times New Roman"/>
                 <a:cs typeface="Times New Roman"/>
               </a:rPr>
-              <a:t>The Sandwich </a:t>
-            </a:r>
-            <a:r>
-              <a:rPr lang="en-US" sz="1600" dirty="0" smtClean="0">
-                <a:latin typeface="Times New Roman"/>
-                <a:cs typeface="Times New Roman"/>
-              </a:rPr>
-              <a:t>Estimator [2] </a:t>
-            </a:r>
-            <a:r>
-              <a:rPr lang="en-US" sz="1600" dirty="0" smtClean="0">
-                <a:latin typeface="Times New Roman"/>
-                <a:cs typeface="Times New Roman"/>
-              </a:rPr>
-              <a:t>was used to estimate the variance of the effect size as litters was not considered in the models.</a:t>
+              <a:t>The Sandwich Estimator [2] was used to estimate the variance of the effect size as litters was not considered in the models.</a:t>
             </a:r>
           </a:p>
           <a:p>
@@ -10049,10 +9892,6 @@
               </a:rPr>
               <a:t> correction (i.e. at level 0.05/22).</a:t>
             </a:r>
-            <a:endParaRPr lang="en-US" sz="1600" dirty="0" smtClean="0">
-              <a:latin typeface="Times New Roman"/>
-              <a:cs typeface="Times New Roman"/>
-            </a:endParaRPr>
           </a:p>
           <a:p>
             <a:pPr marL="285750" indent="-285750" algn="just">
@@ -10064,14 +9903,7 @@
                 <a:latin typeface="Times New Roman"/>
                 <a:cs typeface="Times New Roman"/>
               </a:rPr>
-              <a:t>Prior </a:t>
-            </a:r>
-            <a:r>
-              <a:rPr lang="en-US" sz="1600" dirty="0" smtClean="0">
-                <a:latin typeface="Times New Roman"/>
-                <a:cs typeface="Times New Roman"/>
-              </a:rPr>
-              <a:t>biological knowledge was used to infer possible causal relationships between the phenotypic measurements.</a:t>
+              <a:t>Prior biological knowledge was used to infer possible causal relationships between the phenotypic measurements.</a:t>
             </a:r>
           </a:p>
         </p:txBody>
@@ -10147,14 +9979,7 @@
                 <a:latin typeface="Times New Roman"/>
                 <a:cs typeface="Times New Roman"/>
               </a:rPr>
-              <a:t>Range of components of mouse blood</a:t>
-            </a:r>
-            <a:r>
-              <a:rPr lang="en-US" sz="1200" dirty="0" smtClean="0">
-                <a:latin typeface="Times New Roman"/>
-                <a:cs typeface="Times New Roman"/>
-              </a:rPr>
-              <a:t> [4]</a:t>
+              <a:t>Range of components of mouse blood [4]</a:t>
             </a:r>
             <a:endParaRPr lang="en-US" sz="1200" dirty="0">
               <a:latin typeface="Times New Roman"/>
@@ -10185,7 +10010,7 @@
           </a:bodyPr>
           <a:lstStyle/>
           <a:p>
-            <a:pPr marL="285750" indent="-285750">
+            <a:pPr marL="285750" indent="-285750" algn="just">
               <a:buFont typeface="Arial"/>
               <a:buChar char="•"/>
             </a:pPr>
@@ -10272,7 +10097,7 @@
             </a:r>
           </a:p>
           <a:p>
-            <a:pPr marL="285750" indent="-285750">
+            <a:pPr marL="285750" indent="-285750" algn="just">
               <a:buFont typeface="Arial"/>
               <a:buChar char="•"/>
             </a:pPr>
@@ -10285,7 +10110,7 @@
             </a:r>
           </a:p>
           <a:p>
-            <a:pPr marL="285750" indent="-285750">
+            <a:pPr marL="285750" indent="-285750" algn="just">
               <a:buFont typeface="Arial"/>
               <a:buChar char="•"/>
             </a:pPr>
@@ -10298,7 +10123,7 @@
             </a:r>
           </a:p>
           <a:p>
-            <a:pPr marL="285750" indent="-285750">
+            <a:pPr marL="285750" indent="-285750" algn="just">
               <a:buFont typeface="Arial"/>
               <a:buChar char="•"/>
             </a:pPr>

--- a/Poster.pptx
+++ b/Poster.pptx
@@ -7,14 +7,14 @@
   <p:sldIdLst>
     <p:sldId id="256" r:id="rId2"/>
   </p:sldIdLst>
-  <p:sldSz cx="27432000" cy="16459200"/>
+  <p:sldSz cx="49377600" cy="29625925"/>
   <p:notesSz cx="6858000" cy="9144000"/>
   <p:defaultTextStyle>
     <a:defPPr>
       <a:defRPr lang="en-US"/>
     </a:defPPr>
-    <a:lvl1pPr marL="0" algn="l" defTabSz="1254008" rtl="0" eaLnBrk="1" latinLnBrk="0" hangingPunct="1">
-      <a:defRPr sz="4900" kern="1200">
+    <a:lvl1pPr marL="0" algn="l" defTabSz="2257089" rtl="0" eaLnBrk="1" latinLnBrk="0" hangingPunct="1">
+      <a:defRPr sz="8800" kern="1200">
         <a:solidFill>
           <a:schemeClr val="tx1"/>
         </a:solidFill>
@@ -23,8 +23,8 @@
         <a:cs typeface="+mn-cs"/>
       </a:defRPr>
     </a:lvl1pPr>
-    <a:lvl2pPr marL="1254008" algn="l" defTabSz="1254008" rtl="0" eaLnBrk="1" latinLnBrk="0" hangingPunct="1">
-      <a:defRPr sz="4900" kern="1200">
+    <a:lvl2pPr marL="2257089" algn="l" defTabSz="2257089" rtl="0" eaLnBrk="1" latinLnBrk="0" hangingPunct="1">
+      <a:defRPr sz="8800" kern="1200">
         <a:solidFill>
           <a:schemeClr val="tx1"/>
         </a:solidFill>
@@ -33,8 +33,8 @@
         <a:cs typeface="+mn-cs"/>
       </a:defRPr>
     </a:lvl2pPr>
-    <a:lvl3pPr marL="2508016" algn="l" defTabSz="1254008" rtl="0" eaLnBrk="1" latinLnBrk="0" hangingPunct="1">
-      <a:defRPr sz="4900" kern="1200">
+    <a:lvl3pPr marL="4514178" algn="l" defTabSz="2257089" rtl="0" eaLnBrk="1" latinLnBrk="0" hangingPunct="1">
+      <a:defRPr sz="8800" kern="1200">
         <a:solidFill>
           <a:schemeClr val="tx1"/>
         </a:solidFill>
@@ -43,8 +43,8 @@
         <a:cs typeface="+mn-cs"/>
       </a:defRPr>
     </a:lvl3pPr>
-    <a:lvl4pPr marL="3762024" algn="l" defTabSz="1254008" rtl="0" eaLnBrk="1" latinLnBrk="0" hangingPunct="1">
-      <a:defRPr sz="4900" kern="1200">
+    <a:lvl4pPr marL="6771267" algn="l" defTabSz="2257089" rtl="0" eaLnBrk="1" latinLnBrk="0" hangingPunct="1">
+      <a:defRPr sz="8800" kern="1200">
         <a:solidFill>
           <a:schemeClr val="tx1"/>
         </a:solidFill>
@@ -53,8 +53,8 @@
         <a:cs typeface="+mn-cs"/>
       </a:defRPr>
     </a:lvl4pPr>
-    <a:lvl5pPr marL="5016033" algn="l" defTabSz="1254008" rtl="0" eaLnBrk="1" latinLnBrk="0" hangingPunct="1">
-      <a:defRPr sz="4900" kern="1200">
+    <a:lvl5pPr marL="9028358" algn="l" defTabSz="2257089" rtl="0" eaLnBrk="1" latinLnBrk="0" hangingPunct="1">
+      <a:defRPr sz="8800" kern="1200">
         <a:solidFill>
           <a:schemeClr val="tx1"/>
         </a:solidFill>
@@ -63,8 +63,8 @@
         <a:cs typeface="+mn-cs"/>
       </a:defRPr>
     </a:lvl5pPr>
-    <a:lvl6pPr marL="6270041" algn="l" defTabSz="1254008" rtl="0" eaLnBrk="1" latinLnBrk="0" hangingPunct="1">
-      <a:defRPr sz="4900" kern="1200">
+    <a:lvl6pPr marL="11285447" algn="l" defTabSz="2257089" rtl="0" eaLnBrk="1" latinLnBrk="0" hangingPunct="1">
+      <a:defRPr sz="8800" kern="1200">
         <a:solidFill>
           <a:schemeClr val="tx1"/>
         </a:solidFill>
@@ -73,8 +73,8 @@
         <a:cs typeface="+mn-cs"/>
       </a:defRPr>
     </a:lvl6pPr>
-    <a:lvl7pPr marL="7524049" algn="l" defTabSz="1254008" rtl="0" eaLnBrk="1" latinLnBrk="0" hangingPunct="1">
-      <a:defRPr sz="4900" kern="1200">
+    <a:lvl7pPr marL="13542536" algn="l" defTabSz="2257089" rtl="0" eaLnBrk="1" latinLnBrk="0" hangingPunct="1">
+      <a:defRPr sz="8800" kern="1200">
         <a:solidFill>
           <a:schemeClr val="tx1"/>
         </a:solidFill>
@@ -83,8 +83,8 @@
         <a:cs typeface="+mn-cs"/>
       </a:defRPr>
     </a:lvl7pPr>
-    <a:lvl8pPr marL="8778057" algn="l" defTabSz="1254008" rtl="0" eaLnBrk="1" latinLnBrk="0" hangingPunct="1">
-      <a:defRPr sz="4900" kern="1200">
+    <a:lvl8pPr marL="15799625" algn="l" defTabSz="2257089" rtl="0" eaLnBrk="1" latinLnBrk="0" hangingPunct="1">
+      <a:defRPr sz="8800" kern="1200">
         <a:solidFill>
           <a:schemeClr val="tx1"/>
         </a:solidFill>
@@ -93,8 +93,8 @@
         <a:cs typeface="+mn-cs"/>
       </a:defRPr>
     </a:lvl8pPr>
-    <a:lvl9pPr marL="10032065" algn="l" defTabSz="1254008" rtl="0" eaLnBrk="1" latinLnBrk="0" hangingPunct="1">
-      <a:defRPr sz="4900" kern="1200">
+    <a:lvl9pPr marL="18056714" algn="l" defTabSz="2257089" rtl="0" eaLnBrk="1" latinLnBrk="0" hangingPunct="1">
+      <a:defRPr sz="8800" kern="1200">
         <a:solidFill>
           <a:schemeClr val="tx1"/>
         </a:solidFill>
@@ -142,8 +142,8 @@
         </p:nvSpPr>
         <p:spPr>
           <a:xfrm>
-            <a:off x="2057400" y="5113021"/>
-            <a:ext cx="23317200" cy="3528060"/>
+            <a:off x="3703320" y="9203240"/>
+            <a:ext cx="41970960" cy="6350372"/>
           </a:xfrm>
         </p:spPr>
         <p:txBody>
@@ -170,8 +170,8 @@
         </p:nvSpPr>
         <p:spPr>
           <a:xfrm>
-            <a:off x="4114800" y="9326880"/>
-            <a:ext cx="19202400" cy="4206240"/>
+            <a:off x="7406640" y="16788024"/>
+            <a:ext cx="34564320" cy="7571070"/>
           </a:xfrm>
         </p:spPr>
         <p:txBody>
@@ -187,7 +187,7 @@
                 </a:solidFill>
               </a:defRPr>
             </a:lvl1pPr>
-            <a:lvl2pPr marL="1254008" indent="0" algn="ctr">
+            <a:lvl2pPr marL="2257089" indent="0" algn="ctr">
               <a:buNone/>
               <a:defRPr>
                 <a:solidFill>
@@ -197,7 +197,7 @@
                 </a:solidFill>
               </a:defRPr>
             </a:lvl2pPr>
-            <a:lvl3pPr marL="2508016" indent="0" algn="ctr">
+            <a:lvl3pPr marL="4514178" indent="0" algn="ctr">
               <a:buNone/>
               <a:defRPr>
                 <a:solidFill>
@@ -207,7 +207,7 @@
                 </a:solidFill>
               </a:defRPr>
             </a:lvl3pPr>
-            <a:lvl4pPr marL="3762024" indent="0" algn="ctr">
+            <a:lvl4pPr marL="6771267" indent="0" algn="ctr">
               <a:buNone/>
               <a:defRPr>
                 <a:solidFill>
@@ -217,7 +217,7 @@
                 </a:solidFill>
               </a:defRPr>
             </a:lvl4pPr>
-            <a:lvl5pPr marL="5016033" indent="0" algn="ctr">
+            <a:lvl5pPr marL="9028358" indent="0" algn="ctr">
               <a:buNone/>
               <a:defRPr>
                 <a:solidFill>
@@ -227,7 +227,7 @@
                 </a:solidFill>
               </a:defRPr>
             </a:lvl5pPr>
-            <a:lvl6pPr marL="6270041" indent="0" algn="ctr">
+            <a:lvl6pPr marL="11285447" indent="0" algn="ctr">
               <a:buNone/>
               <a:defRPr>
                 <a:solidFill>
@@ -237,7 +237,7 @@
                 </a:solidFill>
               </a:defRPr>
             </a:lvl6pPr>
-            <a:lvl7pPr marL="7524049" indent="0" algn="ctr">
+            <a:lvl7pPr marL="13542536" indent="0" algn="ctr">
               <a:buNone/>
               <a:defRPr>
                 <a:solidFill>
@@ -247,7 +247,7 @@
                 </a:solidFill>
               </a:defRPr>
             </a:lvl7pPr>
-            <a:lvl8pPr marL="8778057" indent="0" algn="ctr">
+            <a:lvl8pPr marL="15799625" indent="0" algn="ctr">
               <a:buNone/>
               <a:defRPr>
                 <a:solidFill>
@@ -257,7 +257,7 @@
                 </a:solidFill>
               </a:defRPr>
             </a:lvl8pPr>
-            <a:lvl9pPr marL="10032065" indent="0" algn="ctr">
+            <a:lvl9pPr marL="18056714" indent="0" algn="ctr">
               <a:buNone/>
               <a:defRPr>
                 <a:solidFill>
@@ -554,8 +554,8 @@
         </p:nvSpPr>
         <p:spPr>
           <a:xfrm>
-            <a:off x="59664600" y="1581151"/>
-            <a:ext cx="18516600" cy="33707069"/>
+            <a:off x="107396280" y="2846012"/>
+            <a:ext cx="33329880" cy="60671424"/>
           </a:xfrm>
         </p:spPr>
         <p:txBody>
@@ -582,8 +582,8 @@
         </p:nvSpPr>
         <p:spPr>
           <a:xfrm>
-            <a:off x="4114800" y="1581151"/>
-            <a:ext cx="55092600" cy="33707069"/>
+            <a:off x="7406640" y="2846012"/>
+            <a:ext cx="99166680" cy="60671424"/>
           </a:xfrm>
         </p:spPr>
         <p:txBody>
@@ -904,15 +904,15 @@
         </p:nvSpPr>
         <p:spPr>
           <a:xfrm>
-            <a:off x="2166939" y="10576561"/>
-            <a:ext cx="23317200" cy="3268980"/>
+            <a:off x="3900490" y="19037402"/>
+            <a:ext cx="41970960" cy="5884038"/>
           </a:xfrm>
         </p:spPr>
         <p:txBody>
           <a:bodyPr anchor="t"/>
           <a:lstStyle>
             <a:lvl1pPr algn="l">
-              <a:defRPr sz="11000" b="1" cap="all"/>
+              <a:defRPr sz="19800" b="1" cap="all"/>
             </a:lvl1pPr>
           </a:lstStyle>
           <a:p>
@@ -936,8 +936,8 @@
         </p:nvSpPr>
         <p:spPr>
           <a:xfrm>
-            <a:off x="2166939" y="6976112"/>
-            <a:ext cx="23317200" cy="3600449"/>
+            <a:off x="3900490" y="12556734"/>
+            <a:ext cx="41970960" cy="6480669"/>
           </a:xfrm>
         </p:spPr>
         <p:txBody>
@@ -945,7 +945,7 @@
           <a:lstStyle>
             <a:lvl1pPr marL="0" indent="0">
               <a:buNone/>
-              <a:defRPr sz="5500">
+              <a:defRPr sz="9900">
                 <a:solidFill>
                   <a:schemeClr val="tx1">
                     <a:tint val="75000"/>
@@ -953,9 +953,9 @@
                 </a:solidFill>
               </a:defRPr>
             </a:lvl1pPr>
-            <a:lvl2pPr marL="1254008" indent="0">
+            <a:lvl2pPr marL="2257089" indent="0">
               <a:buNone/>
-              <a:defRPr sz="4900">
+              <a:defRPr sz="8800">
                 <a:solidFill>
                   <a:schemeClr val="tx1">
                     <a:tint val="75000"/>
@@ -963,9 +963,9 @@
                 </a:solidFill>
               </a:defRPr>
             </a:lvl2pPr>
-            <a:lvl3pPr marL="2508016" indent="0">
+            <a:lvl3pPr marL="4514178" indent="0">
               <a:buNone/>
-              <a:defRPr sz="4400">
+              <a:defRPr sz="7900">
                 <a:solidFill>
                   <a:schemeClr val="tx1">
                     <a:tint val="75000"/>
@@ -973,9 +973,9 @@
                 </a:solidFill>
               </a:defRPr>
             </a:lvl3pPr>
-            <a:lvl4pPr marL="3762024" indent="0">
+            <a:lvl4pPr marL="6771267" indent="0">
               <a:buNone/>
-              <a:defRPr sz="3800">
+              <a:defRPr sz="6800">
                 <a:solidFill>
                   <a:schemeClr val="tx1">
                     <a:tint val="75000"/>
@@ -983,9 +983,9 @@
                 </a:solidFill>
               </a:defRPr>
             </a:lvl4pPr>
-            <a:lvl5pPr marL="5016033" indent="0">
+            <a:lvl5pPr marL="9028358" indent="0">
               <a:buNone/>
-              <a:defRPr sz="3800">
+              <a:defRPr sz="6800">
                 <a:solidFill>
                   <a:schemeClr val="tx1">
                     <a:tint val="75000"/>
@@ -993,9 +993,9 @@
                 </a:solidFill>
               </a:defRPr>
             </a:lvl5pPr>
-            <a:lvl6pPr marL="6270041" indent="0">
+            <a:lvl6pPr marL="11285447" indent="0">
               <a:buNone/>
-              <a:defRPr sz="3800">
+              <a:defRPr sz="6800">
                 <a:solidFill>
                   <a:schemeClr val="tx1">
                     <a:tint val="75000"/>
@@ -1003,9 +1003,9 @@
                 </a:solidFill>
               </a:defRPr>
             </a:lvl6pPr>
-            <a:lvl7pPr marL="7524049" indent="0">
+            <a:lvl7pPr marL="13542536" indent="0">
               <a:buNone/>
-              <a:defRPr sz="3800">
+              <a:defRPr sz="6800">
                 <a:solidFill>
                   <a:schemeClr val="tx1">
                     <a:tint val="75000"/>
@@ -1013,9 +1013,9 @@
                 </a:solidFill>
               </a:defRPr>
             </a:lvl7pPr>
-            <a:lvl8pPr marL="8778057" indent="0">
+            <a:lvl8pPr marL="15799625" indent="0">
               <a:buNone/>
-              <a:defRPr sz="3800">
+              <a:defRPr sz="6800">
                 <a:solidFill>
                   <a:schemeClr val="tx1">
                     <a:tint val="75000"/>
@@ -1023,9 +1023,9 @@
                 </a:solidFill>
               </a:defRPr>
             </a:lvl8pPr>
-            <a:lvl9pPr marL="10032065" indent="0">
+            <a:lvl9pPr marL="18056714" indent="0">
               <a:buNone/>
-              <a:defRPr sz="3800">
+              <a:defRPr sz="6800">
                 <a:solidFill>
                   <a:schemeClr val="tx1">
                     <a:tint val="75000"/>
@@ -1173,39 +1173,39 @@
         </p:nvSpPr>
         <p:spPr>
           <a:xfrm>
-            <a:off x="4114800" y="9216391"/>
-            <a:ext cx="36804600" cy="26071829"/>
+            <a:off x="7406640" y="16589149"/>
+            <a:ext cx="66248280" cy="46928286"/>
           </a:xfrm>
         </p:spPr>
         <p:txBody>
           <a:bodyPr/>
           <a:lstStyle>
             <a:lvl1pPr>
-              <a:defRPr sz="7700"/>
+              <a:defRPr sz="13900"/>
             </a:lvl1pPr>
             <a:lvl2pPr>
-              <a:defRPr sz="6600"/>
+              <a:defRPr sz="11900"/>
             </a:lvl2pPr>
             <a:lvl3pPr>
-              <a:defRPr sz="5500"/>
+              <a:defRPr sz="9900"/>
             </a:lvl3pPr>
             <a:lvl4pPr>
-              <a:defRPr sz="4900"/>
+              <a:defRPr sz="8800"/>
             </a:lvl4pPr>
             <a:lvl5pPr>
-              <a:defRPr sz="4900"/>
+              <a:defRPr sz="8800"/>
             </a:lvl5pPr>
             <a:lvl6pPr>
-              <a:defRPr sz="4900"/>
+              <a:defRPr sz="8800"/>
             </a:lvl6pPr>
             <a:lvl7pPr>
-              <a:defRPr sz="4900"/>
+              <a:defRPr sz="8800"/>
             </a:lvl7pPr>
             <a:lvl8pPr>
-              <a:defRPr sz="4900"/>
+              <a:defRPr sz="8800"/>
             </a:lvl8pPr>
             <a:lvl9pPr>
-              <a:defRPr sz="4900"/>
+              <a:defRPr sz="8800"/>
             </a:lvl9pPr>
           </a:lstStyle>
           <a:p>
@@ -1258,39 +1258,39 @@
         </p:nvSpPr>
         <p:spPr>
           <a:xfrm>
-            <a:off x="41376600" y="9216391"/>
-            <a:ext cx="36804600" cy="26071829"/>
+            <a:off x="74477880" y="16589149"/>
+            <a:ext cx="66248280" cy="46928286"/>
           </a:xfrm>
         </p:spPr>
         <p:txBody>
           <a:bodyPr/>
           <a:lstStyle>
             <a:lvl1pPr>
-              <a:defRPr sz="7700"/>
+              <a:defRPr sz="13900"/>
             </a:lvl1pPr>
             <a:lvl2pPr>
-              <a:defRPr sz="6600"/>
+              <a:defRPr sz="11900"/>
             </a:lvl2pPr>
             <a:lvl3pPr>
-              <a:defRPr sz="5500"/>
+              <a:defRPr sz="9900"/>
             </a:lvl3pPr>
             <a:lvl4pPr>
-              <a:defRPr sz="4900"/>
+              <a:defRPr sz="8800"/>
             </a:lvl4pPr>
             <a:lvl5pPr>
-              <a:defRPr sz="4900"/>
+              <a:defRPr sz="8800"/>
             </a:lvl5pPr>
             <a:lvl6pPr>
-              <a:defRPr sz="4900"/>
+              <a:defRPr sz="8800"/>
             </a:lvl6pPr>
             <a:lvl7pPr>
-              <a:defRPr sz="4900"/>
+              <a:defRPr sz="8800"/>
             </a:lvl7pPr>
             <a:lvl8pPr>
-              <a:defRPr sz="4900"/>
+              <a:defRPr sz="8800"/>
             </a:lvl8pPr>
             <a:lvl9pPr>
-              <a:defRPr sz="4900"/>
+              <a:defRPr sz="8800"/>
             </a:lvl9pPr>
           </a:lstStyle>
           <a:p>
@@ -1438,8 +1438,8 @@
         </p:nvSpPr>
         <p:spPr>
           <a:xfrm>
-            <a:off x="1371600" y="659131"/>
-            <a:ext cx="24688800" cy="2743200"/>
+            <a:off x="2468880" y="1186410"/>
+            <a:ext cx="44439840" cy="4937654"/>
           </a:xfrm>
         </p:spPr>
         <p:txBody>
@@ -1470,8 +1470,8 @@
         </p:nvSpPr>
         <p:spPr>
           <a:xfrm>
-            <a:off x="1371600" y="3684271"/>
-            <a:ext cx="12120564" cy="1535429"/>
+            <a:off x="2468880" y="6631547"/>
+            <a:ext cx="21817015" cy="2763713"/>
           </a:xfrm>
         </p:spPr>
         <p:txBody>
@@ -1479,39 +1479,39 @@
           <a:lstStyle>
             <a:lvl1pPr marL="0" indent="0">
               <a:buNone/>
-              <a:defRPr sz="6600" b="1"/>
+              <a:defRPr sz="11900" b="1"/>
             </a:lvl1pPr>
-            <a:lvl2pPr marL="1254008" indent="0">
+            <a:lvl2pPr marL="2257089" indent="0">
               <a:buNone/>
-              <a:defRPr sz="5500" b="1"/>
+              <a:defRPr sz="9900" b="1"/>
             </a:lvl2pPr>
-            <a:lvl3pPr marL="2508016" indent="0">
+            <a:lvl3pPr marL="4514178" indent="0">
               <a:buNone/>
-              <a:defRPr sz="4900" b="1"/>
+              <a:defRPr sz="8800" b="1"/>
             </a:lvl3pPr>
-            <a:lvl4pPr marL="3762024" indent="0">
+            <a:lvl4pPr marL="6771267" indent="0">
               <a:buNone/>
-              <a:defRPr sz="4400" b="1"/>
+              <a:defRPr sz="7900" b="1"/>
             </a:lvl4pPr>
-            <a:lvl5pPr marL="5016033" indent="0">
+            <a:lvl5pPr marL="9028358" indent="0">
               <a:buNone/>
-              <a:defRPr sz="4400" b="1"/>
+              <a:defRPr sz="7900" b="1"/>
             </a:lvl5pPr>
-            <a:lvl6pPr marL="6270041" indent="0">
+            <a:lvl6pPr marL="11285447" indent="0">
               <a:buNone/>
-              <a:defRPr sz="4400" b="1"/>
+              <a:defRPr sz="7900" b="1"/>
             </a:lvl6pPr>
-            <a:lvl7pPr marL="7524049" indent="0">
+            <a:lvl7pPr marL="13542536" indent="0">
               <a:buNone/>
-              <a:defRPr sz="4400" b="1"/>
+              <a:defRPr sz="7900" b="1"/>
             </a:lvl7pPr>
-            <a:lvl8pPr marL="8778057" indent="0">
+            <a:lvl8pPr marL="15799625" indent="0">
               <a:buNone/>
-              <a:defRPr sz="4400" b="1"/>
+              <a:defRPr sz="7900" b="1"/>
             </a:lvl8pPr>
-            <a:lvl9pPr marL="10032065" indent="0">
+            <a:lvl9pPr marL="18056714" indent="0">
               <a:buNone/>
-              <a:defRPr sz="4400" b="1"/>
+              <a:defRPr sz="7900" b="1"/>
             </a:lvl9pPr>
           </a:lstStyle>
           <a:p>
@@ -1535,39 +1535,39 @@
         </p:nvSpPr>
         <p:spPr>
           <a:xfrm>
-            <a:off x="1371600" y="5219700"/>
-            <a:ext cx="12120564" cy="9483091"/>
+            <a:off x="2468880" y="9395259"/>
+            <a:ext cx="21817015" cy="17069198"/>
           </a:xfrm>
         </p:spPr>
         <p:txBody>
           <a:bodyPr/>
           <a:lstStyle>
             <a:lvl1pPr>
-              <a:defRPr sz="6600"/>
+              <a:defRPr sz="11900"/>
             </a:lvl1pPr>
             <a:lvl2pPr>
-              <a:defRPr sz="5500"/>
+              <a:defRPr sz="9900"/>
             </a:lvl2pPr>
             <a:lvl3pPr>
-              <a:defRPr sz="4900"/>
+              <a:defRPr sz="8800"/>
             </a:lvl3pPr>
             <a:lvl4pPr>
-              <a:defRPr sz="4400"/>
+              <a:defRPr sz="7900"/>
             </a:lvl4pPr>
             <a:lvl5pPr>
-              <a:defRPr sz="4400"/>
+              <a:defRPr sz="7900"/>
             </a:lvl5pPr>
             <a:lvl6pPr>
-              <a:defRPr sz="4400"/>
+              <a:defRPr sz="7900"/>
             </a:lvl6pPr>
             <a:lvl7pPr>
-              <a:defRPr sz="4400"/>
+              <a:defRPr sz="7900"/>
             </a:lvl7pPr>
             <a:lvl8pPr>
-              <a:defRPr sz="4400"/>
+              <a:defRPr sz="7900"/>
             </a:lvl8pPr>
             <a:lvl9pPr>
-              <a:defRPr sz="4400"/>
+              <a:defRPr sz="7900"/>
             </a:lvl9pPr>
           </a:lstStyle>
           <a:p>
@@ -1620,8 +1620,8 @@
         </p:nvSpPr>
         <p:spPr>
           <a:xfrm>
-            <a:off x="13935077" y="3684271"/>
-            <a:ext cx="12125325" cy="1535429"/>
+            <a:off x="25083140" y="6631547"/>
+            <a:ext cx="21825585" cy="2763713"/>
           </a:xfrm>
         </p:spPr>
         <p:txBody>
@@ -1629,39 +1629,39 @@
           <a:lstStyle>
             <a:lvl1pPr marL="0" indent="0">
               <a:buNone/>
-              <a:defRPr sz="6600" b="1"/>
+              <a:defRPr sz="11900" b="1"/>
             </a:lvl1pPr>
-            <a:lvl2pPr marL="1254008" indent="0">
+            <a:lvl2pPr marL="2257089" indent="0">
               <a:buNone/>
-              <a:defRPr sz="5500" b="1"/>
+              <a:defRPr sz="9900" b="1"/>
             </a:lvl2pPr>
-            <a:lvl3pPr marL="2508016" indent="0">
+            <a:lvl3pPr marL="4514178" indent="0">
               <a:buNone/>
-              <a:defRPr sz="4900" b="1"/>
+              <a:defRPr sz="8800" b="1"/>
             </a:lvl3pPr>
-            <a:lvl4pPr marL="3762024" indent="0">
+            <a:lvl4pPr marL="6771267" indent="0">
               <a:buNone/>
-              <a:defRPr sz="4400" b="1"/>
+              <a:defRPr sz="7900" b="1"/>
             </a:lvl4pPr>
-            <a:lvl5pPr marL="5016033" indent="0">
+            <a:lvl5pPr marL="9028358" indent="0">
               <a:buNone/>
-              <a:defRPr sz="4400" b="1"/>
+              <a:defRPr sz="7900" b="1"/>
             </a:lvl5pPr>
-            <a:lvl6pPr marL="6270041" indent="0">
+            <a:lvl6pPr marL="11285447" indent="0">
               <a:buNone/>
-              <a:defRPr sz="4400" b="1"/>
+              <a:defRPr sz="7900" b="1"/>
             </a:lvl6pPr>
-            <a:lvl7pPr marL="7524049" indent="0">
+            <a:lvl7pPr marL="13542536" indent="0">
               <a:buNone/>
-              <a:defRPr sz="4400" b="1"/>
+              <a:defRPr sz="7900" b="1"/>
             </a:lvl7pPr>
-            <a:lvl8pPr marL="8778057" indent="0">
+            <a:lvl8pPr marL="15799625" indent="0">
               <a:buNone/>
-              <a:defRPr sz="4400" b="1"/>
+              <a:defRPr sz="7900" b="1"/>
             </a:lvl8pPr>
-            <a:lvl9pPr marL="10032065" indent="0">
+            <a:lvl9pPr marL="18056714" indent="0">
               <a:buNone/>
-              <a:defRPr sz="4400" b="1"/>
+              <a:defRPr sz="7900" b="1"/>
             </a:lvl9pPr>
           </a:lstStyle>
           <a:p>
@@ -1685,39 +1685,39 @@
         </p:nvSpPr>
         <p:spPr>
           <a:xfrm>
-            <a:off x="13935077" y="5219700"/>
-            <a:ext cx="12125325" cy="9483091"/>
+            <a:off x="25083140" y="9395259"/>
+            <a:ext cx="21825585" cy="17069198"/>
           </a:xfrm>
         </p:spPr>
         <p:txBody>
           <a:bodyPr/>
           <a:lstStyle>
             <a:lvl1pPr>
-              <a:defRPr sz="6600"/>
+              <a:defRPr sz="11900"/>
             </a:lvl1pPr>
             <a:lvl2pPr>
-              <a:defRPr sz="5500"/>
+              <a:defRPr sz="9900"/>
             </a:lvl2pPr>
             <a:lvl3pPr>
-              <a:defRPr sz="4900"/>
+              <a:defRPr sz="8800"/>
             </a:lvl3pPr>
             <a:lvl4pPr>
-              <a:defRPr sz="4400"/>
+              <a:defRPr sz="7900"/>
             </a:lvl4pPr>
             <a:lvl5pPr>
-              <a:defRPr sz="4400"/>
+              <a:defRPr sz="7900"/>
             </a:lvl5pPr>
             <a:lvl6pPr>
-              <a:defRPr sz="4400"/>
+              <a:defRPr sz="7900"/>
             </a:lvl6pPr>
             <a:lvl7pPr>
-              <a:defRPr sz="4400"/>
+              <a:defRPr sz="7900"/>
             </a:lvl7pPr>
             <a:lvl8pPr>
-              <a:defRPr sz="4400"/>
+              <a:defRPr sz="7900"/>
             </a:lvl8pPr>
             <a:lvl9pPr>
-              <a:defRPr sz="4400"/>
+              <a:defRPr sz="7900"/>
             </a:lvl9pPr>
           </a:lstStyle>
           <a:p>
@@ -2078,15 +2078,15 @@
         </p:nvSpPr>
         <p:spPr>
           <a:xfrm>
-            <a:off x="1371602" y="655320"/>
-            <a:ext cx="9024939" cy="2788920"/>
+            <a:off x="2468885" y="1179551"/>
+            <a:ext cx="16244890" cy="5019948"/>
           </a:xfrm>
         </p:spPr>
         <p:txBody>
           <a:bodyPr anchor="b"/>
           <a:lstStyle>
             <a:lvl1pPr algn="l">
-              <a:defRPr sz="5500" b="1"/>
+              <a:defRPr sz="9900" b="1"/>
             </a:lvl1pPr>
           </a:lstStyle>
           <a:p>
@@ -2110,39 +2110,39 @@
         </p:nvSpPr>
         <p:spPr>
           <a:xfrm>
-            <a:off x="10725150" y="655321"/>
-            <a:ext cx="15335250" cy="14047471"/>
+            <a:off x="19305270" y="1179553"/>
+            <a:ext cx="27603450" cy="25284906"/>
           </a:xfrm>
         </p:spPr>
         <p:txBody>
           <a:bodyPr/>
           <a:lstStyle>
             <a:lvl1pPr>
-              <a:defRPr sz="8800"/>
+              <a:defRPr sz="15800"/>
             </a:lvl1pPr>
             <a:lvl2pPr>
-              <a:defRPr sz="7700"/>
+              <a:defRPr sz="13900"/>
             </a:lvl2pPr>
             <a:lvl3pPr>
-              <a:defRPr sz="6600"/>
+              <a:defRPr sz="11900"/>
             </a:lvl3pPr>
             <a:lvl4pPr>
-              <a:defRPr sz="5500"/>
+              <a:defRPr sz="9900"/>
             </a:lvl4pPr>
             <a:lvl5pPr>
-              <a:defRPr sz="5500"/>
+              <a:defRPr sz="9900"/>
             </a:lvl5pPr>
             <a:lvl6pPr>
-              <a:defRPr sz="5500"/>
+              <a:defRPr sz="9900"/>
             </a:lvl6pPr>
             <a:lvl7pPr>
-              <a:defRPr sz="5500"/>
+              <a:defRPr sz="9900"/>
             </a:lvl7pPr>
             <a:lvl8pPr>
-              <a:defRPr sz="5500"/>
+              <a:defRPr sz="9900"/>
             </a:lvl8pPr>
             <a:lvl9pPr>
-              <a:defRPr sz="5500"/>
+              <a:defRPr sz="9900"/>
             </a:lvl9pPr>
           </a:lstStyle>
           <a:p>
@@ -2195,8 +2195,8 @@
         </p:nvSpPr>
         <p:spPr>
           <a:xfrm>
-            <a:off x="1371602" y="3444241"/>
-            <a:ext cx="9024939" cy="11258551"/>
+            <a:off x="2468885" y="6199502"/>
+            <a:ext cx="16244890" cy="20264957"/>
           </a:xfrm>
         </p:spPr>
         <p:txBody>
@@ -2204,39 +2204,39 @@
           <a:lstStyle>
             <a:lvl1pPr marL="0" indent="0">
               <a:buNone/>
-              <a:defRPr sz="3800"/>
+              <a:defRPr sz="6800"/>
             </a:lvl1pPr>
-            <a:lvl2pPr marL="1254008" indent="0">
+            <a:lvl2pPr marL="2257089" indent="0">
               <a:buNone/>
-              <a:defRPr sz="3300"/>
+              <a:defRPr sz="5900"/>
             </a:lvl2pPr>
-            <a:lvl3pPr marL="2508016" indent="0">
+            <a:lvl3pPr marL="4514178" indent="0">
               <a:buNone/>
-              <a:defRPr sz="2700"/>
+              <a:defRPr sz="4900"/>
             </a:lvl3pPr>
-            <a:lvl4pPr marL="3762024" indent="0">
+            <a:lvl4pPr marL="6771267" indent="0">
               <a:buNone/>
-              <a:defRPr sz="2500"/>
+              <a:defRPr sz="4500"/>
             </a:lvl4pPr>
-            <a:lvl5pPr marL="5016033" indent="0">
+            <a:lvl5pPr marL="9028358" indent="0">
               <a:buNone/>
-              <a:defRPr sz="2500"/>
+              <a:defRPr sz="4500"/>
             </a:lvl5pPr>
-            <a:lvl6pPr marL="6270041" indent="0">
+            <a:lvl6pPr marL="11285447" indent="0">
               <a:buNone/>
-              <a:defRPr sz="2500"/>
+              <a:defRPr sz="4500"/>
             </a:lvl6pPr>
-            <a:lvl7pPr marL="7524049" indent="0">
+            <a:lvl7pPr marL="13542536" indent="0">
               <a:buNone/>
-              <a:defRPr sz="2500"/>
+              <a:defRPr sz="4500"/>
             </a:lvl7pPr>
-            <a:lvl8pPr marL="8778057" indent="0">
+            <a:lvl8pPr marL="15799625" indent="0">
               <a:buNone/>
-              <a:defRPr sz="2500"/>
+              <a:defRPr sz="4500"/>
             </a:lvl8pPr>
-            <a:lvl9pPr marL="10032065" indent="0">
+            <a:lvl9pPr marL="18056714" indent="0">
               <a:buNone/>
-              <a:defRPr sz="2500"/>
+              <a:defRPr sz="4500"/>
             </a:lvl9pPr>
           </a:lstStyle>
           <a:p>
@@ -2355,15 +2355,15 @@
         </p:nvSpPr>
         <p:spPr>
           <a:xfrm>
-            <a:off x="5376864" y="11521440"/>
-            <a:ext cx="16459200" cy="1360171"/>
+            <a:off x="9678355" y="20738149"/>
+            <a:ext cx="29626560" cy="2448255"/>
           </a:xfrm>
         </p:spPr>
         <p:txBody>
           <a:bodyPr anchor="b"/>
           <a:lstStyle>
             <a:lvl1pPr algn="l">
-              <a:defRPr sz="5500" b="1"/>
+              <a:defRPr sz="9900" b="1"/>
             </a:lvl1pPr>
           </a:lstStyle>
           <a:p>
@@ -2387,8 +2387,8 @@
         </p:nvSpPr>
         <p:spPr>
           <a:xfrm>
-            <a:off x="5376864" y="1470660"/>
-            <a:ext cx="16459200" cy="9875520"/>
+            <a:off x="9678355" y="2647131"/>
+            <a:ext cx="29626560" cy="17775555"/>
           </a:xfrm>
         </p:spPr>
         <p:txBody>
@@ -2396,39 +2396,39 @@
           <a:lstStyle>
             <a:lvl1pPr marL="0" indent="0">
               <a:buNone/>
-              <a:defRPr sz="8800"/>
+              <a:defRPr sz="15800"/>
             </a:lvl1pPr>
-            <a:lvl2pPr marL="1254008" indent="0">
+            <a:lvl2pPr marL="2257089" indent="0">
               <a:buNone/>
-              <a:defRPr sz="7700"/>
+              <a:defRPr sz="13900"/>
             </a:lvl2pPr>
-            <a:lvl3pPr marL="2508016" indent="0">
+            <a:lvl3pPr marL="4514178" indent="0">
               <a:buNone/>
-              <a:defRPr sz="6600"/>
+              <a:defRPr sz="11900"/>
             </a:lvl3pPr>
-            <a:lvl4pPr marL="3762024" indent="0">
+            <a:lvl4pPr marL="6771267" indent="0">
               <a:buNone/>
-              <a:defRPr sz="5500"/>
+              <a:defRPr sz="9900"/>
             </a:lvl4pPr>
-            <a:lvl5pPr marL="5016033" indent="0">
+            <a:lvl5pPr marL="9028358" indent="0">
               <a:buNone/>
-              <a:defRPr sz="5500"/>
+              <a:defRPr sz="9900"/>
             </a:lvl5pPr>
-            <a:lvl6pPr marL="6270041" indent="0">
+            <a:lvl6pPr marL="11285447" indent="0">
               <a:buNone/>
-              <a:defRPr sz="5500"/>
+              <a:defRPr sz="9900"/>
             </a:lvl6pPr>
-            <a:lvl7pPr marL="7524049" indent="0">
+            <a:lvl7pPr marL="13542536" indent="0">
               <a:buNone/>
-              <a:defRPr sz="5500"/>
+              <a:defRPr sz="9900"/>
             </a:lvl7pPr>
-            <a:lvl8pPr marL="8778057" indent="0">
+            <a:lvl8pPr marL="15799625" indent="0">
               <a:buNone/>
-              <a:defRPr sz="5500"/>
+              <a:defRPr sz="9900"/>
             </a:lvl8pPr>
-            <a:lvl9pPr marL="10032065" indent="0">
+            <a:lvl9pPr marL="18056714" indent="0">
               <a:buNone/>
-              <a:defRPr sz="5500"/>
+              <a:defRPr sz="9900"/>
             </a:lvl9pPr>
           </a:lstStyle>
           <a:p>
@@ -2448,8 +2448,8 @@
         </p:nvSpPr>
         <p:spPr>
           <a:xfrm>
-            <a:off x="5376864" y="12881611"/>
-            <a:ext cx="16459200" cy="1931669"/>
+            <a:off x="9678355" y="23186404"/>
+            <a:ext cx="29626560" cy="3476930"/>
           </a:xfrm>
         </p:spPr>
         <p:txBody>
@@ -2457,39 +2457,39 @@
           <a:lstStyle>
             <a:lvl1pPr marL="0" indent="0">
               <a:buNone/>
-              <a:defRPr sz="3800"/>
+              <a:defRPr sz="6800"/>
             </a:lvl1pPr>
-            <a:lvl2pPr marL="1254008" indent="0">
+            <a:lvl2pPr marL="2257089" indent="0">
               <a:buNone/>
-              <a:defRPr sz="3300"/>
+              <a:defRPr sz="5900"/>
             </a:lvl2pPr>
-            <a:lvl3pPr marL="2508016" indent="0">
+            <a:lvl3pPr marL="4514178" indent="0">
               <a:buNone/>
-              <a:defRPr sz="2700"/>
+              <a:defRPr sz="4900"/>
             </a:lvl3pPr>
-            <a:lvl4pPr marL="3762024" indent="0">
+            <a:lvl4pPr marL="6771267" indent="0">
               <a:buNone/>
-              <a:defRPr sz="2500"/>
+              <a:defRPr sz="4500"/>
             </a:lvl4pPr>
-            <a:lvl5pPr marL="5016033" indent="0">
+            <a:lvl5pPr marL="9028358" indent="0">
               <a:buNone/>
-              <a:defRPr sz="2500"/>
+              <a:defRPr sz="4500"/>
             </a:lvl5pPr>
-            <a:lvl6pPr marL="6270041" indent="0">
+            <a:lvl6pPr marL="11285447" indent="0">
               <a:buNone/>
-              <a:defRPr sz="2500"/>
+              <a:defRPr sz="4500"/>
             </a:lvl6pPr>
-            <a:lvl7pPr marL="7524049" indent="0">
+            <a:lvl7pPr marL="13542536" indent="0">
               <a:buNone/>
-              <a:defRPr sz="2500"/>
+              <a:defRPr sz="4500"/>
             </a:lvl7pPr>
-            <a:lvl8pPr marL="8778057" indent="0">
+            <a:lvl8pPr marL="15799625" indent="0">
               <a:buNone/>
-              <a:defRPr sz="2500"/>
+              <a:defRPr sz="4500"/>
             </a:lvl8pPr>
-            <a:lvl9pPr marL="10032065" indent="0">
+            <a:lvl9pPr marL="18056714" indent="0">
               <a:buNone/>
-              <a:defRPr sz="2500"/>
+              <a:defRPr sz="4500"/>
             </a:lvl9pPr>
           </a:lstStyle>
           <a:p>
@@ -2613,15 +2613,15 @@
         </p:nvSpPr>
         <p:spPr>
           <a:xfrm>
-            <a:off x="1371600" y="659131"/>
-            <a:ext cx="24688800" cy="2743200"/>
+            <a:off x="2468880" y="1186410"/>
+            <a:ext cx="44439840" cy="4937654"/>
           </a:xfrm>
           <a:prstGeom prst="rect">
             <a:avLst/>
           </a:prstGeom>
         </p:spPr>
         <p:txBody>
-          <a:bodyPr vert="horz" lIns="250802" tIns="125401" rIns="250802" bIns="125401" rtlCol="0" anchor="ctr">
+          <a:bodyPr vert="horz" lIns="451419" tIns="225709" rIns="451419" bIns="225709" rtlCol="0" anchor="ctr">
             <a:normAutofit/>
           </a:bodyPr>
           <a:lstStyle/>
@@ -2646,15 +2646,15 @@
         </p:nvSpPr>
         <p:spPr>
           <a:xfrm>
-            <a:off x="1371600" y="3840481"/>
-            <a:ext cx="24688800" cy="10862311"/>
+            <a:off x="2468880" y="6912718"/>
+            <a:ext cx="44439840" cy="19551741"/>
           </a:xfrm>
           <a:prstGeom prst="rect">
             <a:avLst/>
           </a:prstGeom>
         </p:spPr>
         <p:txBody>
-          <a:bodyPr vert="horz" lIns="250802" tIns="125401" rIns="250802" bIns="125401" rtlCol="0">
+          <a:bodyPr vert="horz" lIns="451419" tIns="225709" rIns="451419" bIns="225709" rtlCol="0">
             <a:normAutofit/>
           </a:bodyPr>
           <a:lstStyle/>
@@ -2708,18 +2708,18 @@
         </p:nvSpPr>
         <p:spPr>
           <a:xfrm>
-            <a:off x="1371600" y="15255241"/>
-            <a:ext cx="6400800" cy="876300"/>
+            <a:off x="2468880" y="27458845"/>
+            <a:ext cx="11521440" cy="1577306"/>
           </a:xfrm>
           <a:prstGeom prst="rect">
             <a:avLst/>
           </a:prstGeom>
         </p:spPr>
         <p:txBody>
-          <a:bodyPr vert="horz" lIns="250802" tIns="125401" rIns="250802" bIns="125401" rtlCol="0" anchor="ctr"/>
+          <a:bodyPr vert="horz" lIns="451419" tIns="225709" rIns="451419" bIns="225709" rtlCol="0" anchor="ctr"/>
           <a:lstStyle>
             <a:lvl1pPr algn="l">
-              <a:defRPr sz="3300">
+              <a:defRPr sz="5900">
                 <a:solidFill>
                   <a:schemeClr val="tx1">
                     <a:tint val="75000"/>
@@ -2749,18 +2749,18 @@
         </p:nvSpPr>
         <p:spPr>
           <a:xfrm>
-            <a:off x="9372600" y="15255241"/>
-            <a:ext cx="8686800" cy="876300"/>
+            <a:off x="16870680" y="27458845"/>
+            <a:ext cx="15636240" cy="1577306"/>
           </a:xfrm>
           <a:prstGeom prst="rect">
             <a:avLst/>
           </a:prstGeom>
         </p:spPr>
         <p:txBody>
-          <a:bodyPr vert="horz" lIns="250802" tIns="125401" rIns="250802" bIns="125401" rtlCol="0" anchor="ctr"/>
+          <a:bodyPr vert="horz" lIns="451419" tIns="225709" rIns="451419" bIns="225709" rtlCol="0" anchor="ctr"/>
           <a:lstStyle>
             <a:lvl1pPr algn="ctr">
-              <a:defRPr sz="3300">
+              <a:defRPr sz="5900">
                 <a:solidFill>
                   <a:schemeClr val="tx1">
                     <a:tint val="75000"/>
@@ -2786,18 +2786,18 @@
         </p:nvSpPr>
         <p:spPr>
           <a:xfrm>
-            <a:off x="19659600" y="15255241"/>
-            <a:ext cx="6400800" cy="876300"/>
+            <a:off x="35387280" y="27458845"/>
+            <a:ext cx="11521440" cy="1577306"/>
           </a:xfrm>
           <a:prstGeom prst="rect">
             <a:avLst/>
           </a:prstGeom>
         </p:spPr>
         <p:txBody>
-          <a:bodyPr vert="horz" lIns="250802" tIns="125401" rIns="250802" bIns="125401" rtlCol="0" anchor="ctr"/>
+          <a:bodyPr vert="horz" lIns="451419" tIns="225709" rIns="451419" bIns="225709" rtlCol="0" anchor="ctr"/>
           <a:lstStyle>
             <a:lvl1pPr algn="r">
-              <a:defRPr sz="3300">
+              <a:defRPr sz="5900">
                 <a:solidFill>
                   <a:schemeClr val="tx1">
                     <a:tint val="75000"/>
@@ -2838,12 +2838,12 @@
   </p:sldLayoutIdLst>
   <p:txStyles>
     <p:titleStyle>
-      <a:lvl1pPr algn="ctr" defTabSz="1254008" rtl="0" eaLnBrk="1" latinLnBrk="0" hangingPunct="1">
+      <a:lvl1pPr algn="ctr" defTabSz="2257089" rtl="0" eaLnBrk="1" latinLnBrk="0" hangingPunct="1">
         <a:spcBef>
           <a:spcPct val="0"/>
         </a:spcBef>
         <a:buNone/>
-        <a:defRPr sz="12100" kern="1200">
+        <a:defRPr sz="21800" kern="1200">
           <a:solidFill>
             <a:schemeClr val="tx1"/>
           </a:solidFill>
@@ -2854,13 +2854,13 @@
       </a:lvl1pPr>
     </p:titleStyle>
     <p:bodyStyle>
-      <a:lvl1pPr marL="940506" indent="-940506" algn="l" defTabSz="1254008" rtl="0" eaLnBrk="1" latinLnBrk="0" hangingPunct="1">
+      <a:lvl1pPr marL="1692817" indent="-1692817" algn="l" defTabSz="2257089" rtl="0" eaLnBrk="1" latinLnBrk="0" hangingPunct="1">
         <a:spcBef>
           <a:spcPct val="20000"/>
         </a:spcBef>
         <a:buFont typeface="Arial"/>
         <a:buChar char="•"/>
-        <a:defRPr sz="8800" kern="1200">
+        <a:defRPr sz="15800" kern="1200">
           <a:solidFill>
             <a:schemeClr val="tx1"/>
           </a:solidFill>
@@ -2869,13 +2869,13 @@
           <a:cs typeface="+mn-cs"/>
         </a:defRPr>
       </a:lvl1pPr>
-      <a:lvl2pPr marL="2037763" indent="-783755" algn="l" defTabSz="1254008" rtl="0" eaLnBrk="1" latinLnBrk="0" hangingPunct="1">
+      <a:lvl2pPr marL="3667770" indent="-1410681" algn="l" defTabSz="2257089" rtl="0" eaLnBrk="1" latinLnBrk="0" hangingPunct="1">
         <a:spcBef>
           <a:spcPct val="20000"/>
         </a:spcBef>
         <a:buFont typeface="Arial"/>
         <a:buChar char="–"/>
-        <a:defRPr sz="7700" kern="1200">
+        <a:defRPr sz="13900" kern="1200">
           <a:solidFill>
             <a:schemeClr val="tx1"/>
           </a:solidFill>
@@ -2884,13 +2884,13 @@
           <a:cs typeface="+mn-cs"/>
         </a:defRPr>
       </a:lvl2pPr>
-      <a:lvl3pPr marL="3135020" indent="-627004" algn="l" defTabSz="1254008" rtl="0" eaLnBrk="1" latinLnBrk="0" hangingPunct="1">
+      <a:lvl3pPr marL="5642722" indent="-1128544" algn="l" defTabSz="2257089" rtl="0" eaLnBrk="1" latinLnBrk="0" hangingPunct="1">
         <a:spcBef>
           <a:spcPct val="20000"/>
         </a:spcBef>
         <a:buFont typeface="Arial"/>
         <a:buChar char="•"/>
-        <a:defRPr sz="6600" kern="1200">
+        <a:defRPr sz="11900" kern="1200">
           <a:solidFill>
             <a:schemeClr val="tx1"/>
           </a:solidFill>
@@ -2899,13 +2899,13 @@
           <a:cs typeface="+mn-cs"/>
         </a:defRPr>
       </a:lvl3pPr>
-      <a:lvl4pPr marL="4389029" indent="-627004" algn="l" defTabSz="1254008" rtl="0" eaLnBrk="1" latinLnBrk="0" hangingPunct="1">
+      <a:lvl4pPr marL="7899813" indent="-1128544" algn="l" defTabSz="2257089" rtl="0" eaLnBrk="1" latinLnBrk="0" hangingPunct="1">
         <a:spcBef>
           <a:spcPct val="20000"/>
         </a:spcBef>
         <a:buFont typeface="Arial"/>
         <a:buChar char="–"/>
-        <a:defRPr sz="5500" kern="1200">
+        <a:defRPr sz="9900" kern="1200">
           <a:solidFill>
             <a:schemeClr val="tx1"/>
           </a:solidFill>
@@ -2914,13 +2914,13 @@
           <a:cs typeface="+mn-cs"/>
         </a:defRPr>
       </a:lvl4pPr>
-      <a:lvl5pPr marL="5643037" indent="-627004" algn="l" defTabSz="1254008" rtl="0" eaLnBrk="1" latinLnBrk="0" hangingPunct="1">
+      <a:lvl5pPr marL="10156902" indent="-1128544" algn="l" defTabSz="2257089" rtl="0" eaLnBrk="1" latinLnBrk="0" hangingPunct="1">
         <a:spcBef>
           <a:spcPct val="20000"/>
         </a:spcBef>
         <a:buFont typeface="Arial"/>
         <a:buChar char="»"/>
-        <a:defRPr sz="5500" kern="1200">
+        <a:defRPr sz="9900" kern="1200">
           <a:solidFill>
             <a:schemeClr val="tx1"/>
           </a:solidFill>
@@ -2929,13 +2929,13 @@
           <a:cs typeface="+mn-cs"/>
         </a:defRPr>
       </a:lvl5pPr>
-      <a:lvl6pPr marL="6897045" indent="-627004" algn="l" defTabSz="1254008" rtl="0" eaLnBrk="1" latinLnBrk="0" hangingPunct="1">
+      <a:lvl6pPr marL="12413991" indent="-1128544" algn="l" defTabSz="2257089" rtl="0" eaLnBrk="1" latinLnBrk="0" hangingPunct="1">
         <a:spcBef>
           <a:spcPct val="20000"/>
         </a:spcBef>
         <a:buFont typeface="Arial"/>
         <a:buChar char="•"/>
-        <a:defRPr sz="5500" kern="1200">
+        <a:defRPr sz="9900" kern="1200">
           <a:solidFill>
             <a:schemeClr val="tx1"/>
           </a:solidFill>
@@ -2944,13 +2944,13 @@
           <a:cs typeface="+mn-cs"/>
         </a:defRPr>
       </a:lvl6pPr>
-      <a:lvl7pPr marL="8151053" indent="-627004" algn="l" defTabSz="1254008" rtl="0" eaLnBrk="1" latinLnBrk="0" hangingPunct="1">
+      <a:lvl7pPr marL="14671080" indent="-1128544" algn="l" defTabSz="2257089" rtl="0" eaLnBrk="1" latinLnBrk="0" hangingPunct="1">
         <a:spcBef>
           <a:spcPct val="20000"/>
         </a:spcBef>
         <a:buFont typeface="Arial"/>
         <a:buChar char="•"/>
-        <a:defRPr sz="5500" kern="1200">
+        <a:defRPr sz="9900" kern="1200">
           <a:solidFill>
             <a:schemeClr val="tx1"/>
           </a:solidFill>
@@ -2959,13 +2959,13 @@
           <a:cs typeface="+mn-cs"/>
         </a:defRPr>
       </a:lvl7pPr>
-      <a:lvl8pPr marL="9405061" indent="-627004" algn="l" defTabSz="1254008" rtl="0" eaLnBrk="1" latinLnBrk="0" hangingPunct="1">
+      <a:lvl8pPr marL="16928169" indent="-1128544" algn="l" defTabSz="2257089" rtl="0" eaLnBrk="1" latinLnBrk="0" hangingPunct="1">
         <a:spcBef>
           <a:spcPct val="20000"/>
         </a:spcBef>
         <a:buFont typeface="Arial"/>
         <a:buChar char="•"/>
-        <a:defRPr sz="5500" kern="1200">
+        <a:defRPr sz="9900" kern="1200">
           <a:solidFill>
             <a:schemeClr val="tx1"/>
           </a:solidFill>
@@ -2974,13 +2974,13 @@
           <a:cs typeface="+mn-cs"/>
         </a:defRPr>
       </a:lvl8pPr>
-      <a:lvl9pPr marL="10659069" indent="-627004" algn="l" defTabSz="1254008" rtl="0" eaLnBrk="1" latinLnBrk="0" hangingPunct="1">
+      <a:lvl9pPr marL="19185258" indent="-1128544" algn="l" defTabSz="2257089" rtl="0" eaLnBrk="1" latinLnBrk="0" hangingPunct="1">
         <a:spcBef>
           <a:spcPct val="20000"/>
         </a:spcBef>
         <a:buFont typeface="Arial"/>
         <a:buChar char="•"/>
-        <a:defRPr sz="5500" kern="1200">
+        <a:defRPr sz="9900" kern="1200">
           <a:solidFill>
             <a:schemeClr val="tx1"/>
           </a:solidFill>
@@ -2994,8 +2994,8 @@
       <a:defPPr>
         <a:defRPr lang="en-US"/>
       </a:defPPr>
-      <a:lvl1pPr marL="0" algn="l" defTabSz="1254008" rtl="0" eaLnBrk="1" latinLnBrk="0" hangingPunct="1">
-        <a:defRPr sz="4900" kern="1200">
+      <a:lvl1pPr marL="0" algn="l" defTabSz="2257089" rtl="0" eaLnBrk="1" latinLnBrk="0" hangingPunct="1">
+        <a:defRPr sz="8800" kern="1200">
           <a:solidFill>
             <a:schemeClr val="tx1"/>
           </a:solidFill>
@@ -3004,8 +3004,8 @@
           <a:cs typeface="+mn-cs"/>
         </a:defRPr>
       </a:lvl1pPr>
-      <a:lvl2pPr marL="1254008" algn="l" defTabSz="1254008" rtl="0" eaLnBrk="1" latinLnBrk="0" hangingPunct="1">
-        <a:defRPr sz="4900" kern="1200">
+      <a:lvl2pPr marL="2257089" algn="l" defTabSz="2257089" rtl="0" eaLnBrk="1" latinLnBrk="0" hangingPunct="1">
+        <a:defRPr sz="8800" kern="1200">
           <a:solidFill>
             <a:schemeClr val="tx1"/>
           </a:solidFill>
@@ -3014,8 +3014,8 @@
           <a:cs typeface="+mn-cs"/>
         </a:defRPr>
       </a:lvl2pPr>
-      <a:lvl3pPr marL="2508016" algn="l" defTabSz="1254008" rtl="0" eaLnBrk="1" latinLnBrk="0" hangingPunct="1">
-        <a:defRPr sz="4900" kern="1200">
+      <a:lvl3pPr marL="4514178" algn="l" defTabSz="2257089" rtl="0" eaLnBrk="1" latinLnBrk="0" hangingPunct="1">
+        <a:defRPr sz="8800" kern="1200">
           <a:solidFill>
             <a:schemeClr val="tx1"/>
           </a:solidFill>
@@ -3024,8 +3024,8 @@
           <a:cs typeface="+mn-cs"/>
         </a:defRPr>
       </a:lvl3pPr>
-      <a:lvl4pPr marL="3762024" algn="l" defTabSz="1254008" rtl="0" eaLnBrk="1" latinLnBrk="0" hangingPunct="1">
-        <a:defRPr sz="4900" kern="1200">
+      <a:lvl4pPr marL="6771267" algn="l" defTabSz="2257089" rtl="0" eaLnBrk="1" latinLnBrk="0" hangingPunct="1">
+        <a:defRPr sz="8800" kern="1200">
           <a:solidFill>
             <a:schemeClr val="tx1"/>
           </a:solidFill>
@@ -3034,8 +3034,8 @@
           <a:cs typeface="+mn-cs"/>
         </a:defRPr>
       </a:lvl4pPr>
-      <a:lvl5pPr marL="5016033" algn="l" defTabSz="1254008" rtl="0" eaLnBrk="1" latinLnBrk="0" hangingPunct="1">
-        <a:defRPr sz="4900" kern="1200">
+      <a:lvl5pPr marL="9028358" algn="l" defTabSz="2257089" rtl="0" eaLnBrk="1" latinLnBrk="0" hangingPunct="1">
+        <a:defRPr sz="8800" kern="1200">
           <a:solidFill>
             <a:schemeClr val="tx1"/>
           </a:solidFill>
@@ -3044,8 +3044,8 @@
           <a:cs typeface="+mn-cs"/>
         </a:defRPr>
       </a:lvl5pPr>
-      <a:lvl6pPr marL="6270041" algn="l" defTabSz="1254008" rtl="0" eaLnBrk="1" latinLnBrk="0" hangingPunct="1">
-        <a:defRPr sz="4900" kern="1200">
+      <a:lvl6pPr marL="11285447" algn="l" defTabSz="2257089" rtl="0" eaLnBrk="1" latinLnBrk="0" hangingPunct="1">
+        <a:defRPr sz="8800" kern="1200">
           <a:solidFill>
             <a:schemeClr val="tx1"/>
           </a:solidFill>
@@ -3054,8 +3054,8 @@
           <a:cs typeface="+mn-cs"/>
         </a:defRPr>
       </a:lvl6pPr>
-      <a:lvl7pPr marL="7524049" algn="l" defTabSz="1254008" rtl="0" eaLnBrk="1" latinLnBrk="0" hangingPunct="1">
-        <a:defRPr sz="4900" kern="1200">
+      <a:lvl7pPr marL="13542536" algn="l" defTabSz="2257089" rtl="0" eaLnBrk="1" latinLnBrk="0" hangingPunct="1">
+        <a:defRPr sz="8800" kern="1200">
           <a:solidFill>
             <a:schemeClr val="tx1"/>
           </a:solidFill>
@@ -3064,8 +3064,8 @@
           <a:cs typeface="+mn-cs"/>
         </a:defRPr>
       </a:lvl7pPr>
-      <a:lvl8pPr marL="8778057" algn="l" defTabSz="1254008" rtl="0" eaLnBrk="1" latinLnBrk="0" hangingPunct="1">
-        <a:defRPr sz="4900" kern="1200">
+      <a:lvl8pPr marL="15799625" algn="l" defTabSz="2257089" rtl="0" eaLnBrk="1" latinLnBrk="0" hangingPunct="1">
+        <a:defRPr sz="8800" kern="1200">
           <a:solidFill>
             <a:schemeClr val="tx1"/>
           </a:solidFill>
@@ -3074,8 +3074,8 @@
           <a:cs typeface="+mn-cs"/>
         </a:defRPr>
       </a:lvl8pPr>
-      <a:lvl9pPr marL="10032065" algn="l" defTabSz="1254008" rtl="0" eaLnBrk="1" latinLnBrk="0" hangingPunct="1">
-        <a:defRPr sz="4900" kern="1200">
+      <a:lvl9pPr marL="18056714" algn="l" defTabSz="2257089" rtl="0" eaLnBrk="1" latinLnBrk="0" hangingPunct="1">
+        <a:defRPr sz="8800" kern="1200">
           <a:solidFill>
             <a:schemeClr val="tx1"/>
           </a:solidFill>
@@ -3126,8 +3126,8 @@
         </p:nvSpPr>
         <p:spPr bwMode="auto">
           <a:xfrm>
-            <a:off x="6182801" y="8275045"/>
-            <a:ext cx="15072665" cy="8039923"/>
+            <a:off x="11129043" y="15224650"/>
+            <a:ext cx="27130797" cy="14141664"/>
           </a:xfrm>
           <a:prstGeom prst="roundRect">
             <a:avLst>
@@ -3159,16 +3159,10 @@
           </a:fontRef>
         </p:style>
         <p:txBody>
-          <a:bodyPr anchor="ctr"/>
+          <a:bodyPr lIns="164583" tIns="82291" rIns="164583" bIns="82291" anchor="ctr"/>
           <a:lstStyle/>
           <a:p>
-            <a:pPr algn="ctr" defTabSz="2875129" fontAlgn="auto">
-              <a:spcBef>
-                <a:spcPts val="0"/>
-              </a:spcBef>
-              <a:spcAft>
-                <a:spcPts val="0"/>
-              </a:spcAft>
+            <a:pPr algn="ctr" defTabSz="5174945">
               <a:defRPr/>
             </a:pPr>
             <a:endParaRPr lang="en-US" dirty="0">
@@ -3197,8 +3191,8 @@
         </p:nvSpPr>
         <p:spPr bwMode="auto">
           <a:xfrm>
-            <a:off x="240255" y="83238"/>
-            <a:ext cx="26870756" cy="2700000"/>
+            <a:off x="432459" y="149825"/>
+            <a:ext cx="48367361" cy="4859896"/>
           </a:xfrm>
           <a:prstGeom prst="roundRect">
             <a:avLst>
@@ -3230,16 +3224,10 @@
           </a:fontRef>
         </p:style>
         <p:txBody>
-          <a:bodyPr anchor="ctr"/>
+          <a:bodyPr lIns="164583" tIns="82291" rIns="164583" bIns="82291" anchor="ctr"/>
           <a:lstStyle/>
           <a:p>
-            <a:pPr algn="ctr" defTabSz="2875129" fontAlgn="auto">
-              <a:spcBef>
-                <a:spcPts val="0"/>
-              </a:spcBef>
-              <a:spcAft>
-                <a:spcPts val="0"/>
-              </a:spcAft>
+            <a:pPr algn="ctr" defTabSz="5174945">
               <a:defRPr/>
             </a:pPr>
             <a:endParaRPr lang="en-US" dirty="0">
@@ -3280,8 +3268,8 @@
         </p:blipFill>
         <p:spPr>
           <a:xfrm>
-            <a:off x="22179354" y="148559"/>
-            <a:ext cx="2272960" cy="1418381"/>
+            <a:off x="39922837" y="267401"/>
+            <a:ext cx="4091328" cy="2553031"/>
           </a:xfrm>
           <a:prstGeom prst="rect">
             <a:avLst/>
@@ -3311,8 +3299,8 @@
         </p:blipFill>
         <p:spPr bwMode="auto">
           <a:xfrm>
-            <a:off x="1019413" y="388453"/>
-            <a:ext cx="1520403" cy="1910777"/>
+            <a:off x="1834945" y="699201"/>
+            <a:ext cx="2736725" cy="3439325"/>
           </a:xfrm>
           <a:prstGeom prst="rect">
             <a:avLst/>
@@ -3350,8 +3338,8 @@
         </p:nvSpPr>
         <p:spPr>
           <a:xfrm>
-            <a:off x="-205942" y="274278"/>
-            <a:ext cx="26852612" cy="707886"/>
+            <a:off x="-370696" y="493690"/>
+            <a:ext cx="48334702" cy="1274167"/>
           </a:xfrm>
           <a:prstGeom prst="rect">
             <a:avLst/>
@@ -3359,14 +3347,14 @@
           <a:noFill/>
         </p:spPr>
         <p:txBody>
-          <a:bodyPr wrap="square" rtlCol="0">
+          <a:bodyPr wrap="square" lIns="164583" tIns="82291" rIns="164583" bIns="82291" rtlCol="0">
             <a:spAutoFit/>
           </a:bodyPr>
           <a:lstStyle/>
           <a:p>
             <a:pPr algn="ctr"/>
             <a:r>
-              <a:rPr lang="en-US" sz="4000" b="1" dirty="0" smtClean="0">
+              <a:rPr lang="en-US" sz="7200" b="1" dirty="0">
                 <a:solidFill>
                   <a:srgbClr val="DA0000"/>
                 </a:solidFill>
@@ -3375,7 +3363,7 @@
               </a:rPr>
               <a:t>Causal Challenge 2016 - Mouse gene knockouts: prediction and causal inference</a:t>
             </a:r>
-            <a:endParaRPr lang="en-US" sz="4000" b="1" dirty="0">
+            <a:endParaRPr lang="en-US" sz="7200" b="1" dirty="0">
               <a:solidFill>
                 <a:srgbClr val="DA0000"/>
               </a:solidFill>
@@ -3393,8 +3381,8 @@
         </p:nvSpPr>
         <p:spPr>
           <a:xfrm>
-            <a:off x="258398" y="1652899"/>
-            <a:ext cx="26852613" cy="646331"/>
+            <a:off x="465118" y="2975155"/>
+            <a:ext cx="48334703" cy="1163371"/>
           </a:xfrm>
           <a:prstGeom prst="rect">
             <a:avLst/>
@@ -3402,55 +3390,55 @@
           <a:noFill/>
         </p:spPr>
         <p:txBody>
-          <a:bodyPr wrap="square" rtlCol="0">
+          <a:bodyPr wrap="square" lIns="164583" tIns="82291" rIns="164583" bIns="82291" rtlCol="0">
             <a:spAutoFit/>
           </a:bodyPr>
           <a:lstStyle/>
           <a:p>
             <a:pPr algn="ctr"/>
             <a:r>
-              <a:rPr lang="en-US" sz="3600" dirty="0" smtClean="0">
-                <a:latin typeface="Times New Roman"/>
-                <a:cs typeface="Times New Roman"/>
-              </a:rPr>
-              <a:t>K.McGregor</a:t>
-            </a:r>
-            <a:r>
-              <a:rPr lang="en-US" sz="3600" baseline="30000" dirty="0" smtClean="0">
+              <a:rPr lang="en-US" sz="6500" dirty="0">
+                <a:latin typeface="Times New Roman"/>
+                <a:cs typeface="Times New Roman"/>
+              </a:rPr>
+              <a:t>K. McGregor</a:t>
+            </a:r>
+            <a:r>
+              <a:rPr lang="en-US" sz="6500" baseline="30000" dirty="0">
                 <a:latin typeface="Times New Roman"/>
                 <a:cs typeface="Times New Roman"/>
               </a:rPr>
               <a:t>1,2</a:t>
             </a:r>
             <a:r>
-              <a:rPr lang="en-US" sz="3600" dirty="0" smtClean="0">
+              <a:rPr lang="en-US" sz="6500" dirty="0">
                 <a:latin typeface="Times New Roman"/>
                 <a:cs typeface="Times New Roman"/>
               </a:rPr>
               <a:t> </a:t>
             </a:r>
             <a:r>
-              <a:rPr lang="en-US" sz="3000" dirty="0" smtClean="0">
+              <a:rPr lang="en-US" sz="5400" dirty="0">
                 <a:latin typeface="Times New Roman"/>
                 <a:cs typeface="Times New Roman"/>
               </a:rPr>
               <a:t>and</a:t>
             </a:r>
             <a:r>
-              <a:rPr lang="en-US" sz="3600" dirty="0" smtClean="0">
-                <a:latin typeface="Times New Roman"/>
-                <a:cs typeface="Times New Roman"/>
-              </a:rPr>
-              <a:t> G.Simoneau</a:t>
-            </a:r>
-            <a:r>
-              <a:rPr lang="en-US" sz="3600" baseline="30000" dirty="0" smtClean="0">
+              <a:rPr lang="en-US" sz="6500" dirty="0">
+                <a:latin typeface="Times New Roman"/>
+                <a:cs typeface="Times New Roman"/>
+              </a:rPr>
+              <a:t> G. Simoneau</a:t>
+            </a:r>
+            <a:r>
+              <a:rPr lang="en-US" sz="6500" baseline="30000" dirty="0">
                 <a:latin typeface="Times New Roman"/>
                 <a:cs typeface="Times New Roman"/>
               </a:rPr>
               <a:t>1</a:t>
             </a:r>
-            <a:endParaRPr lang="en-US" sz="3600" dirty="0">
+            <a:endParaRPr lang="en-US" sz="6500" dirty="0">
               <a:latin typeface="Times New Roman"/>
               <a:cs typeface="Times New Roman"/>
             </a:endParaRPr>
@@ -3465,8 +3453,8 @@
         </p:nvSpPr>
         <p:spPr>
           <a:xfrm>
-            <a:off x="0" y="2218721"/>
-            <a:ext cx="26852613" cy="400110"/>
+            <a:off x="1" y="3993612"/>
+            <a:ext cx="48334703" cy="720183"/>
           </a:xfrm>
           <a:prstGeom prst="rect">
             <a:avLst/>
@@ -3474,48 +3462,48 @@
           <a:noFill/>
         </p:spPr>
         <p:txBody>
-          <a:bodyPr wrap="square" rtlCol="0">
+          <a:bodyPr wrap="square" lIns="164583" tIns="82291" rIns="164583" bIns="82291" rtlCol="0">
             <a:spAutoFit/>
           </a:bodyPr>
           <a:lstStyle/>
           <a:p>
             <a:pPr algn="ctr"/>
             <a:r>
-              <a:rPr lang="en-US" sz="2000" baseline="30000" dirty="0" smtClean="0">
+              <a:rPr lang="en-US" sz="3600" baseline="30000" dirty="0">
                 <a:latin typeface="Times New Roman"/>
                 <a:cs typeface="Times New Roman"/>
               </a:rPr>
               <a:t>1 </a:t>
             </a:r>
             <a:r>
-              <a:rPr lang="en-US" sz="2000" dirty="0" smtClean="0">
+              <a:rPr lang="en-US" sz="3600" dirty="0">
                 <a:latin typeface="Times New Roman"/>
                 <a:cs typeface="Times New Roman"/>
               </a:rPr>
               <a:t>Department of Epidemiology, Biostatistics and Occupational Health, McGill University </a:t>
             </a:r>
             <a:r>
-              <a:rPr lang="en-US" sz="2000" baseline="30000" dirty="0" smtClean="0">
+              <a:rPr lang="en-US" sz="3600" baseline="30000" dirty="0">
                 <a:latin typeface="Times New Roman"/>
                 <a:cs typeface="Times New Roman"/>
               </a:rPr>
               <a:t>2 </a:t>
             </a:r>
             <a:r>
-              <a:rPr lang="en-US" sz="2000" dirty="0">
+              <a:rPr lang="en-US" sz="3600" dirty="0">
                 <a:latin typeface="Times New Roman"/>
                 <a:cs typeface="Times New Roman"/>
               </a:rPr>
               <a:t>Lady Davis Institute for Medical Research, Jewish General </a:t>
             </a:r>
             <a:r>
-              <a:rPr lang="en-US" sz="2000" dirty="0" smtClean="0">
+              <a:rPr lang="en-US" sz="3600" dirty="0">
                 <a:latin typeface="Times New Roman"/>
                 <a:cs typeface="Times New Roman"/>
               </a:rPr>
               <a:t>Hospital</a:t>
             </a:r>
-            <a:endParaRPr lang="en-US" sz="2000" dirty="0">
+            <a:endParaRPr lang="en-US" sz="3600" dirty="0">
               <a:latin typeface="Times New Roman"/>
               <a:cs typeface="Times New Roman"/>
             </a:endParaRPr>
@@ -3532,8 +3520,8 @@
         </p:nvSpPr>
         <p:spPr bwMode="auto">
           <a:xfrm>
-            <a:off x="6174983" y="3382718"/>
-            <a:ext cx="15072665" cy="4892327"/>
+            <a:off x="11114970" y="6088763"/>
+            <a:ext cx="27130797" cy="8806000"/>
           </a:xfrm>
           <a:prstGeom prst="roundRect">
             <a:avLst>
@@ -3565,16 +3553,10 @@
           </a:fontRef>
         </p:style>
         <p:txBody>
-          <a:bodyPr anchor="ctr"/>
+          <a:bodyPr lIns="164583" tIns="82291" rIns="164583" bIns="82291" anchor="ctr"/>
           <a:lstStyle/>
           <a:p>
-            <a:pPr algn="ctr" defTabSz="2875129" fontAlgn="auto">
-              <a:spcBef>
-                <a:spcPts val="0"/>
-              </a:spcBef>
-              <a:spcAft>
-                <a:spcPts val="0"/>
-              </a:spcAft>
+            <a:pPr algn="ctr" defTabSz="5174945">
               <a:defRPr/>
             </a:pPr>
             <a:endParaRPr lang="en-US" dirty="0">
@@ -3603,8 +3585,8 @@
         </p:nvSpPr>
         <p:spPr bwMode="auto">
           <a:xfrm>
-            <a:off x="240254" y="3178236"/>
-            <a:ext cx="5706895" cy="13108649"/>
+            <a:off x="432458" y="5720703"/>
+            <a:ext cx="10272411" cy="23595062"/>
           </a:xfrm>
           <a:prstGeom prst="roundRect">
             <a:avLst>
@@ -3636,16 +3618,10 @@
           </a:fontRef>
         </p:style>
         <p:txBody>
-          <a:bodyPr anchor="ctr"/>
+          <a:bodyPr lIns="164583" tIns="82291" rIns="164583" bIns="82291" anchor="ctr"/>
           <a:lstStyle/>
           <a:p>
-            <a:pPr algn="ctr" defTabSz="2875129" fontAlgn="auto">
-              <a:spcBef>
-                <a:spcPts val="0"/>
-              </a:spcBef>
-              <a:spcAft>
-                <a:spcPts val="0"/>
-              </a:spcAft>
+            <a:pPr algn="ctr" defTabSz="5174945">
               <a:defRPr/>
             </a:pPr>
             <a:endParaRPr lang="en-US" dirty="0">
@@ -3674,8 +3650,8 @@
         </p:nvSpPr>
         <p:spPr bwMode="auto">
           <a:xfrm>
-            <a:off x="21473798" y="3178236"/>
-            <a:ext cx="5724000" cy="13133399"/>
+            <a:off x="38652836" y="5720703"/>
+            <a:ext cx="10303200" cy="23639612"/>
           </a:xfrm>
           <a:prstGeom prst="roundRect">
             <a:avLst>
@@ -3707,16 +3683,10 @@
           </a:fontRef>
         </p:style>
         <p:txBody>
-          <a:bodyPr anchor="ctr"/>
+          <a:bodyPr lIns="164583" tIns="82291" rIns="164583" bIns="82291" anchor="ctr"/>
           <a:lstStyle/>
           <a:p>
-            <a:pPr algn="ctr" defTabSz="2875129" fontAlgn="auto">
-              <a:spcBef>
-                <a:spcPts val="0"/>
-              </a:spcBef>
-              <a:spcAft>
-                <a:spcPts val="0"/>
-              </a:spcAft>
+            <a:pPr algn="ctr" defTabSz="5174945">
               <a:defRPr/>
             </a:pPr>
             <a:endParaRPr lang="en-US" dirty="0">
@@ -3743,8 +3713,8 @@
         </p:nvSpPr>
         <p:spPr>
           <a:xfrm>
-            <a:off x="258398" y="3211650"/>
-            <a:ext cx="5688751" cy="461665"/>
+            <a:off x="465117" y="5780847"/>
+            <a:ext cx="10239752" cy="830979"/>
           </a:xfrm>
           <a:prstGeom prst="rect">
             <a:avLst/>
@@ -3752,20 +3722,20 @@
           <a:noFill/>
         </p:spPr>
         <p:txBody>
-          <a:bodyPr wrap="square" rtlCol="0">
+          <a:bodyPr wrap="square" lIns="164583" tIns="82291" rIns="164583" bIns="82291" rtlCol="0">
             <a:spAutoFit/>
           </a:bodyPr>
           <a:lstStyle/>
           <a:p>
             <a:pPr algn="ctr"/>
             <a:r>
-              <a:rPr lang="en-US" sz="2400" b="1" dirty="0" smtClean="0">
+              <a:rPr lang="en-US" sz="4300" b="1" dirty="0">
                 <a:latin typeface="Times New Roman"/>
                 <a:cs typeface="Times New Roman"/>
               </a:rPr>
               <a:t>Background</a:t>
             </a:r>
-            <a:endParaRPr lang="en-US" sz="2400" b="1" dirty="0">
+            <a:endParaRPr lang="en-US" sz="4300" b="1" dirty="0">
               <a:latin typeface="Times New Roman"/>
               <a:cs typeface="Times New Roman"/>
             </a:endParaRPr>
@@ -3780,8 +3750,8 @@
         </p:nvSpPr>
         <p:spPr>
           <a:xfrm>
-            <a:off x="270941" y="7446638"/>
-            <a:ext cx="5662995" cy="461665"/>
+            <a:off x="487695" y="13403662"/>
+            <a:ext cx="10193391" cy="830979"/>
           </a:xfrm>
           <a:prstGeom prst="rect">
             <a:avLst/>
@@ -3789,14 +3759,14 @@
           <a:noFill/>
         </p:spPr>
         <p:txBody>
-          <a:bodyPr wrap="square" rtlCol="0">
+          <a:bodyPr wrap="square" lIns="164583" tIns="82291" rIns="164583" bIns="82291" rtlCol="0">
             <a:spAutoFit/>
           </a:bodyPr>
           <a:lstStyle/>
           <a:p>
             <a:pPr algn="ctr"/>
             <a:r>
-              <a:rPr lang="en-US" sz="2400" b="1" dirty="0" smtClean="0">
+              <a:rPr lang="en-US" sz="4300" b="1" dirty="0">
                 <a:solidFill>
                   <a:srgbClr val="000000"/>
                 </a:solidFill>
@@ -3805,7 +3775,7 @@
               </a:rPr>
               <a:t>Objective</a:t>
             </a:r>
-            <a:endParaRPr lang="en-US" sz="2400" b="1" dirty="0">
+            <a:endParaRPr lang="en-US" sz="4300" b="1" dirty="0">
               <a:solidFill>
                 <a:srgbClr val="000000"/>
               </a:solidFill>
@@ -3823,8 +3793,8 @@
         </p:nvSpPr>
         <p:spPr>
           <a:xfrm>
-            <a:off x="6915970" y="2921053"/>
-            <a:ext cx="13481553" cy="461665"/>
+            <a:off x="12448747" y="5257784"/>
+            <a:ext cx="24266795" cy="830979"/>
           </a:xfrm>
           <a:prstGeom prst="rect">
             <a:avLst/>
@@ -3832,14 +3802,14 @@
           <a:noFill/>
         </p:spPr>
         <p:txBody>
-          <a:bodyPr wrap="square" rtlCol="0">
+          <a:bodyPr wrap="square" lIns="164583" tIns="82291" rIns="164583" bIns="82291" rtlCol="0">
             <a:spAutoFit/>
           </a:bodyPr>
           <a:lstStyle/>
           <a:p>
             <a:pPr algn="ctr"/>
             <a:r>
-              <a:rPr lang="en-US" sz="2400" b="1" dirty="0" smtClean="0">
+              <a:rPr lang="en-US" sz="4300" b="1" dirty="0">
                 <a:solidFill>
                   <a:srgbClr val="FFFFFF"/>
                 </a:solidFill>
@@ -3848,7 +3818,7 @@
               </a:rPr>
               <a:t>Results</a:t>
             </a:r>
-            <a:endParaRPr lang="en-US" sz="2400" b="1" dirty="0">
+            <a:endParaRPr lang="en-US" sz="4300" b="1" dirty="0">
               <a:solidFill>
                 <a:srgbClr val="FFFFFF"/>
               </a:solidFill>
@@ -3866,8 +3836,8 @@
         </p:nvSpPr>
         <p:spPr>
           <a:xfrm>
-            <a:off x="21473798" y="10838857"/>
-            <a:ext cx="5724000" cy="461665"/>
+            <a:off x="38652836" y="19552817"/>
+            <a:ext cx="10303200" cy="830979"/>
           </a:xfrm>
           <a:prstGeom prst="rect">
             <a:avLst/>
@@ -3875,20 +3845,20 @@
           <a:noFill/>
         </p:spPr>
         <p:txBody>
-          <a:bodyPr wrap="square" rtlCol="0">
+          <a:bodyPr wrap="square" lIns="164583" tIns="82291" rIns="164583" bIns="82291" rtlCol="0">
             <a:spAutoFit/>
           </a:bodyPr>
           <a:lstStyle/>
           <a:p>
             <a:pPr algn="ctr"/>
             <a:r>
-              <a:rPr lang="en-US" sz="2400" b="1" dirty="0" smtClean="0">
+              <a:rPr lang="en-US" sz="4300" b="1" dirty="0">
                 <a:latin typeface="Times New Roman"/>
                 <a:cs typeface="Times New Roman"/>
               </a:rPr>
               <a:t>Conclusion</a:t>
             </a:r>
-            <a:endParaRPr lang="en-US" sz="2400" b="1" dirty="0">
+            <a:endParaRPr lang="en-US" sz="4300" b="1" dirty="0">
               <a:latin typeface="Times New Roman"/>
               <a:cs typeface="Times New Roman"/>
             </a:endParaRPr>
@@ -3903,8 +3873,8 @@
         </p:nvSpPr>
         <p:spPr>
           <a:xfrm>
-            <a:off x="21504772" y="14192128"/>
-            <a:ext cx="5693024" cy="461665"/>
+            <a:off x="38708590" y="25189684"/>
+            <a:ext cx="10247443" cy="830979"/>
           </a:xfrm>
           <a:prstGeom prst="rect">
             <a:avLst/>
@@ -3912,20 +3882,20 @@
           <a:noFill/>
         </p:spPr>
         <p:txBody>
-          <a:bodyPr wrap="square" rtlCol="0">
+          <a:bodyPr wrap="square" lIns="164583" tIns="82291" rIns="164583" bIns="82291" rtlCol="0">
             <a:spAutoFit/>
           </a:bodyPr>
           <a:lstStyle/>
           <a:p>
             <a:pPr algn="ctr"/>
             <a:r>
-              <a:rPr lang="en-US" sz="2400" b="1" dirty="0" smtClean="0">
+              <a:rPr lang="en-US" sz="4300" b="1" dirty="0">
                 <a:latin typeface="Times New Roman"/>
                 <a:cs typeface="Times New Roman"/>
               </a:rPr>
               <a:t>References</a:t>
             </a:r>
-            <a:endParaRPr lang="en-US" sz="2400" b="1" dirty="0">
+            <a:endParaRPr lang="en-US" sz="4300" b="1" dirty="0">
               <a:latin typeface="Times New Roman"/>
               <a:cs typeface="Times New Roman"/>
             </a:endParaRPr>
@@ -3940,8 +3910,8 @@
         </p:nvSpPr>
         <p:spPr>
           <a:xfrm>
-            <a:off x="258398" y="9582491"/>
-            <a:ext cx="5675538" cy="461665"/>
+            <a:off x="465117" y="17248115"/>
+            <a:ext cx="10215968" cy="830979"/>
           </a:xfrm>
           <a:prstGeom prst="rect">
             <a:avLst/>
@@ -3949,14 +3919,14 @@
           <a:noFill/>
         </p:spPr>
         <p:txBody>
-          <a:bodyPr wrap="square" rtlCol="0">
+          <a:bodyPr wrap="square" lIns="164583" tIns="82291" rIns="164583" bIns="82291" rtlCol="0">
             <a:spAutoFit/>
           </a:bodyPr>
           <a:lstStyle/>
           <a:p>
             <a:pPr algn="ctr"/>
             <a:r>
-              <a:rPr lang="en-US" sz="2400" b="1" dirty="0" smtClean="0">
+              <a:rPr lang="en-US" sz="4300" b="1" dirty="0">
                 <a:solidFill>
                   <a:srgbClr val="000000"/>
                 </a:solidFill>
@@ -3965,7 +3935,7 @@
               </a:rPr>
               <a:t>Methods</a:t>
             </a:r>
-            <a:endParaRPr lang="en-US" sz="2400" b="1" dirty="0">
+            <a:endParaRPr lang="en-US" sz="4300" b="1" dirty="0">
               <a:solidFill>
                 <a:srgbClr val="000000"/>
               </a:solidFill>
@@ -3997,8 +3967,8 @@
         </p:blipFill>
         <p:spPr>
           <a:xfrm>
-            <a:off x="24224593" y="319016"/>
-            <a:ext cx="2869322" cy="1247924"/>
+            <a:off x="43604267" y="574217"/>
+            <a:ext cx="5164780" cy="2246215"/>
           </a:xfrm>
           <a:prstGeom prst="rect">
             <a:avLst/>
@@ -4013,8 +3983,8 @@
         </p:nvSpPr>
         <p:spPr>
           <a:xfrm>
-            <a:off x="258399" y="3652966"/>
-            <a:ext cx="5675537" cy="3785652"/>
+            <a:off x="465119" y="6575198"/>
+            <a:ext cx="10215967" cy="6814028"/>
           </a:xfrm>
           <a:prstGeom prst="rect">
             <a:avLst/>
@@ -4022,31 +3992,31 @@
           <a:noFill/>
         </p:spPr>
         <p:txBody>
-          <a:bodyPr wrap="square" rtlCol="0">
+          <a:bodyPr wrap="square" lIns="164583" tIns="82291" rIns="164583" bIns="82291" rtlCol="0">
             <a:spAutoFit/>
           </a:bodyPr>
           <a:lstStyle/>
           <a:p>
-            <a:pPr marL="342900" lvl="0" indent="-342900" algn="just">
+            <a:pPr marL="617186" indent="-617186" algn="just">
               <a:buFont typeface="Arial"/>
               <a:buChar char="•"/>
             </a:pPr>
             <a:r>
-              <a:rPr lang="en-US" sz="1600" dirty="0" smtClean="0">
+              <a:rPr lang="en-US" sz="2900" dirty="0">
                 <a:latin typeface="Times New Roman"/>
                 <a:cs typeface="Times New Roman"/>
               </a:rPr>
               <a:t>The International Mouse Phenotype Consortium (IMPC) is an international collaboration aimed at discovering functional insight for every gene through the systematic </a:t>
             </a:r>
             <a:r>
-              <a:rPr lang="en-US" sz="1600" dirty="0" err="1" smtClean="0">
+              <a:rPr lang="en-US" sz="2900" dirty="0" err="1">
                 <a:latin typeface="Times New Roman"/>
                 <a:cs typeface="Times New Roman"/>
               </a:rPr>
               <a:t>phenotyping</a:t>
             </a:r>
             <a:r>
-              <a:rPr lang="en-US" sz="1600" dirty="0" smtClean="0">
+              <a:rPr lang="en-US" sz="2900" dirty="0">
                 <a:latin typeface="Times New Roman"/>
                 <a:cs typeface="Times New Roman"/>
               </a:rPr>
@@ -4054,12 +4024,12 @@
             </a:r>
           </a:p>
           <a:p>
-            <a:pPr marL="342900" lvl="0" indent="-342900" algn="just">
+            <a:pPr marL="617186" indent="-617186" algn="just">
               <a:buFont typeface="Arial"/>
               <a:buChar char="•"/>
             </a:pPr>
             <a:r>
-              <a:rPr lang="en-US" sz="1600" dirty="0" smtClean="0">
+              <a:rPr lang="en-US" sz="2900" dirty="0">
                 <a:latin typeface="Times New Roman"/>
                 <a:cs typeface="Times New Roman"/>
               </a:rPr>
@@ -4067,12 +4037,12 @@
             </a:r>
           </a:p>
           <a:p>
-            <a:pPr marL="342900" lvl="0" indent="-342900" algn="just">
+            <a:pPr marL="617186" indent="-617186" algn="just">
               <a:buFont typeface="Arial"/>
               <a:buChar char="•"/>
             </a:pPr>
             <a:r>
-              <a:rPr lang="en-US" sz="1600" dirty="0" smtClean="0">
+              <a:rPr lang="en-US" sz="2900" dirty="0">
                 <a:latin typeface="Times New Roman"/>
                 <a:cs typeface="Times New Roman"/>
               </a:rPr>
@@ -4080,12 +4050,12 @@
             </a:r>
           </a:p>
           <a:p>
-            <a:pPr marL="342900" lvl="0" indent="-342900" algn="just">
+            <a:pPr marL="617186" indent="-617186" algn="just">
               <a:buFont typeface="Arial"/>
               <a:buChar char="•"/>
             </a:pPr>
             <a:r>
-              <a:rPr lang="en-US" sz="1600" dirty="0" smtClean="0">
+              <a:rPr lang="en-US" sz="2900" dirty="0">
                 <a:latin typeface="Times New Roman"/>
                 <a:cs typeface="Times New Roman"/>
               </a:rPr>
@@ -4093,18 +4063,18 @@
             </a:r>
           </a:p>
           <a:p>
-            <a:pPr marL="342900" lvl="0" indent="-342900" algn="just">
+            <a:pPr marL="617186" indent="-617186" algn="just">
               <a:buFont typeface="Arial"/>
               <a:buChar char="•"/>
             </a:pPr>
             <a:r>
-              <a:rPr lang="en-US" sz="1600" dirty="0" smtClean="0">
-                <a:latin typeface="Times New Roman"/>
-                <a:cs typeface="Times New Roman"/>
-              </a:rPr>
-              <a:t>Missing data: 5 knockout conditions were randomly selected for which all observations from a randomly selected variable (different for each condition) were removed. The dataset comprises 67 missing values.</a:t>
-            </a:r>
-            <a:endParaRPr lang="en-CA" sz="1600" dirty="0">
+              <a:rPr lang="en-US" sz="2900" dirty="0">
+                <a:latin typeface="Times New Roman"/>
+                <a:cs typeface="Times New Roman"/>
+              </a:rPr>
+              <a:t>Missing data: 5 knockout conditions were randomly selected for which all observations from a randomly selected variable (different for each condition) were removed. There are 67 missing values in total.</a:t>
+            </a:r>
+            <a:endParaRPr lang="en-CA" sz="2900" dirty="0">
               <a:latin typeface="Times New Roman"/>
               <a:cs typeface="Times New Roman"/>
             </a:endParaRPr>
@@ -4119,8 +4089,8 @@
         </p:nvSpPr>
         <p:spPr>
           <a:xfrm>
-            <a:off x="240254" y="7905121"/>
-            <a:ext cx="5688750" cy="1569660"/>
+            <a:off x="432457" y="14228913"/>
+            <a:ext cx="10239750" cy="2825327"/>
           </a:xfrm>
           <a:prstGeom prst="rect">
             <a:avLst/>
@@ -4128,43 +4098,43 @@
           <a:noFill/>
         </p:spPr>
         <p:txBody>
-          <a:bodyPr wrap="square" rtlCol="0">
+          <a:bodyPr wrap="square" lIns="164583" tIns="82291" rIns="164583" bIns="82291" rtlCol="0">
             <a:spAutoFit/>
           </a:bodyPr>
           <a:lstStyle/>
           <a:p>
-            <a:pPr marL="342900" indent="-342900" algn="just">
+            <a:pPr marL="617186" indent="-617186" algn="just">
               <a:buFont typeface="+mj-lt"/>
               <a:buAutoNum type="arabicPeriod"/>
             </a:pPr>
             <a:r>
-              <a:rPr lang="en-US" sz="1600" dirty="0" smtClean="0">
-                <a:latin typeface="Times New Roman"/>
-                <a:cs typeface="Times New Roman"/>
-              </a:rPr>
-              <a:t>To infer missing data from 5 phenotypic measurements: Red blood cell distribution width, Lymphocyte differential count, Basophil differential count, Neutrophil differential count, Monocyte	cell count.</a:t>
-            </a:r>
-          </a:p>
-          <a:p>
-            <a:pPr marL="342900" indent="-342900" algn="just">
+              <a:rPr lang="en-US" sz="2900" dirty="0">
+                <a:latin typeface="Times New Roman"/>
+                <a:cs typeface="Times New Roman"/>
+              </a:rPr>
+              <a:t>To infer missing data from 5 phenotypic measurements: red blood cell distribution width, lymphocyte differential count, basophil differential count, neutrophil differential count, monocyte	cell count.</a:t>
+            </a:r>
+          </a:p>
+          <a:p>
+            <a:pPr marL="617186" indent="-617186" algn="just">
               <a:buFont typeface="+mj-lt"/>
               <a:buAutoNum type="arabicPeriod"/>
             </a:pPr>
             <a:r>
-              <a:rPr lang="en-US" sz="1600" dirty="0">
+              <a:rPr lang="en-US" sz="2900" dirty="0">
                 <a:latin typeface="Times New Roman"/>
                 <a:cs typeface="Times New Roman"/>
               </a:rPr>
               <a:t>To produce a causal interpretation of the available </a:t>
             </a:r>
             <a:r>
-              <a:rPr lang="en-US" sz="1600" dirty="0" smtClean="0">
+              <a:rPr lang="en-US" sz="2900" dirty="0">
                 <a:latin typeface="Times New Roman"/>
                 <a:cs typeface="Times New Roman"/>
               </a:rPr>
               <a:t>data by taking advantage of the experimental perturbations.</a:t>
             </a:r>
-            <a:endParaRPr lang="en-US" sz="1600" dirty="0">
+            <a:endParaRPr lang="en-US" sz="2900" dirty="0">
               <a:latin typeface="Times New Roman"/>
               <a:cs typeface="Times New Roman"/>
             </a:endParaRPr>
@@ -4179,8 +4149,8 @@
         </p:nvSpPr>
         <p:spPr>
           <a:xfrm>
-            <a:off x="258399" y="10048637"/>
-            <a:ext cx="5675537" cy="3539430"/>
+            <a:off x="465119" y="18087159"/>
+            <a:ext cx="10215967" cy="6370837"/>
           </a:xfrm>
           <a:prstGeom prst="rect">
             <a:avLst/>
@@ -4188,28 +4158,28 @@
           <a:noFill/>
         </p:spPr>
         <p:txBody>
-          <a:bodyPr wrap="square" rtlCol="0">
+          <a:bodyPr wrap="square" lIns="164583" tIns="82291" rIns="164583" bIns="82291" rtlCol="0">
             <a:spAutoFit/>
           </a:bodyPr>
           <a:lstStyle/>
           <a:p>
             <a:pPr algn="just"/>
             <a:r>
-              <a:rPr lang="en-US" sz="1600" dirty="0" smtClean="0">
+              <a:rPr lang="en-US" sz="2900" dirty="0">
                 <a:latin typeface="Times New Roman"/>
                 <a:cs typeface="Times New Roman"/>
               </a:rPr>
               <a:t>Predictions for the 67 missing values were obtained with </a:t>
             </a:r>
             <a:r>
-              <a:rPr lang="en-US" sz="1600" b="1" dirty="0" smtClean="0">
+              <a:rPr lang="en-US" sz="2900" b="1" dirty="0">
                 <a:latin typeface="Times New Roman"/>
                 <a:cs typeface="Times New Roman"/>
               </a:rPr>
               <a:t>Multiple Imputation using Chained Equations</a:t>
             </a:r>
             <a:r>
-              <a:rPr lang="en-US" sz="1600" dirty="0" smtClean="0">
+              <a:rPr lang="en-US" sz="2900" dirty="0">
                 <a:latin typeface="Times New Roman"/>
                 <a:cs typeface="Times New Roman"/>
               </a:rPr>
@@ -4217,19 +4187,19 @@
             </a:r>
           </a:p>
           <a:p>
-            <a:pPr marL="285750" indent="-285750" algn="just">
+            <a:pPr marL="514321" indent="-514321" algn="just">
               <a:buFont typeface="Arial"/>
               <a:buChar char="•"/>
             </a:pPr>
             <a:r>
-              <a:rPr lang="en-US" sz="1600" dirty="0">
+              <a:rPr lang="en-US" sz="2900" dirty="0">
                 <a:latin typeface="Times New Roman"/>
                 <a:cs typeface="Times New Roman"/>
               </a:rPr>
               <a:t>T</a:t>
             </a:r>
             <a:r>
-              <a:rPr lang="en-US" sz="1600" dirty="0" smtClean="0">
+              <a:rPr lang="en-US" sz="2900" dirty="0">
                 <a:latin typeface="Times New Roman"/>
                 <a:cs typeface="Times New Roman"/>
               </a:rPr>
@@ -4237,63 +4207,38 @@
             </a:r>
           </a:p>
           <a:p>
-            <a:pPr marL="285750" indent="-285750" algn="just">
+            <a:pPr marL="514321" indent="-514321" algn="just">
               <a:buFont typeface="Arial"/>
               <a:buChar char="•"/>
             </a:pPr>
             <a:r>
-              <a:rPr lang="en-US" sz="1600" dirty="0" smtClean="0">
-                <a:latin typeface="Times New Roman"/>
-                <a:cs typeface="Times New Roman"/>
-              </a:rPr>
-              <a:t>Predictions were obtained by averaging the imputed values across the 30 simulated dataset.</a:t>
-            </a:r>
-          </a:p>
-          <a:p>
-            <a:pPr marL="285750" indent="-285750" algn="just">
+              <a:rPr lang="en-US" sz="2900" dirty="0">
+                <a:latin typeface="Times New Roman"/>
+                <a:cs typeface="Times New Roman"/>
+              </a:rPr>
+              <a:t>Predictions were obtained by averaging the imputed values across the 30 simulated datasets.</a:t>
+            </a:r>
+          </a:p>
+          <a:p>
+            <a:pPr marL="514321" indent="-514321" algn="just">
               <a:buFont typeface="Arial"/>
               <a:buChar char="•"/>
             </a:pPr>
             <a:r>
-              <a:rPr lang="en-US" sz="1600" dirty="0" smtClean="0">
-                <a:latin typeface="Times New Roman"/>
-                <a:cs typeface="Times New Roman"/>
-              </a:rPr>
-              <a:t>Assumes missing data are missing at </a:t>
-            </a:r>
-            <a:r>
-              <a:rPr lang="en-US" sz="1600" dirty="0" smtClean="0">
-                <a:latin typeface="Times New Roman"/>
-                <a:cs typeface="Times New Roman"/>
-              </a:rPr>
-              <a:t>random (MAR) </a:t>
-            </a:r>
-            <a:r>
-              <a:rPr lang="en-US" sz="1600" dirty="0" smtClean="0">
-                <a:latin typeface="Times New Roman"/>
-                <a:cs typeface="Times New Roman"/>
-              </a:rPr>
-              <a:t>or completely at </a:t>
-            </a:r>
-            <a:r>
-              <a:rPr lang="en-US" sz="1600" dirty="0" smtClean="0">
-                <a:latin typeface="Times New Roman"/>
-                <a:cs typeface="Times New Roman"/>
-              </a:rPr>
-              <a:t>random (MCAR).</a:t>
-            </a:r>
-            <a:endParaRPr lang="en-US" sz="1600" dirty="0" smtClean="0">
-              <a:latin typeface="Times New Roman"/>
-              <a:cs typeface="Times New Roman"/>
-            </a:endParaRPr>
-          </a:p>
-          <a:p>
-            <a:pPr marL="285750" indent="-285750" algn="just">
+              <a:rPr lang="en-US" sz="2900" dirty="0">
+                <a:latin typeface="Times New Roman"/>
+                <a:cs typeface="Times New Roman"/>
+              </a:rPr>
+              <a:t>Assumes missing data are missing at random (MAR) or completely at random (MCAR).</a:t>
+            </a:r>
+          </a:p>
+          <a:p>
+            <a:pPr marL="514321" indent="-514321" algn="just">
               <a:buFont typeface="Arial"/>
               <a:buChar char="•"/>
             </a:pPr>
             <a:r>
-              <a:rPr lang="en-US" sz="1600" dirty="0" smtClean="0">
+              <a:rPr lang="en-US" sz="2900" dirty="0">
                 <a:latin typeface="Times New Roman"/>
                 <a:cs typeface="Times New Roman"/>
               </a:rPr>
@@ -4301,11 +4246,11 @@
             </a:r>
           </a:p>
           <a:p>
-            <a:pPr marL="285750" indent="-285750" algn="just">
+            <a:pPr marL="514321" indent="-514321" algn="just">
               <a:buFont typeface="Arial"/>
               <a:buChar char="•"/>
             </a:pPr>
-            <a:endParaRPr lang="en-US" sz="1600" dirty="0">
+            <a:endParaRPr lang="en-US" sz="2900" dirty="0">
               <a:latin typeface="Times New Roman"/>
               <a:cs typeface="Times New Roman"/>
             </a:endParaRPr>
@@ -4320,8 +4265,8 @@
         </p:nvSpPr>
         <p:spPr>
           <a:xfrm>
-            <a:off x="21473796" y="3217497"/>
-            <a:ext cx="5724000" cy="461665"/>
+            <a:off x="38652833" y="5673273"/>
+            <a:ext cx="10303200" cy="830979"/>
           </a:xfrm>
           <a:prstGeom prst="rect">
             <a:avLst/>
@@ -4329,20 +4274,20 @@
           <a:noFill/>
         </p:spPr>
         <p:txBody>
-          <a:bodyPr wrap="square" rtlCol="0">
+          <a:bodyPr wrap="square" lIns="164583" tIns="82291" rIns="164583" bIns="82291" rtlCol="0">
             <a:spAutoFit/>
           </a:bodyPr>
           <a:lstStyle/>
           <a:p>
             <a:pPr algn="ctr"/>
             <a:r>
-              <a:rPr lang="en-US" sz="2400" b="1" dirty="0" smtClean="0">
+              <a:rPr lang="en-US" sz="4300" b="1" dirty="0">
                 <a:latin typeface="Times New Roman"/>
                 <a:cs typeface="Times New Roman"/>
               </a:rPr>
               <a:t>Discussion</a:t>
             </a:r>
-            <a:endParaRPr lang="en-US" sz="2400" b="1" dirty="0">
+            <a:endParaRPr lang="en-US" sz="4300" b="1" dirty="0">
               <a:latin typeface="Times New Roman"/>
               <a:cs typeface="Times New Roman"/>
             </a:endParaRPr>
@@ -4357,8 +4302,8 @@
         </p:nvSpPr>
         <p:spPr>
           <a:xfrm>
-            <a:off x="258399" y="13191617"/>
-            <a:ext cx="5675537" cy="615553"/>
+            <a:off x="465119" y="23744402"/>
+            <a:ext cx="10215967" cy="1107972"/>
           </a:xfrm>
           <a:prstGeom prst="rect">
             <a:avLst/>
@@ -4366,18 +4311,18 @@
           <a:noFill/>
         </p:spPr>
         <p:txBody>
-          <a:bodyPr wrap="square" rtlCol="0">
+          <a:bodyPr wrap="square" lIns="164583" tIns="82291" rIns="164583" bIns="82291" rtlCol="0">
             <a:spAutoFit/>
           </a:bodyPr>
           <a:lstStyle/>
           <a:p>
-            <a:endParaRPr lang="en-US" sz="1600" dirty="0" smtClean="0">
+            <a:endParaRPr lang="en-US" sz="2900" dirty="0">
               <a:latin typeface="Times New Roman"/>
               <a:cs typeface="Times New Roman"/>
             </a:endParaRPr>
           </a:p>
           <a:p>
-            <a:endParaRPr lang="en-US" sz="1800" dirty="0" smtClean="0">
+            <a:endParaRPr lang="en-US" sz="3200" dirty="0">
               <a:latin typeface="Times New Roman"/>
               <a:cs typeface="Times New Roman"/>
             </a:endParaRPr>
@@ -4392,8 +4337,8 @@
         </p:nvSpPr>
         <p:spPr>
           <a:xfrm>
-            <a:off x="21504772" y="14699170"/>
-            <a:ext cx="5606239" cy="1846659"/>
+            <a:off x="38708591" y="26076940"/>
+            <a:ext cx="10091230" cy="3705619"/>
           </a:xfrm>
           <a:prstGeom prst="rect">
             <a:avLst/>
@@ -4401,56 +4346,56 @@
           <a:noFill/>
         </p:spPr>
         <p:txBody>
-          <a:bodyPr wrap="square" rtlCol="0">
+          <a:bodyPr wrap="square" lIns="164583" tIns="82291" rIns="164583" bIns="82291" rtlCol="0">
             <a:spAutoFit/>
           </a:bodyPr>
           <a:lstStyle/>
           <a:p>
             <a:pPr algn="just"/>
             <a:r>
-              <a:rPr lang="en-US" sz="1200" dirty="0" smtClean="0">
+              <a:rPr lang="en-US" sz="2200" dirty="0">
                 <a:latin typeface="Times New Roman"/>
                 <a:cs typeface="Times New Roman"/>
               </a:rPr>
               <a:t>[1] White</a:t>
             </a:r>
             <a:r>
-              <a:rPr lang="en-US" sz="1200" dirty="0">
+              <a:rPr lang="en-US" sz="2200" dirty="0">
                 <a:latin typeface="Times New Roman"/>
                 <a:cs typeface="Times New Roman"/>
               </a:rPr>
               <a:t>, I. R., Royston, P., &amp; Wood, A. M. (2011). </a:t>
             </a:r>
             <a:r>
-              <a:rPr lang="en-US" sz="1200" i="1" dirty="0">
+              <a:rPr lang="en-US" sz="2200" i="1" dirty="0">
                 <a:latin typeface="Times New Roman"/>
                 <a:cs typeface="Times New Roman"/>
               </a:rPr>
               <a:t>Multiple imputation using chained equations: issues and guidance for practice</a:t>
             </a:r>
             <a:r>
-              <a:rPr lang="en-US" sz="1200" dirty="0">
+              <a:rPr lang="en-US" sz="2200" dirty="0">
                 <a:latin typeface="Times New Roman"/>
                 <a:cs typeface="Times New Roman"/>
               </a:rPr>
               <a:t>. Statistics in medicine, </a:t>
             </a:r>
             <a:r>
-              <a:rPr lang="en-US" sz="1200" i="1" dirty="0">
+              <a:rPr lang="en-US" sz="2200" i="1" dirty="0">
                 <a:latin typeface="Times New Roman"/>
                 <a:cs typeface="Times New Roman"/>
               </a:rPr>
               <a:t>30</a:t>
             </a:r>
             <a:r>
-              <a:rPr lang="en-US" sz="1200" dirty="0">
+              <a:rPr lang="en-US" sz="2200" dirty="0">
                 <a:latin typeface="Times New Roman"/>
                 <a:cs typeface="Times New Roman"/>
               </a:rPr>
               <a:t>(4), 377-399</a:t>
             </a:r>
             <a:r>
-              <a:rPr lang="en-US" sz="1200" dirty="0" smtClean="0">
+              <a:rPr lang="en-US" sz="2200" dirty="0">
                 <a:latin typeface="Times New Roman"/>
                 <a:cs typeface="Times New Roman"/>
               </a:rPr>
@@ -4460,42 +4405,41 @@
           <a:p>
             <a:pPr algn="just"/>
             <a:r>
-              <a:rPr lang="en-US" sz="1200" dirty="0" smtClean="0"/>
+              <a:rPr lang="en-US" sz="2200" dirty="0">
+                <a:latin typeface="Times New Roman"/>
+                <a:cs typeface="Times New Roman"/>
+              </a:rPr>
               <a:t>[2] Freedman</a:t>
             </a:r>
             <a:r>
-              <a:rPr lang="en-US" sz="1200" dirty="0"/>
-              <a:t>, David A</a:t>
-            </a:r>
-            <a:r>
-              <a:rPr lang="en-US" sz="1200" dirty="0"/>
-              <a:t>. (2012</a:t>
-            </a:r>
-            <a:r>
-              <a:rPr lang="en-US" sz="1200" dirty="0" smtClean="0"/>
-              <a:t>). </a:t>
-            </a:r>
-            <a:r>
-              <a:rPr lang="en-US" sz="1200" i="1" dirty="0" smtClean="0"/>
-              <a:t>On </a:t>
-            </a:r>
-            <a:r>
-              <a:rPr lang="en-US" sz="1200" i="1" dirty="0"/>
-              <a:t>the so-called “Huber sandwich estimator” and “robust standard errors”</a:t>
-            </a:r>
-            <a:r>
-              <a:rPr lang="en-US" sz="1200" dirty="0" smtClean="0"/>
-              <a:t>.</a:t>
-            </a:r>
-            <a:r>
-              <a:rPr lang="en-US" sz="1200" dirty="0"/>
+              <a:rPr lang="en-US" sz="2200" dirty="0">
+                <a:latin typeface="Times New Roman"/>
+                <a:cs typeface="Times New Roman"/>
+              </a:rPr>
+              <a:t>, David A. (2012</a:t>
+            </a:r>
+            <a:r>
+              <a:rPr lang="en-US" sz="2200" dirty="0">
+                <a:latin typeface="Times New Roman"/>
+                <a:cs typeface="Times New Roman"/>
+              </a:rPr>
+              <a:t>).</a:t>
+            </a:r>
+            <a:r>
+              <a:rPr lang="en-US" sz="2200" dirty="0">
+                <a:latin typeface="Times New Roman"/>
+                <a:cs typeface="Times New Roman"/>
+              </a:rPr>
               <a:t> The American </a:t>
             </a:r>
             <a:r>
-              <a:rPr lang="en-US" sz="1200" dirty="0" smtClean="0"/>
+              <a:rPr lang="en-US" sz="2200" dirty="0">
+                <a:latin typeface="Times New Roman"/>
+                <a:cs typeface="Times New Roman"/>
+              </a:rPr>
               <a:t>Statistician.</a:t>
             </a:r>
-            <a:endParaRPr lang="en-US" sz="1200" dirty="0">
+            <a:endParaRPr lang="en-US" sz="2200" dirty="0">
               <a:solidFill>
                 <a:srgbClr val="000000"/>
               </a:solidFill>
@@ -4506,7 +4450,7 @@
           <a:p>
             <a:pPr algn="just"/>
             <a:r>
-              <a:rPr lang="en-US" sz="1200" dirty="0" smtClean="0">
+              <a:rPr lang="en-US" sz="2200" dirty="0">
                 <a:solidFill>
                   <a:srgbClr val="000000"/>
                 </a:solidFill>
@@ -4516,7 +4460,7 @@
               <a:t>[3] </a:t>
             </a:r>
             <a:r>
-              <a:rPr lang="en-US" sz="1200" dirty="0">
+              <a:rPr lang="en-US" sz="2200" dirty="0">
                 <a:solidFill>
                   <a:srgbClr val="000000"/>
                 </a:solidFill>
@@ -4526,7 +4470,7 @@
               <a:t>Blood Basics. </a:t>
             </a:r>
             <a:r>
-              <a:rPr lang="en-US" sz="1200" dirty="0">
+              <a:rPr lang="en-US" sz="2200" dirty="0">
                 <a:solidFill>
                   <a:srgbClr val="000000"/>
                 </a:solidFill>
@@ -4534,10 +4478,31 @@
                 <a:cs typeface="Times New Roman"/>
                 <a:hlinkClick r:id="rId5"/>
               </a:rPr>
-              <a:t>http://www.hematology.org/Patients/Basics/#</a:t>
-            </a:r>
-            <a:r>
-              <a:rPr lang="en-US" sz="1200" dirty="0" smtClean="0">
+              <a:t>htt</a:t>
+            </a:r>
+            <a:r>
+              <a:rPr lang="en-US" sz="2200" dirty="0">
+                <a:latin typeface="Times New Roman"/>
+                <a:cs typeface="Times New Roman"/>
+              </a:rPr>
+              <a:t>. </a:t>
+            </a:r>
+            <a:r>
+              <a:rPr lang="en-US" sz="2200" i="1" dirty="0">
+                <a:latin typeface="Times New Roman"/>
+                <a:cs typeface="Times New Roman"/>
+              </a:rPr>
+              <a:t>On the so-called “Huber sandwich estimator” and “robust standard </a:t>
+            </a:r>
+            <a:r>
+              <a:rPr lang="en-US" sz="2200" i="1" dirty="0" err="1">
+                <a:latin typeface="Times New Roman"/>
+                <a:cs typeface="Times New Roman"/>
+              </a:rPr>
+              <a:t>errors”</a:t>
+            </a:r>
+            <a:r>
+              <a:rPr lang="en-US" sz="2200" dirty="0" err="1">
                 <a:solidFill>
                   <a:srgbClr val="000000"/>
                 </a:solidFill>
@@ -4545,9 +4510,31 @@
                 <a:cs typeface="Times New Roman"/>
                 <a:hlinkClick r:id="rId5"/>
               </a:rPr>
+              <a:t>p</a:t>
+            </a:r>
+            <a:r>
+              <a:rPr lang="en-US" sz="2200" dirty="0">
+                <a:solidFill>
+                  <a:srgbClr val="000000"/>
+                </a:solidFill>
+                <a:latin typeface="Times New Roman"/>
+                <a:cs typeface="Times New Roman"/>
+                <a:hlinkClick r:id="rId5"/>
+              </a:rPr>
+              <a:t>://www.hematology.org/Patients/Basics/#</a:t>
+            </a:r>
+            <a:r>
+              <a:rPr lang="en-US" sz="2200" dirty="0">
+                <a:solidFill>
+                  <a:srgbClr val="000000"/>
+                </a:solidFill>
+                <a:latin typeface="Times New Roman"/>
+                <a:cs typeface="Times New Roman"/>
+                <a:hlinkClick r:id="rId5"/>
+              </a:rPr>
               <a:t>a6</a:t>
             </a:r>
-            <a:endParaRPr lang="en-US" sz="1200" dirty="0" smtClean="0">
+            <a:endParaRPr lang="en-US" sz="2200" dirty="0">
               <a:solidFill>
                 <a:srgbClr val="000000"/>
               </a:solidFill>
@@ -4558,7 +4545,7 @@
           <a:p>
             <a:pPr algn="just"/>
             <a:r>
-              <a:rPr lang="en-US" sz="1200" dirty="0" smtClean="0">
+              <a:rPr lang="en-US" sz="2200" dirty="0">
                 <a:solidFill>
                   <a:srgbClr val="000000"/>
                 </a:solidFill>
@@ -4568,52 +4555,82 @@
               <a:t>[4] </a:t>
             </a:r>
             <a:r>
-              <a:rPr lang="en-US" sz="1200" dirty="0" err="1"/>
+              <a:rPr lang="en-US" sz="2200" dirty="0" err="1">
+                <a:latin typeface="Times New Roman"/>
+                <a:cs typeface="Times New Roman"/>
+              </a:rPr>
               <a:t>McGarry</a:t>
             </a:r>
             <a:r>
-              <a:rPr lang="en-US" sz="1200" dirty="0"/>
+              <a:rPr lang="en-US" sz="2200" dirty="0">
+                <a:latin typeface="Times New Roman"/>
+                <a:cs typeface="Times New Roman"/>
+              </a:rPr>
               <a:t>, Michael P, Cheryl A. </a:t>
             </a:r>
             <a:r>
-              <a:rPr lang="en-US" sz="1200" dirty="0" err="1"/>
+              <a:rPr lang="en-US" sz="2200" dirty="0" err="1">
+                <a:latin typeface="Times New Roman"/>
+                <a:cs typeface="Times New Roman"/>
+              </a:rPr>
               <a:t>Protheroe</a:t>
             </a:r>
             <a:r>
-              <a:rPr lang="en-US" sz="1200" dirty="0"/>
+              <a:rPr lang="en-US" sz="2200" dirty="0">
+                <a:latin typeface="Times New Roman"/>
+                <a:cs typeface="Times New Roman"/>
+              </a:rPr>
               <a:t>, and James J. Lee</a:t>
             </a:r>
             <a:r>
-              <a:rPr lang="en-US" sz="1200" dirty="0" smtClean="0"/>
+              <a:rPr lang="en-US" sz="2200" dirty="0">
+                <a:latin typeface="Times New Roman"/>
+                <a:cs typeface="Times New Roman"/>
+              </a:rPr>
               <a:t>. (2010)</a:t>
             </a:r>
             <a:r>
-              <a:rPr lang="en-US" sz="1200" dirty="0"/>
+              <a:rPr lang="en-US" sz="2200" dirty="0">
+                <a:latin typeface="Times New Roman"/>
+                <a:cs typeface="Times New Roman"/>
+              </a:rPr>
               <a:t> </a:t>
             </a:r>
             <a:r>
-              <a:rPr lang="en-US" sz="1200" i="1" dirty="0"/>
+              <a:rPr lang="en-US" sz="2200" i="1" dirty="0">
+                <a:latin typeface="Times New Roman"/>
+                <a:cs typeface="Times New Roman"/>
+              </a:rPr>
               <a:t>Mouse Hematology: A Laboratory Manual</a:t>
             </a:r>
             <a:r>
-              <a:rPr lang="en-US" sz="1200" dirty="0"/>
+              <a:rPr lang="en-US" sz="2200" dirty="0">
+                <a:latin typeface="Times New Roman"/>
+                <a:cs typeface="Times New Roman"/>
+              </a:rPr>
               <a:t>. Cold Spring Harbor, N.Y: Cold Spring Harbor Laboratory </a:t>
             </a:r>
             <a:r>
-              <a:rPr lang="en-US" sz="1200" dirty="0" smtClean="0"/>
+              <a:rPr lang="en-US" sz="2200" dirty="0">
+                <a:latin typeface="Times New Roman"/>
+                <a:cs typeface="Times New Roman"/>
+              </a:rPr>
               <a:t>Press. </a:t>
             </a:r>
             <a:r>
-              <a:rPr lang="en-US" sz="1200" dirty="0"/>
+              <a:rPr lang="en-US" sz="2200" dirty="0">
+                <a:latin typeface="Times New Roman"/>
+                <a:cs typeface="Times New Roman"/>
+              </a:rPr>
               <a:t>Print.</a:t>
             </a:r>
-            <a:endParaRPr lang="en-US" sz="1200" dirty="0" smtClean="0">
+            <a:endParaRPr lang="en-US" sz="2200" dirty="0">
               <a:latin typeface="Times New Roman"/>
               <a:cs typeface="Times New Roman"/>
             </a:endParaRPr>
           </a:p>
           <a:p>
-            <a:endParaRPr lang="en-US" sz="1800" dirty="0">
+            <a:endParaRPr lang="en-US" sz="3200" dirty="0">
               <a:latin typeface="Times New Roman"/>
               <a:cs typeface="Times New Roman"/>
             </a:endParaRPr>
@@ -4642,8 +4659,8 @@
         </p:blipFill>
         <p:spPr>
           <a:xfrm>
-            <a:off x="6534157" y="3938008"/>
-            <a:ext cx="6047310" cy="3801460"/>
+            <a:off x="11761483" y="6529463"/>
+            <a:ext cx="10885158" cy="6842481"/>
           </a:xfrm>
           <a:prstGeom prst="rect">
             <a:avLst/>
@@ -4672,8 +4689,8 @@
         </p:blipFill>
         <p:spPr>
           <a:xfrm>
-            <a:off x="12767732" y="3906758"/>
-            <a:ext cx="8029613" cy="3816000"/>
+            <a:off x="22981919" y="6524014"/>
+            <a:ext cx="14453303" cy="6868653"/>
           </a:xfrm>
           <a:prstGeom prst="rect">
             <a:avLst/>
@@ -4688,8 +4705,8 @@
         </p:nvSpPr>
         <p:spPr>
           <a:xfrm>
-            <a:off x="21473796" y="11324574"/>
-            <a:ext cx="5733134" cy="1077218"/>
+            <a:off x="38652833" y="20246327"/>
+            <a:ext cx="10319641" cy="1938951"/>
           </a:xfrm>
           <a:prstGeom prst="rect">
             <a:avLst/>
@@ -4697,24 +4714,24 @@
           <a:noFill/>
         </p:spPr>
         <p:txBody>
-          <a:bodyPr wrap="square" rtlCol="0">
+          <a:bodyPr wrap="square" lIns="164583" tIns="82291" rIns="164583" bIns="82291" rtlCol="0">
             <a:spAutoFit/>
           </a:bodyPr>
           <a:lstStyle/>
           <a:p>
             <a:pPr algn="just"/>
             <a:r>
-              <a:rPr lang="en-US" sz="1600" dirty="0" smtClean="0">
+              <a:rPr lang="en-US" sz="2900" dirty="0">
                 <a:latin typeface="Times New Roman"/>
                 <a:cs typeface="Times New Roman"/>
               </a:rPr>
               <a:t>We inferred causal links between knockout conditions and phenotypic measurements, but relationships between phenotypes require more information or outside knowledge. Consequently, we chose not to infer a global underlying DAG</a:t>
             </a:r>
             <a:r>
-              <a:rPr lang="en-US" sz="1600" dirty="0" smtClean="0"/>
+              <a:rPr lang="en-US" sz="2900" dirty="0"/>
               <a:t>.</a:t>
             </a:r>
-            <a:endParaRPr lang="en-US" sz="1600" dirty="0"/>
+            <a:endParaRPr lang="en-US" sz="2900" dirty="0"/>
           </a:p>
         </p:txBody>
       </p:sp>
@@ -4733,8 +4750,8 @@
           </p:nvPr>
         </p:nvGraphicFramePr>
         <p:xfrm>
-          <a:off x="13711599" y="8866631"/>
-          <a:ext cx="4291124" cy="2743200"/>
+          <a:off x="24680878" y="15959594"/>
+          <a:ext cx="7724023" cy="5023095"/>
         </p:xfrm>
         <a:graphic>
           <a:graphicData uri="http://schemas.openxmlformats.org/drawingml/2006/table">
@@ -4743,12 +4760,12 @@
                 <a:tableStyleId>{7E9639D4-E3E2-4D34-9284-5A2195B3D0D7}</a:tableStyleId>
               </a:tblPr>
               <a:tblGrid>
-                <a:gridCol w="844006"/>
-                <a:gridCol w="2137686"/>
-                <a:gridCol w="536394"/>
-                <a:gridCol w="773038"/>
+                <a:gridCol w="1519211"/>
+                <a:gridCol w="3847835"/>
+                <a:gridCol w="965509"/>
+                <a:gridCol w="1391468"/>
               </a:tblGrid>
-              <a:tr h="0">
+              <a:tr h="822942">
                 <a:tc>
                   <a:txBody>
                     <a:bodyPr/>
@@ -4756,19 +4773,19 @@
                     <a:p>
                       <a:pPr algn="l"/>
                       <a:r>
-                        <a:rPr lang="en-US" sz="1200" dirty="0" smtClean="0">
+                        <a:rPr lang="en-US" sz="2200" dirty="0" smtClean="0">
                           <a:latin typeface="Times New Roman"/>
                           <a:cs typeface="Times New Roman"/>
                         </a:rPr>
                         <a:t>Knockout</a:t>
                       </a:r>
-                      <a:endParaRPr lang="en-US" sz="1200" dirty="0">
+                      <a:endParaRPr lang="en-US" sz="2200" dirty="0">
                         <a:latin typeface="Times New Roman"/>
                         <a:cs typeface="Times New Roman"/>
                       </a:endParaRPr>
                     </a:p>
                   </a:txBody>
-                  <a:tcPr anchor="b"/>
+                  <a:tcPr marL="164592" marR="164592" marT="82294" marB="82294" anchor="b"/>
                 </a:tc>
                 <a:tc>
                   <a:txBody>
@@ -4777,19 +4794,19 @@
                     <a:p>
                       <a:pPr algn="l"/>
                       <a:r>
-                        <a:rPr lang="en-US" sz="1200" dirty="0" smtClean="0">
+                        <a:rPr lang="en-US" sz="2200" dirty="0" smtClean="0">
                           <a:latin typeface="Times New Roman"/>
                           <a:cs typeface="Times New Roman"/>
                         </a:rPr>
                         <a:t>Phenotypic measurements</a:t>
                       </a:r>
-                      <a:endParaRPr lang="en-US" sz="1200" dirty="0">
+                      <a:endParaRPr lang="en-US" sz="2200" dirty="0">
                         <a:latin typeface="Times New Roman"/>
                         <a:cs typeface="Times New Roman"/>
                       </a:endParaRPr>
                     </a:p>
                   </a:txBody>
-                  <a:tcPr anchor="b"/>
+                  <a:tcPr marL="164592" marR="164592" marT="82294" marB="82294" anchor="b"/>
                 </a:tc>
                 <a:tc gridSpan="2">
                   <a:txBody>
@@ -4798,14 +4815,14 @@
                     <a:p>
                       <a:pPr algn="ctr"/>
                       <a:r>
-                        <a:rPr lang="en-US" sz="1200" dirty="0" smtClean="0">
+                        <a:rPr lang="en-US" sz="2200" dirty="0" smtClean="0">
                           <a:latin typeface="Times New Roman"/>
                           <a:cs typeface="Times New Roman"/>
                         </a:rPr>
                         <a:t>Effect size</a:t>
                       </a:r>
                       <a:r>
-                        <a:rPr lang="en-US" sz="1200" baseline="0" dirty="0" smtClean="0">
+                        <a:rPr lang="en-US" sz="2200" baseline="0" dirty="0" smtClean="0">
                           <a:latin typeface="Times New Roman"/>
                           <a:cs typeface="Times New Roman"/>
                         </a:rPr>
@@ -4815,19 +4832,19 @@
                     <a:p>
                       <a:pPr algn="ctr"/>
                       <a:r>
-                        <a:rPr lang="en-US" sz="1200" baseline="0" dirty="0" smtClean="0">
+                        <a:rPr lang="en-US" sz="2200" baseline="0" dirty="0" smtClean="0">
                           <a:latin typeface="Times New Roman"/>
                           <a:cs typeface="Times New Roman"/>
                         </a:rPr>
                         <a:t>(p-values)</a:t>
                       </a:r>
-                      <a:endParaRPr lang="en-US" sz="1200" dirty="0">
+                      <a:endParaRPr lang="en-US" sz="2200" dirty="0">
                         <a:latin typeface="Times New Roman"/>
                         <a:cs typeface="Times New Roman"/>
                       </a:endParaRPr>
                     </a:p>
                   </a:txBody>
-                  <a:tcPr anchor="b"/>
+                  <a:tcPr marL="164592" marR="164592" marT="82294" marB="82294" anchor="b"/>
                 </a:tc>
                 <a:tc hMerge="1">
                   <a:txBody>
@@ -4840,26 +4857,26 @@
                   <a:tcPr/>
                 </a:tc>
               </a:tr>
-              <a:tr h="436688">
+              <a:tr h="4114712">
                 <a:tc>
                   <a:txBody>
                     <a:bodyPr/>
                     <a:lstStyle/>
                     <a:p>
                       <a:r>
-                        <a:rPr lang="en-US" sz="1200" dirty="0" smtClean="0">
+                        <a:rPr lang="en-US" sz="2200" dirty="0" smtClean="0">
                           <a:latin typeface="Times New Roman"/>
                           <a:cs typeface="Times New Roman"/>
                         </a:rPr>
                         <a:t>3803_1</a:t>
                       </a:r>
-                      <a:endParaRPr lang="en-US" sz="1200" dirty="0">
+                      <a:endParaRPr lang="en-US" sz="2200" dirty="0">
                         <a:latin typeface="Times New Roman"/>
                         <a:cs typeface="Times New Roman"/>
                       </a:endParaRPr>
                     </a:p>
                   </a:txBody>
-                  <a:tcPr/>
+                  <a:tcPr marL="164592" marR="164592" marT="82294" marB="82294"/>
                 </a:tc>
                 <a:tc>
                   <a:txBody>
@@ -4867,7 +4884,7 @@
                     <a:lstStyle/>
                     <a:p>
                       <a:r>
-                        <a:rPr lang="en-US" sz="1200" dirty="0" smtClean="0">
+                        <a:rPr lang="en-US" sz="2200" dirty="0" smtClean="0">
                           <a:solidFill>
                             <a:srgbClr val="31859C"/>
                           </a:solidFill>
@@ -4877,7 +4894,7 @@
                         <a:t>White blood</a:t>
                       </a:r>
                       <a:r>
-                        <a:rPr lang="en-US" sz="1200" baseline="0" dirty="0" smtClean="0">
+                        <a:rPr lang="en-US" sz="2200" baseline="0" dirty="0" smtClean="0">
                           <a:solidFill>
                             <a:srgbClr val="31859C"/>
                           </a:solidFill>
@@ -4889,7 +4906,7 @@
                     </a:p>
                     <a:p>
                       <a:r>
-                        <a:rPr lang="en-US" sz="1200" baseline="0" dirty="0" smtClean="0">
+                        <a:rPr lang="en-US" sz="2200" baseline="0" dirty="0" smtClean="0">
                           <a:solidFill>
                             <a:srgbClr val="31859C"/>
                           </a:solidFill>
@@ -4901,7 +4918,7 @@
                     </a:p>
                     <a:p>
                       <a:r>
-                        <a:rPr lang="en-US" sz="1200" baseline="0" dirty="0" smtClean="0">
+                        <a:rPr lang="en-US" sz="2200" baseline="0" dirty="0" smtClean="0">
                           <a:solidFill>
                             <a:srgbClr val="31859C"/>
                           </a:solidFill>
@@ -4913,7 +4930,7 @@
                     </a:p>
                     <a:p>
                       <a:r>
-                        <a:rPr lang="en-US" sz="1200" baseline="0" dirty="0" smtClean="0">
+                        <a:rPr lang="en-US" sz="2200" baseline="0" dirty="0" smtClean="0">
                           <a:solidFill>
                             <a:srgbClr val="31859C"/>
                           </a:solidFill>
@@ -4925,7 +4942,7 @@
                     </a:p>
                     <a:p>
                       <a:r>
-                        <a:rPr lang="en-US" sz="1200" baseline="0" dirty="0" smtClean="0">
+                        <a:rPr lang="en-US" sz="2200" baseline="0" dirty="0" smtClean="0">
                           <a:solidFill>
                             <a:srgbClr val="31859C"/>
                           </a:solidFill>
@@ -4937,7 +4954,7 @@
                     </a:p>
                     <a:p>
                       <a:r>
-                        <a:rPr lang="en-US" sz="1200" baseline="0" dirty="0" smtClean="0">
+                        <a:rPr lang="en-US" sz="2200" baseline="0" dirty="0" smtClean="0">
                           <a:solidFill>
                             <a:srgbClr val="31859C"/>
                           </a:solidFill>
@@ -4949,7 +4966,7 @@
                     </a:p>
                     <a:p>
                       <a:r>
-                        <a:rPr lang="en-US" sz="1200" baseline="0" dirty="0" smtClean="0">
+                        <a:rPr lang="en-US" sz="2200" baseline="0" dirty="0" smtClean="0">
                           <a:solidFill>
                             <a:srgbClr val="31859C"/>
                           </a:solidFill>
@@ -4959,7 +4976,7 @@
                         <a:t>Neutrophil differential </a:t>
                       </a:r>
                       <a:r>
-                        <a:rPr lang="en-US" sz="1200" kern="1200" baseline="0" dirty="0" smtClean="0">
+                        <a:rPr lang="en-US" sz="2200" kern="1200" baseline="0" dirty="0" smtClean="0">
                           <a:solidFill>
                             <a:srgbClr val="31859C"/>
                           </a:solidFill>
@@ -4971,7 +4988,7 @@
                     </a:p>
                     <a:p>
                       <a:r>
-                        <a:rPr lang="en-US" sz="1200" baseline="0" dirty="0" smtClean="0">
+                        <a:rPr lang="en-US" sz="2200" baseline="0" dirty="0" smtClean="0">
                           <a:solidFill>
                             <a:srgbClr val="31859C"/>
                           </a:solidFill>
@@ -4983,7 +5000,7 @@
                     </a:p>
                     <a:p>
                       <a:r>
-                        <a:rPr lang="en-US" sz="1200" baseline="0" dirty="0" smtClean="0">
+                        <a:rPr lang="en-US" sz="2200" baseline="0" dirty="0" smtClean="0">
                           <a:solidFill>
                             <a:srgbClr val="DA0000"/>
                           </a:solidFill>
@@ -4995,7 +5012,7 @@
                     </a:p>
                     <a:p>
                       <a:r>
-                        <a:rPr lang="en-US" sz="1200" baseline="0" dirty="0" smtClean="0">
+                        <a:rPr lang="en-US" sz="2200" baseline="0" dirty="0" smtClean="0">
                           <a:solidFill>
                             <a:srgbClr val="DA0000"/>
                           </a:solidFill>
@@ -5007,7 +5024,7 @@
                     </a:p>
                     <a:p>
                       <a:r>
-                        <a:rPr lang="en-US" sz="1200" baseline="0" dirty="0" smtClean="0">
+                        <a:rPr lang="en-US" sz="2200" baseline="0" dirty="0" smtClean="0">
                           <a:solidFill>
                             <a:srgbClr val="DA0000"/>
                           </a:solidFill>
@@ -5019,7 +5036,7 @@
                     </a:p>
                     <a:p>
                       <a:r>
-                        <a:rPr lang="en-US" sz="1200" dirty="0" smtClean="0">
+                        <a:rPr lang="en-US" sz="2200" dirty="0" smtClean="0">
                           <a:solidFill>
                             <a:schemeClr val="accent3">
                               <a:lumMod val="50000"/>
@@ -5030,7 +5047,7 @@
                         </a:rPr>
                         <a:t>Platelet count</a:t>
                       </a:r>
-                      <a:endParaRPr lang="en-US" sz="1200" dirty="0">
+                      <a:endParaRPr lang="en-US" sz="2200" dirty="0">
                         <a:solidFill>
                           <a:schemeClr val="accent3">
                             <a:lumMod val="50000"/>
@@ -5041,7 +5058,7 @@
                       </a:endParaRPr>
                     </a:p>
                   </a:txBody>
-                  <a:tcPr/>
+                  <a:tcPr marL="164592" marR="164592" marT="82294" marB="82294"/>
                 </a:tc>
                 <a:tc>
                   <a:txBody>
@@ -5050,35 +5067,35 @@
                     <a:p>
                       <a:pPr algn="r"/>
                       <a:r>
-                        <a:rPr lang="en-US" sz="1200" dirty="0" smtClean="0">
+                        <a:rPr lang="en-US" sz="2200" dirty="0" smtClean="0">
                           <a:latin typeface="Times New Roman"/>
                           <a:cs typeface="Times New Roman"/>
                         </a:rPr>
                         <a:t>-2.99</a:t>
                       </a:r>
                       <a:r>
-                        <a:rPr lang="en-US" sz="1200" baseline="0" dirty="0" smtClean="0">
+                        <a:rPr lang="en-US" sz="2200" baseline="0" dirty="0" smtClean="0">
                           <a:latin typeface="Times New Roman"/>
                           <a:cs typeface="Times New Roman"/>
                         </a:rPr>
                         <a:t> </a:t>
                       </a:r>
                       <a:r>
-                        <a:rPr lang="en-US" sz="1200" kern="1200" dirty="0" smtClean="0">
+                        <a:rPr lang="en-US" sz="2200" kern="1200" dirty="0" smtClean="0">
                           <a:latin typeface="Times New Roman"/>
                           <a:cs typeface="Times New Roman"/>
                         </a:rPr>
                         <a:t>-0.19 -2.63 -0.11 -0.02 -0.03 0.39 -0.39 </a:t>
                       </a:r>
                       <a:r>
-                        <a:rPr lang="en-US" sz="1200" dirty="0" smtClean="0">
+                        <a:rPr lang="en-US" sz="2200" dirty="0" smtClean="0">
                           <a:latin typeface="Times New Roman"/>
                           <a:cs typeface="Times New Roman"/>
                         </a:rPr>
                         <a:t>-0.42 </a:t>
                       </a:r>
                       <a:r>
-                        <a:rPr lang="en-US" sz="1200" kern="1200" dirty="0" smtClean="0">
+                        <a:rPr lang="en-US" sz="2200" kern="1200" dirty="0" smtClean="0">
                           <a:latin typeface="Times New Roman"/>
                           <a:cs typeface="Times New Roman"/>
                         </a:rPr>
@@ -5104,13 +5121,13 @@
                         <a:defRPr/>
                       </a:pPr>
                       <a:r>
-                        <a:rPr lang="en-US" sz="1200" kern="1200" dirty="0" smtClean="0">
+                        <a:rPr lang="en-US" sz="2200" kern="1200" dirty="0" smtClean="0">
                           <a:latin typeface="Times New Roman"/>
                           <a:cs typeface="Times New Roman"/>
                         </a:rPr>
                         <a:t>-240</a:t>
                       </a:r>
-                      <a:endParaRPr lang="en-US" sz="1200" kern="1200" dirty="0" smtClean="0">
+                      <a:endParaRPr lang="en-US" sz="2200" kern="1200" dirty="0" smtClean="0">
                         <a:solidFill>
                           <a:schemeClr val="tx1"/>
                         </a:solidFill>
@@ -5120,7 +5137,7 @@
                       </a:endParaRPr>
                     </a:p>
                   </a:txBody>
-                  <a:tcPr/>
+                  <a:tcPr marL="164592" marR="164592" marT="82294" marB="82294"/>
                 </a:tc>
                 <a:tc>
                   <a:txBody>
@@ -5145,7 +5162,7 @@
                         <a:defRPr/>
                       </a:pPr>
                       <a:r>
-                        <a:rPr lang="en-US" sz="1200" kern="1200" dirty="0" smtClean="0">
+                        <a:rPr lang="en-US" sz="2200" kern="1200" dirty="0" smtClean="0">
                           <a:latin typeface="Times New Roman"/>
                           <a:cs typeface="Times New Roman"/>
                         </a:rPr>
@@ -5171,7 +5188,7 @@
                         <a:defRPr/>
                       </a:pPr>
                       <a:r>
-                        <a:rPr lang="en-US" sz="1200" kern="1200" dirty="0" smtClean="0">
+                        <a:rPr lang="en-US" sz="2200" kern="1200" dirty="0" smtClean="0">
                           <a:latin typeface="Times New Roman"/>
                           <a:cs typeface="Times New Roman"/>
                         </a:rPr>
@@ -5197,7 +5214,7 @@
                         <a:defRPr/>
                       </a:pPr>
                       <a:r>
-                        <a:rPr lang="en-US" sz="1200" kern="1200" dirty="0" smtClean="0">
+                        <a:rPr lang="en-US" sz="2200" kern="1200" dirty="0" smtClean="0">
                           <a:latin typeface="Times New Roman"/>
                           <a:cs typeface="Times New Roman"/>
                         </a:rPr>
@@ -5223,7 +5240,7 @@
                         <a:defRPr/>
                       </a:pPr>
                       <a:r>
-                        <a:rPr lang="en-US" sz="1200" kern="1200" dirty="0" smtClean="0">
+                        <a:rPr lang="en-US" sz="2200" kern="1200" dirty="0" smtClean="0">
                           <a:latin typeface="Times New Roman"/>
                           <a:cs typeface="Times New Roman"/>
                         </a:rPr>
@@ -5249,7 +5266,7 @@
                         <a:defRPr/>
                       </a:pPr>
                       <a:r>
-                        <a:rPr lang="en-US" sz="1200" kern="1200" dirty="0" smtClean="0">
+                        <a:rPr lang="en-US" sz="2200" kern="1200" dirty="0" smtClean="0">
                           <a:latin typeface="Times New Roman"/>
                           <a:cs typeface="Times New Roman"/>
                         </a:rPr>
@@ -5275,7 +5292,7 @@
                         <a:defRPr/>
                       </a:pPr>
                       <a:r>
-                        <a:rPr lang="en-US" sz="1200" kern="1200" dirty="0" smtClean="0">
+                        <a:rPr lang="en-US" sz="2200" kern="1200" dirty="0" smtClean="0">
                           <a:latin typeface="Times New Roman"/>
                           <a:cs typeface="Times New Roman"/>
                         </a:rPr>
@@ -5301,7 +5318,7 @@
                         <a:defRPr/>
                       </a:pPr>
                       <a:r>
-                        <a:rPr lang="en-US" sz="1200" kern="1200" dirty="0" smtClean="0">
+                        <a:rPr lang="en-US" sz="2200" kern="1200" dirty="0" smtClean="0">
                           <a:latin typeface="Times New Roman"/>
                           <a:cs typeface="Times New Roman"/>
                         </a:rPr>
@@ -5327,7 +5344,7 @@
                         <a:defRPr/>
                       </a:pPr>
                       <a:r>
-                        <a:rPr lang="en-US" sz="1200" kern="1200" dirty="0" smtClean="0">
+                        <a:rPr lang="en-US" sz="2200" kern="1200" dirty="0" smtClean="0">
                           <a:latin typeface="Times New Roman"/>
                           <a:cs typeface="Times New Roman"/>
                         </a:rPr>
@@ -5353,7 +5370,7 @@
                         <a:defRPr/>
                       </a:pPr>
                       <a:r>
-                        <a:rPr lang="en-US" sz="1200" kern="1200" dirty="0" smtClean="0">
+                        <a:rPr lang="en-US" sz="2200" kern="1200" dirty="0" smtClean="0">
                           <a:latin typeface="Times New Roman"/>
                           <a:cs typeface="Times New Roman"/>
                         </a:rPr>
@@ -5379,7 +5396,7 @@
                         <a:defRPr/>
                       </a:pPr>
                       <a:r>
-                        <a:rPr lang="en-US" sz="1200" kern="1200" dirty="0" smtClean="0">
+                        <a:rPr lang="en-US" sz="2200" kern="1200" dirty="0" smtClean="0">
                           <a:latin typeface="Times New Roman"/>
                           <a:cs typeface="Times New Roman"/>
                         </a:rPr>
@@ -5405,7 +5422,7 @@
                         <a:defRPr/>
                       </a:pPr>
                       <a:r>
-                        <a:rPr lang="en-US" sz="1200" kern="1200" dirty="0" smtClean="0">
+                        <a:rPr lang="en-US" sz="2200" kern="1200" dirty="0" smtClean="0">
                           <a:latin typeface="Times New Roman"/>
                           <a:cs typeface="Times New Roman"/>
                         </a:rPr>
@@ -5431,13 +5448,13 @@
                         <a:defRPr/>
                       </a:pPr>
                       <a:r>
-                        <a:rPr lang="en-US" sz="1200" kern="1200" dirty="0" smtClean="0">
+                        <a:rPr lang="en-US" sz="2200" kern="1200" dirty="0" smtClean="0">
                           <a:latin typeface="Times New Roman"/>
                           <a:cs typeface="Times New Roman"/>
                         </a:rPr>
                         <a:t>(&lt; 0.0001)</a:t>
                       </a:r>
-                      <a:endParaRPr lang="en-US" sz="1200" kern="1200" dirty="0" smtClean="0">
+                      <a:endParaRPr lang="en-US" sz="2200" kern="1200" dirty="0" smtClean="0">
                         <a:solidFill>
                           <a:schemeClr val="tx1"/>
                         </a:solidFill>
@@ -5447,7 +5464,7 @@
                       </a:endParaRPr>
                     </a:p>
                   </a:txBody>
-                  <a:tcPr marL="0"/>
+                  <a:tcPr marL="0" marR="164592" marT="82294" marB="82294"/>
                 </a:tc>
               </a:tr>
             </a:tbl>
@@ -5469,8 +5486,8 @@
           </p:nvPr>
         </p:nvGraphicFramePr>
         <p:xfrm>
-          <a:off x="6463600" y="8866631"/>
-          <a:ext cx="7177159" cy="4145280"/>
+          <a:off x="11634481" y="15959594"/>
+          <a:ext cx="12918887" cy="7528495"/>
         </p:xfrm>
         <a:graphic>
           <a:graphicData uri="http://schemas.openxmlformats.org/drawingml/2006/table">
@@ -5479,36 +5496,36 @@
                 <a:tableStyleId>{793D81CF-94F2-401A-BA57-92F5A7B2D0C5}</a:tableStyleId>
               </a:tblPr>
               <a:tblGrid>
-                <a:gridCol w="840692"/>
-                <a:gridCol w="6336467"/>
+                <a:gridCol w="1513246"/>
+                <a:gridCol w="11405641"/>
               </a:tblGrid>
-              <a:tr h="0">
+              <a:tr h="493765">
                 <a:tc>
                   <a:txBody>
                     <a:bodyPr/>
                     <a:lstStyle/>
                     <a:p>
                       <a:r>
-                        <a:rPr lang="en-US" sz="1200" dirty="0" smtClean="0">
+                        <a:rPr lang="en-US" sz="2200" dirty="0" smtClean="0">
                           <a:latin typeface="Times New Roman"/>
                           <a:cs typeface="Times New Roman"/>
                         </a:rPr>
                         <a:t>Knock</a:t>
                       </a:r>
                       <a:r>
-                        <a:rPr lang="en-US" sz="1200" baseline="0" dirty="0" smtClean="0">
+                        <a:rPr lang="en-US" sz="2200" baseline="0" dirty="0" smtClean="0">
                           <a:latin typeface="Times New Roman"/>
                           <a:cs typeface="Times New Roman"/>
                         </a:rPr>
                         <a:t>out</a:t>
                       </a:r>
-                      <a:endParaRPr lang="en-US" sz="1200" dirty="0">
+                      <a:endParaRPr lang="en-US" sz="2200" dirty="0">
                         <a:latin typeface="Times New Roman"/>
                         <a:cs typeface="Times New Roman"/>
                       </a:endParaRPr>
                     </a:p>
                   </a:txBody>
-                  <a:tcPr/>
+                  <a:tcPr marL="164592" marR="164592" marT="82294" marB="82294"/>
                 </a:tc>
                 <a:tc>
                   <a:txBody>
@@ -5516,48 +5533,48 @@
                     <a:lstStyle/>
                     <a:p>
                       <a:r>
-                        <a:rPr lang="en-US" sz="1200" dirty="0" smtClean="0">
+                        <a:rPr lang="en-US" sz="2200" dirty="0" smtClean="0">
                           <a:latin typeface="Times New Roman"/>
                           <a:cs typeface="Times New Roman"/>
                         </a:rPr>
                         <a:t>Phenotypic</a:t>
                       </a:r>
                       <a:r>
-                        <a:rPr lang="en-US" sz="1200" baseline="0" dirty="0" smtClean="0">
+                        <a:rPr lang="en-US" sz="2200" baseline="0" dirty="0" smtClean="0">
                           <a:latin typeface="Times New Roman"/>
                           <a:cs typeface="Times New Roman"/>
                         </a:rPr>
                         <a:t> measurements (direction of association)</a:t>
                       </a:r>
-                      <a:endParaRPr lang="en-US" sz="1200" dirty="0">
+                      <a:endParaRPr lang="en-US" sz="2200" dirty="0">
                         <a:latin typeface="Times New Roman"/>
                         <a:cs typeface="Times New Roman"/>
                       </a:endParaRPr>
                     </a:p>
                   </a:txBody>
-                  <a:tcPr/>
+                  <a:tcPr marL="164592" marR="164592" marT="82294" marB="82294"/>
                 </a:tc>
               </a:tr>
-              <a:tr h="125162">
+              <a:tr h="493765">
                 <a:tc>
                   <a:txBody>
                     <a:bodyPr/>
                     <a:lstStyle/>
                     <a:p>
                       <a:r>
-                        <a:rPr lang="en-US" sz="1200" dirty="0" smtClean="0">
+                        <a:rPr lang="en-US" sz="2200" dirty="0" smtClean="0">
                           <a:latin typeface="Times New Roman"/>
                           <a:cs typeface="Times New Roman"/>
                         </a:rPr>
                         <a:t>1550_1</a:t>
                       </a:r>
-                      <a:endParaRPr lang="en-US" sz="1200" dirty="0">
+                      <a:endParaRPr lang="en-US" sz="2200" dirty="0">
                         <a:latin typeface="Times New Roman"/>
                         <a:cs typeface="Times New Roman"/>
                       </a:endParaRPr>
                     </a:p>
                   </a:txBody>
-                  <a:tcPr/>
+                  <a:tcPr marL="164592" marR="164592" marT="82294" marB="82294"/>
                 </a:tc>
                 <a:tc>
                   <a:txBody>
@@ -5582,7 +5599,7 @@
                         <a:defRPr/>
                       </a:pPr>
                       <a:r>
-                        <a:rPr lang="en-US" sz="1000" baseline="0" dirty="0" smtClean="0">
+                        <a:rPr lang="en-US" sz="1800" baseline="0" dirty="0" smtClean="0">
                           <a:solidFill>
                             <a:srgbClr val="DA0000"/>
                           </a:solidFill>
@@ -5592,14 +5609,14 @@
                         <a:t>Hematocrit </a:t>
                       </a:r>
                       <a:r>
-                        <a:rPr lang="en-US" sz="1000" baseline="0" dirty="0" smtClean="0">
+                        <a:rPr lang="en-US" sz="1800" baseline="0" dirty="0" smtClean="0">
                           <a:latin typeface="Times New Roman"/>
                           <a:cs typeface="Times New Roman"/>
                         </a:rPr>
                         <a:t>(+), </a:t>
                       </a:r>
                       <a:r>
-                        <a:rPr lang="en-US" sz="1000" baseline="0" dirty="0" smtClean="0">
+                        <a:rPr lang="en-US" sz="1800" baseline="0" dirty="0" smtClean="0">
                           <a:solidFill>
                             <a:srgbClr val="DA0000"/>
                           </a:solidFill>
@@ -5609,14 +5626,14 @@
                         <a:t>Mean cell volume </a:t>
                       </a:r>
                       <a:r>
-                        <a:rPr lang="en-US" sz="1000" baseline="0" dirty="0" smtClean="0">
+                        <a:rPr lang="en-US" sz="1800" baseline="0" dirty="0" smtClean="0">
                           <a:latin typeface="Times New Roman"/>
                           <a:cs typeface="Times New Roman"/>
                         </a:rPr>
                         <a:t>(+), </a:t>
                       </a:r>
                       <a:r>
-                        <a:rPr lang="en-US" sz="1000" baseline="0" dirty="0" smtClean="0">
+                        <a:rPr lang="en-US" sz="1800" baseline="0" dirty="0" smtClean="0">
                           <a:solidFill>
                             <a:srgbClr val="DA0000"/>
                           </a:solidFill>
@@ -5626,28 +5643,28 @@
                         <a:t>Hemoglobin</a:t>
                       </a:r>
                       <a:r>
-                        <a:rPr lang="en-US" sz="1000" baseline="0" dirty="0" smtClean="0">
+                        <a:rPr lang="en-US" sz="1800" baseline="0" dirty="0" smtClean="0">
                           <a:latin typeface="Times New Roman"/>
                           <a:cs typeface="Times New Roman"/>
                         </a:rPr>
                         <a:t> </a:t>
                       </a:r>
                       <a:r>
-                        <a:rPr lang="en-US" sz="1000" dirty="0" smtClean="0">
+                        <a:rPr lang="en-US" sz="1800" dirty="0" smtClean="0">
                           <a:latin typeface="Times New Roman"/>
                           <a:cs typeface="Times New Roman"/>
                         </a:rPr>
                         <a:t>(–)</a:t>
                       </a:r>
                       <a:r>
-                        <a:rPr lang="en-US" sz="1000" baseline="0" dirty="0" smtClean="0">
+                        <a:rPr lang="en-US" sz="1800" baseline="0" dirty="0" smtClean="0">
                           <a:latin typeface="Times New Roman"/>
                           <a:cs typeface="Times New Roman"/>
                         </a:rPr>
                         <a:t>, </a:t>
                       </a:r>
                       <a:r>
-                        <a:rPr lang="en-US" sz="1000" dirty="0" smtClean="0">
+                        <a:rPr lang="en-US" sz="1800" dirty="0" smtClean="0">
                           <a:solidFill>
                             <a:srgbClr val="DA0000"/>
                           </a:solidFill>
@@ -5657,7 +5674,7 @@
                         <a:t>MCHC</a:t>
                       </a:r>
                       <a:r>
-                        <a:rPr lang="en-US" sz="1000" baseline="30000" dirty="0" smtClean="0">
+                        <a:rPr lang="en-US" sz="1800" baseline="30000" dirty="0" smtClean="0">
                           <a:solidFill>
                             <a:srgbClr val="DA0000"/>
                           </a:solidFill>
@@ -5667,28 +5684,28 @@
                         <a:t>1</a:t>
                       </a:r>
                       <a:r>
-                        <a:rPr lang="en-US" sz="1000" baseline="0" dirty="0" smtClean="0">
+                        <a:rPr lang="en-US" sz="1800" baseline="0" dirty="0" smtClean="0">
                           <a:latin typeface="Times New Roman"/>
                           <a:cs typeface="Times New Roman"/>
                         </a:rPr>
                         <a:t> </a:t>
                       </a:r>
                       <a:r>
-                        <a:rPr lang="en-US" sz="1000" dirty="0" smtClean="0">
+                        <a:rPr lang="en-US" sz="1800" dirty="0" smtClean="0">
                           <a:latin typeface="Times New Roman"/>
                           <a:cs typeface="Times New Roman"/>
                         </a:rPr>
                         <a:t>(–)</a:t>
                       </a:r>
                       <a:r>
-                        <a:rPr lang="en-US" sz="1000" baseline="0" dirty="0" smtClean="0">
+                        <a:rPr lang="en-US" sz="1800" baseline="0" dirty="0" smtClean="0">
                           <a:latin typeface="Times New Roman"/>
                           <a:cs typeface="Times New Roman"/>
                         </a:rPr>
                         <a:t>, </a:t>
                       </a:r>
                       <a:r>
-                        <a:rPr lang="en-US" sz="1000" baseline="0" dirty="0" smtClean="0">
+                        <a:rPr lang="en-US" sz="1800" baseline="0" dirty="0" smtClean="0">
                           <a:solidFill>
                             <a:srgbClr val="4F6228"/>
                           </a:solidFill>
@@ -5698,41 +5715,41 @@
                         <a:t>Mean platelet volume </a:t>
                       </a:r>
                       <a:r>
-                        <a:rPr lang="en-US" sz="1000" dirty="0" smtClean="0">
+                        <a:rPr lang="en-US" sz="1800" dirty="0" smtClean="0">
                           <a:latin typeface="Times New Roman"/>
                           <a:cs typeface="Times New Roman"/>
                         </a:rPr>
                         <a:t>(–)</a:t>
                       </a:r>
-                      <a:endParaRPr lang="en-US" sz="1000" dirty="0">
+                      <a:endParaRPr lang="en-US" sz="1800" dirty="0">
                         <a:latin typeface="Times New Roman"/>
                         <a:cs typeface="Times New Roman"/>
                       </a:endParaRPr>
                     </a:p>
                   </a:txBody>
-                  <a:tcPr/>
+                  <a:tcPr marL="164592" marR="164592" marT="82294" marB="82294"/>
                 </a:tc>
               </a:tr>
-              <a:tr h="0">
+              <a:tr h="493765">
                 <a:tc>
                   <a:txBody>
                     <a:bodyPr/>
                     <a:lstStyle/>
                     <a:p>
                       <a:r>
-                        <a:rPr lang="en-US" sz="1200" dirty="0" smtClean="0">
+                        <a:rPr lang="en-US" sz="2200" dirty="0" smtClean="0">
                           <a:latin typeface="Times New Roman"/>
                           <a:cs typeface="Times New Roman"/>
                         </a:rPr>
                         <a:t>1796_1</a:t>
                       </a:r>
-                      <a:endParaRPr lang="en-US" sz="1200" dirty="0">
+                      <a:endParaRPr lang="en-US" sz="2200" dirty="0">
                         <a:latin typeface="Times New Roman"/>
                         <a:cs typeface="Times New Roman"/>
                       </a:endParaRPr>
                     </a:p>
                   </a:txBody>
-                  <a:tcPr/>
+                  <a:tcPr marL="164592" marR="164592" marT="82294" marB="82294"/>
                 </a:tc>
                 <a:tc>
                   <a:txBody>
@@ -5740,7 +5757,7 @@
                     <a:lstStyle/>
                     <a:p>
                       <a:r>
-                        <a:rPr lang="en-US" sz="1000" dirty="0" smtClean="0">
+                        <a:rPr lang="en-US" sz="1800" dirty="0" smtClean="0">
                           <a:solidFill>
                             <a:srgbClr val="DA0000"/>
                           </a:solidFill>
@@ -5750,14 +5767,14 @@
                         <a:t>MCHC </a:t>
                       </a:r>
                       <a:r>
-                        <a:rPr lang="en-US" sz="1000" dirty="0" smtClean="0">
+                        <a:rPr lang="en-US" sz="1800" dirty="0" smtClean="0">
                           <a:latin typeface="Times New Roman"/>
                           <a:cs typeface="Times New Roman"/>
                         </a:rPr>
                         <a:t>(+), </a:t>
                       </a:r>
                       <a:r>
-                        <a:rPr lang="en-US" sz="1000" dirty="0" smtClean="0">
+                        <a:rPr lang="en-US" sz="1800" dirty="0" smtClean="0">
                           <a:solidFill>
                             <a:srgbClr val="DA0000"/>
                           </a:solidFill>
@@ -5767,21 +5784,21 @@
                         <a:t>Hematocrit</a:t>
                       </a:r>
                       <a:r>
-                        <a:rPr lang="en-US" sz="1000" dirty="0" smtClean="0">
+                        <a:rPr lang="en-US" sz="1800" dirty="0" smtClean="0">
                           <a:latin typeface="Times New Roman"/>
                           <a:cs typeface="Times New Roman"/>
                         </a:rPr>
                         <a:t> (–),</a:t>
                       </a:r>
                       <a:r>
-                        <a:rPr lang="en-US" sz="1000" baseline="0" dirty="0" smtClean="0">
+                        <a:rPr lang="en-US" sz="1800" baseline="0" dirty="0" smtClean="0">
                           <a:latin typeface="Times New Roman"/>
                           <a:cs typeface="Times New Roman"/>
                         </a:rPr>
                         <a:t> </a:t>
                       </a:r>
                       <a:r>
-                        <a:rPr lang="en-US" sz="1000" baseline="0" dirty="0" smtClean="0">
+                        <a:rPr lang="en-US" sz="1800" baseline="0" dirty="0" smtClean="0">
                           <a:solidFill>
                             <a:srgbClr val="DA0000"/>
                           </a:solidFill>
@@ -5791,21 +5808,21 @@
                         <a:t>Mean cell volume </a:t>
                       </a:r>
                       <a:r>
-                        <a:rPr lang="en-US" sz="1000" dirty="0" smtClean="0">
+                        <a:rPr lang="en-US" sz="1800" dirty="0" smtClean="0">
                           <a:latin typeface="Times New Roman"/>
                           <a:cs typeface="Times New Roman"/>
                         </a:rPr>
                         <a:t>(–)</a:t>
                       </a:r>
                       <a:r>
-                        <a:rPr lang="en-US" sz="1000" baseline="0" dirty="0" smtClean="0">
+                        <a:rPr lang="en-US" sz="1800" baseline="0" dirty="0" smtClean="0">
                           <a:latin typeface="Times New Roman"/>
                           <a:cs typeface="Times New Roman"/>
                         </a:rPr>
                         <a:t>, </a:t>
                       </a:r>
                       <a:r>
-                        <a:rPr lang="en-US" sz="1000" baseline="0" dirty="0" smtClean="0">
+                        <a:rPr lang="en-US" sz="1800" baseline="0" dirty="0" smtClean="0">
                           <a:solidFill>
                             <a:schemeClr val="accent5">
                               <a:lumMod val="75000"/>
@@ -5817,7 +5834,7 @@
                         <a:t>Monocyte diff.</a:t>
                       </a:r>
                       <a:r>
-                        <a:rPr lang="en-US" sz="1000" baseline="30000" dirty="0" smtClean="0">
+                        <a:rPr lang="en-US" sz="1800" baseline="30000" dirty="0" smtClean="0">
                           <a:solidFill>
                             <a:schemeClr val="accent5">
                               <a:lumMod val="75000"/>
@@ -5829,7 +5846,7 @@
                         <a:t>2</a:t>
                       </a:r>
                       <a:r>
-                        <a:rPr lang="en-US" sz="1000" baseline="0" dirty="0" smtClean="0">
+                        <a:rPr lang="en-US" sz="1800" baseline="0" dirty="0" smtClean="0">
                           <a:solidFill>
                             <a:schemeClr val="accent5">
                               <a:lumMod val="75000"/>
@@ -5841,21 +5858,21 @@
                         <a:t> count </a:t>
                       </a:r>
                       <a:r>
-                        <a:rPr lang="en-US" sz="1000" dirty="0" smtClean="0">
+                        <a:rPr lang="en-US" sz="1800" dirty="0" smtClean="0">
                           <a:latin typeface="Times New Roman"/>
                           <a:cs typeface="Times New Roman"/>
                         </a:rPr>
                         <a:t>(–)</a:t>
                       </a:r>
                       <a:r>
-                        <a:rPr lang="en-US" sz="1000" baseline="0" dirty="0" smtClean="0">
+                        <a:rPr lang="en-US" sz="1800" baseline="0" dirty="0" smtClean="0">
                           <a:latin typeface="Times New Roman"/>
                           <a:cs typeface="Times New Roman"/>
                         </a:rPr>
                         <a:t>, </a:t>
                       </a:r>
                       <a:r>
-                        <a:rPr lang="en-US" sz="1000" baseline="0" dirty="0" smtClean="0">
+                        <a:rPr lang="en-US" sz="1800" baseline="0" dirty="0" smtClean="0">
                           <a:solidFill>
                             <a:srgbClr val="31859C"/>
                           </a:solidFill>
@@ -5865,7 +5882,7 @@
                         <a:t>LUC</a:t>
                       </a:r>
                       <a:r>
-                        <a:rPr lang="en-US" sz="1000" baseline="30000" dirty="0" smtClean="0">
+                        <a:rPr lang="en-US" sz="1800" baseline="30000" dirty="0" smtClean="0">
                           <a:solidFill>
                             <a:srgbClr val="31859C"/>
                           </a:solidFill>
@@ -5875,7 +5892,7 @@
                         <a:t>3</a:t>
                       </a:r>
                       <a:r>
-                        <a:rPr lang="en-US" sz="1000" baseline="0" dirty="0" smtClean="0">
+                        <a:rPr lang="en-US" sz="1800" baseline="0" dirty="0" smtClean="0">
                           <a:solidFill>
                             <a:srgbClr val="31859C"/>
                           </a:solidFill>
@@ -5885,21 +5902,21 @@
                         <a:t> count </a:t>
                       </a:r>
                       <a:r>
-                        <a:rPr lang="en-US" sz="1000" dirty="0" smtClean="0">
+                        <a:rPr lang="en-US" sz="1800" dirty="0" smtClean="0">
                           <a:latin typeface="Times New Roman"/>
                           <a:cs typeface="Times New Roman"/>
                         </a:rPr>
                         <a:t>(–)</a:t>
                       </a:r>
                       <a:r>
-                        <a:rPr lang="en-US" sz="1000" baseline="0" dirty="0" smtClean="0">
+                        <a:rPr lang="en-US" sz="1800" baseline="0" dirty="0" smtClean="0">
                           <a:latin typeface="Times New Roman"/>
                           <a:cs typeface="Times New Roman"/>
                         </a:rPr>
                         <a:t>, </a:t>
                       </a:r>
                       <a:r>
-                        <a:rPr lang="en-US" sz="1000" baseline="0" dirty="0" smtClean="0">
+                        <a:rPr lang="en-US" sz="1800" baseline="0" dirty="0" smtClean="0">
                           <a:solidFill>
                             <a:srgbClr val="31859C"/>
                           </a:solidFill>
@@ -5909,41 +5926,41 @@
                         <a:t>LUC diff. count </a:t>
                       </a:r>
                       <a:r>
-                        <a:rPr lang="en-US" sz="1000" dirty="0" smtClean="0">
+                        <a:rPr lang="en-US" sz="1800" dirty="0" smtClean="0">
                           <a:latin typeface="Times New Roman"/>
                           <a:cs typeface="Times New Roman"/>
                         </a:rPr>
                         <a:t>(–)</a:t>
                       </a:r>
-                      <a:endParaRPr lang="en-US" sz="1000" dirty="0">
+                      <a:endParaRPr lang="en-US" sz="1800" dirty="0">
                         <a:latin typeface="Times New Roman"/>
                         <a:cs typeface="Times New Roman"/>
                       </a:endParaRPr>
                     </a:p>
                   </a:txBody>
-                  <a:tcPr/>
+                  <a:tcPr marL="164592" marR="164592" marT="82294" marB="82294"/>
                 </a:tc>
               </a:tr>
-              <a:tr h="0">
+              <a:tr h="493765">
                 <a:tc>
                   <a:txBody>
                     <a:bodyPr/>
                     <a:lstStyle/>
                     <a:p>
                       <a:r>
-                        <a:rPr lang="en-US" sz="1200" dirty="0" smtClean="0">
+                        <a:rPr lang="en-US" sz="2200" dirty="0" smtClean="0">
                           <a:latin typeface="Times New Roman"/>
                           <a:cs typeface="Times New Roman"/>
                         </a:rPr>
                         <a:t>1797_1</a:t>
                       </a:r>
-                      <a:endParaRPr lang="en-US" sz="1200" dirty="0">
+                      <a:endParaRPr lang="en-US" sz="2200" dirty="0">
                         <a:latin typeface="Times New Roman"/>
                         <a:cs typeface="Times New Roman"/>
                       </a:endParaRPr>
                     </a:p>
                   </a:txBody>
-                  <a:tcPr/>
+                  <a:tcPr marL="164592" marR="164592" marT="82294" marB="82294"/>
                 </a:tc>
                 <a:tc>
                   <a:txBody>
@@ -5951,7 +5968,7 @@
                     <a:lstStyle/>
                     <a:p>
                       <a:r>
-                        <a:rPr lang="en-US" sz="1000" dirty="0" smtClean="0">
+                        <a:rPr lang="en-US" sz="1800" dirty="0" smtClean="0">
                           <a:solidFill>
                             <a:srgbClr val="31859C"/>
                           </a:solidFill>
@@ -5961,7 +5978,7 @@
                         <a:t>WBC</a:t>
                       </a:r>
                       <a:r>
-                        <a:rPr lang="en-US" sz="1000" baseline="30000" dirty="0" smtClean="0">
+                        <a:rPr lang="en-US" sz="1800" baseline="30000" dirty="0" smtClean="0">
                           <a:solidFill>
                             <a:srgbClr val="31859C"/>
                           </a:solidFill>
@@ -5971,7 +5988,7 @@
                         <a:t>4</a:t>
                       </a:r>
                       <a:r>
-                        <a:rPr lang="en-US" sz="1000" dirty="0" smtClean="0">
+                        <a:rPr lang="en-US" sz="1800" dirty="0" smtClean="0">
                           <a:solidFill>
                             <a:srgbClr val="31859C"/>
                           </a:solidFill>
@@ -5981,14 +5998,14 @@
                         <a:t> count </a:t>
                       </a:r>
                       <a:r>
-                        <a:rPr lang="en-US" sz="1000" dirty="0" smtClean="0">
+                        <a:rPr lang="en-US" sz="1800" dirty="0" smtClean="0">
                           <a:latin typeface="Times New Roman"/>
                           <a:cs typeface="Times New Roman"/>
                         </a:rPr>
                         <a:t>(+), </a:t>
                       </a:r>
                       <a:r>
-                        <a:rPr lang="en-US" sz="1000" dirty="0" smtClean="0">
+                        <a:rPr lang="en-US" sz="1800" dirty="0" smtClean="0">
                           <a:solidFill>
                             <a:srgbClr val="DA0000"/>
                           </a:solidFill>
@@ -5998,14 +6015,14 @@
                         <a:t>Hemoglobin</a:t>
                       </a:r>
                       <a:r>
-                        <a:rPr lang="en-US" sz="1000" dirty="0" smtClean="0">
+                        <a:rPr lang="en-US" sz="1800" dirty="0" smtClean="0">
                           <a:latin typeface="Times New Roman"/>
                           <a:cs typeface="Times New Roman"/>
                         </a:rPr>
                         <a:t> (+), </a:t>
                       </a:r>
                       <a:r>
-                        <a:rPr lang="en-US" sz="1000" dirty="0" smtClean="0">
+                        <a:rPr lang="en-US" sz="1800" dirty="0" smtClean="0">
                           <a:solidFill>
                             <a:srgbClr val="DA0000"/>
                           </a:solidFill>
@@ -6015,21 +6032,21 @@
                         <a:t>MCHC</a:t>
                       </a:r>
                       <a:r>
-                        <a:rPr lang="en-US" sz="1000" dirty="0" smtClean="0">
+                        <a:rPr lang="en-US" sz="1800" dirty="0" smtClean="0">
                           <a:latin typeface="Times New Roman"/>
                           <a:cs typeface="Times New Roman"/>
                         </a:rPr>
                         <a:t> </a:t>
                       </a:r>
                       <a:r>
-                        <a:rPr lang="en-US" sz="1000" baseline="0" dirty="0" smtClean="0">
+                        <a:rPr lang="en-US" sz="1800" baseline="0" dirty="0" smtClean="0">
                           <a:latin typeface="Times New Roman"/>
                           <a:cs typeface="Times New Roman"/>
                         </a:rPr>
                         <a:t>(+), </a:t>
                       </a:r>
                       <a:r>
-                        <a:rPr lang="en-US" sz="1000" baseline="0" dirty="0" smtClean="0">
+                        <a:rPr lang="en-US" sz="1800" baseline="0" dirty="0" smtClean="0">
                           <a:solidFill>
                             <a:srgbClr val="4F6228"/>
                           </a:solidFill>
@@ -6039,14 +6056,14 @@
                         <a:t>Mean platelet volume</a:t>
                       </a:r>
                       <a:r>
-                        <a:rPr lang="en-US" sz="1000" baseline="0" dirty="0" smtClean="0">
+                        <a:rPr lang="en-US" sz="1800" baseline="0" dirty="0" smtClean="0">
                           <a:latin typeface="Times New Roman"/>
                           <a:cs typeface="Times New Roman"/>
                         </a:rPr>
                         <a:t> (+), </a:t>
                       </a:r>
                       <a:r>
-                        <a:rPr lang="en-US" sz="1000" baseline="0" dirty="0" smtClean="0">
+                        <a:rPr lang="en-US" sz="1800" baseline="0" dirty="0" smtClean="0">
                           <a:solidFill>
                             <a:srgbClr val="31859C"/>
                           </a:solidFill>
@@ -6056,41 +6073,41 @@
                         <a:t>Lymphocyte cell count </a:t>
                       </a:r>
                       <a:r>
-                        <a:rPr lang="en-US" sz="1000" baseline="0" dirty="0" smtClean="0">
+                        <a:rPr lang="en-US" sz="1800" baseline="0" dirty="0" smtClean="0">
                           <a:latin typeface="Times New Roman"/>
                           <a:cs typeface="Times New Roman"/>
                         </a:rPr>
                         <a:t>(+)</a:t>
                       </a:r>
-                      <a:endParaRPr lang="en-US" sz="1000" dirty="0">
+                      <a:endParaRPr lang="en-US" sz="1800" dirty="0">
                         <a:latin typeface="Times New Roman"/>
                         <a:cs typeface="Times New Roman"/>
                       </a:endParaRPr>
                     </a:p>
                   </a:txBody>
-                  <a:tcPr/>
+                  <a:tcPr marL="164592" marR="164592" marT="82294" marB="82294"/>
                 </a:tc>
               </a:tr>
-              <a:tr h="0">
+              <a:tr h="493765">
                 <a:tc>
                   <a:txBody>
                     <a:bodyPr/>
                     <a:lstStyle/>
                     <a:p>
                       <a:r>
-                        <a:rPr lang="en-US" sz="1200" dirty="0" smtClean="0">
+                        <a:rPr lang="en-US" sz="2200" dirty="0" smtClean="0">
                           <a:latin typeface="Times New Roman"/>
                           <a:cs typeface="Times New Roman"/>
                         </a:rPr>
                         <a:t>1798_1</a:t>
                       </a:r>
-                      <a:endParaRPr lang="en-US" sz="1200" dirty="0">
+                      <a:endParaRPr lang="en-US" sz="2200" dirty="0">
                         <a:latin typeface="Times New Roman"/>
                         <a:cs typeface="Times New Roman"/>
                       </a:endParaRPr>
                     </a:p>
                   </a:txBody>
-                  <a:tcPr/>
+                  <a:tcPr marL="164592" marR="164592" marT="82294" marB="82294"/>
                 </a:tc>
                 <a:tc>
                   <a:txBody>
@@ -6098,7 +6115,7 @@
                     <a:lstStyle/>
                     <a:p>
                       <a:r>
-                        <a:rPr lang="en-US" sz="1000" dirty="0" smtClean="0">
+                        <a:rPr lang="en-US" sz="1800" dirty="0" smtClean="0">
                           <a:solidFill>
                             <a:srgbClr val="DA0000"/>
                           </a:solidFill>
@@ -6108,21 +6125,21 @@
                         <a:t>MCHC</a:t>
                       </a:r>
                       <a:r>
-                        <a:rPr lang="en-US" sz="1000" dirty="0" smtClean="0">
+                        <a:rPr lang="en-US" sz="1800" dirty="0" smtClean="0">
                           <a:latin typeface="Times New Roman"/>
                           <a:cs typeface="Times New Roman"/>
                         </a:rPr>
                         <a:t> </a:t>
                       </a:r>
                       <a:r>
-                        <a:rPr lang="en-US" sz="1000" baseline="0" dirty="0" smtClean="0">
+                        <a:rPr lang="en-US" sz="1800" baseline="0" dirty="0" smtClean="0">
                           <a:latin typeface="Times New Roman"/>
                           <a:cs typeface="Times New Roman"/>
                         </a:rPr>
                         <a:t>(+), </a:t>
                       </a:r>
                       <a:r>
-                        <a:rPr lang="en-US" sz="1000" baseline="0" dirty="0" smtClean="0">
+                        <a:rPr lang="en-US" sz="1800" baseline="0" dirty="0" smtClean="0">
                           <a:solidFill>
                             <a:srgbClr val="DA0000"/>
                           </a:solidFill>
@@ -6132,14 +6149,14 @@
                         <a:t>Hematocrit </a:t>
                       </a:r>
                       <a:r>
-                        <a:rPr lang="en-US" sz="1000" baseline="0" dirty="0" smtClean="0">
+                        <a:rPr lang="en-US" sz="1800" baseline="0" dirty="0" smtClean="0">
                           <a:latin typeface="Times New Roman"/>
                           <a:cs typeface="Times New Roman"/>
                         </a:rPr>
                         <a:t>(+), </a:t>
                       </a:r>
                       <a:r>
-                        <a:rPr lang="en-US" sz="1000" baseline="0" dirty="0" smtClean="0">
+                        <a:rPr lang="en-US" sz="1800" baseline="0" dirty="0" smtClean="0">
                           <a:solidFill>
                             <a:srgbClr val="DA0000"/>
                           </a:solidFill>
@@ -6149,41 +6166,41 @@
                         <a:t>Mean cell volume </a:t>
                       </a:r>
                       <a:r>
-                        <a:rPr lang="en-US" sz="1000" baseline="0" dirty="0" smtClean="0">
+                        <a:rPr lang="en-US" sz="1800" baseline="0" dirty="0" smtClean="0">
                           <a:latin typeface="Times New Roman"/>
                           <a:cs typeface="Times New Roman"/>
                         </a:rPr>
                         <a:t>(+)</a:t>
                       </a:r>
-                      <a:endParaRPr lang="en-US" sz="1000" dirty="0">
+                      <a:endParaRPr lang="en-US" sz="1800" dirty="0">
                         <a:latin typeface="Times New Roman"/>
                         <a:cs typeface="Times New Roman"/>
                       </a:endParaRPr>
                     </a:p>
                   </a:txBody>
-                  <a:tcPr/>
+                  <a:tcPr marL="164592" marR="164592" marT="82294" marB="82294"/>
                 </a:tc>
               </a:tr>
-              <a:tr h="0">
+              <a:tr h="713217">
                 <a:tc>
                   <a:txBody>
                     <a:bodyPr/>
                     <a:lstStyle/>
                     <a:p>
                       <a:r>
-                        <a:rPr lang="en-US" sz="1200" dirty="0" smtClean="0">
+                        <a:rPr lang="en-US" sz="2200" dirty="0" smtClean="0">
                           <a:latin typeface="Times New Roman"/>
                           <a:cs typeface="Times New Roman"/>
                         </a:rPr>
                         <a:t>1799_1</a:t>
                       </a:r>
-                      <a:endParaRPr lang="en-US" sz="1200" dirty="0">
+                      <a:endParaRPr lang="en-US" sz="2200" dirty="0">
                         <a:latin typeface="Times New Roman"/>
                         <a:cs typeface="Times New Roman"/>
                       </a:endParaRPr>
                     </a:p>
                   </a:txBody>
-                  <a:tcPr/>
+                  <a:tcPr marL="164592" marR="164592" marT="82294" marB="82294"/>
                 </a:tc>
                 <a:tc>
                   <a:txBody>
@@ -6191,7 +6208,7 @@
                     <a:lstStyle/>
                     <a:p>
                       <a:r>
-                        <a:rPr lang="en-US" sz="1000" dirty="0" smtClean="0">
+                        <a:rPr lang="en-US" sz="1800" dirty="0" smtClean="0">
                           <a:solidFill>
                             <a:srgbClr val="DA0000"/>
                           </a:solidFill>
@@ -6201,14 +6218,14 @@
                         <a:t>Hematocrit</a:t>
                       </a:r>
                       <a:r>
-                        <a:rPr lang="en-US" sz="1000" baseline="0" dirty="0" smtClean="0">
+                        <a:rPr lang="en-US" sz="1800" baseline="0" dirty="0" smtClean="0">
                           <a:latin typeface="Times New Roman"/>
                           <a:cs typeface="Times New Roman"/>
                         </a:rPr>
                         <a:t> (+), </a:t>
                       </a:r>
                       <a:r>
-                        <a:rPr lang="en-US" sz="1000" baseline="0" dirty="0" smtClean="0">
+                        <a:rPr lang="en-US" sz="1800" baseline="0" dirty="0" smtClean="0">
                           <a:solidFill>
                             <a:srgbClr val="DA0000"/>
                           </a:solidFill>
@@ -6218,14 +6235,14 @@
                         <a:t>Mean cell volume </a:t>
                       </a:r>
                       <a:r>
-                        <a:rPr lang="en-US" sz="1000" baseline="0" dirty="0" smtClean="0">
+                        <a:rPr lang="en-US" sz="1800" baseline="0" dirty="0" smtClean="0">
                           <a:latin typeface="Times New Roman"/>
                           <a:cs typeface="Times New Roman"/>
                         </a:rPr>
                         <a:t>(+), </a:t>
                       </a:r>
                       <a:r>
-                        <a:rPr lang="en-US" sz="1000" baseline="0" dirty="0" smtClean="0">
+                        <a:rPr lang="en-US" sz="1800" baseline="0" dirty="0" smtClean="0">
                           <a:solidFill>
                             <a:srgbClr val="31859C"/>
                           </a:solidFill>
@@ -6235,14 +6252,14 @@
                         <a:t>LUC count </a:t>
                       </a:r>
                       <a:r>
-                        <a:rPr lang="en-US" sz="1000" baseline="0" dirty="0" smtClean="0">
+                        <a:rPr lang="en-US" sz="1800" baseline="0" dirty="0" smtClean="0">
                           <a:latin typeface="Times New Roman"/>
                           <a:cs typeface="Times New Roman"/>
                         </a:rPr>
                         <a:t>(+), </a:t>
                       </a:r>
                       <a:r>
-                        <a:rPr lang="en-US" sz="1000" baseline="0" dirty="0" smtClean="0">
+                        <a:rPr lang="en-US" sz="1800" baseline="0" dirty="0" smtClean="0">
                           <a:solidFill>
                             <a:srgbClr val="31859C"/>
                           </a:solidFill>
@@ -6252,14 +6269,14 @@
                         <a:t>LUC diff. count </a:t>
                       </a:r>
                       <a:r>
-                        <a:rPr lang="en-US" sz="1000" baseline="0" dirty="0" smtClean="0">
+                        <a:rPr lang="en-US" sz="1800" baseline="0" dirty="0" smtClean="0">
                           <a:latin typeface="Times New Roman"/>
                           <a:cs typeface="Times New Roman"/>
                         </a:rPr>
                         <a:t>(+), </a:t>
                       </a:r>
                       <a:r>
-                        <a:rPr lang="en-US" sz="1000" baseline="0" dirty="0" smtClean="0">
+                        <a:rPr lang="en-US" sz="1800" baseline="0" dirty="0" smtClean="0">
                           <a:solidFill>
                             <a:srgbClr val="DA0000"/>
                           </a:solidFill>
@@ -6269,14 +6286,14 @@
                         <a:t>Mean corpuscular hemoglobin </a:t>
                       </a:r>
                       <a:r>
-                        <a:rPr lang="en-US" sz="1000" dirty="0" smtClean="0">
+                        <a:rPr lang="en-US" sz="1800" dirty="0" smtClean="0">
                           <a:latin typeface="Times New Roman"/>
                           <a:cs typeface="Times New Roman"/>
                         </a:rPr>
                         <a:t>(–), </a:t>
                       </a:r>
                       <a:r>
-                        <a:rPr lang="en-US" sz="1000" dirty="0" smtClean="0">
+                        <a:rPr lang="en-US" sz="1800" dirty="0" smtClean="0">
                           <a:solidFill>
                             <a:srgbClr val="DA0000"/>
                           </a:solidFill>
@@ -6286,21 +6303,21 @@
                         <a:t>MCHC</a:t>
                       </a:r>
                       <a:r>
-                        <a:rPr lang="en-US" sz="1000" dirty="0" smtClean="0">
+                        <a:rPr lang="en-US" sz="1800" dirty="0" smtClean="0">
                           <a:latin typeface="Times New Roman"/>
                           <a:cs typeface="Times New Roman"/>
                         </a:rPr>
                         <a:t> (–)</a:t>
                       </a:r>
                       <a:r>
-                        <a:rPr lang="en-US" sz="1000" baseline="0" dirty="0" smtClean="0">
+                        <a:rPr lang="en-US" sz="1800" baseline="0" dirty="0" smtClean="0">
                           <a:latin typeface="Times New Roman"/>
                           <a:cs typeface="Times New Roman"/>
                         </a:rPr>
                         <a:t>, </a:t>
                       </a:r>
                       <a:r>
-                        <a:rPr lang="en-US" sz="1000" baseline="0" dirty="0" smtClean="0">
+                        <a:rPr lang="en-US" sz="1800" baseline="0" dirty="0" smtClean="0">
                           <a:solidFill>
                             <a:srgbClr val="4F6228"/>
                           </a:solidFill>
@@ -6310,14 +6327,14 @@
                         <a:t>Mean platelet volume </a:t>
                       </a:r>
                       <a:r>
-                        <a:rPr lang="en-US" sz="1000" dirty="0" smtClean="0">
+                        <a:rPr lang="en-US" sz="1800" dirty="0" smtClean="0">
                           <a:latin typeface="Times New Roman"/>
                           <a:cs typeface="Times New Roman"/>
                         </a:rPr>
                         <a:t>(–), </a:t>
                       </a:r>
                       <a:r>
-                        <a:rPr lang="en-US" sz="1000" dirty="0" smtClean="0">
+                        <a:rPr lang="en-US" sz="1800" dirty="0" smtClean="0">
                           <a:solidFill>
                             <a:srgbClr val="31859C"/>
                           </a:solidFill>
@@ -6327,7 +6344,7 @@
                         <a:t>Eosinophil diff.</a:t>
                       </a:r>
                       <a:r>
-                        <a:rPr lang="en-US" sz="1000" baseline="0" dirty="0" smtClean="0">
+                        <a:rPr lang="en-US" sz="1800" baseline="0" dirty="0" smtClean="0">
                           <a:solidFill>
                             <a:srgbClr val="31859C"/>
                           </a:solidFill>
@@ -6337,14 +6354,14 @@
                         <a:t> count </a:t>
                       </a:r>
                       <a:r>
-                        <a:rPr lang="en-US" sz="1000" dirty="0" smtClean="0">
+                        <a:rPr lang="en-US" sz="1800" dirty="0" smtClean="0">
                           <a:latin typeface="Times New Roman"/>
                           <a:cs typeface="Times New Roman"/>
                         </a:rPr>
                         <a:t>(–), </a:t>
                       </a:r>
                       <a:r>
-                        <a:rPr lang="en-US" sz="1000" dirty="0" smtClean="0">
+                        <a:rPr lang="en-US" sz="1800" dirty="0" smtClean="0">
                           <a:solidFill>
                             <a:srgbClr val="31859C"/>
                           </a:solidFill>
@@ -6354,41 +6371,41 @@
                         <a:t>Eosinophil cell count </a:t>
                       </a:r>
                       <a:r>
-                        <a:rPr lang="en-US" sz="1000" dirty="0" smtClean="0">
+                        <a:rPr lang="en-US" sz="1800" dirty="0" smtClean="0">
                           <a:latin typeface="Times New Roman"/>
                           <a:cs typeface="Times New Roman"/>
                         </a:rPr>
                         <a:t>(–)</a:t>
                       </a:r>
-                      <a:endParaRPr lang="en-US" sz="1000" dirty="0">
+                      <a:endParaRPr lang="en-US" sz="1800" dirty="0">
                         <a:latin typeface="Times New Roman"/>
                         <a:cs typeface="Times New Roman"/>
                       </a:endParaRPr>
                     </a:p>
                   </a:txBody>
-                  <a:tcPr/>
+                  <a:tcPr marL="164592" marR="164592" marT="82294" marB="82294"/>
                 </a:tc>
               </a:tr>
-              <a:tr h="0">
+              <a:tr h="493765">
                 <a:tc>
                   <a:txBody>
                     <a:bodyPr/>
                     <a:lstStyle/>
                     <a:p>
                       <a:r>
-                        <a:rPr lang="en-US" sz="1200" dirty="0" smtClean="0">
+                        <a:rPr lang="en-US" sz="2200" dirty="0" smtClean="0">
                           <a:latin typeface="Times New Roman"/>
                           <a:cs typeface="Times New Roman"/>
                         </a:rPr>
                         <a:t>3157_1</a:t>
                       </a:r>
-                      <a:endParaRPr lang="en-US" sz="1200" dirty="0">
+                      <a:endParaRPr lang="en-US" sz="2200" dirty="0">
                         <a:latin typeface="Times New Roman"/>
                         <a:cs typeface="Times New Roman"/>
                       </a:endParaRPr>
                     </a:p>
                   </a:txBody>
-                  <a:tcPr/>
+                  <a:tcPr marL="164592" marR="164592" marT="82294" marB="82294"/>
                 </a:tc>
                 <a:tc>
                   <a:txBody>
@@ -6396,7 +6413,7 @@
                     <a:lstStyle/>
                     <a:p>
                       <a:r>
-                        <a:rPr lang="en-US" sz="1000" dirty="0" smtClean="0">
+                        <a:rPr lang="en-US" sz="1800" dirty="0" smtClean="0">
                           <a:solidFill>
                             <a:srgbClr val="4F6228"/>
                           </a:solidFill>
@@ -6406,7 +6423,7 @@
                         <a:t>Mean</a:t>
                       </a:r>
                       <a:r>
-                        <a:rPr lang="en-US" sz="1000" baseline="0" dirty="0" smtClean="0">
+                        <a:rPr lang="en-US" sz="1800" baseline="0" dirty="0" smtClean="0">
                           <a:solidFill>
                             <a:srgbClr val="4F6228"/>
                           </a:solidFill>
@@ -6416,14 +6433,14 @@
                         <a:t> platelet volume </a:t>
                       </a:r>
                       <a:r>
-                        <a:rPr lang="en-US" sz="1000" baseline="0" dirty="0" smtClean="0">
+                        <a:rPr lang="en-US" sz="1800" baseline="0" dirty="0" smtClean="0">
                           <a:latin typeface="Times New Roman"/>
                           <a:cs typeface="Times New Roman"/>
                         </a:rPr>
                         <a:t>(+), </a:t>
                       </a:r>
                       <a:r>
-                        <a:rPr lang="en-US" sz="1000" baseline="0" dirty="0" smtClean="0">
+                        <a:rPr lang="en-US" sz="1800" baseline="0" dirty="0" smtClean="0">
                           <a:solidFill>
                             <a:srgbClr val="31859C"/>
                           </a:solidFill>
@@ -6433,14 +6450,14 @@
                         <a:t>Lymphocyte diff. count </a:t>
                       </a:r>
                       <a:r>
-                        <a:rPr lang="en-US" sz="1000" baseline="0" dirty="0" smtClean="0">
+                        <a:rPr lang="en-US" sz="1800" baseline="0" dirty="0" smtClean="0">
                           <a:latin typeface="Times New Roman"/>
                           <a:cs typeface="Times New Roman"/>
                         </a:rPr>
                         <a:t>(+), </a:t>
                       </a:r>
                       <a:r>
-                        <a:rPr lang="en-US" sz="1000" baseline="0" dirty="0" smtClean="0">
+                        <a:rPr lang="en-US" sz="1800" baseline="0" dirty="0" smtClean="0">
                           <a:solidFill>
                             <a:srgbClr val="31859C"/>
                           </a:solidFill>
@@ -6450,14 +6467,14 @@
                         <a:t>Eosinophil diff. count </a:t>
                       </a:r>
                       <a:r>
-                        <a:rPr lang="en-US" sz="1000" dirty="0" smtClean="0">
+                        <a:rPr lang="en-US" sz="1800" dirty="0" smtClean="0">
                           <a:latin typeface="Times New Roman"/>
                           <a:cs typeface="Times New Roman"/>
                         </a:rPr>
                         <a:t>(–), </a:t>
                       </a:r>
                       <a:r>
-                        <a:rPr lang="en-US" sz="1000" dirty="0" smtClean="0">
+                        <a:rPr lang="en-US" sz="1800" dirty="0" smtClean="0">
                           <a:solidFill>
                             <a:srgbClr val="31859C"/>
                           </a:solidFill>
@@ -6467,7 +6484,7 @@
                         <a:t>Eosinophil</a:t>
                       </a:r>
                       <a:r>
-                        <a:rPr lang="en-US" sz="1000" baseline="0" dirty="0" smtClean="0">
+                        <a:rPr lang="en-US" sz="1800" baseline="0" dirty="0" smtClean="0">
                           <a:solidFill>
                             <a:srgbClr val="31859C"/>
                           </a:solidFill>
@@ -6477,41 +6494,41 @@
                         <a:t> cell count </a:t>
                       </a:r>
                       <a:r>
-                        <a:rPr lang="en-US" sz="1000" dirty="0" smtClean="0">
+                        <a:rPr lang="en-US" sz="1800" dirty="0" smtClean="0">
                           <a:latin typeface="Times New Roman"/>
                           <a:cs typeface="Times New Roman"/>
                         </a:rPr>
                         <a:t>(–)</a:t>
                       </a:r>
-                      <a:endParaRPr lang="en-US" sz="1000" dirty="0">
+                      <a:endParaRPr lang="en-US" sz="1800" dirty="0">
                         <a:latin typeface="Times New Roman"/>
                         <a:cs typeface="Times New Roman"/>
                       </a:endParaRPr>
                     </a:p>
                   </a:txBody>
-                  <a:tcPr/>
+                  <a:tcPr marL="164592" marR="164592" marT="82294" marB="82294"/>
                 </a:tc>
               </a:tr>
-              <a:tr h="0">
+              <a:tr h="713217">
                 <a:tc>
                   <a:txBody>
                     <a:bodyPr/>
                     <a:lstStyle/>
                     <a:p>
                       <a:r>
-                        <a:rPr lang="en-US" sz="1200" dirty="0" smtClean="0">
+                        <a:rPr lang="en-US" sz="2200" dirty="0" smtClean="0">
                           <a:latin typeface="Times New Roman"/>
                           <a:cs typeface="Times New Roman"/>
                         </a:rPr>
                         <a:t>3621_1</a:t>
                       </a:r>
-                      <a:endParaRPr lang="en-US" sz="1200" dirty="0">
+                      <a:endParaRPr lang="en-US" sz="2200" dirty="0">
                         <a:latin typeface="Times New Roman"/>
                         <a:cs typeface="Times New Roman"/>
                       </a:endParaRPr>
                     </a:p>
                   </a:txBody>
-                  <a:tcPr/>
+                  <a:tcPr marL="164592" marR="164592" marT="82294" marB="82294"/>
                 </a:tc>
                 <a:tc>
                   <a:txBody>
@@ -6519,7 +6536,7 @@
                     <a:lstStyle/>
                     <a:p>
                       <a:r>
-                        <a:rPr lang="en-US" sz="1000" dirty="0" smtClean="0">
+                        <a:rPr lang="en-US" sz="1800" dirty="0" smtClean="0">
                           <a:solidFill>
                             <a:srgbClr val="31859C"/>
                           </a:solidFill>
@@ -6529,21 +6546,21 @@
                         <a:t>LUC diff. count </a:t>
                       </a:r>
                       <a:r>
-                        <a:rPr lang="en-US" sz="1000" dirty="0" smtClean="0">
+                        <a:rPr lang="en-US" sz="1800" dirty="0" smtClean="0">
                           <a:latin typeface="Times New Roman"/>
                           <a:cs typeface="Times New Roman"/>
                         </a:rPr>
                         <a:t>(+),</a:t>
                       </a:r>
                       <a:r>
-                        <a:rPr lang="en-US" sz="1000" baseline="0" dirty="0" smtClean="0">
+                        <a:rPr lang="en-US" sz="1800" baseline="0" dirty="0" smtClean="0">
                           <a:latin typeface="Times New Roman"/>
                           <a:cs typeface="Times New Roman"/>
                         </a:rPr>
                         <a:t> </a:t>
                       </a:r>
                       <a:r>
-                        <a:rPr lang="en-US" sz="1000" baseline="0" dirty="0" smtClean="0">
+                        <a:rPr lang="en-US" sz="1800" baseline="0" dirty="0" smtClean="0">
                           <a:solidFill>
                             <a:srgbClr val="31859C"/>
                           </a:solidFill>
@@ -6553,14 +6570,14 @@
                         <a:t>Monocyte cell count </a:t>
                       </a:r>
                       <a:r>
-                        <a:rPr lang="en-US" sz="1000" baseline="0" dirty="0" smtClean="0">
+                        <a:rPr lang="en-US" sz="1800" baseline="0" dirty="0" smtClean="0">
                           <a:latin typeface="Times New Roman"/>
                           <a:cs typeface="Times New Roman"/>
                         </a:rPr>
                         <a:t>(+), </a:t>
                       </a:r>
                       <a:r>
-                        <a:rPr lang="en-US" sz="1000" baseline="0" dirty="0" smtClean="0">
+                        <a:rPr lang="en-US" sz="1800" baseline="0" dirty="0" smtClean="0">
                           <a:solidFill>
                             <a:srgbClr val="DA0000"/>
                           </a:solidFill>
@@ -6570,7 +6587,7 @@
                         <a:t>RBC</a:t>
                       </a:r>
                       <a:r>
-                        <a:rPr lang="en-US" sz="1000" baseline="30000" dirty="0" smtClean="0">
+                        <a:rPr lang="en-US" sz="1800" baseline="30000" dirty="0" smtClean="0">
                           <a:solidFill>
                             <a:srgbClr val="DA0000"/>
                           </a:solidFill>
@@ -6580,7 +6597,7 @@
                         <a:t>5</a:t>
                       </a:r>
                       <a:r>
-                        <a:rPr lang="en-US" sz="1000" baseline="0" dirty="0" smtClean="0">
+                        <a:rPr lang="en-US" sz="1800" baseline="0" dirty="0" smtClean="0">
                           <a:solidFill>
                             <a:srgbClr val="DA0000"/>
                           </a:solidFill>
@@ -6590,14 +6607,14 @@
                         <a:t> count </a:t>
                       </a:r>
                       <a:r>
-                        <a:rPr lang="en-US" sz="1000" dirty="0" smtClean="0">
+                        <a:rPr lang="en-US" sz="1800" dirty="0" smtClean="0">
                           <a:latin typeface="Times New Roman"/>
                           <a:cs typeface="Times New Roman"/>
                         </a:rPr>
                         <a:t>(–), </a:t>
                       </a:r>
                       <a:r>
-                        <a:rPr lang="en-US" sz="1000" dirty="0" smtClean="0">
+                        <a:rPr lang="en-US" sz="1800" dirty="0" smtClean="0">
                           <a:solidFill>
                             <a:srgbClr val="DA0000"/>
                           </a:solidFill>
@@ -6607,21 +6624,21 @@
                         <a:t>Hemoglobin</a:t>
                       </a:r>
                       <a:r>
-                        <a:rPr lang="en-US" sz="1000" baseline="0" dirty="0" smtClean="0">
+                        <a:rPr lang="en-US" sz="1800" baseline="0" dirty="0" smtClean="0">
                           <a:latin typeface="Times New Roman"/>
                           <a:cs typeface="Times New Roman"/>
                         </a:rPr>
                         <a:t> </a:t>
                       </a:r>
                       <a:r>
-                        <a:rPr lang="en-US" sz="1000" dirty="0" smtClean="0">
+                        <a:rPr lang="en-US" sz="1800" dirty="0" smtClean="0">
                           <a:latin typeface="Times New Roman"/>
                           <a:cs typeface="Times New Roman"/>
                         </a:rPr>
                         <a:t>(–), </a:t>
                       </a:r>
                       <a:r>
-                        <a:rPr lang="en-US" sz="1000" dirty="0" smtClean="0">
+                        <a:rPr lang="en-US" sz="1800" dirty="0" smtClean="0">
                           <a:solidFill>
                             <a:srgbClr val="DA0000"/>
                           </a:solidFill>
@@ -6631,14 +6648,14 @@
                         <a:t>Hematocrit</a:t>
                       </a:r>
                       <a:r>
-                        <a:rPr lang="en-US" sz="1000" dirty="0" smtClean="0">
+                        <a:rPr lang="en-US" sz="1800" dirty="0" smtClean="0">
                           <a:latin typeface="Times New Roman"/>
                           <a:cs typeface="Times New Roman"/>
                         </a:rPr>
                         <a:t> (–), </a:t>
                       </a:r>
                       <a:r>
-                        <a:rPr lang="en-US" sz="1000" dirty="0" smtClean="0">
+                        <a:rPr lang="en-US" sz="1800" dirty="0" smtClean="0">
                           <a:solidFill>
                             <a:srgbClr val="DA0000"/>
                           </a:solidFill>
@@ -6648,7 +6665,7 @@
                         <a:t>Mean cell volume</a:t>
                       </a:r>
                       <a:r>
-                        <a:rPr lang="en-US" sz="1000" baseline="0" dirty="0" smtClean="0">
+                        <a:rPr lang="en-US" sz="1800" baseline="0" dirty="0" smtClean="0">
                           <a:solidFill>
                             <a:srgbClr val="DA0000"/>
                           </a:solidFill>
@@ -6658,14 +6675,14 @@
                         <a:t> </a:t>
                       </a:r>
                       <a:r>
-                        <a:rPr lang="en-US" sz="1000" dirty="0" smtClean="0">
+                        <a:rPr lang="en-US" sz="1800" dirty="0" smtClean="0">
                           <a:latin typeface="Times New Roman"/>
                           <a:cs typeface="Times New Roman"/>
                         </a:rPr>
                         <a:t>(–), </a:t>
                       </a:r>
                       <a:r>
-                        <a:rPr lang="en-US" sz="1000" dirty="0" smtClean="0">
+                        <a:rPr lang="en-US" sz="1800" dirty="0" smtClean="0">
                           <a:solidFill>
                             <a:srgbClr val="DA0000"/>
                           </a:solidFill>
@@ -6675,14 +6692,14 @@
                         <a:t>Mean corpuscular hemoglobin </a:t>
                       </a:r>
                       <a:r>
-                        <a:rPr lang="en-US" sz="1000" dirty="0" smtClean="0">
+                        <a:rPr lang="en-US" sz="1800" dirty="0" smtClean="0">
                           <a:latin typeface="Times New Roman"/>
                           <a:cs typeface="Times New Roman"/>
                         </a:rPr>
                         <a:t>(–), </a:t>
                       </a:r>
                       <a:r>
-                        <a:rPr lang="en-US" sz="1000" dirty="0" smtClean="0">
+                        <a:rPr lang="en-US" sz="1800" dirty="0" smtClean="0">
                           <a:solidFill>
                             <a:srgbClr val="DA0000"/>
                           </a:solidFill>
@@ -6692,14 +6709,14 @@
                         <a:t>MCHC</a:t>
                       </a:r>
                       <a:r>
-                        <a:rPr lang="en-US" sz="1000" dirty="0" smtClean="0">
+                        <a:rPr lang="en-US" sz="1800" dirty="0" smtClean="0">
                           <a:latin typeface="Times New Roman"/>
                           <a:cs typeface="Times New Roman"/>
                         </a:rPr>
                         <a:t> (–), </a:t>
                       </a:r>
                       <a:r>
-                        <a:rPr lang="en-US" sz="1000" dirty="0" smtClean="0">
+                        <a:rPr lang="en-US" sz="1800" dirty="0" smtClean="0">
                           <a:solidFill>
                             <a:srgbClr val="4F6228"/>
                           </a:solidFill>
@@ -6709,14 +6726,14 @@
                         <a:t>Platelet count </a:t>
                       </a:r>
                       <a:r>
-                        <a:rPr lang="en-US" sz="1000" dirty="0" smtClean="0">
+                        <a:rPr lang="en-US" sz="1800" dirty="0" smtClean="0">
                           <a:latin typeface="Times New Roman"/>
                           <a:cs typeface="Times New Roman"/>
                         </a:rPr>
                         <a:t>(–), </a:t>
                       </a:r>
                       <a:r>
-                        <a:rPr lang="en-US" sz="1000" dirty="0" smtClean="0">
+                        <a:rPr lang="en-US" sz="1800" dirty="0" smtClean="0">
                           <a:solidFill>
                             <a:srgbClr val="31859C"/>
                           </a:solidFill>
@@ -6726,7 +6743,7 @@
                         <a:t>Monocyte</a:t>
                       </a:r>
                       <a:r>
-                        <a:rPr lang="en-US" sz="1000" baseline="0" dirty="0" smtClean="0">
+                        <a:rPr lang="en-US" sz="1800" baseline="0" dirty="0" smtClean="0">
                           <a:solidFill>
                             <a:srgbClr val="31859C"/>
                           </a:solidFill>
@@ -6736,41 +6753,41 @@
                         <a:t> diff. count </a:t>
                       </a:r>
                       <a:r>
-                        <a:rPr lang="en-US" sz="1000" dirty="0" smtClean="0">
+                        <a:rPr lang="en-US" sz="1800" dirty="0" smtClean="0">
                           <a:latin typeface="Times New Roman"/>
                           <a:cs typeface="Times New Roman"/>
                         </a:rPr>
                         <a:t>(–)</a:t>
                       </a:r>
-                      <a:endParaRPr lang="en-US" sz="1000" dirty="0">
+                      <a:endParaRPr lang="en-US" sz="1800" dirty="0">
                         <a:latin typeface="Times New Roman"/>
                         <a:cs typeface="Times New Roman"/>
                       </a:endParaRPr>
                     </a:p>
                   </a:txBody>
-                  <a:tcPr/>
+                  <a:tcPr marL="164592" marR="164592" marT="82294" marB="82294"/>
                 </a:tc>
               </a:tr>
-              <a:tr h="0">
+              <a:tr h="493765">
                 <a:tc>
                   <a:txBody>
                     <a:bodyPr/>
                     <a:lstStyle/>
                     <a:p>
                       <a:r>
-                        <a:rPr lang="en-US" sz="1200" dirty="0" smtClean="0">
+                        <a:rPr lang="en-US" sz="2200" dirty="0" smtClean="0">
                           <a:latin typeface="Times New Roman"/>
                           <a:cs typeface="Times New Roman"/>
                         </a:rPr>
                         <a:t>3805_1</a:t>
                       </a:r>
-                      <a:endParaRPr lang="en-US" sz="1200" dirty="0">
+                      <a:endParaRPr lang="en-US" sz="2200" dirty="0">
                         <a:latin typeface="Times New Roman"/>
                         <a:cs typeface="Times New Roman"/>
                       </a:endParaRPr>
                     </a:p>
                   </a:txBody>
-                  <a:tcPr/>
+                  <a:tcPr marL="164592" marR="164592" marT="82294" marB="82294"/>
                 </a:tc>
                 <a:tc>
                   <a:txBody>
@@ -6778,7 +6795,7 @@
                     <a:lstStyle/>
                     <a:p>
                       <a:r>
-                        <a:rPr lang="en-US" sz="1000" dirty="0" smtClean="0">
+                        <a:rPr lang="en-US" sz="1800" dirty="0" smtClean="0">
                           <a:solidFill>
                             <a:srgbClr val="DA0000"/>
                           </a:solidFill>
@@ -6788,7 +6805,7 @@
                         <a:t>Mean cell volume</a:t>
                       </a:r>
                       <a:r>
-                        <a:rPr lang="en-US" sz="1000" baseline="0" dirty="0" smtClean="0">
+                        <a:rPr lang="en-US" sz="1800" baseline="0" dirty="0" smtClean="0">
                           <a:solidFill>
                             <a:srgbClr val="DA0000"/>
                           </a:solidFill>
@@ -6798,21 +6815,21 @@
                         <a:t> </a:t>
                       </a:r>
                       <a:r>
-                        <a:rPr lang="en-US" sz="1000" dirty="0" smtClean="0">
+                        <a:rPr lang="en-US" sz="1800" dirty="0" smtClean="0">
                           <a:latin typeface="Times New Roman"/>
                           <a:cs typeface="Times New Roman"/>
                         </a:rPr>
                         <a:t>(+),</a:t>
                       </a:r>
                       <a:r>
-                        <a:rPr lang="en-US" sz="1000" baseline="0" dirty="0" smtClean="0">
+                        <a:rPr lang="en-US" sz="1800" baseline="0" dirty="0" smtClean="0">
                           <a:latin typeface="Times New Roman"/>
                           <a:cs typeface="Times New Roman"/>
                         </a:rPr>
                         <a:t> </a:t>
                       </a:r>
                       <a:r>
-                        <a:rPr lang="en-US" sz="1000" baseline="0" dirty="0" smtClean="0">
+                        <a:rPr lang="en-US" sz="1800" baseline="0" dirty="0" smtClean="0">
                           <a:solidFill>
                             <a:srgbClr val="31859C"/>
                           </a:solidFill>
@@ -6822,28 +6839,28 @@
                         <a:t>LUC count</a:t>
                       </a:r>
                       <a:r>
-                        <a:rPr lang="en-US" sz="1000" baseline="0" dirty="0" smtClean="0">
+                        <a:rPr lang="en-US" sz="1800" baseline="0" dirty="0" smtClean="0">
                           <a:latin typeface="Times New Roman"/>
                           <a:cs typeface="Times New Roman"/>
                         </a:rPr>
                         <a:t> </a:t>
                       </a:r>
                       <a:r>
-                        <a:rPr lang="en-US" sz="1000" dirty="0" smtClean="0">
+                        <a:rPr lang="en-US" sz="1800" dirty="0" smtClean="0">
                           <a:latin typeface="Times New Roman"/>
                           <a:cs typeface="Times New Roman"/>
                         </a:rPr>
                         <a:t>(+),</a:t>
                       </a:r>
                       <a:r>
-                        <a:rPr lang="en-US" sz="1000" baseline="0" dirty="0" smtClean="0">
+                        <a:rPr lang="en-US" sz="1800" baseline="0" dirty="0" smtClean="0">
                           <a:latin typeface="Times New Roman"/>
                           <a:cs typeface="Times New Roman"/>
                         </a:rPr>
                         <a:t> </a:t>
                       </a:r>
                       <a:r>
-                        <a:rPr lang="en-US" sz="1000" baseline="0" dirty="0" smtClean="0">
+                        <a:rPr lang="en-US" sz="1800" baseline="0" dirty="0" smtClean="0">
                           <a:solidFill>
                             <a:srgbClr val="31859C"/>
                           </a:solidFill>
@@ -6853,28 +6870,28 @@
                         <a:t>LUC diff. count</a:t>
                       </a:r>
                       <a:r>
-                        <a:rPr lang="en-US" sz="1000" baseline="0" dirty="0" smtClean="0">
+                        <a:rPr lang="en-US" sz="1800" baseline="0" dirty="0" smtClean="0">
                           <a:latin typeface="Times New Roman"/>
                           <a:cs typeface="Times New Roman"/>
                         </a:rPr>
                         <a:t> </a:t>
                       </a:r>
                       <a:r>
-                        <a:rPr lang="en-US" sz="1000" dirty="0" smtClean="0">
+                        <a:rPr lang="en-US" sz="1800" dirty="0" smtClean="0">
                           <a:latin typeface="Times New Roman"/>
                           <a:cs typeface="Times New Roman"/>
                         </a:rPr>
                         <a:t>(+),</a:t>
                       </a:r>
                       <a:r>
-                        <a:rPr lang="en-US" sz="1000" baseline="0" dirty="0" smtClean="0">
+                        <a:rPr lang="en-US" sz="1800" baseline="0" dirty="0" smtClean="0">
                           <a:latin typeface="Times New Roman"/>
                           <a:cs typeface="Times New Roman"/>
                         </a:rPr>
                         <a:t> </a:t>
                       </a:r>
                       <a:r>
-                        <a:rPr lang="en-US" sz="1000" dirty="0" smtClean="0">
+                        <a:rPr lang="en-US" sz="1800" dirty="0" smtClean="0">
                           <a:solidFill>
                             <a:srgbClr val="DA0000"/>
                           </a:solidFill>
@@ -6884,48 +6901,48 @@
                         <a:t>MCHC</a:t>
                       </a:r>
                       <a:r>
-                        <a:rPr lang="en-US" sz="1000" baseline="0" dirty="0" smtClean="0">
+                        <a:rPr lang="en-US" sz="1800" baseline="0" dirty="0" smtClean="0">
                           <a:latin typeface="Times New Roman"/>
                           <a:cs typeface="Times New Roman"/>
                         </a:rPr>
                         <a:t> </a:t>
                       </a:r>
                       <a:r>
-                        <a:rPr lang="en-US" sz="1000" dirty="0" smtClean="0">
+                        <a:rPr lang="en-US" sz="1800" dirty="0" smtClean="0">
                           <a:latin typeface="Times New Roman"/>
                           <a:cs typeface="Times New Roman"/>
                         </a:rPr>
                         <a:t>(–)</a:t>
                       </a:r>
-                      <a:endParaRPr lang="en-US" sz="1000" dirty="0">
+                      <a:endParaRPr lang="en-US" sz="1800" dirty="0">
                         <a:latin typeface="Times New Roman"/>
                         <a:cs typeface="Times New Roman"/>
                       </a:endParaRPr>
                     </a:p>
                   </a:txBody>
-                  <a:tcPr/>
+                  <a:tcPr marL="164592" marR="164592" marT="82294" marB="82294"/>
                 </a:tc>
               </a:tr>
-              <a:tr h="0">
+              <a:tr h="493765">
                 <a:tc>
                   <a:txBody>
                     <a:bodyPr/>
                     <a:lstStyle/>
                     <a:p>
                       <a:r>
-                        <a:rPr lang="en-US" sz="1200" dirty="0" smtClean="0">
+                        <a:rPr lang="en-US" sz="2200" dirty="0" smtClean="0">
                           <a:latin typeface="Times New Roman"/>
                           <a:cs typeface="Times New Roman"/>
                         </a:rPr>
                         <a:t>3887_1</a:t>
                       </a:r>
-                      <a:endParaRPr lang="en-US" sz="1200" dirty="0">
+                      <a:endParaRPr lang="en-US" sz="2200" dirty="0">
                         <a:latin typeface="Times New Roman"/>
                         <a:cs typeface="Times New Roman"/>
                       </a:endParaRPr>
                     </a:p>
                   </a:txBody>
-                  <a:tcPr/>
+                  <a:tcPr marL="164592" marR="164592" marT="82294" marB="82294"/>
                 </a:tc>
                 <a:tc>
                   <a:txBody>
@@ -6933,7 +6950,7 @@
                     <a:lstStyle/>
                     <a:p>
                       <a:r>
-                        <a:rPr lang="en-US" sz="1000" dirty="0" smtClean="0">
+                        <a:rPr lang="en-US" sz="1800" dirty="0" smtClean="0">
                           <a:solidFill>
                             <a:srgbClr val="DA0000"/>
                           </a:solidFill>
@@ -6943,7 +6960,7 @@
                         <a:t>Mean</a:t>
                       </a:r>
                       <a:r>
-                        <a:rPr lang="en-US" sz="1000" baseline="0" dirty="0" smtClean="0">
+                        <a:rPr lang="en-US" sz="1800" baseline="0" dirty="0" smtClean="0">
                           <a:solidFill>
                             <a:srgbClr val="DA0000"/>
                           </a:solidFill>
@@ -6953,14 +6970,14 @@
                         <a:t> cell volume </a:t>
                       </a:r>
                       <a:r>
-                        <a:rPr lang="en-US" sz="1000" baseline="0" dirty="0" smtClean="0">
+                        <a:rPr lang="en-US" sz="1800" baseline="0" dirty="0" smtClean="0">
                           <a:latin typeface="Times New Roman"/>
                           <a:cs typeface="Times New Roman"/>
                         </a:rPr>
                         <a:t>(+), </a:t>
                       </a:r>
                       <a:r>
-                        <a:rPr lang="en-US" sz="1000" baseline="0" dirty="0" smtClean="0">
+                        <a:rPr lang="en-US" sz="1800" baseline="0" dirty="0" smtClean="0">
                           <a:solidFill>
                             <a:srgbClr val="31859C"/>
                           </a:solidFill>
@@ -6970,14 +6987,14 @@
                         <a:t>Neutrophil cell count </a:t>
                       </a:r>
                       <a:r>
-                        <a:rPr lang="en-US" sz="1000" baseline="0" dirty="0" smtClean="0">
+                        <a:rPr lang="en-US" sz="1800" baseline="0" dirty="0" smtClean="0">
                           <a:latin typeface="Times New Roman"/>
                           <a:cs typeface="Times New Roman"/>
                         </a:rPr>
                         <a:t>(+), </a:t>
                       </a:r>
                       <a:r>
-                        <a:rPr lang="en-US" sz="1000" baseline="0" dirty="0" smtClean="0">
+                        <a:rPr lang="en-US" sz="1800" baseline="0" dirty="0" smtClean="0">
                           <a:solidFill>
                             <a:srgbClr val="4F6228"/>
                           </a:solidFill>
@@ -6987,14 +7004,14 @@
                         <a:t>Mean platelet volume </a:t>
                       </a:r>
                       <a:r>
-                        <a:rPr lang="en-US" sz="1000" dirty="0" smtClean="0">
+                        <a:rPr lang="en-US" sz="1800" dirty="0" smtClean="0">
                           <a:latin typeface="Times New Roman"/>
                           <a:cs typeface="Times New Roman"/>
                         </a:rPr>
                         <a:t>(–), </a:t>
                       </a:r>
                       <a:r>
-                        <a:rPr lang="en-US" sz="1000" dirty="0" smtClean="0">
+                        <a:rPr lang="en-US" sz="1800" dirty="0" smtClean="0">
                           <a:solidFill>
                             <a:srgbClr val="31859C"/>
                           </a:solidFill>
@@ -7004,7 +7021,7 @@
                         <a:t>LUC</a:t>
                       </a:r>
                       <a:r>
-                        <a:rPr lang="en-US" sz="1000" baseline="0" dirty="0" smtClean="0">
+                        <a:rPr lang="en-US" sz="1800" baseline="0" dirty="0" smtClean="0">
                           <a:solidFill>
                             <a:srgbClr val="31859C"/>
                           </a:solidFill>
@@ -7014,14 +7031,14 @@
                         <a:t> diff. count </a:t>
                       </a:r>
                       <a:r>
-                        <a:rPr lang="en-US" sz="1000" dirty="0" smtClean="0">
+                        <a:rPr lang="en-US" sz="1800" dirty="0" smtClean="0">
                           <a:latin typeface="Times New Roman"/>
                           <a:cs typeface="Times New Roman"/>
                         </a:rPr>
                         <a:t>(–), </a:t>
                       </a:r>
                       <a:r>
-                        <a:rPr lang="en-US" sz="1000" dirty="0" smtClean="0">
+                        <a:rPr lang="en-US" sz="1800" dirty="0" smtClean="0">
                           <a:solidFill>
                             <a:srgbClr val="31859C"/>
                           </a:solidFill>
@@ -7031,7 +7048,7 @@
                         <a:t>Monocyte cell</a:t>
                       </a:r>
                       <a:r>
-                        <a:rPr lang="en-US" sz="1000" baseline="0" dirty="0" smtClean="0">
+                        <a:rPr lang="en-US" sz="1800" baseline="0" dirty="0" smtClean="0">
                           <a:solidFill>
                             <a:srgbClr val="31859C"/>
                           </a:solidFill>
@@ -7041,41 +7058,41 @@
                         <a:t> count </a:t>
                       </a:r>
                       <a:r>
-                        <a:rPr lang="en-US" sz="1000" dirty="0" smtClean="0">
+                        <a:rPr lang="en-US" sz="1800" dirty="0" smtClean="0">
                           <a:latin typeface="Times New Roman"/>
                           <a:cs typeface="Times New Roman"/>
                         </a:rPr>
                         <a:t>(–)</a:t>
                       </a:r>
-                      <a:endParaRPr lang="en-US" sz="1000" dirty="0">
+                      <a:endParaRPr lang="en-US" sz="1800" dirty="0">
                         <a:latin typeface="Times New Roman"/>
                         <a:cs typeface="Times New Roman"/>
                       </a:endParaRPr>
                     </a:p>
                   </a:txBody>
-                  <a:tcPr/>
+                  <a:tcPr marL="164592" marR="164592" marT="82294" marB="82294"/>
                 </a:tc>
               </a:tr>
-              <a:tr h="0">
+              <a:tr h="493765">
                 <a:tc>
                   <a:txBody>
                     <a:bodyPr/>
                     <a:lstStyle/>
                     <a:p>
                       <a:r>
-                        <a:rPr lang="en-US" sz="1200" dirty="0" smtClean="0">
+                        <a:rPr lang="en-US" sz="2200" dirty="0" smtClean="0">
                           <a:latin typeface="Times New Roman"/>
                           <a:cs typeface="Times New Roman"/>
                         </a:rPr>
                         <a:t>4045_1</a:t>
                       </a:r>
-                      <a:endParaRPr lang="en-US" sz="1200" dirty="0">
+                      <a:endParaRPr lang="en-US" sz="2200" dirty="0">
                         <a:latin typeface="Times New Roman"/>
                         <a:cs typeface="Times New Roman"/>
                       </a:endParaRPr>
                     </a:p>
                   </a:txBody>
-                  <a:tcPr/>
+                  <a:tcPr marL="164592" marR="164592" marT="82294" marB="82294"/>
                 </a:tc>
                 <a:tc>
                   <a:txBody>
@@ -7083,7 +7100,7 @@
                     <a:lstStyle/>
                     <a:p>
                       <a:r>
-                        <a:rPr lang="en-US" sz="1000" dirty="0" smtClean="0">
+                        <a:rPr lang="en-US" sz="1800" dirty="0" smtClean="0">
                           <a:solidFill>
                             <a:srgbClr val="4F6228"/>
                           </a:solidFill>
@@ -7093,7 +7110,7 @@
                         <a:t>Mean platelet</a:t>
                       </a:r>
                       <a:r>
-                        <a:rPr lang="en-US" sz="1000" baseline="0" dirty="0" smtClean="0">
+                        <a:rPr lang="en-US" sz="1800" baseline="0" dirty="0" smtClean="0">
                           <a:solidFill>
                             <a:srgbClr val="4F6228"/>
                           </a:solidFill>
@@ -7103,14 +7120,14 @@
                         <a:t> volume </a:t>
                       </a:r>
                       <a:r>
-                        <a:rPr lang="en-US" sz="1000" dirty="0" smtClean="0">
+                        <a:rPr lang="en-US" sz="1800" dirty="0" smtClean="0">
                           <a:latin typeface="Times New Roman"/>
                           <a:cs typeface="Times New Roman"/>
                         </a:rPr>
                         <a:t>(–), </a:t>
                       </a:r>
                       <a:r>
-                        <a:rPr lang="en-US" sz="1000" dirty="0" smtClean="0">
+                        <a:rPr lang="en-US" sz="1800" dirty="0" smtClean="0">
                           <a:solidFill>
                             <a:srgbClr val="31859C"/>
                           </a:solidFill>
@@ -7120,7 +7137,7 @@
                         <a:t>LUC diff. count</a:t>
                       </a:r>
                       <a:r>
-                        <a:rPr lang="en-US" sz="1000" baseline="0" dirty="0" smtClean="0">
+                        <a:rPr lang="en-US" sz="1800" baseline="0" dirty="0" smtClean="0">
                           <a:solidFill>
                             <a:srgbClr val="31859C"/>
                           </a:solidFill>
@@ -7130,41 +7147,41 @@
                         <a:t> </a:t>
                       </a:r>
                       <a:r>
-                        <a:rPr lang="en-US" sz="1000" dirty="0" smtClean="0">
+                        <a:rPr lang="en-US" sz="1800" dirty="0" smtClean="0">
                           <a:latin typeface="Times New Roman"/>
                           <a:cs typeface="Times New Roman"/>
                         </a:rPr>
                         <a:t>(–)</a:t>
                       </a:r>
-                      <a:endParaRPr lang="en-US" sz="1000" dirty="0">
+                      <a:endParaRPr lang="en-US" sz="1800" dirty="0">
                         <a:latin typeface="Times New Roman"/>
                         <a:cs typeface="Times New Roman"/>
                       </a:endParaRPr>
                     </a:p>
                   </a:txBody>
-                  <a:tcPr/>
+                  <a:tcPr marL="164592" marR="164592" marT="82294" marB="82294"/>
                 </a:tc>
               </a:tr>
-              <a:tr h="0">
+              <a:tr h="493765">
                 <a:tc>
                   <a:txBody>
                     <a:bodyPr/>
                     <a:lstStyle/>
                     <a:p>
                       <a:r>
-                        <a:rPr lang="en-US" sz="1200" dirty="0" smtClean="0">
+                        <a:rPr lang="en-US" sz="2200" dirty="0" smtClean="0">
                           <a:latin typeface="Times New Roman"/>
                           <a:cs typeface="Times New Roman"/>
                         </a:rPr>
                         <a:t>4047_1</a:t>
                       </a:r>
-                      <a:endParaRPr lang="en-US" sz="1200" dirty="0">
+                      <a:endParaRPr lang="en-US" sz="2200" dirty="0">
                         <a:latin typeface="Times New Roman"/>
                         <a:cs typeface="Times New Roman"/>
                       </a:endParaRPr>
                     </a:p>
                   </a:txBody>
-                  <a:tcPr/>
+                  <a:tcPr marL="164592" marR="164592" marT="82294" marB="82294"/>
                 </a:tc>
                 <a:tc>
                   <a:txBody>
@@ -7172,7 +7189,7 @@
                     <a:lstStyle/>
                     <a:p>
                       <a:r>
-                        <a:rPr lang="en-US" sz="1000" dirty="0" smtClean="0">
+                        <a:rPr lang="en-US" sz="1800" dirty="0" smtClean="0">
                           <a:solidFill>
                             <a:srgbClr val="DA0000"/>
                           </a:solidFill>
@@ -7182,14 +7199,14 @@
                         <a:t>Hematocrit</a:t>
                       </a:r>
                       <a:r>
-                        <a:rPr lang="en-US" sz="1000" baseline="0" dirty="0" smtClean="0">
+                        <a:rPr lang="en-US" sz="1800" baseline="0" dirty="0" smtClean="0">
                           <a:latin typeface="Times New Roman"/>
                           <a:cs typeface="Times New Roman"/>
                         </a:rPr>
                         <a:t> (+), </a:t>
                       </a:r>
                       <a:r>
-                        <a:rPr lang="en-US" sz="1000" baseline="0" dirty="0" smtClean="0">
+                        <a:rPr lang="en-US" sz="1800" baseline="0" dirty="0" smtClean="0">
                           <a:solidFill>
                             <a:srgbClr val="DA0000"/>
                           </a:solidFill>
@@ -7199,14 +7216,14 @@
                         <a:t>Mean cell volume </a:t>
                       </a:r>
                       <a:r>
-                        <a:rPr lang="en-US" sz="1000" baseline="0" dirty="0" smtClean="0">
+                        <a:rPr lang="en-US" sz="1800" baseline="0" dirty="0" smtClean="0">
                           <a:latin typeface="Times New Roman"/>
                           <a:cs typeface="Times New Roman"/>
                         </a:rPr>
                         <a:t>(+), </a:t>
                       </a:r>
                       <a:r>
-                        <a:rPr lang="en-US" sz="1000" baseline="0" dirty="0" smtClean="0">
+                        <a:rPr lang="en-US" sz="1800" baseline="0" dirty="0" smtClean="0">
                           <a:solidFill>
                             <a:srgbClr val="4F6228"/>
                           </a:solidFill>
@@ -7216,41 +7233,41 @@
                         <a:t>Mean platelet volume </a:t>
                       </a:r>
                       <a:r>
-                        <a:rPr lang="en-US" sz="1000" dirty="0" smtClean="0">
+                        <a:rPr lang="en-US" sz="1800" dirty="0" smtClean="0">
                           <a:latin typeface="Times New Roman"/>
                           <a:cs typeface="Times New Roman"/>
                         </a:rPr>
                         <a:t>(–)</a:t>
                       </a:r>
-                      <a:endParaRPr lang="en-US" sz="1000" dirty="0">
+                      <a:endParaRPr lang="en-US" sz="1800" dirty="0">
                         <a:latin typeface="Times New Roman"/>
                         <a:cs typeface="Times New Roman"/>
                       </a:endParaRPr>
                     </a:p>
                   </a:txBody>
-                  <a:tcPr/>
+                  <a:tcPr marL="164592" marR="164592" marT="82294" marB="82294"/>
                 </a:tc>
               </a:tr>
-              <a:tr h="0">
+              <a:tr h="493765">
                 <a:tc>
                   <a:txBody>
                     <a:bodyPr/>
                     <a:lstStyle/>
                     <a:p>
                       <a:r>
-                        <a:rPr lang="en-US" sz="1200" dirty="0" smtClean="0">
+                        <a:rPr lang="en-US" sz="2200" dirty="0" smtClean="0">
                           <a:latin typeface="Times New Roman"/>
                           <a:cs typeface="Times New Roman"/>
                         </a:rPr>
                         <a:t>727_1</a:t>
                       </a:r>
-                      <a:endParaRPr lang="en-US" sz="1200" dirty="0">
+                      <a:endParaRPr lang="en-US" sz="2200" dirty="0">
                         <a:latin typeface="Times New Roman"/>
                         <a:cs typeface="Times New Roman"/>
                       </a:endParaRPr>
                     </a:p>
                   </a:txBody>
-                  <a:tcPr/>
+                  <a:tcPr marL="164592" marR="164592" marT="82294" marB="82294"/>
                 </a:tc>
                 <a:tc>
                   <a:txBody>
@@ -7258,7 +7275,7 @@
                     <a:lstStyle/>
                     <a:p>
                       <a:r>
-                        <a:rPr lang="en-US" sz="1000" dirty="0" smtClean="0">
+                        <a:rPr lang="en-US" sz="1800" dirty="0" smtClean="0">
                           <a:solidFill>
                             <a:srgbClr val="31859C"/>
                           </a:solidFill>
@@ -7268,7 +7285,7 @@
                         <a:t>Monocyte</a:t>
                       </a:r>
                       <a:r>
-                        <a:rPr lang="en-US" sz="1000" baseline="0" dirty="0" smtClean="0">
+                        <a:rPr lang="en-US" sz="1800" baseline="0" dirty="0" smtClean="0">
                           <a:solidFill>
                             <a:srgbClr val="31859C"/>
                           </a:solidFill>
@@ -7278,14 +7295,14 @@
                         <a:t> diff. count </a:t>
                       </a:r>
                       <a:r>
-                        <a:rPr lang="en-US" sz="1000" baseline="0" dirty="0" smtClean="0">
+                        <a:rPr lang="en-US" sz="1800" baseline="0" dirty="0" smtClean="0">
                           <a:latin typeface="Times New Roman"/>
                           <a:cs typeface="Times New Roman"/>
                         </a:rPr>
                         <a:t>(+), </a:t>
                       </a:r>
                       <a:r>
-                        <a:rPr lang="en-US" sz="1000" baseline="0" dirty="0" smtClean="0">
+                        <a:rPr lang="en-US" sz="1800" baseline="0" dirty="0" smtClean="0">
                           <a:solidFill>
                             <a:srgbClr val="DA0000"/>
                           </a:solidFill>
@@ -7295,14 +7312,14 @@
                         <a:t>Mean corpuscular hemoglobin </a:t>
                       </a:r>
                       <a:r>
-                        <a:rPr lang="en-US" sz="1000" dirty="0" smtClean="0">
+                        <a:rPr lang="en-US" sz="1800" dirty="0" smtClean="0">
                           <a:latin typeface="Times New Roman"/>
                           <a:cs typeface="Times New Roman"/>
                         </a:rPr>
                         <a:t>(–), </a:t>
                       </a:r>
                       <a:r>
-                        <a:rPr lang="en-US" sz="1000" dirty="0" smtClean="0">
+                        <a:rPr lang="en-US" sz="1800" dirty="0" smtClean="0">
                           <a:solidFill>
                             <a:srgbClr val="DA0000"/>
                           </a:solidFill>
@@ -7312,29 +7329,29 @@
                         <a:t>MCHC</a:t>
                       </a:r>
                       <a:r>
-                        <a:rPr lang="en-US" sz="1000" baseline="0" dirty="0" smtClean="0">
+                        <a:rPr lang="en-US" sz="1800" baseline="0" dirty="0" smtClean="0">
                           <a:latin typeface="Times New Roman"/>
                           <a:cs typeface="Times New Roman"/>
                         </a:rPr>
                         <a:t> </a:t>
                       </a:r>
                       <a:r>
-                        <a:rPr lang="en-US" sz="1000" dirty="0" smtClean="0">
+                        <a:rPr lang="en-US" sz="1800" dirty="0" smtClean="0">
                           <a:latin typeface="Times New Roman"/>
                           <a:cs typeface="Times New Roman"/>
                         </a:rPr>
                         <a:t>(–)</a:t>
                       </a:r>
-                      <a:endParaRPr lang="en-US" sz="1000" dirty="0">
+                      <a:endParaRPr lang="en-US" sz="1800" dirty="0">
                         <a:latin typeface="Times New Roman"/>
                         <a:cs typeface="Times New Roman"/>
                       </a:endParaRPr>
                     </a:p>
                   </a:txBody>
-                  <a:tcPr/>
+                  <a:tcPr marL="164592" marR="164592" marT="82294" marB="82294"/>
                 </a:tc>
               </a:tr>
-              <a:tr h="0">
+              <a:tr h="603491">
                 <a:tc gridSpan="2">
                   <a:txBody>
                     <a:bodyPr/>
@@ -7358,21 +7375,21 @@
                         <a:defRPr/>
                       </a:pPr>
                       <a:r>
-                        <a:rPr lang="en-US" sz="800" baseline="0" dirty="0" smtClean="0">
+                        <a:rPr lang="en-US" sz="1400" baseline="0" dirty="0" smtClean="0">
                           <a:latin typeface="Times New Roman"/>
                           <a:cs typeface="Times New Roman"/>
                         </a:rPr>
                         <a:t>Color coding: </a:t>
                       </a:r>
                       <a:r>
-                        <a:rPr lang="en-US" sz="800" dirty="0" smtClean="0">
+                        <a:rPr lang="en-US" sz="1400" dirty="0" smtClean="0">
                           <a:latin typeface="Times New Roman"/>
                           <a:cs typeface="Times New Roman"/>
                         </a:rPr>
                         <a:t>Phenotypic measurements related to </a:t>
                       </a:r>
                       <a:r>
-                        <a:rPr lang="en-US" sz="800" b="1" dirty="0" smtClean="0">
+                        <a:rPr lang="en-US" sz="1400" b="1" dirty="0" smtClean="0">
                           <a:solidFill>
                             <a:schemeClr val="accent5">
                               <a:lumMod val="75000"/>
@@ -7384,7 +7401,7 @@
                         <a:t>white blood cells</a:t>
                       </a:r>
                       <a:r>
-                        <a:rPr lang="en-US" sz="800" b="1" dirty="0" smtClean="0">
+                        <a:rPr lang="en-US" sz="1400" b="1" dirty="0" smtClean="0">
                           <a:solidFill>
                             <a:schemeClr val="tx1"/>
                           </a:solidFill>
@@ -7394,7 +7411,7 @@
                         <a:t>,</a:t>
                       </a:r>
                       <a:r>
-                        <a:rPr lang="en-US" sz="800" b="1" baseline="0" dirty="0" smtClean="0">
+                        <a:rPr lang="en-US" sz="1400" b="1" baseline="0" dirty="0" smtClean="0">
                           <a:solidFill>
                             <a:schemeClr val="accent5">
                               <a:lumMod val="75000"/>
@@ -7406,7 +7423,7 @@
                         <a:t> </a:t>
                       </a:r>
                       <a:r>
-                        <a:rPr lang="en-US" sz="800" b="1" dirty="0" smtClean="0">
+                        <a:rPr lang="en-US" sz="1400" b="1" dirty="0" smtClean="0">
                           <a:solidFill>
                             <a:srgbClr val="DA0000"/>
                           </a:solidFill>
@@ -7416,7 +7433,7 @@
                         <a:t>red blood cells </a:t>
                       </a:r>
                       <a:r>
-                        <a:rPr lang="en-US" sz="800" b="1" dirty="0" smtClean="0">
+                        <a:rPr lang="en-US" sz="1400" b="1" dirty="0" smtClean="0">
                           <a:solidFill>
                             <a:srgbClr val="000000"/>
                           </a:solidFill>
@@ -7426,7 +7443,7 @@
                         <a:t>or</a:t>
                       </a:r>
                       <a:r>
-                        <a:rPr lang="en-US" sz="800" b="1" dirty="0" smtClean="0">
+                        <a:rPr lang="en-US" sz="1400" b="1" dirty="0" smtClean="0">
                           <a:solidFill>
                             <a:srgbClr val="DA0000"/>
                           </a:solidFill>
@@ -7436,7 +7453,7 @@
                         <a:t> </a:t>
                       </a:r>
                       <a:r>
-                        <a:rPr lang="en-US" sz="800" b="1" dirty="0" smtClean="0">
+                        <a:rPr lang="en-US" sz="1400" b="1" dirty="0" smtClean="0">
                           <a:solidFill>
                             <a:srgbClr val="4F6228"/>
                           </a:solidFill>
@@ -7446,7 +7463,7 @@
                         <a:t>platelets</a:t>
                       </a:r>
                       <a:r>
-                        <a:rPr lang="en-US" sz="800" b="1" dirty="0" smtClean="0">
+                        <a:rPr lang="en-US" sz="1400" b="1" dirty="0" smtClean="0">
                           <a:solidFill>
                             <a:srgbClr val="000000"/>
                           </a:solidFill>
@@ -7455,7 +7472,7 @@
                         </a:rPr>
                         <a:t>.</a:t>
                       </a:r>
-                      <a:endParaRPr lang="en-US" sz="800" baseline="0" dirty="0" smtClean="0">
+                      <a:endParaRPr lang="en-US" sz="1400" baseline="0" dirty="0" smtClean="0">
                         <a:solidFill>
                           <a:srgbClr val="000000"/>
                         </a:solidFill>
@@ -7465,70 +7482,70 @@
                     </a:p>
                     <a:p>
                       <a:r>
-                        <a:rPr lang="en-US" sz="800" baseline="30000" dirty="0" smtClean="0">
+                        <a:rPr lang="en-US" sz="1400" baseline="30000" dirty="0" smtClean="0">
                           <a:latin typeface="Times New Roman"/>
                           <a:cs typeface="Times New Roman"/>
                         </a:rPr>
                         <a:t>1</a:t>
                       </a:r>
                       <a:r>
-                        <a:rPr lang="en-US" sz="800" baseline="0" dirty="0" smtClean="0">
+                        <a:rPr lang="en-US" sz="1400" baseline="0" dirty="0" smtClean="0">
                           <a:latin typeface="Times New Roman"/>
                           <a:cs typeface="Times New Roman"/>
                         </a:rPr>
                         <a:t> Mean corpuscular hemoglobin concentration, </a:t>
                       </a:r>
                       <a:r>
-                        <a:rPr lang="en-US" sz="800" baseline="30000" dirty="0" smtClean="0">
+                        <a:rPr lang="en-US" sz="1400" baseline="30000" dirty="0" smtClean="0">
                           <a:latin typeface="Times New Roman"/>
                           <a:cs typeface="Times New Roman"/>
                         </a:rPr>
                         <a:t>2</a:t>
                       </a:r>
                       <a:r>
-                        <a:rPr lang="en-US" sz="800" baseline="0" dirty="0" smtClean="0">
+                        <a:rPr lang="en-US" sz="1400" baseline="0" dirty="0" smtClean="0">
                           <a:latin typeface="Times New Roman"/>
                           <a:cs typeface="Times New Roman"/>
                         </a:rPr>
                         <a:t> Differential, </a:t>
                       </a:r>
                       <a:r>
-                        <a:rPr lang="en-US" sz="800" baseline="30000" dirty="0" smtClean="0">
+                        <a:rPr lang="en-US" sz="1400" baseline="30000" dirty="0" smtClean="0">
                           <a:latin typeface="Times New Roman"/>
                           <a:cs typeface="Times New Roman"/>
                         </a:rPr>
                         <a:t>3</a:t>
                       </a:r>
                       <a:r>
-                        <a:rPr lang="en-US" sz="800" baseline="0" dirty="0" smtClean="0">
+                        <a:rPr lang="en-US" sz="1400" baseline="0" dirty="0" smtClean="0">
                           <a:latin typeface="Times New Roman"/>
                           <a:cs typeface="Times New Roman"/>
                         </a:rPr>
                         <a:t> Large Unstained Cell, </a:t>
                       </a:r>
                       <a:r>
-                        <a:rPr lang="en-US" sz="800" baseline="30000" dirty="0" smtClean="0">
+                        <a:rPr lang="en-US" sz="1400" baseline="30000" dirty="0" smtClean="0">
                           <a:latin typeface="Times New Roman"/>
                           <a:cs typeface="Times New Roman"/>
                         </a:rPr>
                         <a:t>4 </a:t>
                       </a:r>
                       <a:r>
-                        <a:rPr lang="en-US" sz="800" baseline="0" dirty="0" smtClean="0">
+                        <a:rPr lang="en-US" sz="1400" baseline="0" dirty="0" smtClean="0">
                           <a:latin typeface="Times New Roman"/>
                           <a:cs typeface="Times New Roman"/>
                         </a:rPr>
                         <a:t>White blood cell, </a:t>
                       </a:r>
                       <a:r>
-                        <a:rPr lang="en-US" sz="800" baseline="30000" dirty="0" smtClean="0">
+                        <a:rPr lang="en-US" sz="1400" baseline="30000" dirty="0" smtClean="0">
                           <a:latin typeface="Times New Roman"/>
                           <a:cs typeface="Times New Roman"/>
                         </a:rPr>
                         <a:t>5</a:t>
                       </a:r>
                       <a:r>
-                        <a:rPr lang="en-US" sz="800" baseline="0" dirty="0" smtClean="0">
+                        <a:rPr lang="en-US" sz="1400" baseline="0" dirty="0" smtClean="0">
                           <a:latin typeface="Times New Roman"/>
                           <a:cs typeface="Times New Roman"/>
                         </a:rPr>
@@ -7536,7 +7553,7 @@
                       </a:r>
                     </a:p>
                   </a:txBody>
-                  <a:tcPr/>
+                  <a:tcPr marL="164592" marR="164592" marT="82294" marB="82294"/>
                 </a:tc>
                 <a:tc hMerge="1">
                   <a:txBody>
@@ -7580,10 +7597,10 @@
         </p:nvGrpSpPr>
         <p:grpSpPr>
           <a:xfrm>
-            <a:off x="14226960" y="12151634"/>
-            <a:ext cx="2885971" cy="1406854"/>
+            <a:off x="25608529" y="21872477"/>
+            <a:ext cx="5194748" cy="1814362"/>
             <a:chOff x="14462697" y="12538892"/>
-            <a:chExt cx="1992969" cy="1054681"/>
+            <a:chExt cx="1992969" cy="755671"/>
           </a:xfrm>
         </p:grpSpPr>
         <p:cxnSp>
@@ -7631,9 +7648,9 @@
           <p:grpSpPr>
             <a:xfrm>
               <a:off x="14462697" y="12538892"/>
-              <a:ext cx="890633" cy="866229"/>
+              <a:ext cx="890633" cy="755671"/>
               <a:chOff x="14462697" y="12538892"/>
-              <a:chExt cx="890633" cy="866229"/>
+              <a:chExt cx="890633" cy="755671"/>
             </a:xfrm>
           </p:grpSpPr>
           <p:sp>
@@ -7691,7 +7708,7 @@
             <p:spPr>
               <a:xfrm>
                 <a:off x="14526522" y="12758790"/>
-                <a:ext cx="826808" cy="646331"/>
+                <a:ext cx="826808" cy="243556"/>
               </a:xfrm>
               <a:prstGeom prst="rect">
                 <a:avLst/>
@@ -7705,13 +7722,13 @@
               <a:lstStyle/>
               <a:p>
                 <a:r>
-                  <a:rPr lang="en-US" sz="1800" dirty="0" smtClean="0">
+                  <a:rPr lang="en-US" sz="3200" dirty="0">
                     <a:latin typeface="Times New Roman"/>
                     <a:cs typeface="Times New Roman"/>
                   </a:rPr>
                   <a:t>3803_1</a:t>
                 </a:r>
-                <a:endParaRPr lang="en-US" sz="1800" dirty="0">
+                <a:endParaRPr lang="en-US" sz="3200" dirty="0">
                   <a:latin typeface="Times New Roman"/>
                   <a:cs typeface="Times New Roman"/>
                 </a:endParaRPr>
@@ -7728,9 +7745,9 @@
           <p:grpSpPr>
             <a:xfrm>
               <a:off x="15452441" y="12538892"/>
-              <a:ext cx="1003225" cy="1054681"/>
+              <a:ext cx="1003225" cy="755671"/>
               <a:chOff x="15602356" y="12538892"/>
-              <a:chExt cx="1003225" cy="1054681"/>
+              <a:chExt cx="1003225" cy="755671"/>
             </a:xfrm>
           </p:grpSpPr>
           <p:sp>
@@ -7790,7 +7807,7 @@
             <p:spPr>
               <a:xfrm>
                 <a:off x="15602356" y="12670243"/>
-                <a:ext cx="1003225" cy="923330"/>
+                <a:ext cx="1003225" cy="448655"/>
               </a:xfrm>
               <a:prstGeom prst="rect">
                 <a:avLst/>
@@ -7805,7 +7822,7 @@
               <a:p>
                 <a:pPr algn="ctr"/>
                 <a:r>
-                  <a:rPr lang="en-US" sz="1800" dirty="0" smtClean="0">
+                  <a:rPr lang="en-US" sz="3200" dirty="0">
                     <a:latin typeface="Times New Roman"/>
                     <a:cs typeface="Times New Roman"/>
                   </a:rPr>
@@ -7815,13 +7832,13 @@
               <a:p>
                 <a:pPr algn="ctr"/>
                 <a:r>
-                  <a:rPr lang="en-US" sz="1800" dirty="0" smtClean="0">
+                  <a:rPr lang="en-US" sz="3200" dirty="0">
                     <a:latin typeface="Times New Roman"/>
                     <a:cs typeface="Times New Roman"/>
                   </a:rPr>
                   <a:t>types</a:t>
                 </a:r>
-                <a:endParaRPr lang="en-US" sz="1800" dirty="0">
+                <a:endParaRPr lang="en-US" sz="3200" dirty="0">
                   <a:latin typeface="Times New Roman"/>
                   <a:cs typeface="Times New Roman"/>
                 </a:endParaRPr>
@@ -7838,8 +7855,8 @@
         </p:nvGrpSpPr>
         <p:grpSpPr>
           <a:xfrm>
-            <a:off x="14224604" y="13321786"/>
-            <a:ext cx="2870292" cy="980264"/>
+            <a:off x="25604287" y="23978701"/>
+            <a:ext cx="5166526" cy="1764437"/>
             <a:chOff x="14462697" y="12538892"/>
             <a:chExt cx="2026967" cy="720000"/>
           </a:xfrm>
@@ -7949,7 +7966,7 @@
             <p:spPr>
               <a:xfrm>
                 <a:off x="14526522" y="12758790"/>
-                <a:ext cx="826808" cy="276999"/>
+                <a:ext cx="826808" cy="238625"/>
               </a:xfrm>
               <a:prstGeom prst="rect">
                 <a:avLst/>
@@ -7963,13 +7980,13 @@
               <a:lstStyle/>
               <a:p>
                 <a:r>
-                  <a:rPr lang="en-US" sz="1800" dirty="0" smtClean="0">
+                  <a:rPr lang="en-US" sz="3200" dirty="0">
                     <a:latin typeface="Times New Roman"/>
                     <a:cs typeface="Times New Roman"/>
                   </a:rPr>
                   <a:t>3803_1</a:t>
                 </a:r>
-                <a:endParaRPr lang="en-US" sz="1800" dirty="0">
+                <a:endParaRPr lang="en-US" sz="3200" dirty="0">
                   <a:latin typeface="Times New Roman"/>
                   <a:cs typeface="Times New Roman"/>
                 </a:endParaRPr>
@@ -8046,7 +8063,7 @@
             <p:spPr>
               <a:xfrm>
                 <a:off x="15636354" y="12681997"/>
-                <a:ext cx="1003225" cy="474728"/>
+                <a:ext cx="1003225" cy="439572"/>
               </a:xfrm>
               <a:prstGeom prst="rect">
                 <a:avLst/>
@@ -8061,7 +8078,7 @@
               <a:p>
                 <a:pPr algn="ctr"/>
                 <a:r>
-                  <a:rPr lang="en-US" sz="1800" dirty="0" smtClean="0">
+                  <a:rPr lang="en-US" sz="3200" dirty="0">
                     <a:latin typeface="Times New Roman"/>
                     <a:cs typeface="Times New Roman"/>
                   </a:rPr>
@@ -8071,13 +8088,13 @@
               <a:p>
                 <a:pPr algn="ctr"/>
                 <a:r>
-                  <a:rPr lang="en-US" sz="1800" dirty="0" smtClean="0">
+                  <a:rPr lang="en-US" sz="3200" dirty="0">
                     <a:latin typeface="Times New Roman"/>
                     <a:cs typeface="Times New Roman"/>
                   </a:rPr>
                   <a:t>count</a:t>
                 </a:r>
-                <a:endParaRPr lang="en-US" sz="1800" dirty="0">
+                <a:endParaRPr lang="en-US" sz="3200" dirty="0">
                   <a:latin typeface="Times New Roman"/>
                   <a:cs typeface="Times New Roman"/>
                 </a:endParaRPr>
@@ -8094,8 +8111,8 @@
         </p:nvSpPr>
         <p:spPr>
           <a:xfrm>
-            <a:off x="13915738" y="11750236"/>
-            <a:ext cx="7072627" cy="369332"/>
+            <a:off x="25048329" y="21149972"/>
+            <a:ext cx="12730729" cy="664783"/>
           </a:xfrm>
           <a:prstGeom prst="rect">
             <a:avLst/>
@@ -8119,20 +8136,20 @@
           </a:fontRef>
         </p:style>
         <p:txBody>
-          <a:bodyPr wrap="square" rtlCol="0">
+          <a:bodyPr wrap="square" lIns="164583" tIns="82291" rIns="164583" bIns="82291" rtlCol="0">
             <a:spAutoFit/>
           </a:bodyPr>
           <a:lstStyle/>
           <a:p>
             <a:pPr algn="ctr"/>
             <a:r>
-              <a:rPr lang="en-US" sz="1800" b="1" dirty="0" smtClean="0">
+              <a:rPr lang="en-US" sz="3200" b="1" dirty="0">
                 <a:latin typeface="Times New Roman"/>
                 <a:cs typeface="Times New Roman"/>
               </a:rPr>
               <a:t>Direct (or indirect?) causal relationships</a:t>
             </a:r>
-            <a:endParaRPr lang="en-US" sz="1800" b="1" dirty="0">
+            <a:endParaRPr lang="en-US" sz="3200" b="1" dirty="0">
               <a:latin typeface="Times New Roman"/>
               <a:cs typeface="Times New Roman"/>
             </a:endParaRPr>
@@ -8147,8 +8164,8 @@
         </p:nvGrpSpPr>
         <p:grpSpPr>
           <a:xfrm>
-            <a:off x="17175206" y="12193088"/>
-            <a:ext cx="3883116" cy="2597537"/>
+            <a:off x="30915371" y="21947089"/>
+            <a:ext cx="6989609" cy="4675466"/>
             <a:chOff x="14279871" y="14292517"/>
             <a:chExt cx="3089955" cy="1965783"/>
           </a:xfrm>
@@ -8258,7 +8275,7 @@
             <p:spPr>
               <a:xfrm>
                 <a:off x="17060137" y="12787704"/>
-                <a:ext cx="826808" cy="276999"/>
+                <a:ext cx="826808" cy="245867"/>
               </a:xfrm>
               <a:prstGeom prst="rect">
                 <a:avLst/>
@@ -8272,13 +8289,13 @@
               <a:lstStyle/>
               <a:p>
                 <a:r>
-                  <a:rPr lang="en-US" sz="1800" dirty="0" smtClean="0">
+                  <a:rPr lang="en-US" sz="3200" dirty="0">
                     <a:latin typeface="Times New Roman"/>
                     <a:cs typeface="Times New Roman"/>
                   </a:rPr>
                   <a:t>3803_1</a:t>
                 </a:r>
-                <a:endParaRPr lang="en-US" sz="1800" dirty="0">
+                <a:endParaRPr lang="en-US" sz="3200" dirty="0">
                   <a:latin typeface="Times New Roman"/>
                   <a:cs typeface="Times New Roman"/>
                 </a:endParaRPr>
@@ -8354,7 +8371,7 @@
               <p:spPr>
                 <a:xfrm>
                   <a:off x="17941980" y="12724988"/>
-                  <a:ext cx="1093346" cy="489135"/>
+                  <a:ext cx="1093346" cy="452912"/>
                 </a:xfrm>
                 <a:prstGeom prst="rect">
                   <a:avLst/>
@@ -8369,7 +8386,7 @@
                 <a:p>
                   <a:pPr algn="ctr"/>
                   <a:r>
-                    <a:rPr lang="en-US" sz="1800" dirty="0">
+                    <a:rPr lang="en-US" sz="3200" dirty="0">
                       <a:latin typeface="Times New Roman"/>
                       <a:cs typeface="Times New Roman"/>
                     </a:rPr>
@@ -8379,13 +8396,13 @@
                 <a:p>
                   <a:pPr algn="ctr"/>
                   <a:r>
-                    <a:rPr lang="en-US" sz="1800" dirty="0" smtClean="0">
+                    <a:rPr lang="en-US" sz="3200" dirty="0">
                       <a:latin typeface="Times New Roman"/>
                       <a:cs typeface="Times New Roman"/>
                     </a:rPr>
                     <a:t>volume</a:t>
                   </a:r>
-                  <a:endParaRPr lang="en-US" sz="1800" dirty="0">
+                  <a:endParaRPr lang="en-US" sz="3200" dirty="0">
                     <a:latin typeface="Times New Roman"/>
                     <a:cs typeface="Times New Roman"/>
                   </a:endParaRPr>
@@ -8462,7 +8479,7 @@
               <p:spPr>
                 <a:xfrm>
                   <a:off x="19265811" y="12677951"/>
-                  <a:ext cx="883172" cy="489135"/>
+                  <a:ext cx="883172" cy="452913"/>
                 </a:xfrm>
                 <a:prstGeom prst="rect">
                   <a:avLst/>
@@ -8477,7 +8494,7 @@
                 <a:p>
                   <a:pPr algn="ctr"/>
                   <a:r>
-                    <a:rPr lang="en-US" sz="1800" dirty="0" smtClean="0">
+                    <a:rPr lang="en-US" sz="3200" dirty="0">
                       <a:latin typeface="Times New Roman"/>
                       <a:cs typeface="Times New Roman"/>
                     </a:rPr>
@@ -8487,13 +8504,13 @@
                 <a:p>
                   <a:pPr algn="ctr"/>
                   <a:r>
-                    <a:rPr lang="en-US" sz="1800" dirty="0" smtClean="0">
+                    <a:rPr lang="en-US" sz="3200" dirty="0">
                       <a:latin typeface="Times New Roman"/>
                       <a:cs typeface="Times New Roman"/>
                     </a:rPr>
                     <a:t>count</a:t>
                   </a:r>
-                  <a:endParaRPr lang="en-US" sz="1800" dirty="0">
+                  <a:endParaRPr lang="en-US" sz="3200" dirty="0">
                     <a:latin typeface="Times New Roman"/>
                     <a:cs typeface="Times New Roman"/>
                   </a:endParaRPr>
@@ -8607,7 +8624,7 @@
             <p:spPr>
               <a:xfrm>
                 <a:off x="18097055" y="13537769"/>
-                <a:ext cx="1144551" cy="698764"/>
+                <a:ext cx="1144551" cy="659958"/>
               </a:xfrm>
               <a:prstGeom prst="rect">
                 <a:avLst/>
@@ -8622,13 +8639,13 @@
               <a:p>
                 <a:pPr algn="ctr"/>
                 <a:r>
-                  <a:rPr lang="en-US" sz="1800" dirty="0" smtClean="0">
+                  <a:rPr lang="en-US" sz="3200" dirty="0">
                     <a:latin typeface="Times New Roman"/>
                     <a:cs typeface="Times New Roman"/>
                   </a:rPr>
                   <a:t>Mean corpuscular hemoglobin</a:t>
                 </a:r>
-                <a:endParaRPr lang="en-US" sz="1800" dirty="0">
+                <a:endParaRPr lang="en-US" sz="3200" dirty="0">
                   <a:latin typeface="Times New Roman"/>
                   <a:cs typeface="Times New Roman"/>
                 </a:endParaRPr>
@@ -8720,7 +8737,7 @@
           <p:spPr>
             <a:xfrm>
               <a:off x="14884531" y="15120519"/>
-              <a:ext cx="344934" cy="279506"/>
+              <a:ext cx="344934" cy="245867"/>
             </a:xfrm>
             <a:prstGeom prst="rect">
               <a:avLst/>
@@ -8734,13 +8751,13 @@
             <a:lstStyle/>
             <a:p>
               <a:r>
-                <a:rPr lang="en-US" sz="1800" b="1" dirty="0" smtClean="0">
+                <a:rPr lang="en-US" sz="3200" b="1" dirty="0">
                   <a:latin typeface="Times New Roman"/>
                   <a:cs typeface="Times New Roman"/>
                 </a:rPr>
                 <a:t>?</a:t>
               </a:r>
-              <a:endParaRPr lang="en-US" sz="1800" b="1" dirty="0">
+              <a:endParaRPr lang="en-US" sz="3200" b="1" dirty="0">
                 <a:latin typeface="Times New Roman"/>
                 <a:cs typeface="Times New Roman"/>
               </a:endParaRPr>
@@ -8756,7 +8773,7 @@
           <p:spPr>
             <a:xfrm>
               <a:off x="15832159" y="15021142"/>
-              <a:ext cx="344934" cy="279506"/>
+              <a:ext cx="344934" cy="245867"/>
             </a:xfrm>
             <a:prstGeom prst="rect">
               <a:avLst/>
@@ -8770,13 +8787,13 @@
             <a:lstStyle/>
             <a:p>
               <a:r>
-                <a:rPr lang="en-US" sz="1800" b="1" dirty="0" smtClean="0">
+                <a:rPr lang="en-US" sz="3200" b="1" dirty="0">
                   <a:latin typeface="Times New Roman"/>
                   <a:cs typeface="Times New Roman"/>
                 </a:rPr>
                 <a:t>?</a:t>
               </a:r>
-              <a:endParaRPr lang="en-US" sz="1800" b="1" dirty="0">
+              <a:endParaRPr lang="en-US" sz="3200" b="1" dirty="0">
                 <a:latin typeface="Times New Roman"/>
                 <a:cs typeface="Times New Roman"/>
               </a:endParaRPr>
@@ -8792,7 +8809,7 @@
           <p:spPr>
             <a:xfrm>
               <a:off x="15103314" y="14371304"/>
-              <a:ext cx="344934" cy="279506"/>
+              <a:ext cx="344934" cy="245867"/>
             </a:xfrm>
             <a:prstGeom prst="rect">
               <a:avLst/>
@@ -8806,13 +8823,13 @@
             <a:lstStyle/>
             <a:p>
               <a:r>
-                <a:rPr lang="en-US" sz="1800" b="1" dirty="0" smtClean="0">
+                <a:rPr lang="en-US" sz="3200" b="1" dirty="0">
                   <a:latin typeface="Times New Roman"/>
                   <a:cs typeface="Times New Roman"/>
                 </a:rPr>
                 <a:t>?</a:t>
               </a:r>
-              <a:endParaRPr lang="en-US" sz="1800" b="1" dirty="0">
+              <a:endParaRPr lang="en-US" sz="3200" b="1" dirty="0">
                 <a:latin typeface="Times New Roman"/>
                 <a:cs typeface="Times New Roman"/>
               </a:endParaRPr>
@@ -8828,10 +8845,10 @@
         </p:nvGrpSpPr>
         <p:grpSpPr>
           <a:xfrm>
-            <a:off x="14224604" y="14530582"/>
-            <a:ext cx="4497332" cy="1409754"/>
+            <a:off x="25604287" y="26154493"/>
+            <a:ext cx="8095198" cy="1835783"/>
             <a:chOff x="13988751" y="15397372"/>
-            <a:chExt cx="4497332" cy="1409754"/>
+            <a:chExt cx="4497332" cy="1019901"/>
           </a:xfrm>
         </p:grpSpPr>
         <p:sp>
@@ -8889,7 +8906,7 @@
           <p:spPr>
             <a:xfrm>
               <a:off x="14079131" y="15696758"/>
-              <a:ext cx="1170803" cy="377128"/>
+              <a:ext cx="1170803" cy="324882"/>
             </a:xfrm>
             <a:prstGeom prst="rect">
               <a:avLst/>
@@ -8903,13 +8920,13 @@
             <a:lstStyle/>
             <a:p>
               <a:r>
-                <a:rPr lang="en-US" sz="1800" dirty="0" smtClean="0">
+                <a:rPr lang="en-US" sz="3200" dirty="0">
                   <a:latin typeface="Times New Roman"/>
                   <a:cs typeface="Times New Roman"/>
                 </a:rPr>
                 <a:t>3803_1</a:t>
               </a:r>
-              <a:endParaRPr lang="en-US" sz="1800" dirty="0">
+              <a:endParaRPr lang="en-US" sz="3200" dirty="0">
                 <a:latin typeface="Times New Roman"/>
                 <a:cs typeface="Times New Roman"/>
               </a:endParaRPr>
@@ -9007,7 +9024,7 @@
           <p:spPr>
             <a:xfrm>
               <a:off x="15434093" y="15604107"/>
-              <a:ext cx="1420619" cy="646332"/>
+              <a:ext cx="1420619" cy="598467"/>
             </a:xfrm>
             <a:prstGeom prst="rect">
               <a:avLst/>
@@ -9022,7 +9039,7 @@
             <a:p>
               <a:pPr algn="ctr"/>
               <a:r>
-                <a:rPr lang="en-US" sz="1800" dirty="0" smtClean="0">
+                <a:rPr lang="en-US" sz="3200" dirty="0">
                   <a:latin typeface="Times New Roman"/>
                   <a:cs typeface="Times New Roman"/>
                 </a:rPr>
@@ -9032,13 +9049,13 @@
             <a:p>
               <a:pPr algn="ctr"/>
               <a:r>
-                <a:rPr lang="en-US" sz="1800" dirty="0" smtClean="0">
+                <a:rPr lang="en-US" sz="3200" dirty="0">
                   <a:latin typeface="Times New Roman"/>
                   <a:cs typeface="Times New Roman"/>
                 </a:rPr>
                 <a:t>count</a:t>
               </a:r>
-              <a:endParaRPr lang="en-US" sz="1800" dirty="0">
+              <a:endParaRPr lang="en-US" sz="3200" dirty="0">
                 <a:latin typeface="Times New Roman"/>
                 <a:cs typeface="Times New Roman"/>
               </a:endParaRPr>
@@ -9102,7 +9119,7 @@
           <p:spPr>
             <a:xfrm>
               <a:off x="17033337" y="15575483"/>
-              <a:ext cx="1452746" cy="1231643"/>
+              <a:ext cx="1452746" cy="598467"/>
             </a:xfrm>
             <a:prstGeom prst="rect">
               <a:avLst/>
@@ -9117,7 +9134,7 @@
             <a:p>
               <a:pPr algn="ctr"/>
               <a:r>
-                <a:rPr lang="en-US" sz="1800" dirty="0" smtClean="0">
+                <a:rPr lang="en-US" sz="3200" dirty="0">
                   <a:latin typeface="Times New Roman"/>
                   <a:cs typeface="Times New Roman"/>
                 </a:rPr>
@@ -9127,13 +9144,13 @@
             <a:p>
               <a:pPr algn="ctr"/>
               <a:r>
-                <a:rPr lang="en-US" sz="1800" dirty="0" smtClean="0">
+                <a:rPr lang="en-US" sz="3200" dirty="0">
                   <a:latin typeface="Times New Roman"/>
                   <a:cs typeface="Times New Roman"/>
                 </a:rPr>
                 <a:t>types</a:t>
               </a:r>
-              <a:endParaRPr lang="en-US" sz="1800" dirty="0">
+              <a:endParaRPr lang="en-US" sz="3200" dirty="0">
                 <a:latin typeface="Times New Roman"/>
                 <a:cs typeface="Times New Roman"/>
               </a:endParaRPr>
@@ -9185,7 +9202,7 @@
           <p:spPr>
             <a:xfrm>
               <a:off x="15118076" y="15493394"/>
-              <a:ext cx="433475" cy="369332"/>
+              <a:ext cx="433475" cy="324882"/>
             </a:xfrm>
             <a:prstGeom prst="rect">
               <a:avLst/>
@@ -9199,13 +9216,13 @@
             <a:lstStyle/>
             <a:p>
               <a:r>
-                <a:rPr lang="en-US" sz="1800" b="1" dirty="0" smtClean="0">
+                <a:rPr lang="en-US" sz="3200" b="1" dirty="0">
                   <a:latin typeface="Times New Roman"/>
                   <a:cs typeface="Times New Roman"/>
                 </a:rPr>
                 <a:t>?</a:t>
               </a:r>
-              <a:endParaRPr lang="en-US" sz="1800" b="1" dirty="0">
+              <a:endParaRPr lang="en-US" sz="3200" b="1" dirty="0">
                 <a:latin typeface="Times New Roman"/>
                 <a:cs typeface="Times New Roman"/>
               </a:endParaRPr>
@@ -9221,7 +9238,7 @@
           <p:spPr>
             <a:xfrm>
               <a:off x="16774820" y="15491934"/>
-              <a:ext cx="433475" cy="369332"/>
+              <a:ext cx="433475" cy="324882"/>
             </a:xfrm>
             <a:prstGeom prst="rect">
               <a:avLst/>
@@ -9235,13 +9252,13 @@
             <a:lstStyle/>
             <a:p>
               <a:r>
-                <a:rPr lang="en-US" sz="1800" b="1" dirty="0" smtClean="0">
+                <a:rPr lang="en-US" sz="3200" b="1" dirty="0">
                   <a:latin typeface="Times New Roman"/>
                   <a:cs typeface="Times New Roman"/>
                 </a:rPr>
                 <a:t>?</a:t>
               </a:r>
-              <a:endParaRPr lang="en-US" sz="1800" b="1" dirty="0">
+              <a:endParaRPr lang="en-US" sz="3200" b="1" dirty="0">
                 <a:latin typeface="Times New Roman"/>
                 <a:cs typeface="Times New Roman"/>
               </a:endParaRPr>
@@ -9257,8 +9274,8 @@
         </p:nvSpPr>
         <p:spPr>
           <a:xfrm>
-            <a:off x="6410686" y="8458320"/>
-            <a:ext cx="7177159" cy="276999"/>
+            <a:off x="11539236" y="15224650"/>
+            <a:ext cx="12918886" cy="504743"/>
           </a:xfrm>
           <a:prstGeom prst="rect">
             <a:avLst/>
@@ -9266,26 +9283,40 @@
           <a:noFill/>
         </p:spPr>
         <p:txBody>
-          <a:bodyPr wrap="square" rtlCol="0">
+          <a:bodyPr wrap="square" lIns="164583" tIns="82291" rIns="164583" bIns="82291" rtlCol="0">
             <a:spAutoFit/>
           </a:bodyPr>
           <a:lstStyle/>
           <a:p>
             <a:r>
-              <a:rPr lang="en-US" sz="1200" b="1" dirty="0" smtClean="0">
-                <a:latin typeface="Times New Roman"/>
-                <a:cs typeface="Times New Roman"/>
-              </a:rPr>
-              <a:t>Table 1. </a:t>
-            </a:r>
-            <a:r>
-              <a:rPr lang="en-US" sz="1200" dirty="0" smtClean="0">
-                <a:latin typeface="Times New Roman"/>
-                <a:cs typeface="Times New Roman"/>
-              </a:rPr>
-              <a:t>Knockout-phenotypes significant relationships</a:t>
-            </a:r>
-            <a:endParaRPr lang="en-US" sz="1200" dirty="0">
+              <a:rPr lang="en-US" sz="2200" b="1" dirty="0">
+                <a:latin typeface="Times New Roman"/>
+                <a:cs typeface="Times New Roman"/>
+              </a:rPr>
+              <a:t>Table 1.  </a:t>
+            </a:r>
+            <a:r>
+              <a:rPr lang="en-US" sz="2200" dirty="0">
+                <a:latin typeface="Times New Roman"/>
+                <a:cs typeface="Times New Roman"/>
+              </a:rPr>
+              <a:t>Significant</a:t>
+            </a:r>
+            <a:r>
+              <a:rPr lang="en-US" sz="2200" b="1" dirty="0">
+                <a:latin typeface="Times New Roman"/>
+                <a:cs typeface="Times New Roman"/>
+              </a:rPr>
+              <a:t> </a:t>
+            </a:r>
+            <a:r>
+              <a:rPr lang="en-US" sz="2200" dirty="0">
+                <a:latin typeface="Times New Roman"/>
+                <a:cs typeface="Times New Roman"/>
+              </a:rPr>
+              <a:t>knockout-phenotype relationships</a:t>
+            </a:r>
+            <a:endParaRPr lang="en-US" sz="2200" dirty="0">
               <a:latin typeface="Times New Roman"/>
               <a:cs typeface="Times New Roman"/>
             </a:endParaRPr>
@@ -9300,8 +9331,8 @@
         </p:nvSpPr>
         <p:spPr>
           <a:xfrm>
-            <a:off x="13605341" y="8458320"/>
-            <a:ext cx="4934706" cy="276999"/>
+            <a:off x="24489614" y="15224650"/>
+            <a:ext cx="8882471" cy="504743"/>
           </a:xfrm>
           <a:prstGeom prst="rect">
             <a:avLst/>
@@ -9309,26 +9340,26 @@
           <a:noFill/>
         </p:spPr>
         <p:txBody>
-          <a:bodyPr wrap="square" rtlCol="0">
+          <a:bodyPr wrap="square" lIns="164583" tIns="82291" rIns="164583" bIns="82291" rtlCol="0">
             <a:spAutoFit/>
           </a:bodyPr>
           <a:lstStyle/>
           <a:p>
             <a:r>
-              <a:rPr lang="en-US" sz="1200" b="1" dirty="0" smtClean="0">
+              <a:rPr lang="en-US" sz="2200" b="1" dirty="0">
                 <a:latin typeface="Times New Roman"/>
                 <a:cs typeface="Times New Roman"/>
               </a:rPr>
               <a:t>Table 2.</a:t>
             </a:r>
             <a:r>
-              <a:rPr lang="en-US" sz="1200" dirty="0" smtClean="0">
-                <a:latin typeface="Times New Roman"/>
-                <a:cs typeface="Times New Roman"/>
-              </a:rPr>
-              <a:t> Knockout-phenotypes significant relationships for knockout 3803_1</a:t>
-            </a:r>
-            <a:endParaRPr lang="en-US" sz="1200" dirty="0">
+              <a:rPr lang="en-US" sz="2200" dirty="0">
+                <a:latin typeface="Times New Roman"/>
+                <a:cs typeface="Times New Roman"/>
+              </a:rPr>
+              <a:t> Significant knockout-phenotype relationships for knockout 3803_1</a:t>
+            </a:r>
+            <a:endParaRPr lang="en-US" sz="2200" dirty="0">
               <a:latin typeface="Times New Roman"/>
               <a:cs typeface="Times New Roman"/>
             </a:endParaRPr>
@@ -9343,8 +9374,8 @@
         </p:nvSpPr>
         <p:spPr>
           <a:xfrm>
-            <a:off x="6649419" y="7739468"/>
-            <a:ext cx="6118313" cy="461665"/>
+            <a:off x="11968955" y="13448145"/>
+            <a:ext cx="11012963" cy="1181852"/>
           </a:xfrm>
           <a:prstGeom prst="rect">
             <a:avLst/>
@@ -9352,37 +9383,48 @@
           <a:noFill/>
         </p:spPr>
         <p:txBody>
-          <a:bodyPr wrap="square" rtlCol="0">
+          <a:bodyPr wrap="square" lIns="164583" tIns="82291" rIns="164583" bIns="82291" rtlCol="0">
             <a:spAutoFit/>
           </a:bodyPr>
           <a:lstStyle/>
           <a:p>
             <a:pPr algn="just"/>
             <a:r>
-              <a:rPr lang="en-US" sz="1200" b="1" dirty="0" smtClean="0">
+              <a:rPr lang="en-US" sz="2200" b="1" dirty="0">
                 <a:latin typeface="Times New Roman"/>
                 <a:cs typeface="Times New Roman"/>
               </a:rPr>
               <a:t>Figure 1. </a:t>
             </a:r>
             <a:r>
-              <a:rPr lang="en-US" sz="1200" dirty="0" smtClean="0">
-                <a:latin typeface="Times New Roman"/>
-                <a:cs typeface="Times New Roman"/>
-              </a:rPr>
-              <a:t>Results from simulation with 100 replications.  In each replication five variables were</a:t>
-            </a:r>
-          </a:p>
-          <a:p>
-            <a:pPr algn="just"/>
-            <a:r>
-              <a:rPr lang="en-US" sz="1200" dirty="0" smtClean="0">
-                <a:latin typeface="Times New Roman"/>
-                <a:cs typeface="Times New Roman"/>
-              </a:rPr>
-              <a:t>deleted for five different knockout conditions and the MSE of the imputed values was calculated.</a:t>
-            </a:r>
-            <a:endParaRPr lang="en-US" sz="1200" dirty="0">
+              <a:rPr lang="en-US" sz="2200" dirty="0">
+                <a:latin typeface="Times New Roman"/>
+                <a:cs typeface="Times New Roman"/>
+              </a:rPr>
+              <a:t>Results from simulation with 100 replications.  </a:t>
+            </a:r>
+            <a:r>
+              <a:rPr lang="en-US" sz="2200" dirty="0">
+                <a:latin typeface="Times New Roman"/>
+                <a:cs typeface="Times New Roman"/>
+              </a:rPr>
+              <a:t>In each replication five variables </a:t>
+            </a:r>
+            <a:r>
+              <a:rPr lang="en-US" sz="2200" dirty="0" smtClean="0">
+                <a:latin typeface="Times New Roman"/>
+                <a:cs typeface="Times New Roman"/>
+              </a:rPr>
+              <a:t>were deleted </a:t>
+            </a:r>
+            <a:r>
+              <a:rPr lang="en-US" sz="2200" dirty="0">
+                <a:latin typeface="Times New Roman"/>
+                <a:cs typeface="Times New Roman"/>
+              </a:rPr>
+              <a:t>for five different knockout conditions and the MSE of the imputed values was calculated.</a:t>
+            </a:r>
+            <a:endParaRPr lang="en-US" sz="2200" dirty="0">
               <a:latin typeface="Times New Roman"/>
               <a:cs typeface="Times New Roman"/>
             </a:endParaRPr>
@@ -9397,8 +9439,8 @@
         </p:nvSpPr>
         <p:spPr>
           <a:xfrm>
-            <a:off x="13220364" y="7744636"/>
-            <a:ext cx="7391736" cy="461665"/>
+            <a:off x="23796655" y="13448145"/>
+            <a:ext cx="13305125" cy="843298"/>
           </a:xfrm>
           <a:prstGeom prst="rect">
             <a:avLst/>
@@ -9406,40 +9448,40 @@
           <a:noFill/>
         </p:spPr>
         <p:txBody>
-          <a:bodyPr wrap="square" rtlCol="0">
+          <a:bodyPr wrap="square" lIns="164583" tIns="82291" rIns="164583" bIns="82291" rtlCol="0">
             <a:spAutoFit/>
           </a:bodyPr>
           <a:lstStyle/>
           <a:p>
             <a:r>
-              <a:rPr lang="en-US" sz="1200" b="1" dirty="0" smtClean="0">
+              <a:rPr lang="en-US" sz="2200" b="1" dirty="0">
                 <a:latin typeface="Times New Roman"/>
                 <a:cs typeface="Times New Roman"/>
               </a:rPr>
               <a:t>Figure 2. </a:t>
             </a:r>
             <a:r>
-              <a:rPr lang="en-US" sz="1200" dirty="0" smtClean="0">
+              <a:rPr lang="en-US" sz="2200" dirty="0">
                 <a:latin typeface="Times New Roman"/>
                 <a:cs typeface="Times New Roman"/>
               </a:rPr>
               <a:t>Boxplots of neutrophil differential count by knockout condition. The green boxplots correspond to observed data and </a:t>
             </a:r>
             <a:r>
-              <a:rPr lang="en-US" sz="1200" dirty="0">
+              <a:rPr lang="en-US" sz="2200" dirty="0">
                 <a:latin typeface="Times New Roman"/>
                 <a:cs typeface="Times New Roman"/>
               </a:rPr>
               <a:t>t</a:t>
             </a:r>
             <a:r>
-              <a:rPr lang="en-US" sz="1200" dirty="0" smtClean="0">
+              <a:rPr lang="en-US" sz="2200" dirty="0">
                 <a:latin typeface="Times New Roman"/>
                 <a:cs typeface="Times New Roman"/>
               </a:rPr>
               <a:t>he blue boxplots correspond to predicted data.</a:t>
             </a:r>
-            <a:endParaRPr lang="en-US" sz="1200" dirty="0">
+            <a:endParaRPr lang="en-US" sz="2200" dirty="0">
               <a:latin typeface="Times New Roman"/>
               <a:cs typeface="Times New Roman"/>
             </a:endParaRPr>
@@ -9454,8 +9496,8 @@
         </p:nvSpPr>
         <p:spPr>
           <a:xfrm>
-            <a:off x="21513906" y="3697705"/>
-            <a:ext cx="5556490" cy="7232751"/>
+            <a:off x="38708590" y="6317326"/>
+            <a:ext cx="10001682" cy="13461863"/>
           </a:xfrm>
           <a:prstGeom prst="rect">
             <a:avLst/>
@@ -9463,50 +9505,43 @@
           <a:noFill/>
         </p:spPr>
         <p:txBody>
-          <a:bodyPr wrap="square" rtlCol="0">
+          <a:bodyPr wrap="square" lIns="164583" tIns="82291" rIns="164583" bIns="82291" rtlCol="0">
             <a:spAutoFit/>
           </a:bodyPr>
           <a:lstStyle/>
           <a:p>
-            <a:pPr marL="285750" indent="-285750" algn="just">
+            <a:pPr marL="514321" indent="-514321" algn="just">
               <a:buFont typeface="Arial"/>
               <a:buChar char="•"/>
             </a:pPr>
             <a:r>
-              <a:rPr lang="en-US" sz="1600" dirty="0" smtClean="0">
-                <a:latin typeface="Times New Roman"/>
-                <a:cs typeface="Times New Roman"/>
-              </a:rPr>
-              <a:t>We have predicted missing values for 5 phenotypes, using prior biological knowledge of the measurements, simple OLS and the MICE </a:t>
-            </a:r>
-            <a:r>
-              <a:rPr lang="en-US" sz="1600" dirty="0" smtClean="0">
-                <a:latin typeface="Times New Roman"/>
-                <a:cs typeface="Times New Roman"/>
-              </a:rPr>
-              <a:t>algorithm. Moreover, we have investigated possible causal interpretations of the available data by taking advantage of the experimental perturbations of the mouse gene knockouts.</a:t>
-            </a:r>
-          </a:p>
-          <a:p>
-            <a:pPr marL="285750" indent="-285750" algn="just">
+              <a:rPr lang="en-US" sz="2900" dirty="0">
+                <a:latin typeface="Times New Roman"/>
+                <a:cs typeface="Times New Roman"/>
+              </a:rPr>
+              <a:t>We have predicted missing values for 5 phenotypes, using prior biological knowledge of the phenotypic measurements, simple OLS, and the MICE algorithm. Moreover, we have investigated possible causal interpretations of the available data by taking advantage of the experimental perturbations of the mouse gene knockouts.</a:t>
+            </a:r>
+          </a:p>
+          <a:p>
+            <a:pPr marL="514321" indent="-514321" algn="just">
               <a:buFont typeface="Arial"/>
               <a:buChar char="•"/>
             </a:pPr>
             <a:r>
-              <a:rPr lang="en-US" sz="1600" dirty="0" smtClean="0">
-                <a:latin typeface="Times New Roman"/>
-                <a:cs typeface="Times New Roman"/>
-              </a:rPr>
-              <a:t>MICE assumed that the missing data were MAR or MCAR such that missing values can be imputed from the observed data. This assumption is likely to hold.</a:t>
-            </a:r>
-          </a:p>
-          <a:p>
-            <a:pPr marL="285750" indent="-285750" algn="just">
+              <a:rPr lang="en-US" sz="2900" dirty="0">
+                <a:latin typeface="Times New Roman"/>
+                <a:cs typeface="Times New Roman"/>
+              </a:rPr>
+              <a:t>MICE assumed that the missing data were MAR or MCAR suggesting that missing values can be imputed from the observed data. This assumption holds given the way the data were deleted.</a:t>
+            </a:r>
+          </a:p>
+          <a:p>
+            <a:pPr marL="514321" indent="-514321" algn="just">
               <a:buFont typeface="Arial"/>
               <a:buChar char="•"/>
             </a:pPr>
             <a:r>
-              <a:rPr lang="en-US" sz="1600" dirty="0" smtClean="0">
+              <a:rPr lang="en-US" sz="2900" dirty="0">
                 <a:latin typeface="Times New Roman"/>
                 <a:cs typeface="Times New Roman"/>
               </a:rPr>
@@ -9514,12 +9549,12 @@
             </a:r>
           </a:p>
           <a:p>
-            <a:pPr marL="285750" indent="-285750" algn="just">
+            <a:pPr marL="514321" indent="-514321" algn="just">
               <a:buFont typeface="Arial"/>
               <a:buChar char="•"/>
             </a:pPr>
             <a:r>
-              <a:rPr lang="en-US" sz="1600" dirty="0" smtClean="0">
+              <a:rPr lang="en-US" sz="2900" dirty="0">
                 <a:latin typeface="Times New Roman"/>
                 <a:cs typeface="Times New Roman"/>
               </a:rPr>
@@ -9527,78 +9562,60 @@
             </a:r>
           </a:p>
           <a:p>
-            <a:pPr marL="285750" indent="-285750" algn="just">
+            <a:pPr marL="514321" indent="-514321" algn="just">
               <a:buFont typeface="Arial"/>
               <a:buChar char="•"/>
             </a:pPr>
             <a:r>
-              <a:rPr lang="en-US" sz="1600" dirty="0" smtClean="0">
-                <a:latin typeface="Times New Roman"/>
-                <a:cs typeface="Times New Roman"/>
-              </a:rPr>
-              <a:t>The MICE algorithm was used to investigate causal relationships for phenotypic measurements with missing values. This approach allowed incorporating uncertainty of the predicted values and prevented the finding of spurious associations. This also constituted a strength of our method.</a:t>
-            </a:r>
-          </a:p>
-          <a:p>
-            <a:pPr marL="285750" indent="-285750" algn="just">
+              <a:rPr lang="en-US" sz="2900" dirty="0">
+                <a:latin typeface="Times New Roman"/>
+                <a:cs typeface="Times New Roman"/>
+              </a:rPr>
+              <a:t>The MICE algorithm was used to investigate causal relationships for phenotypic measurements with missing values. This approach took into account uncertainty in the predicted values and prevented the finding of spurious associations. This also constituted a strength of our method.</a:t>
+            </a:r>
+          </a:p>
+          <a:p>
+            <a:pPr marL="514321" indent="-514321" algn="just">
               <a:buFont typeface="Arial"/>
               <a:buChar char="•"/>
             </a:pPr>
             <a:r>
-              <a:rPr lang="en-US" sz="1600" dirty="0" smtClean="0">
-                <a:latin typeface="Times New Roman"/>
-                <a:cs typeface="Times New Roman"/>
-              </a:rPr>
-              <a:t>It was not clear whether the causal relationships found by our method wer</a:t>
-            </a:r>
-            <a:r>
-              <a:rPr lang="en-US" sz="1600" dirty="0" smtClean="0">
-                <a:latin typeface="Times New Roman"/>
-                <a:cs typeface="Times New Roman"/>
-              </a:rPr>
-              <a:t>e direct or indirect i.e. other measured (or unmeasured) biological elements may be on the causal pathway.</a:t>
-            </a:r>
-          </a:p>
-          <a:p>
-            <a:pPr marL="285750" indent="-285750" algn="just">
+              <a:rPr lang="en-US" sz="2900" dirty="0">
+                <a:latin typeface="Times New Roman"/>
+                <a:cs typeface="Times New Roman"/>
+              </a:rPr>
+              <a:t>It was not clear whether the causal relationships found by our method were direct or indirect i.e. other measured (or unmeasured) biological elements may be on the causal pathway.</a:t>
+            </a:r>
+          </a:p>
+          <a:p>
+            <a:pPr marL="514321" indent="-514321" algn="just">
               <a:buFont typeface="Arial"/>
               <a:buChar char="•"/>
             </a:pPr>
             <a:r>
-              <a:rPr lang="en-US" sz="1600" dirty="0" smtClean="0">
-                <a:latin typeface="Times New Roman"/>
-                <a:cs typeface="Times New Roman"/>
-              </a:rPr>
-              <a:t>Our approach did not allow inferring causal relationships between the 22 phenotypic measurements.</a:t>
-            </a:r>
-            <a:endParaRPr lang="en-US" sz="1600" dirty="0">
+              <a:rPr lang="en-US" sz="2900" dirty="0">
+                <a:latin typeface="Times New Roman"/>
+                <a:cs typeface="Times New Roman"/>
+              </a:rPr>
+              <a:t>Our approach did not allow inferring causal relationships between the 22 phenotypic measurements. However, a few interesting associations were observed.</a:t>
+            </a:r>
+            <a:endParaRPr lang="en-US" sz="2900" dirty="0">
               <a:latin typeface="Times New Roman"/>
               <a:cs typeface="Times New Roman"/>
             </a:endParaRPr>
           </a:p>
           <a:p>
-            <a:pPr marL="285750" indent="-285750" algn="just">
+            <a:pPr marL="514321" indent="-514321" algn="just">
               <a:buFont typeface="Arial"/>
               <a:buChar char="•"/>
             </a:pPr>
             <a:r>
-              <a:rPr lang="en-US" sz="1600" dirty="0" smtClean="0">
-                <a:latin typeface="Times New Roman"/>
-                <a:cs typeface="Times New Roman"/>
-              </a:rPr>
-              <a:t>Temporality was an issue for drawing causal relationships among </a:t>
-            </a:r>
-            <a:r>
-              <a:rPr lang="en-US" sz="1600" dirty="0" smtClean="0">
-                <a:latin typeface="Times New Roman"/>
-                <a:cs typeface="Times New Roman"/>
-              </a:rPr>
-              <a:t>phenotypes.</a:t>
-            </a:r>
-            <a:endParaRPr lang="en-US" sz="1600" dirty="0" smtClean="0">
-              <a:latin typeface="Times New Roman"/>
-              <a:cs typeface="Times New Roman"/>
-            </a:endParaRPr>
+              <a:rPr lang="en-US" sz="2900" dirty="0">
+                <a:latin typeface="Times New Roman"/>
+                <a:cs typeface="Times New Roman"/>
+              </a:rPr>
+              <a:t>Temporality was an issue for drawing causal relationships among phenotypes.</a:t>
+            </a:r>
           </a:p>
         </p:txBody>
       </p:sp>
@@ -9610,8 +9627,8 @@
         </p:nvSpPr>
         <p:spPr>
           <a:xfrm>
-            <a:off x="21513906" y="12460889"/>
-            <a:ext cx="5693024" cy="461665"/>
+            <a:off x="38725031" y="22251320"/>
+            <a:ext cx="10247443" cy="830979"/>
           </a:xfrm>
           <a:prstGeom prst="rect">
             <a:avLst/>
@@ -9619,20 +9636,20 @@
           <a:noFill/>
         </p:spPr>
         <p:txBody>
-          <a:bodyPr wrap="square" rtlCol="0">
+          <a:bodyPr wrap="square" lIns="164583" tIns="82291" rIns="164583" bIns="82291" rtlCol="0">
             <a:spAutoFit/>
           </a:bodyPr>
           <a:lstStyle/>
           <a:p>
             <a:pPr algn="ctr"/>
             <a:r>
-              <a:rPr lang="en-US" sz="2400" b="1" dirty="0" smtClean="0">
+              <a:rPr lang="en-US" sz="4300" b="1" dirty="0">
                 <a:latin typeface="Times New Roman"/>
                 <a:cs typeface="Times New Roman"/>
               </a:rPr>
               <a:t>Acknowledgements</a:t>
             </a:r>
-            <a:endParaRPr lang="en-US" sz="2400" b="1" dirty="0">
+            <a:endParaRPr lang="en-US" sz="4300" b="1" dirty="0">
               <a:latin typeface="Times New Roman"/>
               <a:cs typeface="Times New Roman"/>
             </a:endParaRPr>
@@ -9647,8 +9664,8 @@
         </p:nvSpPr>
         <p:spPr>
           <a:xfrm>
-            <a:off x="21473796" y="12987132"/>
-            <a:ext cx="5724000" cy="1169551"/>
+            <a:off x="38652833" y="23071537"/>
+            <a:ext cx="10303200" cy="2105147"/>
           </a:xfrm>
           <a:prstGeom prst="rect">
             <a:avLst/>
@@ -9656,114 +9673,89 @@
           <a:noFill/>
         </p:spPr>
         <p:txBody>
-          <a:bodyPr wrap="square" rtlCol="0">
+          <a:bodyPr wrap="square" lIns="164583" tIns="82291" rIns="164583" bIns="82291" rtlCol="0">
             <a:spAutoFit/>
           </a:bodyPr>
           <a:lstStyle/>
           <a:p>
             <a:pPr algn="just"/>
             <a:r>
-              <a:rPr lang="en-US" sz="1400" dirty="0" smtClean="0">
+              <a:rPr lang="en-US" sz="2500" dirty="0">
                 <a:latin typeface="Times New Roman"/>
                 <a:cs typeface="Times New Roman"/>
               </a:rPr>
               <a:t>GS would like to thank her PhD supervisors, Dr. Erica </a:t>
             </a:r>
             <a:r>
-              <a:rPr lang="en-US" sz="1400" dirty="0" err="1" smtClean="0">
+              <a:rPr lang="en-US" sz="2500" dirty="0" err="1">
                 <a:latin typeface="Times New Roman"/>
                 <a:cs typeface="Times New Roman"/>
               </a:rPr>
               <a:t>Moodie</a:t>
             </a:r>
             <a:r>
-              <a:rPr lang="en-US" sz="1400" dirty="0" smtClean="0">
-                <a:latin typeface="Times New Roman"/>
-                <a:cs typeface="Times New Roman"/>
-              </a:rPr>
-              <a:t> and Dr. Robert Platt, for giving her the opportunity to participate in this competition. KM would like to thank his PhD supervisors Celia </a:t>
-            </a:r>
-            <a:r>
-              <a:rPr lang="en-US" sz="1400" dirty="0" err="1" smtClean="0">
-                <a:latin typeface="Times New Roman"/>
-                <a:cs typeface="Times New Roman"/>
-              </a:rPr>
-              <a:t>Geenwood</a:t>
-            </a:r>
-            <a:r>
-              <a:rPr lang="en-US" sz="1400" dirty="0" smtClean="0">
-                <a:latin typeface="Times New Roman"/>
-                <a:cs typeface="Times New Roman"/>
-              </a:rPr>
-              <a:t> and </a:t>
-            </a:r>
-            <a:r>
-              <a:rPr lang="en-US" sz="1400" dirty="0" err="1" smtClean="0">
+              <a:rPr lang="en-US" sz="2500" dirty="0">
+                <a:latin typeface="Times New Roman"/>
+                <a:cs typeface="Times New Roman"/>
+              </a:rPr>
+              <a:t> and Dr. Robert Platt, for giving her the opportunity to participate in this competition. KM would like to thank his PhD supervisors Dr. Celia Greenwood and Dr. </a:t>
+            </a:r>
+            <a:r>
+              <a:rPr lang="en-US" sz="2500" dirty="0" err="1">
                 <a:latin typeface="Times New Roman"/>
                 <a:cs typeface="Times New Roman"/>
               </a:rPr>
               <a:t>Aurélie</a:t>
             </a:r>
             <a:r>
-              <a:rPr lang="en-US" sz="1400" dirty="0" smtClean="0">
+              <a:rPr lang="en-US" sz="2500" dirty="0">
                 <a:latin typeface="Times New Roman"/>
                 <a:cs typeface="Times New Roman"/>
               </a:rPr>
               <a:t> </a:t>
             </a:r>
             <a:r>
-              <a:rPr lang="en-US" sz="1400" dirty="0" err="1" smtClean="0">
+              <a:rPr lang="en-US" sz="2500" dirty="0" err="1">
                 <a:latin typeface="Times New Roman"/>
                 <a:cs typeface="Times New Roman"/>
               </a:rPr>
               <a:t>Labbe</a:t>
             </a:r>
             <a:r>
-              <a:rPr lang="en-US" sz="1400" dirty="0" smtClean="0">
+              <a:rPr lang="en-US" sz="2500" dirty="0">
                 <a:latin typeface="Times New Roman"/>
                 <a:cs typeface="Times New Roman"/>
               </a:rPr>
               <a:t>. We would also like to thank Claudia </a:t>
             </a:r>
             <a:r>
-              <a:rPr lang="en-US" sz="1400" dirty="0" err="1" smtClean="0">
+              <a:rPr lang="en-US" sz="2500" dirty="0" err="1">
                 <a:latin typeface="Times New Roman"/>
                 <a:cs typeface="Times New Roman"/>
               </a:rPr>
               <a:t>Kleinman</a:t>
             </a:r>
             <a:r>
-              <a:rPr lang="en-US" sz="1400" dirty="0" smtClean="0">
+              <a:rPr lang="en-US" sz="2500" dirty="0">
                 <a:latin typeface="Times New Roman"/>
                 <a:cs typeface="Times New Roman"/>
               </a:rPr>
               <a:t> for her precious insights on the biological interpretations</a:t>
             </a:r>
             <a:r>
-              <a:rPr lang="en-US" sz="1400" dirty="0">
+              <a:rPr lang="en-US" sz="2500" dirty="0">
                 <a:latin typeface="Times New Roman"/>
                 <a:cs typeface="Times New Roman"/>
               </a:rPr>
               <a:t> </a:t>
             </a:r>
             <a:r>
-              <a:rPr lang="en-US" sz="1400" dirty="0" smtClean="0">
-                <a:latin typeface="Times New Roman"/>
-                <a:cs typeface="Times New Roman"/>
-              </a:rPr>
-              <a:t>of the studied phenotypes</a:t>
-            </a:r>
-            <a:r>
-              <a:rPr lang="en-US" sz="1400" dirty="0" smtClean="0">
-                <a:latin typeface="Times New Roman"/>
-                <a:cs typeface="Times New Roman"/>
-              </a:rPr>
-              <a:t>.</a:t>
-            </a:r>
-            <a:endParaRPr lang="en-US" sz="1400" dirty="0" smtClean="0">
-              <a:latin typeface="Times New Roman"/>
-              <a:cs typeface="Times New Roman"/>
-            </a:endParaRPr>
+              <a:rPr lang="en-US" sz="2500" dirty="0">
+                <a:latin typeface="Times New Roman"/>
+                <a:cs typeface="Times New Roman"/>
+              </a:rPr>
+              <a:t>of the studied phenotypes.</a:t>
+            </a:r>
           </a:p>
         </p:txBody>
       </p:sp>
@@ -9775,8 +9767,8 @@
         </p:nvSpPr>
         <p:spPr>
           <a:xfrm>
-            <a:off x="270941" y="12985322"/>
-            <a:ext cx="5658063" cy="3293209"/>
+            <a:off x="487695" y="23373080"/>
+            <a:ext cx="10184513" cy="5927649"/>
           </a:xfrm>
           <a:prstGeom prst="rect">
             <a:avLst/>
@@ -9784,13 +9776,13 @@
           <a:noFill/>
         </p:spPr>
         <p:txBody>
-          <a:bodyPr wrap="square" rtlCol="0">
+          <a:bodyPr wrap="square" lIns="164583" tIns="82291" rIns="164583" bIns="82291" rtlCol="0">
             <a:spAutoFit/>
           </a:bodyPr>
           <a:lstStyle/>
           <a:p>
             <a:pPr algn="just"/>
-            <a:endParaRPr lang="en-US" sz="1600" dirty="0" smtClean="0">
+            <a:endParaRPr lang="en-US" sz="2900" dirty="0">
               <a:latin typeface="Times New Roman"/>
               <a:cs typeface="Times New Roman"/>
             </a:endParaRPr>
@@ -9798,95 +9790,81 @@
           <a:p>
             <a:pPr algn="just"/>
             <a:r>
-              <a:rPr lang="en-US" sz="1600" dirty="0" smtClean="0">
-                <a:latin typeface="Times New Roman"/>
-                <a:cs typeface="Times New Roman"/>
-              </a:rPr>
-              <a:t>Causal relationships </a:t>
-            </a:r>
-            <a:r>
-              <a:rPr lang="en-US" sz="1600" dirty="0" smtClean="0">
-                <a:latin typeface="Times New Roman"/>
-                <a:cs typeface="Times New Roman"/>
-              </a:rPr>
-              <a:t>were </a:t>
-            </a:r>
-            <a:r>
-              <a:rPr lang="en-US" sz="1600" dirty="0" smtClean="0">
-                <a:latin typeface="Times New Roman"/>
-                <a:cs typeface="Times New Roman"/>
-              </a:rPr>
-              <a:t>investigated separately for each of the 22 phenotypic measurements:</a:t>
-            </a:r>
-          </a:p>
-          <a:p>
-            <a:pPr marL="285750" indent="-285750" algn="just">
+              <a:rPr lang="en-US" sz="2900" dirty="0">
+                <a:latin typeface="Times New Roman"/>
+                <a:cs typeface="Times New Roman"/>
+              </a:rPr>
+              <a:t>Causal relationships were investigated separately for each of the 22 phenotypic measurements:</a:t>
+            </a:r>
+          </a:p>
+          <a:p>
+            <a:pPr marL="514321" indent="-514321" algn="just">
               <a:buFont typeface="Arial"/>
               <a:buChar char="•"/>
             </a:pPr>
             <a:r>
-              <a:rPr lang="en-US" sz="1600" dirty="0" smtClean="0">
-                <a:latin typeface="Times New Roman"/>
-                <a:cs typeface="Times New Roman"/>
-              </a:rPr>
-              <a:t>A simple linear regression model was applied to estimate the effect of the knockout conditions on each phenotype. For phenotypes </a:t>
-            </a:r>
-            <a:r>
-              <a:rPr lang="en-US" sz="1600" dirty="0" smtClean="0">
-                <a:latin typeface="Times New Roman"/>
-                <a:cs typeface="Times New Roman"/>
-              </a:rPr>
-              <a:t>with missing values, </a:t>
-            </a:r>
-            <a:r>
-              <a:rPr lang="en-US" sz="1600" dirty="0" smtClean="0">
-                <a:latin typeface="Times New Roman"/>
-                <a:cs typeface="Times New Roman"/>
-              </a:rPr>
-              <a:t>the MICE algorithm was used to incorporate uncertainty of the predicted values.</a:t>
-            </a:r>
-          </a:p>
-          <a:p>
-            <a:pPr marL="285750" indent="-285750" algn="just">
+              <a:rPr lang="en-US" sz="2900" dirty="0">
+                <a:latin typeface="Times New Roman"/>
+                <a:cs typeface="Times New Roman"/>
+              </a:rPr>
+              <a:t>A simple linear regression model was applied to estimate the effect of the knockout conditions on each phenotype. For phenotypes with missing values, the MICE algorithm was used to incorporate uncertainty of the predicted values.</a:t>
+            </a:r>
+          </a:p>
+          <a:p>
+            <a:pPr marL="514321" indent="-514321" algn="just">
               <a:buFont typeface="Arial"/>
               <a:buChar char="•"/>
             </a:pPr>
             <a:r>
-              <a:rPr lang="en-US" sz="1600" dirty="0" smtClean="0">
-                <a:latin typeface="Times New Roman"/>
-                <a:cs typeface="Times New Roman"/>
-              </a:rPr>
-              <a:t>The Sandwich Estimator [2] was used to estimate the variance of the effect size as litters was not considered in the models.</a:t>
-            </a:r>
-          </a:p>
-          <a:p>
-            <a:pPr marL="285750" indent="-285750" algn="just">
+              <a:rPr lang="en-US" sz="2900" dirty="0">
+                <a:latin typeface="Times New Roman"/>
+                <a:cs typeface="Times New Roman"/>
+              </a:rPr>
+              <a:t>The </a:t>
+            </a:r>
+            <a:r>
+              <a:rPr lang="en-US" sz="2900" b="1" dirty="0">
+                <a:latin typeface="Times New Roman"/>
+                <a:cs typeface="Times New Roman"/>
+              </a:rPr>
+              <a:t>Sandwich Estimator </a:t>
+            </a:r>
+            <a:r>
+              <a:rPr lang="en-US" sz="2900" dirty="0">
+                <a:latin typeface="Times New Roman"/>
+                <a:cs typeface="Times New Roman"/>
+              </a:rPr>
+              <a:t>[2] was used to estimate the variance of the effect size to account for clustering by litter.</a:t>
+            </a:r>
+          </a:p>
+          <a:p>
+            <a:pPr marL="514321" indent="-514321" algn="just">
               <a:buFont typeface="Arial"/>
               <a:buChar char="•"/>
             </a:pPr>
             <a:r>
-              <a:rPr lang="en-US" sz="1600" dirty="0">
+              <a:rPr lang="en-US" sz="2900" dirty="0">
                 <a:latin typeface="Times New Roman"/>
                 <a:cs typeface="Times New Roman"/>
               </a:rPr>
               <a:t>Significant causal relationships were identified </a:t>
             </a:r>
             <a:r>
-              <a:rPr lang="en-US" sz="1600" dirty="0" smtClean="0">
+              <a:rPr lang="en-US" sz="2900" dirty="0">
                 <a:latin typeface="Times New Roman"/>
                 <a:cs typeface="Times New Roman"/>
               </a:rPr>
               <a:t>after a </a:t>
             </a:r>
             <a:r>
-              <a:rPr lang="en-US" sz="1600" dirty="0" err="1" smtClean="0">
+              <a:rPr lang="en-US" sz="2900" dirty="0" err="1">
                 <a:latin typeface="Times New Roman"/>
                 <a:cs typeface="Times New Roman"/>
               </a:rPr>
               <a:t>Bonferroni</a:t>
             </a:r>
             <a:r>
-              <a:rPr lang="en-US" sz="1600" dirty="0" smtClean="0">
+              <a:rPr lang="en-US" sz="2900" dirty="0">
                 <a:latin typeface="Times New Roman"/>
                 <a:cs typeface="Times New Roman"/>
               </a:rPr>
@@ -9894,12 +9872,12 @@
             </a:r>
           </a:p>
           <a:p>
-            <a:pPr marL="285750" indent="-285750" algn="just">
+            <a:pPr marL="514321" indent="-514321" algn="just">
               <a:buFont typeface="Arial"/>
               <a:buChar char="•"/>
             </a:pPr>
             <a:r>
-              <a:rPr lang="en-US" sz="1600" dirty="0" smtClean="0">
+              <a:rPr lang="en-US" sz="2900" dirty="0">
                 <a:latin typeface="Times New Roman"/>
                 <a:cs typeface="Times New Roman"/>
               </a:rPr>
@@ -9930,8 +9908,8 @@
         </p:blipFill>
         <p:spPr>
           <a:xfrm>
-            <a:off x="18171761" y="8905803"/>
-            <a:ext cx="2879183" cy="1793468"/>
+            <a:off x="32709171" y="16030102"/>
+            <a:ext cx="5182529" cy="3228173"/>
           </a:xfrm>
           <a:prstGeom prst="rect">
             <a:avLst/>
@@ -9946,8 +9924,8 @@
         </p:nvSpPr>
         <p:spPr>
           <a:xfrm>
-            <a:off x="18294456" y="10843567"/>
-            <a:ext cx="2843214" cy="461665"/>
+            <a:off x="33291378" y="19372685"/>
+            <a:ext cx="4171759" cy="1181852"/>
           </a:xfrm>
           <a:prstGeom prst="rect">
             <a:avLst/>
@@ -9955,33 +9933,33 @@
           <a:noFill/>
         </p:spPr>
         <p:txBody>
-          <a:bodyPr wrap="square" rtlCol="0">
+          <a:bodyPr wrap="square" lIns="164583" tIns="82291" rIns="164583" bIns="82291" rtlCol="0">
             <a:spAutoFit/>
           </a:bodyPr>
           <a:lstStyle/>
           <a:p>
             <a:r>
-              <a:rPr lang="en-US" sz="1200" b="1" dirty="0" smtClean="0">
+              <a:rPr lang="en-US" sz="2200" b="1" dirty="0">
                 <a:latin typeface="Times New Roman"/>
                 <a:cs typeface="Times New Roman"/>
               </a:rPr>
               <a:t>Figure 3. </a:t>
             </a:r>
             <a:r>
-              <a:rPr lang="en-US" sz="1200" dirty="0">
+              <a:rPr lang="en-US" sz="2200" dirty="0">
                 <a:latin typeface="Times New Roman"/>
                 <a:cs typeface="Times New Roman"/>
               </a:rPr>
               <a:t> </a:t>
             </a:r>
             <a:r>
-              <a:rPr lang="en-US" sz="1200" dirty="0" smtClean="0">
-                <a:latin typeface="Times New Roman"/>
-                <a:cs typeface="Times New Roman"/>
-              </a:rPr>
-              <a:t>Range of components of mouse blood [4]</a:t>
-            </a:r>
-            <a:endParaRPr lang="en-US" sz="1200" dirty="0">
+              <a:rPr lang="en-US" sz="2200" dirty="0">
+                <a:latin typeface="Times New Roman"/>
+                <a:cs typeface="Times New Roman"/>
+              </a:rPr>
+              <a:t>Range of proportions of  components of mouse blood [4]</a:t>
+            </a:r>
+            <a:endParaRPr lang="en-US" sz="2200" dirty="0">
               <a:latin typeface="Times New Roman"/>
               <a:cs typeface="Times New Roman"/>
             </a:endParaRPr>
@@ -9996,8 +9974,8 @@
         </p:nvSpPr>
         <p:spPr>
           <a:xfrm>
-            <a:off x="6463600" y="13321786"/>
-            <a:ext cx="7177159" cy="2062103"/>
+            <a:off x="11634481" y="23744402"/>
+            <a:ext cx="12918886" cy="5484461"/>
           </a:xfrm>
           <a:prstGeom prst="rect">
             <a:avLst/>
@@ -10005,24 +9983,24 @@
           <a:noFill/>
         </p:spPr>
         <p:txBody>
-          <a:bodyPr wrap="square" rtlCol="0">
+          <a:bodyPr wrap="square" lIns="164583" tIns="82291" rIns="164583" bIns="82291" rtlCol="0">
             <a:spAutoFit/>
           </a:bodyPr>
           <a:lstStyle/>
           <a:p>
-            <a:pPr marL="285750" indent="-285750" algn="just">
+            <a:pPr marL="514321" indent="-514321" algn="just">
               <a:buFont typeface="Arial"/>
               <a:buChar char="•"/>
             </a:pPr>
             <a:r>
-              <a:rPr lang="en-US" sz="1600" dirty="0" smtClean="0">
+              <a:rPr lang="en-US" sz="2900" dirty="0">
                 <a:latin typeface="Times New Roman"/>
                 <a:cs typeface="Times New Roman"/>
               </a:rPr>
               <a:t>Each phenotypic variable falls into one of three categories: </a:t>
             </a:r>
             <a:r>
-              <a:rPr lang="en-US" sz="1600" dirty="0" smtClean="0">
+              <a:rPr lang="en-US" sz="2900" dirty="0">
                 <a:solidFill>
                   <a:srgbClr val="FF0000"/>
                 </a:solidFill>
@@ -10032,14 +10010,14 @@
               <a:t>red blood cells</a:t>
             </a:r>
             <a:r>
-              <a:rPr lang="en-US" sz="1600" dirty="0" smtClean="0">
+              <a:rPr lang="en-US" sz="2900" dirty="0">
                 <a:latin typeface="Times New Roman"/>
                 <a:cs typeface="Times New Roman"/>
               </a:rPr>
               <a:t>,</a:t>
             </a:r>
             <a:r>
-              <a:rPr lang="en-US" sz="1600" dirty="0" smtClean="0">
+              <a:rPr lang="en-US" sz="2900" dirty="0">
                 <a:solidFill>
                   <a:srgbClr val="FF0000"/>
                 </a:solidFill>
@@ -10049,7 +10027,7 @@
               <a:t> </a:t>
             </a:r>
             <a:r>
-              <a:rPr lang="en-US" sz="1600" dirty="0" smtClean="0">
+              <a:rPr lang="en-US" sz="2900" dirty="0">
                 <a:solidFill>
                   <a:schemeClr val="accent5"/>
                 </a:solidFill>
@@ -10059,14 +10037,14 @@
               <a:t>white blood cells</a:t>
             </a:r>
             <a:r>
-              <a:rPr lang="en-US" sz="1600" dirty="0" smtClean="0">
+              <a:rPr lang="en-US" sz="2900" dirty="0">
                 <a:latin typeface="Times New Roman"/>
                 <a:cs typeface="Times New Roman"/>
               </a:rPr>
               <a:t>, and</a:t>
             </a:r>
             <a:r>
-              <a:rPr lang="en-US" sz="1600" dirty="0" smtClean="0">
+              <a:rPr lang="en-US" sz="2900" dirty="0">
                 <a:solidFill>
                   <a:schemeClr val="accent5"/>
                 </a:solidFill>
@@ -10076,7 +10054,7 @@
               <a:t> </a:t>
             </a:r>
             <a:r>
-              <a:rPr lang="en-US" sz="1600" dirty="0" smtClean="0">
+              <a:rPr lang="en-US" sz="2900" dirty="0">
                 <a:solidFill>
                   <a:srgbClr val="045C0E"/>
                 </a:solidFill>
@@ -10086,7 +10064,7 @@
               <a:t>platelets. </a:t>
             </a:r>
             <a:r>
-              <a:rPr lang="en-US" sz="1600" dirty="0" smtClean="0">
+              <a:rPr lang="en-US" sz="2900" dirty="0">
                 <a:solidFill>
                   <a:srgbClr val="000000"/>
                 </a:solidFill>
@@ -10097,25 +10075,25 @@
             </a:r>
           </a:p>
           <a:p>
-            <a:pPr marL="285750" indent="-285750" algn="just">
+            <a:pPr marL="514321" indent="-514321" algn="just">
               <a:buFont typeface="Arial"/>
               <a:buChar char="•"/>
             </a:pPr>
             <a:r>
-              <a:rPr lang="en-US" sz="1600" dirty="0" smtClean="0">
-                <a:latin typeface="Times New Roman"/>
-                <a:cs typeface="Times New Roman"/>
-              </a:rPr>
-              <a:t>Many associations appear due to construction of variables (i.e. lymphocyte cell count and lymphocyte differential count)</a:t>
-            </a:r>
-          </a:p>
-          <a:p>
-            <a:pPr marL="285750" indent="-285750" algn="just">
+              <a:rPr lang="en-US" sz="2900" dirty="0">
+                <a:latin typeface="Times New Roman"/>
+                <a:cs typeface="Times New Roman"/>
+              </a:rPr>
+              <a:t>Many associations appear due to construction of variables (i.e. lymphocyte cell count and lymphocyte differential count; red blood cell count and mean cell volume)</a:t>
+            </a:r>
+          </a:p>
+          <a:p>
+            <a:pPr marL="514321" indent="-514321" algn="just">
               <a:buFont typeface="Arial"/>
               <a:buChar char="•"/>
             </a:pPr>
             <a:r>
-              <a:rPr lang="en-US" sz="1600" dirty="0" smtClean="0">
+              <a:rPr lang="en-US" sz="2900" dirty="0">
                 <a:latin typeface="Times New Roman"/>
                 <a:cs typeface="Times New Roman"/>
               </a:rPr>
@@ -10123,16 +10101,29 @@
             </a:r>
           </a:p>
           <a:p>
-            <a:pPr marL="285750" indent="-285750" algn="just">
+            <a:pPr marL="514321" indent="-514321" algn="just">
               <a:buFont typeface="Arial"/>
               <a:buChar char="•"/>
             </a:pPr>
             <a:r>
-              <a:rPr lang="en-US" sz="1600" dirty="0" smtClean="0">
+              <a:rPr lang="en-US" sz="2900" dirty="0">
                 <a:latin typeface="Times New Roman"/>
                 <a:cs typeface="Times New Roman"/>
               </a:rPr>
               <a:t>Size of the relative percentage of a white blood cell type can influence whether a change in that cell type’s differential count is associated with genotype.</a:t>
+            </a:r>
+          </a:p>
+          <a:p>
+            <a:pPr marL="514321" indent="-514321" algn="just">
+              <a:buFont typeface="Arial"/>
+              <a:buChar char="•"/>
+            </a:pPr>
+            <a:r>
+              <a:rPr lang="en-US" sz="2900" dirty="0">
+                <a:latin typeface="Times New Roman"/>
+                <a:cs typeface="Times New Roman"/>
+              </a:rPr>
+              <a:t>Hemoglobin and red blood cell measures appear to be closely related, though implying more meaningful causal relationships would likely require more investigation.</a:t>
             </a:r>
           </a:p>
         </p:txBody>
@@ -10159,8 +10150,8 @@
         </p:blipFill>
         <p:spPr>
           <a:xfrm>
-            <a:off x="22274724" y="1584328"/>
-            <a:ext cx="4355179" cy="1081873"/>
+            <a:off x="40094504" y="2851730"/>
+            <a:ext cx="7839322" cy="1947330"/>
           </a:xfrm>
           <a:prstGeom prst="rect">
             <a:avLst/>
@@ -10175,8 +10166,8 @@
         </p:nvSpPr>
         <p:spPr>
           <a:xfrm>
-            <a:off x="217784" y="982164"/>
-            <a:ext cx="26852612" cy="584776"/>
+            <a:off x="392011" y="1767857"/>
+            <a:ext cx="48334702" cy="1052574"/>
           </a:xfrm>
           <a:prstGeom prst="rect">
             <a:avLst/>
@@ -10184,14 +10175,14 @@
           <a:noFill/>
         </p:spPr>
         <p:txBody>
-          <a:bodyPr wrap="square" rtlCol="0">
+          <a:bodyPr wrap="square" lIns="164583" tIns="82291" rIns="164583" bIns="82291" rtlCol="0">
             <a:spAutoFit/>
           </a:bodyPr>
           <a:lstStyle/>
           <a:p>
             <a:pPr algn="ctr"/>
             <a:r>
-              <a:rPr lang="en-US" sz="3200" b="1" dirty="0" smtClean="0">
+              <a:rPr lang="en-US" sz="5800" b="1" dirty="0">
                 <a:solidFill>
                   <a:srgbClr val="DA0000"/>
                 </a:solidFill>
@@ -10201,7 +10192,7 @@
               <a:t>Team name: The </a:t>
             </a:r>
             <a:r>
-              <a:rPr lang="en-US" sz="3200" b="1" dirty="0" err="1" smtClean="0">
+              <a:rPr lang="en-US" sz="5800" b="1" dirty="0" err="1">
                 <a:solidFill>
                   <a:srgbClr val="DA0000"/>
                 </a:solidFill>
@@ -10210,13 +10201,45 @@
               </a:rPr>
               <a:t>Noncompliers</a:t>
             </a:r>
-            <a:endParaRPr lang="en-US" sz="3200" b="1" dirty="0">
+            <a:endParaRPr lang="en-US" sz="5800" b="1" dirty="0">
               <a:solidFill>
                 <a:srgbClr val="DA0000"/>
               </a:solidFill>
               <a:latin typeface="Times New Roman"/>
               <a:cs typeface="Times New Roman"/>
             </a:endParaRPr>
+          </a:p>
+        </p:txBody>
+      </p:sp>
+      <p:sp>
+        <p:nvSpPr>
+          <p:cNvPr id="30" name="TextBox 29"/>
+          <p:cNvSpPr txBox="1"/>
+          <p:nvPr/>
+        </p:nvSpPr>
+        <p:spPr>
+          <a:xfrm>
+            <a:off x="31019306" y="28524347"/>
+            <a:ext cx="6885675" cy="504743"/>
+          </a:xfrm>
+          <a:prstGeom prst="rect">
+            <a:avLst/>
+          </a:prstGeom>
+          <a:noFill/>
+        </p:spPr>
+        <p:txBody>
+          <a:bodyPr wrap="square" lIns="164583" tIns="82291" rIns="164583" bIns="82291" rtlCol="0">
+            <a:spAutoFit/>
+          </a:bodyPr>
+          <a:lstStyle/>
+          <a:p>
+            <a:r>
+              <a:rPr lang="en-US" sz="2200" dirty="0">
+                <a:latin typeface="Times New Roman"/>
+                <a:cs typeface="Times New Roman"/>
+              </a:rPr>
+              <a:t>All analyses were performed using R statistical software.</a:t>
+            </a:r>
           </a:p>
         </p:txBody>
       </p:sp>
